--- a/PPT/chapter6.pptx
+++ b/PPT/chapter6.pptx
@@ -2,7 +2,7 @@
 <file path=ppt/presentation.xml><?xml version="1.0" encoding="utf-8"?>
 <p:presentation xmlns:a="http://schemas.openxmlformats.org/drawingml/2006/main" xmlns:r="http://schemas.openxmlformats.org/officeDocument/2006/relationships" xmlns:p="http://schemas.openxmlformats.org/presentationml/2006/main" saveSubsetFonts="1">
   <p:sldMasterIdLst>
-    <p:sldMasterId id="2147483648" r:id="rId1"/>
+    <p:sldMasterId id="2147483661" r:id="rId1"/>
   </p:sldMasterIdLst>
   <p:notesMasterIdLst>
     <p:notesMasterId r:id="rId32"/>
@@ -11,7 +11,7 @@
     <p:handoutMasterId r:id="rId33"/>
   </p:handoutMasterIdLst>
   <p:sldIdLst>
-    <p:sldId id="260" r:id="rId2"/>
+    <p:sldId id="368" r:id="rId2"/>
     <p:sldId id="366" r:id="rId3"/>
     <p:sldId id="257" r:id="rId4"/>
     <p:sldId id="286" r:id="rId5"/>
@@ -1220,14 +1220,14 @@
           <pc:chgData name="Scruel Tao" userId="5ea5c98d59b44d4b" providerId="LiveId" clId="{2BA6F94F-59B6-4AA6-9DB6-4A8227DBE37E}" dt="2023-04-03T03:34:53.033" v="335" actId="1076"/>
           <pc:sldLayoutMkLst>
             <pc:docMk/>
-            <pc:sldMasterMk cId="1766057859" sldId="2147483648"/>
+            <pc:sldMasterMk cId="3116067069" sldId="2147483661"/>
             <pc:sldLayoutMk cId="1337634028" sldId="2147483660"/>
           </pc:sldLayoutMkLst>
           <pc:spChg chg="del mod">
             <ac:chgData name="Scruel Tao" userId="5ea5c98d59b44d4b" providerId="LiveId" clId="{2BA6F94F-59B6-4AA6-9DB6-4A8227DBE37E}" dt="2023-04-03T03:27:47.594" v="278" actId="478"/>
             <ac:spMkLst>
               <pc:docMk/>
-              <pc:sldMasterMk cId="1766057859" sldId="2147483648"/>
+              <pc:sldMasterMk cId="3116067069" sldId="2147483661"/>
               <pc:sldLayoutMk cId="1337634028" sldId="2147483660"/>
               <ac:spMk id="19468" creationId="{418CE5A5-515B-CEAB-D160-CBAFEBF4837F}"/>
             </ac:spMkLst>
@@ -1236,7 +1236,7 @@
             <ac:chgData name="Scruel Tao" userId="5ea5c98d59b44d4b" providerId="LiveId" clId="{2BA6F94F-59B6-4AA6-9DB6-4A8227DBE37E}" dt="2023-04-03T03:26:11.336" v="269" actId="21"/>
             <ac:picMkLst>
               <pc:docMk/>
-              <pc:sldMasterMk cId="1766057859" sldId="2147483648"/>
+              <pc:sldMasterMk cId="3116067069" sldId="2147483661"/>
               <pc:sldLayoutMk cId="1337634028" sldId="2147483660"/>
               <ac:picMk id="19481" creationId="{02568321-E4E6-1B3D-8017-A3451A7203B9}"/>
             </ac:picMkLst>
@@ -1245,11 +1245,2355 @@
             <ac:chgData name="Scruel Tao" userId="5ea5c98d59b44d4b" providerId="LiveId" clId="{2BA6F94F-59B6-4AA6-9DB6-4A8227DBE37E}" dt="2023-04-03T03:34:53.033" v="335" actId="1076"/>
             <ac:picMkLst>
               <pc:docMk/>
-              <pc:sldMasterMk cId="1766057859" sldId="2147483648"/>
+              <pc:sldMasterMk cId="3116067069" sldId="2147483661"/>
               <pc:sldLayoutMk cId="1337634028" sldId="2147483660"/>
               <ac:picMk id="19482" creationId="{8F2B9C9A-7CA4-5723-784E-DBADCF09186B}"/>
             </ac:picMkLst>
           </pc:picChg>
+        </pc:sldLayoutChg>
+      </pc:sldMasterChg>
+    </pc:docChg>
+  </pc:docChgLst>
+  <pc:docChgLst>
+    <pc:chgData name="Scruel Tao" userId="5ea5c98d59b44d4b" providerId="LiveId" clId="{88D73D01-CABB-4B2D-80EC-648726E3C219}"/>
+    <pc:docChg chg="undo redo custSel addSld delSld modSld sldOrd modMainMaster">
+      <pc:chgData name="Scruel Tao" userId="5ea5c98d59b44d4b" providerId="LiveId" clId="{88D73D01-CABB-4B2D-80EC-648726E3C219}" dt="2023-06-02T13:43:51.723" v="6398" actId="20577"/>
+      <pc:docMkLst>
+        <pc:docMk/>
+      </pc:docMkLst>
+      <pc:sldChg chg="addSp delSp modSp add del mod modTransition">
+        <pc:chgData name="Scruel Tao" userId="5ea5c98d59b44d4b" providerId="LiveId" clId="{88D73D01-CABB-4B2D-80EC-648726E3C219}" dt="2023-05-05T14:59:33.343" v="4422"/>
+        <pc:sldMkLst>
+          <pc:docMk/>
+          <pc:sldMk cId="1112998187" sldId="257"/>
+        </pc:sldMkLst>
+        <pc:spChg chg="mod">
+          <ac:chgData name="Scruel Tao" userId="5ea5c98d59b44d4b" providerId="LiveId" clId="{88D73D01-CABB-4B2D-80EC-648726E3C219}" dt="2023-04-26T04:44:19.770" v="24" actId="20577"/>
+          <ac:spMkLst>
+            <pc:docMk/>
+            <pc:sldMk cId="1112998187" sldId="257"/>
+            <ac:spMk id="2" creationId="{1422DFF6-0952-1023-64E3-97184D36BE3F}"/>
+          </ac:spMkLst>
+        </pc:spChg>
+        <pc:spChg chg="mod">
+          <ac:chgData name="Scruel Tao" userId="5ea5c98d59b44d4b" providerId="LiveId" clId="{88D73D01-CABB-4B2D-80EC-648726E3C219}" dt="2023-04-26T04:45:06.262" v="47"/>
+          <ac:spMkLst>
+            <pc:docMk/>
+            <pc:sldMk cId="1112998187" sldId="257"/>
+            <ac:spMk id="3" creationId="{AC7759D9-0BB4-08ED-8476-24F7D903D6DE}"/>
+          </ac:spMkLst>
+        </pc:spChg>
+        <pc:spChg chg="add del mod">
+          <ac:chgData name="Scruel Tao" userId="5ea5c98d59b44d4b" providerId="LiveId" clId="{88D73D01-CABB-4B2D-80EC-648726E3C219}" dt="2023-04-26T10:57:28.701" v="2621" actId="478"/>
+          <ac:spMkLst>
+            <pc:docMk/>
+            <pc:sldMk cId="1112998187" sldId="257"/>
+            <ac:spMk id="4" creationId="{B1A8FEFE-AF03-7678-E583-B0C324FF7C5C}"/>
+          </ac:spMkLst>
+        </pc:spChg>
+      </pc:sldChg>
+      <pc:sldChg chg="del">
+        <pc:chgData name="Scruel Tao" userId="5ea5c98d59b44d4b" providerId="LiveId" clId="{88D73D01-CABB-4B2D-80EC-648726E3C219}" dt="2023-04-26T02:43:28.228" v="0" actId="47"/>
+        <pc:sldMkLst>
+          <pc:docMk/>
+          <pc:sldMk cId="1199684676" sldId="259"/>
+        </pc:sldMkLst>
+      </pc:sldChg>
+      <pc:sldChg chg="addSp delSp modSp mod modTransition modNotes">
+        <pc:chgData name="Scruel Tao" userId="5ea5c98d59b44d4b" providerId="LiveId" clId="{88D73D01-CABB-4B2D-80EC-648726E3C219}" dt="2023-06-02T13:43:51.723" v="6398" actId="20577"/>
+        <pc:sldMkLst>
+          <pc:docMk/>
+          <pc:sldMk cId="0" sldId="260"/>
+        </pc:sldMkLst>
+        <pc:spChg chg="del">
+          <ac:chgData name="Scruel Tao" userId="5ea5c98d59b44d4b" providerId="LiveId" clId="{88D73D01-CABB-4B2D-80EC-648726E3C219}" dt="2023-05-16T03:56:16.049" v="6376" actId="478"/>
+          <ac:spMkLst>
+            <pc:docMk/>
+            <pc:sldMk cId="0" sldId="260"/>
+            <ac:spMk id="2" creationId="{51B8E4C0-E15B-4BD0-7B5B-A44A3D5B0C34}"/>
+          </ac:spMkLst>
+        </pc:spChg>
+        <pc:spChg chg="del">
+          <ac:chgData name="Scruel Tao" userId="5ea5c98d59b44d4b" providerId="LiveId" clId="{88D73D01-CABB-4B2D-80EC-648726E3C219}" dt="2023-05-03T00:05:42.931" v="4045" actId="478"/>
+          <ac:spMkLst>
+            <pc:docMk/>
+            <pc:sldMk cId="0" sldId="260"/>
+            <ac:spMk id="3" creationId="{C8068F35-EF78-6218-F528-48E9ED924DF4}"/>
+          </ac:spMkLst>
+        </pc:spChg>
+        <pc:spChg chg="add del mod">
+          <ac:chgData name="Scruel Tao" userId="5ea5c98d59b44d4b" providerId="LiveId" clId="{88D73D01-CABB-4B2D-80EC-648726E3C219}" dt="2023-05-03T00:05:41.674" v="4044"/>
+          <ac:spMkLst>
+            <pc:docMk/>
+            <pc:sldMk cId="0" sldId="260"/>
+            <ac:spMk id="4" creationId="{836A5BEA-0B28-F483-0FC5-ECAA0890B72D}"/>
+          </ac:spMkLst>
+        </pc:spChg>
+        <pc:spChg chg="add mod">
+          <ac:chgData name="Scruel Tao" userId="5ea5c98d59b44d4b" providerId="LiveId" clId="{88D73D01-CABB-4B2D-80EC-648726E3C219}" dt="2023-05-03T00:05:43.302" v="4046"/>
+          <ac:spMkLst>
+            <pc:docMk/>
+            <pc:sldMk cId="0" sldId="260"/>
+            <ac:spMk id="5" creationId="{44939AF0-12AF-355A-65AB-49B915A3AE52}"/>
+          </ac:spMkLst>
+        </pc:spChg>
+        <pc:spChg chg="mod">
+          <ac:chgData name="Scruel Tao" userId="5ea5c98d59b44d4b" providerId="LiveId" clId="{88D73D01-CABB-4B2D-80EC-648726E3C219}" dt="2023-06-02T13:43:51.723" v="6398" actId="20577"/>
+          <ac:spMkLst>
+            <pc:docMk/>
+            <pc:sldMk cId="0" sldId="260"/>
+            <ac:spMk id="1227783" creationId="{F7B3941E-B689-22D6-F18C-358E4BAEDF5F}"/>
+          </ac:spMkLst>
+        </pc:spChg>
+      </pc:sldChg>
+      <pc:sldChg chg="del">
+        <pc:chgData name="Scruel Tao" userId="5ea5c98d59b44d4b" providerId="LiveId" clId="{88D73D01-CABB-4B2D-80EC-648726E3C219}" dt="2023-04-26T02:43:28.228" v="0" actId="47"/>
+        <pc:sldMkLst>
+          <pc:docMk/>
+          <pc:sldMk cId="1751565490" sldId="276"/>
+        </pc:sldMkLst>
+      </pc:sldChg>
+      <pc:sldChg chg="add del">
+        <pc:chgData name="Scruel Tao" userId="5ea5c98d59b44d4b" providerId="LiveId" clId="{88D73D01-CABB-4B2D-80EC-648726E3C219}" dt="2023-05-01T18:27:14.756" v="4038" actId="47"/>
+        <pc:sldMkLst>
+          <pc:docMk/>
+          <pc:sldMk cId="2706538019" sldId="277"/>
+        </pc:sldMkLst>
+      </pc:sldChg>
+      <pc:sldChg chg="modSp add del mod modAnim">
+        <pc:chgData name="Scruel Tao" userId="5ea5c98d59b44d4b" providerId="LiveId" clId="{88D73D01-CABB-4B2D-80EC-648726E3C219}" dt="2023-04-26T08:55:49.663" v="79" actId="47"/>
+        <pc:sldMkLst>
+          <pc:docMk/>
+          <pc:sldMk cId="3519437269" sldId="279"/>
+        </pc:sldMkLst>
+        <pc:spChg chg="mod">
+          <ac:chgData name="Scruel Tao" userId="5ea5c98d59b44d4b" providerId="LiveId" clId="{88D73D01-CABB-4B2D-80EC-648726E3C219}" dt="2023-04-26T04:44:30.725" v="31"/>
+          <ac:spMkLst>
+            <pc:docMk/>
+            <pc:sldMk cId="3519437269" sldId="279"/>
+            <ac:spMk id="2" creationId="{BAD162F0-2175-84E9-2387-55F669162449}"/>
+          </ac:spMkLst>
+        </pc:spChg>
+      </pc:sldChg>
+      <pc:sldChg chg="modSp add mod modTransition modAnim">
+        <pc:chgData name="Scruel Tao" userId="5ea5c98d59b44d4b" providerId="LiveId" clId="{88D73D01-CABB-4B2D-80EC-648726E3C219}" dt="2023-05-05T14:59:33.343" v="4422"/>
+        <pc:sldMkLst>
+          <pc:docMk/>
+          <pc:sldMk cId="3745708182" sldId="280"/>
+        </pc:sldMkLst>
+        <pc:spChg chg="mod">
+          <ac:chgData name="Scruel Tao" userId="5ea5c98d59b44d4b" providerId="LiveId" clId="{88D73D01-CABB-4B2D-80EC-648726E3C219}" dt="2023-05-04T10:03:57.350" v="4416" actId="20577"/>
+          <ac:spMkLst>
+            <pc:docMk/>
+            <pc:sldMk cId="3745708182" sldId="280"/>
+            <ac:spMk id="3" creationId="{9E0BA8B8-92DA-1AC9-79B9-A552D184BB54}"/>
+          </ac:spMkLst>
+        </pc:spChg>
+      </pc:sldChg>
+      <pc:sldChg chg="modSp add mod modTransition modAnim">
+        <pc:chgData name="Scruel Tao" userId="5ea5c98d59b44d4b" providerId="LiveId" clId="{88D73D01-CABB-4B2D-80EC-648726E3C219}" dt="2023-05-05T14:59:33.343" v="4422"/>
+        <pc:sldMkLst>
+          <pc:docMk/>
+          <pc:sldMk cId="364430658" sldId="282"/>
+        </pc:sldMkLst>
+        <pc:spChg chg="mod">
+          <ac:chgData name="Scruel Tao" userId="5ea5c98d59b44d4b" providerId="LiveId" clId="{88D73D01-CABB-4B2D-80EC-648726E3C219}" dt="2023-04-26T04:45:09.137" v="50"/>
+          <ac:spMkLst>
+            <pc:docMk/>
+            <pc:sldMk cId="364430658" sldId="282"/>
+            <ac:spMk id="2" creationId="{1CBF67D3-549D-0623-7687-618F66C7933B}"/>
+          </ac:spMkLst>
+        </pc:spChg>
+        <pc:spChg chg="mod">
+          <ac:chgData name="Scruel Tao" userId="5ea5c98d59b44d4b" providerId="LiveId" clId="{88D73D01-CABB-4B2D-80EC-648726E3C219}" dt="2023-05-01T16:07:27.756" v="4032" actId="5793"/>
+          <ac:spMkLst>
+            <pc:docMk/>
+            <pc:sldMk cId="364430658" sldId="282"/>
+            <ac:spMk id="5" creationId="{27E734E7-DC50-2043-E0F4-ADDF97100AAB}"/>
+          </ac:spMkLst>
+        </pc:spChg>
+      </pc:sldChg>
+      <pc:sldChg chg="addSp delSp modSp add mod modTransition modClrScheme delAnim modAnim chgLayout">
+        <pc:chgData name="Scruel Tao" userId="5ea5c98d59b44d4b" providerId="LiveId" clId="{88D73D01-CABB-4B2D-80EC-648726E3C219}" dt="2023-05-08T01:30:51.838" v="5977" actId="5793"/>
+        <pc:sldMkLst>
+          <pc:docMk/>
+          <pc:sldMk cId="3210565020" sldId="283"/>
+        </pc:sldMkLst>
+        <pc:spChg chg="mod ord">
+          <ac:chgData name="Scruel Tao" userId="5ea5c98d59b44d4b" providerId="LiveId" clId="{88D73D01-CABB-4B2D-80EC-648726E3C219}" dt="2023-04-26T08:58:46.693" v="302" actId="700"/>
+          <ac:spMkLst>
+            <pc:docMk/>
+            <pc:sldMk cId="3210565020" sldId="283"/>
+            <ac:spMk id="2" creationId="{BAD162F0-2175-84E9-2387-55F669162449}"/>
+          </ac:spMkLst>
+        </pc:spChg>
+        <pc:spChg chg="del mod ord">
+          <ac:chgData name="Scruel Tao" userId="5ea5c98d59b44d4b" providerId="LiveId" clId="{88D73D01-CABB-4B2D-80EC-648726E3C219}" dt="2023-04-26T08:58:46.693" v="302" actId="700"/>
+          <ac:spMkLst>
+            <pc:docMk/>
+            <pc:sldMk cId="3210565020" sldId="283"/>
+            <ac:spMk id="3" creationId="{0E2FC508-1AFD-A957-52F2-FA1DEF2A9D27}"/>
+          </ac:spMkLst>
+        </pc:spChg>
+        <pc:spChg chg="add mod ord">
+          <ac:chgData name="Scruel Tao" userId="5ea5c98d59b44d4b" providerId="LiveId" clId="{88D73D01-CABB-4B2D-80EC-648726E3C219}" dt="2023-05-08T01:30:51.838" v="5977" actId="5793"/>
+          <ac:spMkLst>
+            <pc:docMk/>
+            <pc:sldMk cId="3210565020" sldId="283"/>
+            <ac:spMk id="4" creationId="{85D6D174-6A04-9AED-7984-BD4330ED7E3A}"/>
+          </ac:spMkLst>
+        </pc:spChg>
+        <pc:spChg chg="del mod">
+          <ac:chgData name="Scruel Tao" userId="5ea5c98d59b44d4b" providerId="LiveId" clId="{88D73D01-CABB-4B2D-80EC-648726E3C219}" dt="2023-04-30T17:26:16.714" v="2804" actId="478"/>
+          <ac:spMkLst>
+            <pc:docMk/>
+            <pc:sldMk cId="3210565020" sldId="283"/>
+            <ac:spMk id="5" creationId="{B7A8CE03-6A77-60EC-056E-D7A0019640A3}"/>
+          </ac:spMkLst>
+        </pc:spChg>
+        <pc:spChg chg="del mod">
+          <ac:chgData name="Scruel Tao" userId="5ea5c98d59b44d4b" providerId="LiveId" clId="{88D73D01-CABB-4B2D-80EC-648726E3C219}" dt="2023-04-30T17:26:15.943" v="2803" actId="478"/>
+          <ac:spMkLst>
+            <pc:docMk/>
+            <pc:sldMk cId="3210565020" sldId="283"/>
+            <ac:spMk id="7" creationId="{12C899D8-51C5-D9B7-A323-E6EFE4AB5C33}"/>
+          </ac:spMkLst>
+        </pc:spChg>
+      </pc:sldChg>
+      <pc:sldChg chg="addSp delSp modSp add mod modTransition modClrScheme delAnim modAnim chgLayout modNotesTx">
+        <pc:chgData name="Scruel Tao" userId="5ea5c98d59b44d4b" providerId="LiveId" clId="{88D73D01-CABB-4B2D-80EC-648726E3C219}" dt="2023-05-05T15:52:30.247" v="4449"/>
+        <pc:sldMkLst>
+          <pc:docMk/>
+          <pc:sldMk cId="587836252" sldId="284"/>
+        </pc:sldMkLst>
+        <pc:spChg chg="mod ord">
+          <ac:chgData name="Scruel Tao" userId="5ea5c98d59b44d4b" providerId="LiveId" clId="{88D73D01-CABB-4B2D-80EC-648726E3C219}" dt="2023-05-01T13:35:29.457" v="3583"/>
+          <ac:spMkLst>
+            <pc:docMk/>
+            <pc:sldMk cId="587836252" sldId="284"/>
+            <ac:spMk id="2" creationId="{BAD162F0-2175-84E9-2387-55F669162449}"/>
+          </ac:spMkLst>
+        </pc:spChg>
+        <pc:spChg chg="del mod ord">
+          <ac:chgData name="Scruel Tao" userId="5ea5c98d59b44d4b" providerId="LiveId" clId="{88D73D01-CABB-4B2D-80EC-648726E3C219}" dt="2023-04-26T08:59:08.110" v="309" actId="700"/>
+          <ac:spMkLst>
+            <pc:docMk/>
+            <pc:sldMk cId="587836252" sldId="284"/>
+            <ac:spMk id="3" creationId="{0E2FC508-1AFD-A957-52F2-FA1DEF2A9D27}"/>
+          </ac:spMkLst>
+        </pc:spChg>
+        <pc:spChg chg="add mod ord">
+          <ac:chgData name="Scruel Tao" userId="5ea5c98d59b44d4b" providerId="LiveId" clId="{88D73D01-CABB-4B2D-80EC-648726E3C219}" dt="2023-05-01T13:35:10.735" v="3570" actId="21"/>
+          <ac:spMkLst>
+            <pc:docMk/>
+            <pc:sldMk cId="587836252" sldId="284"/>
+            <ac:spMk id="4" creationId="{01B48343-3D1C-FDA9-2DD5-C88222E962F2}"/>
+          </ac:spMkLst>
+        </pc:spChg>
+        <pc:spChg chg="mod">
+          <ac:chgData name="Scruel Tao" userId="5ea5c98d59b44d4b" providerId="LiveId" clId="{88D73D01-CABB-4B2D-80EC-648726E3C219}" dt="2023-05-01T13:36:47.015" v="3592" actId="1076"/>
+          <ac:spMkLst>
+            <pc:docMk/>
+            <pc:sldMk cId="587836252" sldId="284"/>
+            <ac:spMk id="5" creationId="{B7A8CE03-6A77-60EC-056E-D7A0019640A3}"/>
+          </ac:spMkLst>
+        </pc:spChg>
+        <pc:spChg chg="add del mod">
+          <ac:chgData name="Scruel Tao" userId="5ea5c98d59b44d4b" providerId="LiveId" clId="{88D73D01-CABB-4B2D-80EC-648726E3C219}" dt="2023-05-03T14:53:45.399" v="4127" actId="207"/>
+          <ac:spMkLst>
+            <pc:docMk/>
+            <pc:sldMk cId="587836252" sldId="284"/>
+            <ac:spMk id="7" creationId="{12C899D8-51C5-D9B7-A323-E6EFE4AB5C33}"/>
+          </ac:spMkLst>
+        </pc:spChg>
+        <pc:spChg chg="add del">
+          <ac:chgData name="Scruel Tao" userId="5ea5c98d59b44d4b" providerId="LiveId" clId="{88D73D01-CABB-4B2D-80EC-648726E3C219}" dt="2023-04-30T17:32:29.730" v="2880" actId="21"/>
+          <ac:spMkLst>
+            <pc:docMk/>
+            <pc:sldMk cId="587836252" sldId="284"/>
+            <ac:spMk id="9" creationId="{CEA4ADB6-F110-0C2A-2981-2983A6B642FF}"/>
+          </ac:spMkLst>
+        </pc:spChg>
+        <pc:spChg chg="add del">
+          <ac:chgData name="Scruel Tao" userId="5ea5c98d59b44d4b" providerId="LiveId" clId="{88D73D01-CABB-4B2D-80EC-648726E3C219}" dt="2023-04-30T17:32:39.928" v="2882" actId="21"/>
+          <ac:spMkLst>
+            <pc:docMk/>
+            <pc:sldMk cId="587836252" sldId="284"/>
+            <ac:spMk id="10" creationId="{3FC8D461-926B-6656-DCF4-4AE13D8DE588}"/>
+          </ac:spMkLst>
+        </pc:spChg>
+        <pc:spChg chg="add del mod">
+          <ac:chgData name="Scruel Tao" userId="5ea5c98d59b44d4b" providerId="LiveId" clId="{88D73D01-CABB-4B2D-80EC-648726E3C219}" dt="2023-04-30T17:32:52.412" v="2885" actId="21"/>
+          <ac:spMkLst>
+            <pc:docMk/>
+            <pc:sldMk cId="587836252" sldId="284"/>
+            <ac:spMk id="11" creationId="{98E4F262-E710-3617-DD49-27801B58C19E}"/>
+          </ac:spMkLst>
+        </pc:spChg>
+        <pc:spChg chg="add del mod">
+          <ac:chgData name="Scruel Tao" userId="5ea5c98d59b44d4b" providerId="LiveId" clId="{88D73D01-CABB-4B2D-80EC-648726E3C219}" dt="2023-04-30T17:35:45.694" v="2904" actId="21"/>
+          <ac:spMkLst>
+            <pc:docMk/>
+            <pc:sldMk cId="587836252" sldId="284"/>
+            <ac:spMk id="12" creationId="{069450B2-0ABB-BC6F-8094-6C23BE64DB69}"/>
+          </ac:spMkLst>
+        </pc:spChg>
+        <pc:spChg chg="add del mod">
+          <ac:chgData name="Scruel Tao" userId="5ea5c98d59b44d4b" providerId="LiveId" clId="{88D73D01-CABB-4B2D-80EC-648726E3C219}" dt="2023-04-30T17:35:03.098" v="2897" actId="21"/>
+          <ac:spMkLst>
+            <pc:docMk/>
+            <pc:sldMk cId="587836252" sldId="284"/>
+            <ac:spMk id="13" creationId="{FD59A6F6-582F-FA0B-4600-DB1F88A24D5E}"/>
+          </ac:spMkLst>
+        </pc:spChg>
+        <pc:cxnChg chg="add del mod">
+          <ac:chgData name="Scruel Tao" userId="5ea5c98d59b44d4b" providerId="LiveId" clId="{88D73D01-CABB-4B2D-80EC-648726E3C219}" dt="2023-04-30T17:32:02.262" v="2878" actId="21"/>
+          <ac:cxnSpMkLst>
+            <pc:docMk/>
+            <pc:sldMk cId="587836252" sldId="284"/>
+            <ac:cxnSpMk id="6" creationId="{5F4ED83B-299C-9A93-5774-4B9CD8EACF47}"/>
+          </ac:cxnSpMkLst>
+        </pc:cxnChg>
+        <pc:cxnChg chg="add del mod">
+          <ac:chgData name="Scruel Tao" userId="5ea5c98d59b44d4b" providerId="LiveId" clId="{88D73D01-CABB-4B2D-80EC-648726E3C219}" dt="2023-04-30T17:35:34.083" v="2902" actId="21"/>
+          <ac:cxnSpMkLst>
+            <pc:docMk/>
+            <pc:sldMk cId="587836252" sldId="284"/>
+            <ac:cxnSpMk id="15" creationId="{BC744BA8-C5D6-E1D2-2E10-3B10FD2910C8}"/>
+          </ac:cxnSpMkLst>
+        </pc:cxnChg>
+        <pc:cxnChg chg="add del mod">
+          <ac:chgData name="Scruel Tao" userId="5ea5c98d59b44d4b" providerId="LiveId" clId="{88D73D01-CABB-4B2D-80EC-648726E3C219}" dt="2023-04-30T17:35:35.788" v="2903" actId="21"/>
+          <ac:cxnSpMkLst>
+            <pc:docMk/>
+            <pc:sldMk cId="587836252" sldId="284"/>
+            <ac:cxnSpMk id="17" creationId="{8DA404D1-D015-9AEA-D85F-A63EA4FC580C}"/>
+          </ac:cxnSpMkLst>
+        </pc:cxnChg>
+      </pc:sldChg>
+      <pc:sldChg chg="addSp delSp modSp add del mod modClrScheme chgLayout">
+        <pc:chgData name="Scruel Tao" userId="5ea5c98d59b44d4b" providerId="LiveId" clId="{88D73D01-CABB-4B2D-80EC-648726E3C219}" dt="2023-04-26T09:46:22.271" v="2343" actId="47"/>
+        <pc:sldMkLst>
+          <pc:docMk/>
+          <pc:sldMk cId="1774767121" sldId="285"/>
+        </pc:sldMkLst>
+        <pc:spChg chg="mod ord">
+          <ac:chgData name="Scruel Tao" userId="5ea5c98d59b44d4b" providerId="LiveId" clId="{88D73D01-CABB-4B2D-80EC-648726E3C219}" dt="2023-04-26T09:44:52.526" v="2282"/>
+          <ac:spMkLst>
+            <pc:docMk/>
+            <pc:sldMk cId="1774767121" sldId="285"/>
+            <ac:spMk id="2" creationId="{BAD162F0-2175-84E9-2387-55F669162449}"/>
+          </ac:spMkLst>
+        </pc:spChg>
+        <pc:spChg chg="del mod ord">
+          <ac:chgData name="Scruel Tao" userId="5ea5c98d59b44d4b" providerId="LiveId" clId="{88D73D01-CABB-4B2D-80EC-648726E3C219}" dt="2023-04-26T08:59:08.110" v="309" actId="700"/>
+          <ac:spMkLst>
+            <pc:docMk/>
+            <pc:sldMk cId="1774767121" sldId="285"/>
+            <ac:spMk id="3" creationId="{0E2FC508-1AFD-A957-52F2-FA1DEF2A9D27}"/>
+          </ac:spMkLst>
+        </pc:spChg>
+        <pc:spChg chg="add mod ord">
+          <ac:chgData name="Scruel Tao" userId="5ea5c98d59b44d4b" providerId="LiveId" clId="{88D73D01-CABB-4B2D-80EC-648726E3C219}" dt="2023-04-26T08:59:08.110" v="309" actId="700"/>
+          <ac:spMkLst>
+            <pc:docMk/>
+            <pc:sldMk cId="1774767121" sldId="285"/>
+            <ac:spMk id="4" creationId="{A8729A87-597D-F8A5-FA4B-9A53ABB05769}"/>
+          </ac:spMkLst>
+        </pc:spChg>
+      </pc:sldChg>
+      <pc:sldChg chg="addSp delSp modSp add mod modTransition modAnim">
+        <pc:chgData name="Scruel Tao" userId="5ea5c98d59b44d4b" providerId="LiveId" clId="{88D73D01-CABB-4B2D-80EC-648726E3C219}" dt="2023-05-05T14:59:33.343" v="4422"/>
+        <pc:sldMkLst>
+          <pc:docMk/>
+          <pc:sldMk cId="3618025480" sldId="286"/>
+        </pc:sldMkLst>
+        <pc:spChg chg="mod">
+          <ac:chgData name="Scruel Tao" userId="5ea5c98d59b44d4b" providerId="LiveId" clId="{88D73D01-CABB-4B2D-80EC-648726E3C219}" dt="2023-04-26T08:55:46.727" v="78"/>
+          <ac:spMkLst>
+            <pc:docMk/>
+            <pc:sldMk cId="3618025480" sldId="286"/>
+            <ac:spMk id="2" creationId="{BAD162F0-2175-84E9-2387-55F669162449}"/>
+          </ac:spMkLst>
+        </pc:spChg>
+        <pc:spChg chg="mod">
+          <ac:chgData name="Scruel Tao" userId="5ea5c98d59b44d4b" providerId="LiveId" clId="{88D73D01-CABB-4B2D-80EC-648726E3C219}" dt="2023-05-01T09:23:05.787" v="3492" actId="20577"/>
+          <ac:spMkLst>
+            <pc:docMk/>
+            <pc:sldMk cId="3618025480" sldId="286"/>
+            <ac:spMk id="3" creationId="{0E2FC508-1AFD-A957-52F2-FA1DEF2A9D27}"/>
+          </ac:spMkLst>
+        </pc:spChg>
+        <pc:spChg chg="mod">
+          <ac:chgData name="Scruel Tao" userId="5ea5c98d59b44d4b" providerId="LiveId" clId="{88D73D01-CABB-4B2D-80EC-648726E3C219}" dt="2023-05-04T09:54:39.904" v="4310" actId="947"/>
+          <ac:spMkLst>
+            <pc:docMk/>
+            <pc:sldMk cId="3618025480" sldId="286"/>
+            <ac:spMk id="5" creationId="{B7A8CE03-6A77-60EC-056E-D7A0019640A3}"/>
+          </ac:spMkLst>
+        </pc:spChg>
+        <pc:spChg chg="add del mod">
+          <ac:chgData name="Scruel Tao" userId="5ea5c98d59b44d4b" providerId="LiveId" clId="{88D73D01-CABB-4B2D-80EC-648726E3C219}" dt="2023-04-30T16:34:31.753" v="2702" actId="21"/>
+          <ac:spMkLst>
+            <pc:docMk/>
+            <pc:sldMk cId="3618025480" sldId="286"/>
+            <ac:spMk id="6" creationId="{AEDF4E98-4C73-5D1D-E9CA-9CA75FC57374}"/>
+          </ac:spMkLst>
+        </pc:spChg>
+        <pc:spChg chg="mod">
+          <ac:chgData name="Scruel Tao" userId="5ea5c98d59b44d4b" providerId="LiveId" clId="{88D73D01-CABB-4B2D-80EC-648726E3C219}" dt="2023-04-30T16:34:37.382" v="2704" actId="1076"/>
+          <ac:spMkLst>
+            <pc:docMk/>
+            <pc:sldMk cId="3618025480" sldId="286"/>
+            <ac:spMk id="7" creationId="{12C899D8-51C5-D9B7-A323-E6EFE4AB5C33}"/>
+          </ac:spMkLst>
+        </pc:spChg>
+      </pc:sldChg>
+      <pc:sldChg chg="modSp add del mod">
+        <pc:chgData name="Scruel Tao" userId="5ea5c98d59b44d4b" providerId="LiveId" clId="{88D73D01-CABB-4B2D-80EC-648726E3C219}" dt="2023-04-26T09:07:11.328" v="701" actId="47"/>
+        <pc:sldMkLst>
+          <pc:docMk/>
+          <pc:sldMk cId="1430406189" sldId="287"/>
+        </pc:sldMkLst>
+        <pc:spChg chg="mod">
+          <ac:chgData name="Scruel Tao" userId="5ea5c98d59b44d4b" providerId="LiveId" clId="{88D73D01-CABB-4B2D-80EC-648726E3C219}" dt="2023-04-26T09:06:31.420" v="648" actId="20577"/>
+          <ac:spMkLst>
+            <pc:docMk/>
+            <pc:sldMk cId="1430406189" sldId="287"/>
+            <ac:spMk id="4" creationId="{85D6D174-6A04-9AED-7984-BD4330ED7E3A}"/>
+          </ac:spMkLst>
+        </pc:spChg>
+      </pc:sldChg>
+      <pc:sldChg chg="modSp add mod modTransition modAnim">
+        <pc:chgData name="Scruel Tao" userId="5ea5c98d59b44d4b" providerId="LiveId" clId="{88D73D01-CABB-4B2D-80EC-648726E3C219}" dt="2023-05-08T01:30:49.497" v="5976" actId="5793"/>
+        <pc:sldMkLst>
+          <pc:docMk/>
+          <pc:sldMk cId="2877461038" sldId="288"/>
+        </pc:sldMkLst>
+        <pc:spChg chg="mod">
+          <ac:chgData name="Scruel Tao" userId="5ea5c98d59b44d4b" providerId="LiveId" clId="{88D73D01-CABB-4B2D-80EC-648726E3C219}" dt="2023-04-26T09:10:33.967" v="824"/>
+          <ac:spMkLst>
+            <pc:docMk/>
+            <pc:sldMk cId="2877461038" sldId="288"/>
+            <ac:spMk id="2" creationId="{BAD162F0-2175-84E9-2387-55F669162449}"/>
+          </ac:spMkLst>
+        </pc:spChg>
+        <pc:spChg chg="mod">
+          <ac:chgData name="Scruel Tao" userId="5ea5c98d59b44d4b" providerId="LiveId" clId="{88D73D01-CABB-4B2D-80EC-648726E3C219}" dt="2023-05-08T01:30:49.497" v="5976" actId="5793"/>
+          <ac:spMkLst>
+            <pc:docMk/>
+            <pc:sldMk cId="2877461038" sldId="288"/>
+            <ac:spMk id="4" creationId="{85D6D174-6A04-9AED-7984-BD4330ED7E3A}"/>
+          </ac:spMkLst>
+        </pc:spChg>
+        <pc:spChg chg="mod">
+          <ac:chgData name="Scruel Tao" userId="5ea5c98d59b44d4b" providerId="LiveId" clId="{88D73D01-CABB-4B2D-80EC-648726E3C219}" dt="2023-04-29T18:19:58.150" v="2673" actId="14100"/>
+          <ac:spMkLst>
+            <pc:docMk/>
+            <pc:sldMk cId="2877461038" sldId="288"/>
+            <ac:spMk id="7" creationId="{12C899D8-51C5-D9B7-A323-E6EFE4AB5C33}"/>
+          </ac:spMkLst>
+        </pc:spChg>
+      </pc:sldChg>
+      <pc:sldChg chg="modSp add mod modTransition modAnim">
+        <pc:chgData name="Scruel Tao" userId="5ea5c98d59b44d4b" providerId="LiveId" clId="{88D73D01-CABB-4B2D-80EC-648726E3C219}" dt="2023-05-08T01:30:59.834" v="5981"/>
+        <pc:sldMkLst>
+          <pc:docMk/>
+          <pc:sldMk cId="348119642" sldId="289"/>
+        </pc:sldMkLst>
+        <pc:spChg chg="mod">
+          <ac:chgData name="Scruel Tao" userId="5ea5c98d59b44d4b" providerId="LiveId" clId="{88D73D01-CABB-4B2D-80EC-648726E3C219}" dt="2023-04-26T09:10:42.494" v="830"/>
+          <ac:spMkLst>
+            <pc:docMk/>
+            <pc:sldMk cId="348119642" sldId="289"/>
+            <ac:spMk id="2" creationId="{BAD162F0-2175-84E9-2387-55F669162449}"/>
+          </ac:spMkLst>
+        </pc:spChg>
+        <pc:spChg chg="mod">
+          <ac:chgData name="Scruel Tao" userId="5ea5c98d59b44d4b" providerId="LiveId" clId="{88D73D01-CABB-4B2D-80EC-648726E3C219}" dt="2023-05-08T01:30:59.834" v="5981"/>
+          <ac:spMkLst>
+            <pc:docMk/>
+            <pc:sldMk cId="348119642" sldId="289"/>
+            <ac:spMk id="4" creationId="{85D6D174-6A04-9AED-7984-BD4330ED7E3A}"/>
+          </ac:spMkLst>
+        </pc:spChg>
+        <pc:spChg chg="mod">
+          <ac:chgData name="Scruel Tao" userId="5ea5c98d59b44d4b" providerId="LiveId" clId="{88D73D01-CABB-4B2D-80EC-648726E3C219}" dt="2023-04-26T09:19:02.637" v="1129" actId="1076"/>
+          <ac:spMkLst>
+            <pc:docMk/>
+            <pc:sldMk cId="348119642" sldId="289"/>
+            <ac:spMk id="5" creationId="{B7A8CE03-6A77-60EC-056E-D7A0019640A3}"/>
+          </ac:spMkLst>
+        </pc:spChg>
+        <pc:spChg chg="mod">
+          <ac:chgData name="Scruel Tao" userId="5ea5c98d59b44d4b" providerId="LiveId" clId="{88D73D01-CABB-4B2D-80EC-648726E3C219}" dt="2023-04-29T18:20:36.028" v="2678" actId="14100"/>
+          <ac:spMkLst>
+            <pc:docMk/>
+            <pc:sldMk cId="348119642" sldId="289"/>
+            <ac:spMk id="7" creationId="{12C899D8-51C5-D9B7-A323-E6EFE4AB5C33}"/>
+          </ac:spMkLst>
+        </pc:spChg>
+      </pc:sldChg>
+      <pc:sldChg chg="addSp delSp modSp add mod modTransition delAnim modAnim">
+        <pc:chgData name="Scruel Tao" userId="5ea5c98d59b44d4b" providerId="LiveId" clId="{88D73D01-CABB-4B2D-80EC-648726E3C219}" dt="2023-05-08T01:31:03.910" v="5985"/>
+        <pc:sldMkLst>
+          <pc:docMk/>
+          <pc:sldMk cId="1685143547" sldId="290"/>
+        </pc:sldMkLst>
+        <pc:spChg chg="mod">
+          <ac:chgData name="Scruel Tao" userId="5ea5c98d59b44d4b" providerId="LiveId" clId="{88D73D01-CABB-4B2D-80EC-648726E3C219}" dt="2023-04-26T09:13:21.201" v="880"/>
+          <ac:spMkLst>
+            <pc:docMk/>
+            <pc:sldMk cId="1685143547" sldId="290"/>
+            <ac:spMk id="2" creationId="{BAD162F0-2175-84E9-2387-55F669162449}"/>
+          </ac:spMkLst>
+        </pc:spChg>
+        <pc:spChg chg="add mod">
+          <ac:chgData name="Scruel Tao" userId="5ea5c98d59b44d4b" providerId="LiveId" clId="{88D73D01-CABB-4B2D-80EC-648726E3C219}" dt="2023-04-29T18:20:24.280" v="2677"/>
+          <ac:spMkLst>
+            <pc:docMk/>
+            <pc:sldMk cId="1685143547" sldId="290"/>
+            <ac:spMk id="3" creationId="{A6880A42-6751-187F-0E58-18DA12F5EB9F}"/>
+          </ac:spMkLst>
+        </pc:spChg>
+        <pc:spChg chg="mod">
+          <ac:chgData name="Scruel Tao" userId="5ea5c98d59b44d4b" providerId="LiveId" clId="{88D73D01-CABB-4B2D-80EC-648726E3C219}" dt="2023-05-08T01:31:03.910" v="5985"/>
+          <ac:spMkLst>
+            <pc:docMk/>
+            <pc:sldMk cId="1685143547" sldId="290"/>
+            <ac:spMk id="4" creationId="{85D6D174-6A04-9AED-7984-BD4330ED7E3A}"/>
+          </ac:spMkLst>
+        </pc:spChg>
+        <pc:spChg chg="del mod">
+          <ac:chgData name="Scruel Tao" userId="5ea5c98d59b44d4b" providerId="LiveId" clId="{88D73D01-CABB-4B2D-80EC-648726E3C219}" dt="2023-04-29T18:20:20.273" v="2676" actId="21"/>
+          <ac:spMkLst>
+            <pc:docMk/>
+            <pc:sldMk cId="1685143547" sldId="290"/>
+            <ac:spMk id="5" creationId="{B7A8CE03-6A77-60EC-056E-D7A0019640A3}"/>
+          </ac:spMkLst>
+        </pc:spChg>
+        <pc:spChg chg="mod">
+          <ac:chgData name="Scruel Tao" userId="5ea5c98d59b44d4b" providerId="LiveId" clId="{88D73D01-CABB-4B2D-80EC-648726E3C219}" dt="2023-04-29T18:19:39.969" v="2670" actId="1076"/>
+          <ac:spMkLst>
+            <pc:docMk/>
+            <pc:sldMk cId="1685143547" sldId="290"/>
+            <ac:spMk id="7" creationId="{12C899D8-51C5-D9B7-A323-E6EFE4AB5C33}"/>
+          </ac:spMkLst>
+        </pc:spChg>
+      </pc:sldChg>
+      <pc:sldChg chg="modSp add mod modTransition modAnim">
+        <pc:chgData name="Scruel Tao" userId="5ea5c98d59b44d4b" providerId="LiveId" clId="{88D73D01-CABB-4B2D-80EC-648726E3C219}" dt="2023-05-08T01:31:08.632" v="5989"/>
+        <pc:sldMkLst>
+          <pc:docMk/>
+          <pc:sldMk cId="1485813308" sldId="291"/>
+        </pc:sldMkLst>
+        <pc:spChg chg="mod">
+          <ac:chgData name="Scruel Tao" userId="5ea5c98d59b44d4b" providerId="LiveId" clId="{88D73D01-CABB-4B2D-80EC-648726E3C219}" dt="2023-04-26T09:16:53.596" v="1071"/>
+          <ac:spMkLst>
+            <pc:docMk/>
+            <pc:sldMk cId="1485813308" sldId="291"/>
+            <ac:spMk id="2" creationId="{BAD162F0-2175-84E9-2387-55F669162449}"/>
+          </ac:spMkLst>
+        </pc:spChg>
+        <pc:spChg chg="mod">
+          <ac:chgData name="Scruel Tao" userId="5ea5c98d59b44d4b" providerId="LiveId" clId="{88D73D01-CABB-4B2D-80EC-648726E3C219}" dt="2023-05-08T01:31:08.632" v="5989"/>
+          <ac:spMkLst>
+            <pc:docMk/>
+            <pc:sldMk cId="1485813308" sldId="291"/>
+            <ac:spMk id="4" creationId="{85D6D174-6A04-9AED-7984-BD4330ED7E3A}"/>
+          </ac:spMkLst>
+        </pc:spChg>
+        <pc:spChg chg="mod">
+          <ac:chgData name="Scruel Tao" userId="5ea5c98d59b44d4b" providerId="LiveId" clId="{88D73D01-CABB-4B2D-80EC-648726E3C219}" dt="2023-04-26T09:16:40.908" v="1067" actId="1076"/>
+          <ac:spMkLst>
+            <pc:docMk/>
+            <pc:sldMk cId="1485813308" sldId="291"/>
+            <ac:spMk id="5" creationId="{B7A8CE03-6A77-60EC-056E-D7A0019640A3}"/>
+          </ac:spMkLst>
+        </pc:spChg>
+        <pc:spChg chg="mod">
+          <ac:chgData name="Scruel Tao" userId="5ea5c98d59b44d4b" providerId="LiveId" clId="{88D73D01-CABB-4B2D-80EC-648726E3C219}" dt="2023-04-29T18:11:18.357" v="2651" actId="113"/>
+          <ac:spMkLst>
+            <pc:docMk/>
+            <pc:sldMk cId="1485813308" sldId="291"/>
+            <ac:spMk id="7" creationId="{12C899D8-51C5-D9B7-A323-E6EFE4AB5C33}"/>
+          </ac:spMkLst>
+        </pc:spChg>
+      </pc:sldChg>
+      <pc:sldChg chg="modSp add mod modTransition modAnim modNotesTx">
+        <pc:chgData name="Scruel Tao" userId="5ea5c98d59b44d4b" providerId="LiveId" clId="{88D73D01-CABB-4B2D-80EC-648726E3C219}" dt="2023-05-08T01:31:13.544" v="5993"/>
+        <pc:sldMkLst>
+          <pc:docMk/>
+          <pc:sldMk cId="3821772885" sldId="292"/>
+        </pc:sldMkLst>
+        <pc:spChg chg="mod">
+          <ac:chgData name="Scruel Tao" userId="5ea5c98d59b44d4b" providerId="LiveId" clId="{88D73D01-CABB-4B2D-80EC-648726E3C219}" dt="2023-04-26T09:17:03.202" v="1077" actId="20577"/>
+          <ac:spMkLst>
+            <pc:docMk/>
+            <pc:sldMk cId="3821772885" sldId="292"/>
+            <ac:spMk id="2" creationId="{BAD162F0-2175-84E9-2387-55F669162449}"/>
+          </ac:spMkLst>
+        </pc:spChg>
+        <pc:spChg chg="mod">
+          <ac:chgData name="Scruel Tao" userId="5ea5c98d59b44d4b" providerId="LiveId" clId="{88D73D01-CABB-4B2D-80EC-648726E3C219}" dt="2023-05-08T01:31:13.544" v="5993"/>
+          <ac:spMkLst>
+            <pc:docMk/>
+            <pc:sldMk cId="3821772885" sldId="292"/>
+            <ac:spMk id="4" creationId="{85D6D174-6A04-9AED-7984-BD4330ED7E3A}"/>
+          </ac:spMkLst>
+        </pc:spChg>
+        <pc:spChg chg="mod">
+          <ac:chgData name="Scruel Tao" userId="5ea5c98d59b44d4b" providerId="LiveId" clId="{88D73D01-CABB-4B2D-80EC-648726E3C219}" dt="2023-05-06T10:06:51.336" v="4502" actId="1076"/>
+          <ac:spMkLst>
+            <pc:docMk/>
+            <pc:sldMk cId="3821772885" sldId="292"/>
+            <ac:spMk id="5" creationId="{B7A8CE03-6A77-60EC-056E-D7A0019640A3}"/>
+          </ac:spMkLst>
+        </pc:spChg>
+        <pc:spChg chg="mod">
+          <ac:chgData name="Scruel Tao" userId="5ea5c98d59b44d4b" providerId="LiveId" clId="{88D73D01-CABB-4B2D-80EC-648726E3C219}" dt="2023-05-06T10:06:38.573" v="4500" actId="20577"/>
+          <ac:spMkLst>
+            <pc:docMk/>
+            <pc:sldMk cId="3821772885" sldId="292"/>
+            <ac:spMk id="7" creationId="{12C899D8-51C5-D9B7-A323-E6EFE4AB5C33}"/>
+          </ac:spMkLst>
+        </pc:spChg>
+      </pc:sldChg>
+      <pc:sldChg chg="addSp delSp modSp add mod modTransition delAnim">
+        <pc:chgData name="Scruel Tao" userId="5ea5c98d59b44d4b" providerId="LiveId" clId="{88D73D01-CABB-4B2D-80EC-648726E3C219}" dt="2023-05-05T14:59:33.343" v="4422"/>
+        <pc:sldMkLst>
+          <pc:docMk/>
+          <pc:sldMk cId="2065461227" sldId="293"/>
+        </pc:sldMkLst>
+        <pc:spChg chg="mod">
+          <ac:chgData name="Scruel Tao" userId="5ea5c98d59b44d4b" providerId="LiveId" clId="{88D73D01-CABB-4B2D-80EC-648726E3C219}" dt="2023-04-26T09:21:02.860" v="1158"/>
+          <ac:spMkLst>
+            <pc:docMk/>
+            <pc:sldMk cId="2065461227" sldId="293"/>
+            <ac:spMk id="2" creationId="{BAD162F0-2175-84E9-2387-55F669162449}"/>
+          </ac:spMkLst>
+        </pc:spChg>
+        <pc:spChg chg="add mod">
+          <ac:chgData name="Scruel Tao" userId="5ea5c98d59b44d4b" providerId="LiveId" clId="{88D73D01-CABB-4B2D-80EC-648726E3C219}" dt="2023-04-29T18:11:07.779" v="2646" actId="113"/>
+          <ac:spMkLst>
+            <pc:docMk/>
+            <pc:sldMk cId="2065461227" sldId="293"/>
+            <ac:spMk id="3" creationId="{6161918E-4117-86BA-1348-EFDCE664B1EF}"/>
+          </ac:spMkLst>
+        </pc:spChg>
+        <pc:spChg chg="mod">
+          <ac:chgData name="Scruel Tao" userId="5ea5c98d59b44d4b" providerId="LiveId" clId="{88D73D01-CABB-4B2D-80EC-648726E3C219}" dt="2023-05-03T02:45:19.180" v="4057" actId="5793"/>
+          <ac:spMkLst>
+            <pc:docMk/>
+            <pc:sldMk cId="2065461227" sldId="293"/>
+            <ac:spMk id="4" creationId="{85D6D174-6A04-9AED-7984-BD4330ED7E3A}"/>
+          </ac:spMkLst>
+        </pc:spChg>
+        <pc:spChg chg="del">
+          <ac:chgData name="Scruel Tao" userId="5ea5c98d59b44d4b" providerId="LiveId" clId="{88D73D01-CABB-4B2D-80EC-648726E3C219}" dt="2023-04-26T09:24:34.514" v="1284" actId="478"/>
+          <ac:spMkLst>
+            <pc:docMk/>
+            <pc:sldMk cId="2065461227" sldId="293"/>
+            <ac:spMk id="5" creationId="{B7A8CE03-6A77-60EC-056E-D7A0019640A3}"/>
+          </ac:spMkLst>
+        </pc:spChg>
+        <pc:spChg chg="add del mod">
+          <ac:chgData name="Scruel Tao" userId="5ea5c98d59b44d4b" providerId="LiveId" clId="{88D73D01-CABB-4B2D-80EC-648726E3C219}" dt="2023-04-26T09:22:02.165" v="1164"/>
+          <ac:spMkLst>
+            <pc:docMk/>
+            <pc:sldMk cId="2065461227" sldId="293"/>
+            <ac:spMk id="6" creationId="{E44E8B36-6CC4-8694-3BD6-AA5FC778B064}"/>
+          </ac:spMkLst>
+        </pc:spChg>
+        <pc:spChg chg="mod">
+          <ac:chgData name="Scruel Tao" userId="5ea5c98d59b44d4b" providerId="LiveId" clId="{88D73D01-CABB-4B2D-80EC-648726E3C219}" dt="2023-04-29T18:11:11.543" v="2647"/>
+          <ac:spMkLst>
+            <pc:docMk/>
+            <pc:sldMk cId="2065461227" sldId="293"/>
+            <ac:spMk id="7" creationId="{12C899D8-51C5-D9B7-A323-E6EFE4AB5C33}"/>
+          </ac:spMkLst>
+        </pc:spChg>
+        <pc:spChg chg="add mod">
+          <ac:chgData name="Scruel Tao" userId="5ea5c98d59b44d4b" providerId="LiveId" clId="{88D73D01-CABB-4B2D-80EC-648726E3C219}" dt="2023-05-03T02:23:24.241" v="4055" actId="2711"/>
+          <ac:spMkLst>
+            <pc:docMk/>
+            <pc:sldMk cId="2065461227" sldId="293"/>
+            <ac:spMk id="9" creationId="{E08D2CD8-382B-DC0F-3A4E-1F4D30B0F2D1}"/>
+          </ac:spMkLst>
+        </pc:spChg>
+        <pc:spChg chg="add mod">
+          <ac:chgData name="Scruel Tao" userId="5ea5c98d59b44d4b" providerId="LiveId" clId="{88D73D01-CABB-4B2D-80EC-648726E3C219}" dt="2023-05-03T02:23:29.364" v="4056" actId="2711"/>
+          <ac:spMkLst>
+            <pc:docMk/>
+            <pc:sldMk cId="2065461227" sldId="293"/>
+            <ac:spMk id="11" creationId="{ACFAA2F2-2C12-2F3E-6F61-A2E4D3BBAF3C}"/>
+          </ac:spMkLst>
+        </pc:spChg>
+      </pc:sldChg>
+      <pc:sldChg chg="addSp delSp modSp add mod modTransition modAnim">
+        <pc:chgData name="Scruel Tao" userId="5ea5c98d59b44d4b" providerId="LiveId" clId="{88D73D01-CABB-4B2D-80EC-648726E3C219}" dt="2023-05-05T14:59:33.343" v="4422"/>
+        <pc:sldMkLst>
+          <pc:docMk/>
+          <pc:sldMk cId="1915997927" sldId="294"/>
+        </pc:sldMkLst>
+        <pc:spChg chg="mod">
+          <ac:chgData name="Scruel Tao" userId="5ea5c98d59b44d4b" providerId="LiveId" clId="{88D73D01-CABB-4B2D-80EC-648726E3C219}" dt="2023-04-26T09:26:35.093" v="1494" actId="20577"/>
+          <ac:spMkLst>
+            <pc:docMk/>
+            <pc:sldMk cId="1915997927" sldId="294"/>
+            <ac:spMk id="2" creationId="{BAD162F0-2175-84E9-2387-55F669162449}"/>
+          </ac:spMkLst>
+        </pc:spChg>
+        <pc:spChg chg="del">
+          <ac:chgData name="Scruel Tao" userId="5ea5c98d59b44d4b" providerId="LiveId" clId="{88D73D01-CABB-4B2D-80EC-648726E3C219}" dt="2023-04-26T09:37:02.376" v="1988" actId="478"/>
+          <ac:spMkLst>
+            <pc:docMk/>
+            <pc:sldMk cId="1915997927" sldId="294"/>
+            <ac:spMk id="3" creationId="{6161918E-4117-86BA-1348-EFDCE664B1EF}"/>
+          </ac:spMkLst>
+        </pc:spChg>
+        <pc:spChg chg="mod">
+          <ac:chgData name="Scruel Tao" userId="5ea5c98d59b44d4b" providerId="LiveId" clId="{88D73D01-CABB-4B2D-80EC-648726E3C219}" dt="2023-05-03T02:22:54.232" v="4052" actId="113"/>
+          <ac:spMkLst>
+            <pc:docMk/>
+            <pc:sldMk cId="1915997927" sldId="294"/>
+            <ac:spMk id="4" creationId="{85D6D174-6A04-9AED-7984-BD4330ED7E3A}"/>
+          </ac:spMkLst>
+        </pc:spChg>
+        <pc:spChg chg="add mod">
+          <ac:chgData name="Scruel Tao" userId="5ea5c98d59b44d4b" providerId="LiveId" clId="{88D73D01-CABB-4B2D-80EC-648726E3C219}" dt="2023-05-03T12:52:19.065" v="4125" actId="207"/>
+          <ac:spMkLst>
+            <pc:docMk/>
+            <pc:sldMk cId="1915997927" sldId="294"/>
+            <ac:spMk id="5" creationId="{4B3FACC7-2E92-1DB1-1018-0263AD342247}"/>
+          </ac:spMkLst>
+        </pc:spChg>
+        <pc:spChg chg="mod">
+          <ac:chgData name="Scruel Tao" userId="5ea5c98d59b44d4b" providerId="LiveId" clId="{88D73D01-CABB-4B2D-80EC-648726E3C219}" dt="2023-04-29T18:11:35.970" v="2654" actId="113"/>
+          <ac:spMkLst>
+            <pc:docMk/>
+            <pc:sldMk cId="1915997927" sldId="294"/>
+            <ac:spMk id="7" creationId="{12C899D8-51C5-D9B7-A323-E6EFE4AB5C33}"/>
+          </ac:spMkLst>
+        </pc:spChg>
+        <pc:spChg chg="del">
+          <ac:chgData name="Scruel Tao" userId="5ea5c98d59b44d4b" providerId="LiveId" clId="{88D73D01-CABB-4B2D-80EC-648726E3C219}" dt="2023-04-26T09:37:41.485" v="2000" actId="478"/>
+          <ac:spMkLst>
+            <pc:docMk/>
+            <pc:sldMk cId="1915997927" sldId="294"/>
+            <ac:spMk id="9" creationId="{E08D2CD8-382B-DC0F-3A4E-1F4D30B0F2D1}"/>
+          </ac:spMkLst>
+        </pc:spChg>
+        <pc:spChg chg="del">
+          <ac:chgData name="Scruel Tao" userId="5ea5c98d59b44d4b" providerId="LiveId" clId="{88D73D01-CABB-4B2D-80EC-648726E3C219}" dt="2023-04-26T09:37:42.788" v="2001" actId="478"/>
+          <ac:spMkLst>
+            <pc:docMk/>
+            <pc:sldMk cId="1915997927" sldId="294"/>
+            <ac:spMk id="11" creationId="{ACFAA2F2-2C12-2F3E-6F61-A2E4D3BBAF3C}"/>
+          </ac:spMkLst>
+        </pc:spChg>
+      </pc:sldChg>
+      <pc:sldChg chg="addSp delSp modSp add mod modTransition delAnim modAnim modNotesTx">
+        <pc:chgData name="Scruel Tao" userId="5ea5c98d59b44d4b" providerId="LiveId" clId="{88D73D01-CABB-4B2D-80EC-648726E3C219}" dt="2023-05-06T10:22:43.987" v="5236" actId="478"/>
+        <pc:sldMkLst>
+          <pc:docMk/>
+          <pc:sldMk cId="1937024701" sldId="295"/>
+        </pc:sldMkLst>
+        <pc:spChg chg="mod">
+          <ac:chgData name="Scruel Tao" userId="5ea5c98d59b44d4b" providerId="LiveId" clId="{88D73D01-CABB-4B2D-80EC-648726E3C219}" dt="2023-05-06T10:19:53.302" v="5073" actId="20577"/>
+          <ac:spMkLst>
+            <pc:docMk/>
+            <pc:sldMk cId="1937024701" sldId="295"/>
+            <ac:spMk id="4" creationId="{85D6D174-6A04-9AED-7984-BD4330ED7E3A}"/>
+          </ac:spMkLst>
+        </pc:spChg>
+        <pc:spChg chg="del mod">
+          <ac:chgData name="Scruel Tao" userId="5ea5c98d59b44d4b" providerId="LiveId" clId="{88D73D01-CABB-4B2D-80EC-648726E3C219}" dt="2023-05-06T10:20:59.567" v="5178" actId="21"/>
+          <ac:spMkLst>
+            <pc:docMk/>
+            <pc:sldMk cId="1937024701" sldId="295"/>
+            <ac:spMk id="5" creationId="{4B3FACC7-2E92-1DB1-1018-0263AD342247}"/>
+          </ac:spMkLst>
+        </pc:spChg>
+        <pc:spChg chg="del mod">
+          <ac:chgData name="Scruel Tao" userId="5ea5c98d59b44d4b" providerId="LiveId" clId="{88D73D01-CABB-4B2D-80EC-648726E3C219}" dt="2023-05-06T10:22:43.987" v="5236" actId="478"/>
+          <ac:spMkLst>
+            <pc:docMk/>
+            <pc:sldMk cId="1937024701" sldId="295"/>
+            <ac:spMk id="7" creationId="{12C899D8-51C5-D9B7-A323-E6EFE4AB5C33}"/>
+          </ac:spMkLst>
+        </pc:spChg>
+        <pc:cxnChg chg="add del mod">
+          <ac:chgData name="Scruel Tao" userId="5ea5c98d59b44d4b" providerId="LiveId" clId="{88D73D01-CABB-4B2D-80EC-648726E3C219}" dt="2023-05-06T10:15:22.925" v="4874" actId="21"/>
+          <ac:cxnSpMkLst>
+            <pc:docMk/>
+            <pc:sldMk cId="1937024701" sldId="295"/>
+            <ac:cxnSpMk id="6" creationId="{8DD8547B-651D-8B2E-1A48-B2E55E635FA7}"/>
+          </ac:cxnSpMkLst>
+        </pc:cxnChg>
+      </pc:sldChg>
+      <pc:sldChg chg="modSp add del mod">
+        <pc:chgData name="Scruel Tao" userId="5ea5c98d59b44d4b" providerId="LiveId" clId="{88D73D01-CABB-4B2D-80EC-648726E3C219}" dt="2023-04-26T09:47:57.021" v="2416" actId="2696"/>
+        <pc:sldMkLst>
+          <pc:docMk/>
+          <pc:sldMk cId="749947478" sldId="296"/>
+        </pc:sldMkLst>
+        <pc:spChg chg="mod">
+          <ac:chgData name="Scruel Tao" userId="5ea5c98d59b44d4b" providerId="LiveId" clId="{88D73D01-CABB-4B2D-80EC-648726E3C219}" dt="2023-04-26T09:45:04.423" v="2286"/>
+          <ac:spMkLst>
+            <pc:docMk/>
+            <pc:sldMk cId="749947478" sldId="296"/>
+            <ac:spMk id="2" creationId="{BAD162F0-2175-84E9-2387-55F669162449}"/>
+          </ac:spMkLst>
+        </pc:spChg>
+      </pc:sldChg>
+      <pc:sldChg chg="modSp add del mod">
+        <pc:chgData name="Scruel Tao" userId="5ea5c98d59b44d4b" providerId="LiveId" clId="{88D73D01-CABB-4B2D-80EC-648726E3C219}" dt="2023-04-26T09:48:15.363" v="2419" actId="2696"/>
+        <pc:sldMkLst>
+          <pc:docMk/>
+          <pc:sldMk cId="3393753264" sldId="297"/>
+        </pc:sldMkLst>
+        <pc:spChg chg="mod">
+          <ac:chgData name="Scruel Tao" userId="5ea5c98d59b44d4b" providerId="LiveId" clId="{88D73D01-CABB-4B2D-80EC-648726E3C219}" dt="2023-04-26T09:45:17.420" v="2290"/>
+          <ac:spMkLst>
+            <pc:docMk/>
+            <pc:sldMk cId="3393753264" sldId="297"/>
+            <ac:spMk id="2" creationId="{BAD162F0-2175-84E9-2387-55F669162449}"/>
+          </ac:spMkLst>
+        </pc:spChg>
+        <pc:spChg chg="mod">
+          <ac:chgData name="Scruel Tao" userId="5ea5c98d59b44d4b" providerId="LiveId" clId="{88D73D01-CABB-4B2D-80EC-648726E3C219}" dt="2023-04-26T09:46:14.704" v="2339" actId="20577"/>
+          <ac:spMkLst>
+            <pc:docMk/>
+            <pc:sldMk cId="3393753264" sldId="297"/>
+            <ac:spMk id="4" creationId="{A8729A87-597D-F8A5-FA4B-9A53ABB05769}"/>
+          </ac:spMkLst>
+        </pc:spChg>
+        <pc:spChg chg="mod">
+          <ac:chgData name="Scruel Tao" userId="5ea5c98d59b44d4b" providerId="LiveId" clId="{88D73D01-CABB-4B2D-80EC-648726E3C219}" dt="2023-04-26T09:45:53.859" v="2297" actId="1076"/>
+          <ac:spMkLst>
+            <pc:docMk/>
+            <pc:sldMk cId="3393753264" sldId="297"/>
+            <ac:spMk id="7" creationId="{12C899D8-51C5-D9B7-A323-E6EFE4AB5C33}"/>
+          </ac:spMkLst>
+        </pc:spChg>
+      </pc:sldChg>
+      <pc:sldChg chg="addSp modSp add mod ord modTransition modAnim modNotesTx">
+        <pc:chgData name="Scruel Tao" userId="5ea5c98d59b44d4b" providerId="LiveId" clId="{88D73D01-CABB-4B2D-80EC-648726E3C219}" dt="2023-05-06T03:52:09.847" v="4475"/>
+        <pc:sldMkLst>
+          <pc:docMk/>
+          <pc:sldMk cId="1877091463" sldId="298"/>
+        </pc:sldMkLst>
+        <pc:spChg chg="mod">
+          <ac:chgData name="Scruel Tao" userId="5ea5c98d59b44d4b" providerId="LiveId" clId="{88D73D01-CABB-4B2D-80EC-648726E3C219}" dt="2023-04-26T09:46:24.820" v="2344"/>
+          <ac:spMkLst>
+            <pc:docMk/>
+            <pc:sldMk cId="1877091463" sldId="298"/>
+            <ac:spMk id="2" creationId="{BAD162F0-2175-84E9-2387-55F669162449}"/>
+          </ac:spMkLst>
+        </pc:spChg>
+        <pc:spChg chg="add mod">
+          <ac:chgData name="Scruel Tao" userId="5ea5c98d59b44d4b" providerId="LiveId" clId="{88D73D01-CABB-4B2D-80EC-648726E3C219}" dt="2023-05-06T03:52:06.220" v="4473" actId="14100"/>
+          <ac:spMkLst>
+            <pc:docMk/>
+            <pc:sldMk cId="1877091463" sldId="298"/>
+            <ac:spMk id="3" creationId="{1226AE05-381E-07B9-F66E-CC6235D17313}"/>
+          </ac:spMkLst>
+        </pc:spChg>
+        <pc:spChg chg="mod">
+          <ac:chgData name="Scruel Tao" userId="5ea5c98d59b44d4b" providerId="LiveId" clId="{88D73D01-CABB-4B2D-80EC-648726E3C219}" dt="2023-05-03T02:45:25.928" v="4058" actId="5793"/>
+          <ac:spMkLst>
+            <pc:docMk/>
+            <pc:sldMk cId="1877091463" sldId="298"/>
+            <ac:spMk id="4" creationId="{A8729A87-597D-F8A5-FA4B-9A53ABB05769}"/>
+          </ac:spMkLst>
+        </pc:spChg>
+        <pc:spChg chg="mod">
+          <ac:chgData name="Scruel Tao" userId="5ea5c98d59b44d4b" providerId="LiveId" clId="{88D73D01-CABB-4B2D-80EC-648726E3C219}" dt="2023-04-26T09:47:17.949" v="2400" actId="14100"/>
+          <ac:spMkLst>
+            <pc:docMk/>
+            <pc:sldMk cId="1877091463" sldId="298"/>
+            <ac:spMk id="5" creationId="{B7A8CE03-6A77-60EC-056E-D7A0019640A3}"/>
+          </ac:spMkLst>
+        </pc:spChg>
+        <pc:spChg chg="mod">
+          <ac:chgData name="Scruel Tao" userId="5ea5c98d59b44d4b" providerId="LiveId" clId="{88D73D01-CABB-4B2D-80EC-648726E3C219}" dt="2023-04-29T18:12:05.924" v="2663" actId="113"/>
+          <ac:spMkLst>
+            <pc:docMk/>
+            <pc:sldMk cId="1877091463" sldId="298"/>
+            <ac:spMk id="7" creationId="{12C899D8-51C5-D9B7-A323-E6EFE4AB5C33}"/>
+          </ac:spMkLst>
+        </pc:spChg>
+      </pc:sldChg>
+      <pc:sldChg chg="addSp delSp modSp add mod modTransition delAnim modAnim modNotesTx">
+        <pc:chgData name="Scruel Tao" userId="5ea5c98d59b44d4b" providerId="LiveId" clId="{88D73D01-CABB-4B2D-80EC-648726E3C219}" dt="2023-05-05T16:31:55.622" v="4468" actId="20577"/>
+        <pc:sldMkLst>
+          <pc:docMk/>
+          <pc:sldMk cId="3690737645" sldId="299"/>
+        </pc:sldMkLst>
+        <pc:spChg chg="mod">
+          <ac:chgData name="Scruel Tao" userId="5ea5c98d59b44d4b" providerId="LiveId" clId="{88D73D01-CABB-4B2D-80EC-648726E3C219}" dt="2023-04-26T09:48:25.692" v="2420" actId="20577"/>
+          <ac:spMkLst>
+            <pc:docMk/>
+            <pc:sldMk cId="3690737645" sldId="299"/>
+            <ac:spMk id="2" creationId="{BAD162F0-2175-84E9-2387-55F669162449}"/>
+          </ac:spMkLst>
+        </pc:spChg>
+        <pc:spChg chg="add del mod">
+          <ac:chgData name="Scruel Tao" userId="5ea5c98d59b44d4b" providerId="LiveId" clId="{88D73D01-CABB-4B2D-80EC-648726E3C219}" dt="2023-05-01T13:46:12.614" v="3846" actId="478"/>
+          <ac:spMkLst>
+            <pc:docMk/>
+            <pc:sldMk cId="3690737645" sldId="299"/>
+            <ac:spMk id="3" creationId="{7E49B1C0-55DA-B300-490F-82C8CB51DD16}"/>
+          </ac:spMkLst>
+        </pc:spChg>
+        <pc:spChg chg="mod">
+          <ac:chgData name="Scruel Tao" userId="5ea5c98d59b44d4b" providerId="LiveId" clId="{88D73D01-CABB-4B2D-80EC-648726E3C219}" dt="2023-05-03T02:45:26.793" v="4059" actId="5793"/>
+          <ac:spMkLst>
+            <pc:docMk/>
+            <pc:sldMk cId="3690737645" sldId="299"/>
+            <ac:spMk id="4" creationId="{A8729A87-597D-F8A5-FA4B-9A53ABB05769}"/>
+          </ac:spMkLst>
+        </pc:spChg>
+        <pc:spChg chg="mod">
+          <ac:chgData name="Scruel Tao" userId="5ea5c98d59b44d4b" providerId="LiveId" clId="{88D73D01-CABB-4B2D-80EC-648726E3C219}" dt="2023-05-01T13:45:43.318" v="3841" actId="1076"/>
+          <ac:spMkLst>
+            <pc:docMk/>
+            <pc:sldMk cId="3690737645" sldId="299"/>
+            <ac:spMk id="5" creationId="{B7A8CE03-6A77-60EC-056E-D7A0019640A3}"/>
+          </ac:spMkLst>
+        </pc:spChg>
+        <pc:spChg chg="add mod">
+          <ac:chgData name="Scruel Tao" userId="5ea5c98d59b44d4b" providerId="LiveId" clId="{88D73D01-CABB-4B2D-80EC-648726E3C219}" dt="2023-05-01T13:46:17.494" v="3849" actId="1038"/>
+          <ac:spMkLst>
+            <pc:docMk/>
+            <pc:sldMk cId="3690737645" sldId="299"/>
+            <ac:spMk id="6" creationId="{9558DF9E-DBDC-9969-D142-F5FE785F300E}"/>
+          </ac:spMkLst>
+        </pc:spChg>
+        <pc:spChg chg="mod">
+          <ac:chgData name="Scruel Tao" userId="5ea5c98d59b44d4b" providerId="LiveId" clId="{88D73D01-CABB-4B2D-80EC-648726E3C219}" dt="2023-05-01T13:45:41.289" v="3840" actId="1076"/>
+          <ac:spMkLst>
+            <pc:docMk/>
+            <pc:sldMk cId="3690737645" sldId="299"/>
+            <ac:spMk id="7" creationId="{12C899D8-51C5-D9B7-A323-E6EFE4AB5C33}"/>
+          </ac:spMkLst>
+        </pc:spChg>
+        <pc:spChg chg="add mod">
+          <ac:chgData name="Scruel Tao" userId="5ea5c98d59b44d4b" providerId="LiveId" clId="{88D73D01-CABB-4B2D-80EC-648726E3C219}" dt="2023-05-01T13:46:21.375" v="3850" actId="1076"/>
+          <ac:spMkLst>
+            <pc:docMk/>
+            <pc:sldMk cId="3690737645" sldId="299"/>
+            <ac:spMk id="8" creationId="{80A85D88-CBBF-E591-A75C-E5C10B0DD5F1}"/>
+          </ac:spMkLst>
+        </pc:spChg>
+      </pc:sldChg>
+      <pc:sldChg chg="addSp delSp modSp add mod modTransition delAnim modAnim modNotesTx">
+        <pc:chgData name="Scruel Tao" userId="5ea5c98d59b44d4b" providerId="LiveId" clId="{88D73D01-CABB-4B2D-80EC-648726E3C219}" dt="2023-05-05T14:59:33.343" v="4422"/>
+        <pc:sldMkLst>
+          <pc:docMk/>
+          <pc:sldMk cId="3466020836" sldId="300"/>
+        </pc:sldMkLst>
+        <pc:spChg chg="mod">
+          <ac:chgData name="Scruel Tao" userId="5ea5c98d59b44d4b" providerId="LiveId" clId="{88D73D01-CABB-4B2D-80EC-648726E3C219}" dt="2023-04-26T09:48:32.508" v="2422"/>
+          <ac:spMkLst>
+            <pc:docMk/>
+            <pc:sldMk cId="3466020836" sldId="300"/>
+            <ac:spMk id="2" creationId="{BAD162F0-2175-84E9-2387-55F669162449}"/>
+          </ac:spMkLst>
+        </pc:spChg>
+        <pc:spChg chg="add del mod">
+          <ac:chgData name="Scruel Tao" userId="5ea5c98d59b44d4b" providerId="LiveId" clId="{88D73D01-CABB-4B2D-80EC-648726E3C219}" dt="2023-05-01T13:51:09.841" v="3947" actId="21"/>
+          <ac:spMkLst>
+            <pc:docMk/>
+            <pc:sldMk cId="3466020836" sldId="300"/>
+            <ac:spMk id="3" creationId="{3582DCCD-854D-FFAC-5FCD-D309DDC9FA2E}"/>
+          </ac:spMkLst>
+        </pc:spChg>
+        <pc:spChg chg="add del mod">
+          <ac:chgData name="Scruel Tao" userId="5ea5c98d59b44d4b" providerId="LiveId" clId="{88D73D01-CABB-4B2D-80EC-648726E3C219}" dt="2023-04-26T09:54:57.958" v="2599" actId="21"/>
+          <ac:spMkLst>
+            <pc:docMk/>
+            <pc:sldMk cId="3466020836" sldId="300"/>
+            <ac:spMk id="3" creationId="{6D534F35-9D9D-39E7-D401-825A0475250F}"/>
+          </ac:spMkLst>
+        </pc:spChg>
+        <pc:spChg chg="mod">
+          <ac:chgData name="Scruel Tao" userId="5ea5c98d59b44d4b" providerId="LiveId" clId="{88D73D01-CABB-4B2D-80EC-648726E3C219}" dt="2023-05-03T02:45:27.675" v="4060" actId="5793"/>
+          <ac:spMkLst>
+            <pc:docMk/>
+            <pc:sldMk cId="3466020836" sldId="300"/>
+            <ac:spMk id="4" creationId="{A8729A87-597D-F8A5-FA4B-9A53ABB05769}"/>
+          </ac:spMkLst>
+        </pc:spChg>
+        <pc:spChg chg="add del mod">
+          <ac:chgData name="Scruel Tao" userId="5ea5c98d59b44d4b" providerId="LiveId" clId="{88D73D01-CABB-4B2D-80EC-648726E3C219}" dt="2023-05-01T13:51:09.841" v="3947" actId="21"/>
+          <ac:spMkLst>
+            <pc:docMk/>
+            <pc:sldMk cId="3466020836" sldId="300"/>
+            <ac:spMk id="5" creationId="{A60E2775-3E9E-E228-883B-C145AE0AD99C}"/>
+          </ac:spMkLst>
+        </pc:spChg>
+        <pc:spChg chg="del">
+          <ac:chgData name="Scruel Tao" userId="5ea5c98d59b44d4b" providerId="LiveId" clId="{88D73D01-CABB-4B2D-80EC-648726E3C219}" dt="2023-04-26T09:54:22.405" v="2592" actId="478"/>
+          <ac:spMkLst>
+            <pc:docMk/>
+            <pc:sldMk cId="3466020836" sldId="300"/>
+            <ac:spMk id="5" creationId="{B7A8CE03-6A77-60EC-056E-D7A0019640A3}"/>
+          </ac:spMkLst>
+        </pc:spChg>
+        <pc:spChg chg="add del mod">
+          <ac:chgData name="Scruel Tao" userId="5ea5c98d59b44d4b" providerId="LiveId" clId="{88D73D01-CABB-4B2D-80EC-648726E3C219}" dt="2023-05-01T13:48:49.268" v="3891" actId="478"/>
+          <ac:spMkLst>
+            <pc:docMk/>
+            <pc:sldMk cId="3466020836" sldId="300"/>
+            <ac:spMk id="6" creationId="{5A0CF9C0-4BEE-6A42-A1A5-10454583A2EA}"/>
+          </ac:spMkLst>
+        </pc:spChg>
+        <pc:spChg chg="mod">
+          <ac:chgData name="Scruel Tao" userId="5ea5c98d59b44d4b" providerId="LiveId" clId="{88D73D01-CABB-4B2D-80EC-648726E3C219}" dt="2023-05-01T13:51:19.360" v="3948" actId="1076"/>
+          <ac:spMkLst>
+            <pc:docMk/>
+            <pc:sldMk cId="3466020836" sldId="300"/>
+            <ac:spMk id="7" creationId="{12C899D8-51C5-D9B7-A323-E6EFE4AB5C33}"/>
+          </ac:spMkLst>
+        </pc:spChg>
+      </pc:sldChg>
+      <pc:sldChg chg="add del">
+        <pc:chgData name="Scruel Tao" userId="5ea5c98d59b44d4b" providerId="LiveId" clId="{88D73D01-CABB-4B2D-80EC-648726E3C219}" dt="2023-04-26T09:48:34.256" v="2423" actId="47"/>
+        <pc:sldMkLst>
+          <pc:docMk/>
+          <pc:sldMk cId="609854546" sldId="301"/>
+        </pc:sldMkLst>
+      </pc:sldChg>
+      <pc:sldChg chg="addSp delSp modSp add del mod delAnim">
+        <pc:chgData name="Scruel Tao" userId="5ea5c98d59b44d4b" providerId="LiveId" clId="{88D73D01-CABB-4B2D-80EC-648726E3C219}" dt="2023-04-30T17:53:55.378" v="3358" actId="47"/>
+        <pc:sldMkLst>
+          <pc:docMk/>
+          <pc:sldMk cId="2686343367" sldId="301"/>
+        </pc:sldMkLst>
+        <pc:spChg chg="del">
+          <ac:chgData name="Scruel Tao" userId="5ea5c98d59b44d4b" providerId="LiveId" clId="{88D73D01-CABB-4B2D-80EC-648726E3C219}" dt="2023-04-26T09:53:32.524" v="2562" actId="21"/>
+          <ac:spMkLst>
+            <pc:docMk/>
+            <pc:sldMk cId="2686343367" sldId="301"/>
+            <ac:spMk id="3" creationId="{6D534F35-9D9D-39E7-D401-825A0475250F}"/>
+          </ac:spMkLst>
+        </pc:spChg>
+        <pc:spChg chg="mod">
+          <ac:chgData name="Scruel Tao" userId="5ea5c98d59b44d4b" providerId="LiveId" clId="{88D73D01-CABB-4B2D-80EC-648726E3C219}" dt="2023-04-26T09:55:27.370" v="2609"/>
+          <ac:spMkLst>
+            <pc:docMk/>
+            <pc:sldMk cId="2686343367" sldId="301"/>
+            <ac:spMk id="4" creationId="{A8729A87-597D-F8A5-FA4B-9A53ABB05769}"/>
+          </ac:spMkLst>
+        </pc:spChg>
+        <pc:spChg chg="del mod">
+          <ac:chgData name="Scruel Tao" userId="5ea5c98d59b44d4b" providerId="LiveId" clId="{88D73D01-CABB-4B2D-80EC-648726E3C219}" dt="2023-04-26T09:55:16.748" v="2606" actId="21"/>
+          <ac:spMkLst>
+            <pc:docMk/>
+            <pc:sldMk cId="2686343367" sldId="301"/>
+            <ac:spMk id="5" creationId="{B7A8CE03-6A77-60EC-056E-D7A0019640A3}"/>
+          </ac:spMkLst>
+        </pc:spChg>
+        <pc:spChg chg="add mod">
+          <ac:chgData name="Scruel Tao" userId="5ea5c98d59b44d4b" providerId="LiveId" clId="{88D73D01-CABB-4B2D-80EC-648726E3C219}" dt="2023-04-29T18:12:11.220" v="2666" actId="113"/>
+          <ac:spMkLst>
+            <pc:docMk/>
+            <pc:sldMk cId="2686343367" sldId="301"/>
+            <ac:spMk id="6" creationId="{96E40A6E-E2C7-A8E8-BC3B-0C034B391FDD}"/>
+          </ac:spMkLst>
+        </pc:spChg>
+        <pc:spChg chg="del">
+          <ac:chgData name="Scruel Tao" userId="5ea5c98d59b44d4b" providerId="LiveId" clId="{88D73D01-CABB-4B2D-80EC-648726E3C219}" dt="2023-04-26T09:53:31.626" v="2561" actId="21"/>
+          <ac:spMkLst>
+            <pc:docMk/>
+            <pc:sldMk cId="2686343367" sldId="301"/>
+            <ac:spMk id="7" creationId="{12C899D8-51C5-D9B7-A323-E6EFE4AB5C33}"/>
+          </ac:spMkLst>
+        </pc:spChg>
+      </pc:sldChg>
+      <pc:sldChg chg="delSp modSp add del mod">
+        <pc:chgData name="Scruel Tao" userId="5ea5c98d59b44d4b" providerId="LiveId" clId="{88D73D01-CABB-4B2D-80EC-648726E3C219}" dt="2023-04-30T17:55:19.916" v="3368" actId="47"/>
+        <pc:sldMkLst>
+          <pc:docMk/>
+          <pc:sldMk cId="1645371285" sldId="302"/>
+        </pc:sldMkLst>
+        <pc:spChg chg="mod">
+          <ac:chgData name="Scruel Tao" userId="5ea5c98d59b44d4b" providerId="LiveId" clId="{88D73D01-CABB-4B2D-80EC-648726E3C219}" dt="2023-04-26T09:55:29.640" v="2610"/>
+          <ac:spMkLst>
+            <pc:docMk/>
+            <pc:sldMk cId="1645371285" sldId="302"/>
+            <ac:spMk id="4" creationId="{A8729A87-597D-F8A5-FA4B-9A53ABB05769}"/>
+          </ac:spMkLst>
+        </pc:spChg>
+        <pc:spChg chg="mod">
+          <ac:chgData name="Scruel Tao" userId="5ea5c98d59b44d4b" providerId="LiveId" clId="{88D73D01-CABB-4B2D-80EC-648726E3C219}" dt="2023-04-26T09:55:22.535" v="2608" actId="1076"/>
+          <ac:spMkLst>
+            <pc:docMk/>
+            <pc:sldMk cId="1645371285" sldId="302"/>
+            <ac:spMk id="5" creationId="{B7A8CE03-6A77-60EC-056E-D7A0019640A3}"/>
+          </ac:spMkLst>
+        </pc:spChg>
+        <pc:spChg chg="del">
+          <ac:chgData name="Scruel Tao" userId="5ea5c98d59b44d4b" providerId="LiveId" clId="{88D73D01-CABB-4B2D-80EC-648726E3C219}" dt="2023-04-26T09:55:19.313" v="2607" actId="21"/>
+          <ac:spMkLst>
+            <pc:docMk/>
+            <pc:sldMk cId="1645371285" sldId="302"/>
+            <ac:spMk id="6" creationId="{96E40A6E-E2C7-A8E8-BC3B-0C034B391FDD}"/>
+          </ac:spMkLst>
+        </pc:spChg>
+      </pc:sldChg>
+      <pc:sldChg chg="addSp delSp modSp add mod modTransition delAnim">
+        <pc:chgData name="Scruel Tao" userId="5ea5c98d59b44d4b" providerId="LiveId" clId="{88D73D01-CABB-4B2D-80EC-648726E3C219}" dt="2023-05-05T14:59:33.343" v="4422"/>
+        <pc:sldMkLst>
+          <pc:docMk/>
+          <pc:sldMk cId="4005172658" sldId="303"/>
+        </pc:sldMkLst>
+        <pc:spChg chg="add del mod">
+          <ac:chgData name="Scruel Tao" userId="5ea5c98d59b44d4b" providerId="LiveId" clId="{88D73D01-CABB-4B2D-80EC-648726E3C219}" dt="2023-04-30T17:07:35.632" v="2726" actId="478"/>
+          <ac:spMkLst>
+            <pc:docMk/>
+            <pc:sldMk cId="4005172658" sldId="303"/>
+            <ac:spMk id="3" creationId="{0E2FC508-1AFD-A957-52F2-FA1DEF2A9D27}"/>
+          </ac:spMkLst>
+        </pc:spChg>
+        <pc:spChg chg="del">
+          <ac:chgData name="Scruel Tao" userId="5ea5c98d59b44d4b" providerId="LiveId" clId="{88D73D01-CABB-4B2D-80EC-648726E3C219}" dt="2023-04-30T17:06:55.678" v="2710" actId="478"/>
+          <ac:spMkLst>
+            <pc:docMk/>
+            <pc:sldMk cId="4005172658" sldId="303"/>
+            <ac:spMk id="5" creationId="{B7A8CE03-6A77-60EC-056E-D7A0019640A3}"/>
+          </ac:spMkLst>
+        </pc:spChg>
+        <pc:spChg chg="del mod">
+          <ac:chgData name="Scruel Tao" userId="5ea5c98d59b44d4b" providerId="LiveId" clId="{88D73D01-CABB-4B2D-80EC-648726E3C219}" dt="2023-04-30T17:06:54.841" v="2709" actId="478"/>
+          <ac:spMkLst>
+            <pc:docMk/>
+            <pc:sldMk cId="4005172658" sldId="303"/>
+            <ac:spMk id="7" creationId="{12C899D8-51C5-D9B7-A323-E6EFE4AB5C33}"/>
+          </ac:spMkLst>
+        </pc:spChg>
+        <pc:spChg chg="add mod">
+          <ac:chgData name="Scruel Tao" userId="5ea5c98d59b44d4b" providerId="LiveId" clId="{88D73D01-CABB-4B2D-80EC-648726E3C219}" dt="2023-04-30T17:25:20.630" v="2785" actId="21"/>
+          <ac:spMkLst>
+            <pc:docMk/>
+            <pc:sldMk cId="4005172658" sldId="303"/>
+            <ac:spMk id="14" creationId="{0E3316AF-03D2-E954-8D9C-19BFF8D01C35}"/>
+          </ac:spMkLst>
+        </pc:spChg>
+        <pc:spChg chg="add del mod">
+          <ac:chgData name="Scruel Tao" userId="5ea5c98d59b44d4b" providerId="LiveId" clId="{88D73D01-CABB-4B2D-80EC-648726E3C219}" dt="2023-04-30T17:17:43.400" v="2767" actId="21"/>
+          <ac:spMkLst>
+            <pc:docMk/>
+            <pc:sldMk cId="4005172658" sldId="303"/>
+            <ac:spMk id="15" creationId="{B86710B8-8E24-3096-1823-5BC0A6C16F23}"/>
+          </ac:spMkLst>
+        </pc:spChg>
+        <pc:picChg chg="add del mod">
+          <ac:chgData name="Scruel Tao" userId="5ea5c98d59b44d4b" providerId="LiveId" clId="{88D73D01-CABB-4B2D-80EC-648726E3C219}" dt="2023-04-30T17:07:10.637" v="2716" actId="21"/>
+          <ac:picMkLst>
+            <pc:docMk/>
+            <pc:sldMk cId="4005172658" sldId="303"/>
+            <ac:picMk id="6" creationId="{F565E68C-0CEE-A04A-671B-03DB47E0C6F5}"/>
+          </ac:picMkLst>
+        </pc:picChg>
+        <pc:picChg chg="add del mod ord">
+          <ac:chgData name="Scruel Tao" userId="5ea5c98d59b44d4b" providerId="LiveId" clId="{88D73D01-CABB-4B2D-80EC-648726E3C219}" dt="2023-04-30T17:07:32.222" v="2725" actId="22"/>
+          <ac:picMkLst>
+            <pc:docMk/>
+            <pc:sldMk cId="4005172658" sldId="303"/>
+            <ac:picMk id="9" creationId="{A615F8B8-143C-45E2-C75D-730EBD2E4B7C}"/>
+          </ac:picMkLst>
+        </pc:picChg>
+        <pc:picChg chg="add del mod">
+          <ac:chgData name="Scruel Tao" userId="5ea5c98d59b44d4b" providerId="LiveId" clId="{88D73D01-CABB-4B2D-80EC-648726E3C219}" dt="2023-04-30T17:14:16.240" v="2734" actId="21"/>
+          <ac:picMkLst>
+            <pc:docMk/>
+            <pc:sldMk cId="4005172658" sldId="303"/>
+            <ac:picMk id="11" creationId="{D3C63D22-ED70-BC91-005E-CFE848BA4AF5}"/>
+          </ac:picMkLst>
+        </pc:picChg>
+        <pc:picChg chg="add del mod">
+          <ac:chgData name="Scruel Tao" userId="5ea5c98d59b44d4b" providerId="LiveId" clId="{88D73D01-CABB-4B2D-80EC-648726E3C219}" dt="2023-04-30T17:25:22.374" v="2786" actId="478"/>
+          <ac:picMkLst>
+            <pc:docMk/>
+            <pc:sldMk cId="4005172658" sldId="303"/>
+            <ac:picMk id="13" creationId="{1FDF7BE3-899F-35AE-FB9D-5F8091A8E461}"/>
+          </ac:picMkLst>
+        </pc:picChg>
+        <pc:picChg chg="add mod">
+          <ac:chgData name="Scruel Tao" userId="5ea5c98d59b44d4b" providerId="LiveId" clId="{88D73D01-CABB-4B2D-80EC-648726E3C219}" dt="2023-04-30T17:25:49.168" v="2800" actId="1036"/>
+          <ac:picMkLst>
+            <pc:docMk/>
+            <pc:sldMk cId="4005172658" sldId="303"/>
+            <ac:picMk id="17" creationId="{B4BA9574-9B96-B884-236F-FE5B9F192448}"/>
+          </ac:picMkLst>
+        </pc:picChg>
+      </pc:sldChg>
+      <pc:sldChg chg="addSp delSp modSp add del mod modTransition">
+        <pc:chgData name="Scruel Tao" userId="5ea5c98d59b44d4b" providerId="LiveId" clId="{88D73D01-CABB-4B2D-80EC-648726E3C219}" dt="2023-05-06T21:07:39.913" v="5888" actId="47"/>
+        <pc:sldMkLst>
+          <pc:docMk/>
+          <pc:sldMk cId="2904614809" sldId="304"/>
+        </pc:sldMkLst>
+        <pc:spChg chg="add del">
+          <ac:chgData name="Scruel Tao" userId="5ea5c98d59b44d4b" providerId="LiveId" clId="{88D73D01-CABB-4B2D-80EC-648726E3C219}" dt="2023-05-06T20:59:14.766" v="5770" actId="22"/>
+          <ac:spMkLst>
+            <pc:docMk/>
+            <pc:sldMk cId="2904614809" sldId="304"/>
+            <ac:spMk id="4" creationId="{4BD13178-00F2-52DB-BDA7-D53E6A1DAA64}"/>
+          </ac:spMkLst>
+        </pc:spChg>
+        <pc:spChg chg="add del">
+          <ac:chgData name="Scruel Tao" userId="5ea5c98d59b44d4b" providerId="LiveId" clId="{88D73D01-CABB-4B2D-80EC-648726E3C219}" dt="2023-05-06T21:02:48.602" v="5799" actId="22"/>
+          <ac:spMkLst>
+            <pc:docMk/>
+            <pc:sldMk cId="2904614809" sldId="304"/>
+            <ac:spMk id="15" creationId="{A837DDAD-95CE-417C-0C9A-28A5813F9745}"/>
+          </ac:spMkLst>
+        </pc:spChg>
+        <pc:spChg chg="add del">
+          <ac:chgData name="Scruel Tao" userId="5ea5c98d59b44d4b" providerId="LiveId" clId="{88D73D01-CABB-4B2D-80EC-648726E3C219}" dt="2023-05-06T21:03:06.579" v="5804" actId="22"/>
+          <ac:spMkLst>
+            <pc:docMk/>
+            <pc:sldMk cId="2904614809" sldId="304"/>
+            <ac:spMk id="20" creationId="{C3B19355-9CDD-AB83-B52C-BDB364B40561}"/>
+          </ac:spMkLst>
+        </pc:spChg>
+        <pc:picChg chg="add del mod">
+          <ac:chgData name="Scruel Tao" userId="5ea5c98d59b44d4b" providerId="LiveId" clId="{88D73D01-CABB-4B2D-80EC-648726E3C219}" dt="2023-05-06T21:00:21.409" v="5784" actId="21"/>
+          <ac:picMkLst>
+            <pc:docMk/>
+            <pc:sldMk cId="2904614809" sldId="304"/>
+            <ac:picMk id="6" creationId="{5C4F9057-7536-57A2-F29B-861865706BFC}"/>
+          </ac:picMkLst>
+        </pc:picChg>
+        <pc:picChg chg="add mod">
+          <ac:chgData name="Scruel Tao" userId="5ea5c98d59b44d4b" providerId="LiveId" clId="{88D73D01-CABB-4B2D-80EC-648726E3C219}" dt="2023-05-06T21:04:57.208" v="5853" actId="1035"/>
+          <ac:picMkLst>
+            <pc:docMk/>
+            <pc:sldMk cId="2904614809" sldId="304"/>
+            <ac:picMk id="8" creationId="{8AB5090F-5018-48C0-EBF4-ED6B0DBB8E37}"/>
+          </ac:picMkLst>
+        </pc:picChg>
+        <pc:picChg chg="add del mod">
+          <ac:chgData name="Scruel Tao" userId="5ea5c98d59b44d4b" providerId="LiveId" clId="{88D73D01-CABB-4B2D-80EC-648726E3C219}" dt="2023-05-06T21:02:46.868" v="5797" actId="478"/>
+          <ac:picMkLst>
+            <pc:docMk/>
+            <pc:sldMk cId="2904614809" sldId="304"/>
+            <ac:picMk id="10" creationId="{4AEF12E1-0C3C-CCF5-4389-965AF8B4FE21}"/>
+          </ac:picMkLst>
+        </pc:picChg>
+        <pc:picChg chg="add del mod">
+          <ac:chgData name="Scruel Tao" userId="5ea5c98d59b44d4b" providerId="LiveId" clId="{88D73D01-CABB-4B2D-80EC-648726E3C219}" dt="2023-05-06T21:01:02.155" v="5794" actId="21"/>
+          <ac:picMkLst>
+            <pc:docMk/>
+            <pc:sldMk cId="2904614809" sldId="304"/>
+            <ac:picMk id="11" creationId="{93A7E669-6699-DCB8-A0BE-DFE699276A6C}"/>
+          </ac:picMkLst>
+        </pc:picChg>
+        <pc:picChg chg="del">
+          <ac:chgData name="Scruel Tao" userId="5ea5c98d59b44d4b" providerId="LiveId" clId="{88D73D01-CABB-4B2D-80EC-648726E3C219}" dt="2023-05-06T20:59:34.858" v="5776" actId="21"/>
+          <ac:picMkLst>
+            <pc:docMk/>
+            <pc:sldMk cId="2904614809" sldId="304"/>
+            <ac:picMk id="13" creationId="{1FDF7BE3-899F-35AE-FB9D-5F8091A8E461}"/>
+          </ac:picMkLst>
+        </pc:picChg>
+        <pc:picChg chg="mod">
+          <ac:chgData name="Scruel Tao" userId="5ea5c98d59b44d4b" providerId="LiveId" clId="{88D73D01-CABB-4B2D-80EC-648726E3C219}" dt="2023-04-30T17:25:37.227" v="2799" actId="1035"/>
+          <ac:picMkLst>
+            <pc:docMk/>
+            <pc:sldMk cId="2904614809" sldId="304"/>
+            <ac:picMk id="17" creationId="{B4BA9574-9B96-B884-236F-FE5B9F192448}"/>
+          </ac:picMkLst>
+        </pc:picChg>
+        <pc:picChg chg="add mod">
+          <ac:chgData name="Scruel Tao" userId="5ea5c98d59b44d4b" providerId="LiveId" clId="{88D73D01-CABB-4B2D-80EC-648726E3C219}" dt="2023-05-06T21:04:57.208" v="5853" actId="1035"/>
+          <ac:picMkLst>
+            <pc:docMk/>
+            <pc:sldMk cId="2904614809" sldId="304"/>
+            <ac:picMk id="18" creationId="{25B4A285-7F44-C972-3812-DD190DC73F65}"/>
+          </ac:picMkLst>
+        </pc:picChg>
+        <pc:picChg chg="add mod">
+          <ac:chgData name="Scruel Tao" userId="5ea5c98d59b44d4b" providerId="LiveId" clId="{88D73D01-CABB-4B2D-80EC-648726E3C219}" dt="2023-05-06T21:04:57.208" v="5853" actId="1035"/>
+          <ac:picMkLst>
+            <pc:docMk/>
+            <pc:sldMk cId="2904614809" sldId="304"/>
+            <ac:picMk id="22" creationId="{3A55B12E-91EC-DC60-A02F-622D42775EFC}"/>
+          </ac:picMkLst>
+        </pc:picChg>
+        <pc:picChg chg="add del mod">
+          <ac:chgData name="Scruel Tao" userId="5ea5c98d59b44d4b" providerId="LiveId" clId="{88D73D01-CABB-4B2D-80EC-648726E3C219}" dt="2023-05-06T21:05:06.961" v="5862" actId="21"/>
+          <ac:picMkLst>
+            <pc:docMk/>
+            <pc:sldMk cId="2904614809" sldId="304"/>
+            <ac:picMk id="24" creationId="{B299B1EC-1ACF-C4FC-CE97-D8A4F4C2ADE6}"/>
+          </ac:picMkLst>
+        </pc:picChg>
+      </pc:sldChg>
+      <pc:sldChg chg="modSp add mod ord modTransition">
+        <pc:chgData name="Scruel Tao" userId="5ea5c98d59b44d4b" providerId="LiveId" clId="{88D73D01-CABB-4B2D-80EC-648726E3C219}" dt="2023-05-05T14:59:33.343" v="4422"/>
+        <pc:sldMkLst>
+          <pc:docMk/>
+          <pc:sldMk cId="126184490" sldId="305"/>
+        </pc:sldMkLst>
+        <pc:spChg chg="mod">
+          <ac:chgData name="Scruel Tao" userId="5ea5c98d59b44d4b" providerId="LiveId" clId="{88D73D01-CABB-4B2D-80EC-648726E3C219}" dt="2023-05-01T13:34:40.825" v="3560" actId="20577"/>
+          <ac:spMkLst>
+            <pc:docMk/>
+            <pc:sldMk cId="126184490" sldId="305"/>
+            <ac:spMk id="2" creationId="{BAD162F0-2175-84E9-2387-55F669162449}"/>
+          </ac:spMkLst>
+        </pc:spChg>
+        <pc:spChg chg="mod">
+          <ac:chgData name="Scruel Tao" userId="5ea5c98d59b44d4b" providerId="LiveId" clId="{88D73D01-CABB-4B2D-80EC-648726E3C219}" dt="2023-05-01T13:34:23.020" v="3554" actId="21"/>
+          <ac:spMkLst>
+            <pc:docMk/>
+            <pc:sldMk cId="126184490" sldId="305"/>
+            <ac:spMk id="4" creationId="{01B48343-3D1C-FDA9-2DD5-C88222E962F2}"/>
+          </ac:spMkLst>
+        </pc:spChg>
+        <pc:spChg chg="mod">
+          <ac:chgData name="Scruel Tao" userId="5ea5c98d59b44d4b" providerId="LiveId" clId="{88D73D01-CABB-4B2D-80EC-648726E3C219}" dt="2023-05-01T13:35:01.954" v="3568" actId="21"/>
+          <ac:spMkLst>
+            <pc:docMk/>
+            <pc:sldMk cId="126184490" sldId="305"/>
+            <ac:spMk id="5" creationId="{B7A8CE03-6A77-60EC-056E-D7A0019640A3}"/>
+          </ac:spMkLst>
+        </pc:spChg>
+        <pc:spChg chg="mod">
+          <ac:chgData name="Scruel Tao" userId="5ea5c98d59b44d4b" providerId="LiveId" clId="{88D73D01-CABB-4B2D-80EC-648726E3C219}" dt="2023-05-01T13:34:58.738" v="3566" actId="21"/>
+          <ac:spMkLst>
+            <pc:docMk/>
+            <pc:sldMk cId="126184490" sldId="305"/>
+            <ac:spMk id="7" creationId="{12C899D8-51C5-D9B7-A323-E6EFE4AB5C33}"/>
+          </ac:spMkLst>
+        </pc:spChg>
+      </pc:sldChg>
+      <pc:sldChg chg="modSp add del mod modAnim">
+        <pc:chgData name="Scruel Tao" userId="5ea5c98d59b44d4b" providerId="LiveId" clId="{88D73D01-CABB-4B2D-80EC-648726E3C219}" dt="2023-04-30T17:27:14.869" v="2812" actId="47"/>
+        <pc:sldMkLst>
+          <pc:docMk/>
+          <pc:sldMk cId="3117374983" sldId="305"/>
+        </pc:sldMkLst>
+        <pc:spChg chg="mod">
+          <ac:chgData name="Scruel Tao" userId="5ea5c98d59b44d4b" providerId="LiveId" clId="{88D73D01-CABB-4B2D-80EC-648726E3C219}" dt="2023-04-30T17:26:28.979" v="2805" actId="113"/>
+          <ac:spMkLst>
+            <pc:docMk/>
+            <pc:sldMk cId="3117374983" sldId="305"/>
+            <ac:spMk id="4" creationId="{85D6D174-6A04-9AED-7984-BD4330ED7E3A}"/>
+          </ac:spMkLst>
+        </pc:spChg>
+      </pc:sldChg>
+      <pc:sldChg chg="modSp add mod modTransition modAnim">
+        <pc:chgData name="Scruel Tao" userId="5ea5c98d59b44d4b" providerId="LiveId" clId="{88D73D01-CABB-4B2D-80EC-648726E3C219}" dt="2023-05-05T14:59:33.343" v="4422"/>
+        <pc:sldMkLst>
+          <pc:docMk/>
+          <pc:sldMk cId="2742842729" sldId="306"/>
+        </pc:sldMkLst>
+        <pc:spChg chg="mod">
+          <ac:chgData name="Scruel Tao" userId="5ea5c98d59b44d4b" providerId="LiveId" clId="{88D73D01-CABB-4B2D-80EC-648726E3C219}" dt="2023-05-01T13:39:51.539" v="3751"/>
+          <ac:spMkLst>
+            <pc:docMk/>
+            <pc:sldMk cId="2742842729" sldId="306"/>
+            <ac:spMk id="2" creationId="{BAD162F0-2175-84E9-2387-55F669162449}"/>
+          </ac:spMkLst>
+        </pc:spChg>
+        <pc:spChg chg="mod">
+          <ac:chgData name="Scruel Tao" userId="5ea5c98d59b44d4b" providerId="LiveId" clId="{88D73D01-CABB-4B2D-80EC-648726E3C219}" dt="2023-05-01T13:41:00.638" v="3798" actId="20577"/>
+          <ac:spMkLst>
+            <pc:docMk/>
+            <pc:sldMk cId="2742842729" sldId="306"/>
+            <ac:spMk id="5" creationId="{B7A8CE03-6A77-60EC-056E-D7A0019640A3}"/>
+          </ac:spMkLst>
+        </pc:spChg>
+        <pc:spChg chg="mod">
+          <ac:chgData name="Scruel Tao" userId="5ea5c98d59b44d4b" providerId="LiveId" clId="{88D73D01-CABB-4B2D-80EC-648726E3C219}" dt="2023-05-03T14:54:28.453" v="4130" actId="207"/>
+          <ac:spMkLst>
+            <pc:docMk/>
+            <pc:sldMk cId="2742842729" sldId="306"/>
+            <ac:spMk id="7" creationId="{12C899D8-51C5-D9B7-A323-E6EFE4AB5C33}"/>
+          </ac:spMkLst>
+        </pc:spChg>
+      </pc:sldChg>
+      <pc:sldChg chg="addSp delSp modSp add mod modTransition modAnim">
+        <pc:chgData name="Scruel Tao" userId="5ea5c98d59b44d4b" providerId="LiveId" clId="{88D73D01-CABB-4B2D-80EC-648726E3C219}" dt="2023-05-06T03:52:01.685" v="4472"/>
+        <pc:sldMkLst>
+          <pc:docMk/>
+          <pc:sldMk cId="1966825670" sldId="307"/>
+        </pc:sldMkLst>
+        <pc:spChg chg="mod">
+          <ac:chgData name="Scruel Tao" userId="5ea5c98d59b44d4b" providerId="LiveId" clId="{88D73D01-CABB-4B2D-80EC-648726E3C219}" dt="2023-05-01T13:37:46.747" v="3697" actId="20577"/>
+          <ac:spMkLst>
+            <pc:docMk/>
+            <pc:sldMk cId="1966825670" sldId="307"/>
+            <ac:spMk id="2" creationId="{BAD162F0-2175-84E9-2387-55F669162449}"/>
+          </ac:spMkLst>
+        </pc:spChg>
+        <pc:spChg chg="add del mod">
+          <ac:chgData name="Scruel Tao" userId="5ea5c98d59b44d4b" providerId="LiveId" clId="{88D73D01-CABB-4B2D-80EC-648726E3C219}" dt="2023-05-01T13:39:32.162" v="3746" actId="21"/>
+          <ac:spMkLst>
+            <pc:docMk/>
+            <pc:sldMk cId="1966825670" sldId="307"/>
+            <ac:spMk id="3" creationId="{F2477069-A667-C3D0-B7FD-F2E8D83C6D3A}"/>
+          </ac:spMkLst>
+        </pc:spChg>
+        <pc:spChg chg="mod">
+          <ac:chgData name="Scruel Tao" userId="5ea5c98d59b44d4b" providerId="LiveId" clId="{88D73D01-CABB-4B2D-80EC-648726E3C219}" dt="2023-05-03T16:45:53.982" v="4302" actId="115"/>
+          <ac:spMkLst>
+            <pc:docMk/>
+            <pc:sldMk cId="1966825670" sldId="307"/>
+            <ac:spMk id="4" creationId="{01B48343-3D1C-FDA9-2DD5-C88222E962F2}"/>
+          </ac:spMkLst>
+        </pc:spChg>
+        <pc:spChg chg="mod">
+          <ac:chgData name="Scruel Tao" userId="5ea5c98d59b44d4b" providerId="LiveId" clId="{88D73D01-CABB-4B2D-80EC-648726E3C219}" dt="2023-05-01T13:41:45" v="3799" actId="20577"/>
+          <ac:spMkLst>
+            <pc:docMk/>
+            <pc:sldMk cId="1966825670" sldId="307"/>
+            <ac:spMk id="5" creationId="{B7A8CE03-6A77-60EC-056E-D7A0019640A3}"/>
+          </ac:spMkLst>
+        </pc:spChg>
+        <pc:spChg chg="add">
+          <ac:chgData name="Scruel Tao" userId="5ea5c98d59b44d4b" providerId="LiveId" clId="{88D73D01-CABB-4B2D-80EC-648726E3C219}" dt="2023-05-01T13:39:39.118" v="3747" actId="11529"/>
+          <ac:spMkLst>
+            <pc:docMk/>
+            <pc:sldMk cId="1966825670" sldId="307"/>
+            <ac:spMk id="6" creationId="{095BDCDC-C8E9-12DF-C5CE-151016E4FC92}"/>
+          </ac:spMkLst>
+        </pc:spChg>
+        <pc:spChg chg="mod">
+          <ac:chgData name="Scruel Tao" userId="5ea5c98d59b44d4b" providerId="LiveId" clId="{88D73D01-CABB-4B2D-80EC-648726E3C219}" dt="2023-05-03T14:54:02.061" v="4129" actId="207"/>
+          <ac:spMkLst>
+            <pc:docMk/>
+            <pc:sldMk cId="1966825670" sldId="307"/>
+            <ac:spMk id="7" creationId="{12C899D8-51C5-D9B7-A323-E6EFE4AB5C33}"/>
+          </ac:spMkLst>
+        </pc:spChg>
+      </pc:sldChg>
+      <pc:sldChg chg="addSp delSp modSp add mod modTransition delAnim modAnim modNotesTx">
+        <pc:chgData name="Scruel Tao" userId="5ea5c98d59b44d4b" providerId="LiveId" clId="{88D73D01-CABB-4B2D-80EC-648726E3C219}" dt="2023-05-05T14:59:33.343" v="4422"/>
+        <pc:sldMkLst>
+          <pc:docMk/>
+          <pc:sldMk cId="696613599" sldId="308"/>
+        </pc:sldMkLst>
+        <pc:spChg chg="del">
+          <ac:chgData name="Scruel Tao" userId="5ea5c98d59b44d4b" providerId="LiveId" clId="{88D73D01-CABB-4B2D-80EC-648726E3C219}" dt="2023-05-01T13:48:00.710" v="3879" actId="21"/>
+          <ac:spMkLst>
+            <pc:docMk/>
+            <pc:sldMk cId="696613599" sldId="308"/>
+            <ac:spMk id="3" creationId="{3582DCCD-854D-FFAC-5FCD-D309DDC9FA2E}"/>
+          </ac:spMkLst>
+        </pc:spChg>
+        <pc:spChg chg="mod">
+          <ac:chgData name="Scruel Tao" userId="5ea5c98d59b44d4b" providerId="LiveId" clId="{88D73D01-CABB-4B2D-80EC-648726E3C219}" dt="2023-05-03T02:45:28.695" v="4061" actId="5793"/>
+          <ac:spMkLst>
+            <pc:docMk/>
+            <pc:sldMk cId="696613599" sldId="308"/>
+            <ac:spMk id="4" creationId="{A8729A87-597D-F8A5-FA4B-9A53ABB05769}"/>
+          </ac:spMkLst>
+        </pc:spChg>
+        <pc:spChg chg="del">
+          <ac:chgData name="Scruel Tao" userId="5ea5c98d59b44d4b" providerId="LiveId" clId="{88D73D01-CABB-4B2D-80EC-648726E3C219}" dt="2023-05-01T13:48:01.523" v="3880" actId="21"/>
+          <ac:spMkLst>
+            <pc:docMk/>
+            <pc:sldMk cId="696613599" sldId="308"/>
+            <ac:spMk id="5" creationId="{A60E2775-3E9E-E228-883B-C145AE0AD99C}"/>
+          </ac:spMkLst>
+        </pc:spChg>
+        <pc:spChg chg="mod">
+          <ac:chgData name="Scruel Tao" userId="5ea5c98d59b44d4b" providerId="LiveId" clId="{88D73D01-CABB-4B2D-80EC-648726E3C219}" dt="2023-05-01T13:50:36.496" v="3937" actId="1038"/>
+          <ac:spMkLst>
+            <pc:docMk/>
+            <pc:sldMk cId="696613599" sldId="308"/>
+            <ac:spMk id="6" creationId="{5A0CF9C0-4BEE-6A42-A1A5-10454583A2EA}"/>
+          </ac:spMkLst>
+        </pc:spChg>
+        <pc:spChg chg="mod">
+          <ac:chgData name="Scruel Tao" userId="5ea5c98d59b44d4b" providerId="LiveId" clId="{88D73D01-CABB-4B2D-80EC-648726E3C219}" dt="2023-05-01T13:51:35.769" v="3950" actId="113"/>
+          <ac:spMkLst>
+            <pc:docMk/>
+            <pc:sldMk cId="696613599" sldId="308"/>
+            <ac:spMk id="7" creationId="{12C899D8-51C5-D9B7-A323-E6EFE4AB5C33}"/>
+          </ac:spMkLst>
+        </pc:spChg>
+        <pc:spChg chg="add mod">
+          <ac:chgData name="Scruel Tao" userId="5ea5c98d59b44d4b" providerId="LiveId" clId="{88D73D01-CABB-4B2D-80EC-648726E3C219}" dt="2023-05-01T13:52:28.183" v="3963" actId="1035"/>
+          <ac:spMkLst>
+            <pc:docMk/>
+            <pc:sldMk cId="696613599" sldId="308"/>
+            <ac:spMk id="8" creationId="{DAECFDA2-5344-F9B0-D4E5-659DEBAF6419}"/>
+          </ac:spMkLst>
+        </pc:spChg>
+        <pc:spChg chg="add mod">
+          <ac:chgData name="Scruel Tao" userId="5ea5c98d59b44d4b" providerId="LiveId" clId="{88D73D01-CABB-4B2D-80EC-648726E3C219}" dt="2023-05-01T13:52:32.847" v="3967" actId="1035"/>
+          <ac:spMkLst>
+            <pc:docMk/>
+            <pc:sldMk cId="696613599" sldId="308"/>
+            <ac:spMk id="9" creationId="{D0CAF910-89F4-141E-452C-CA0BB90553E5}"/>
+          </ac:spMkLst>
+        </pc:spChg>
+        <pc:spChg chg="add mod">
+          <ac:chgData name="Scruel Tao" userId="5ea5c98d59b44d4b" providerId="LiveId" clId="{88D73D01-CABB-4B2D-80EC-648726E3C219}" dt="2023-05-01T13:52:38.332" v="3984" actId="1036"/>
+          <ac:spMkLst>
+            <pc:docMk/>
+            <pc:sldMk cId="696613599" sldId="308"/>
+            <ac:spMk id="10" creationId="{5F665F6B-1FC1-77ED-2300-1816626FA5B2}"/>
+          </ac:spMkLst>
+        </pc:spChg>
+        <pc:spChg chg="add mod">
+          <ac:chgData name="Scruel Tao" userId="5ea5c98d59b44d4b" providerId="LiveId" clId="{88D73D01-CABB-4B2D-80EC-648726E3C219}" dt="2023-05-01T13:52:30.793" v="3966" actId="1035"/>
+          <ac:spMkLst>
+            <pc:docMk/>
+            <pc:sldMk cId="696613599" sldId="308"/>
+            <ac:spMk id="11" creationId="{D93C928E-F40A-A5A3-55E3-CFF6BDBD5DC0}"/>
+          </ac:spMkLst>
+        </pc:spChg>
+      </pc:sldChg>
+      <pc:sldChg chg="add del">
+        <pc:chgData name="Scruel Tao" userId="5ea5c98d59b44d4b" providerId="LiveId" clId="{88D73D01-CABB-4B2D-80EC-648726E3C219}" dt="2023-05-02T23:03:13.213" v="4040" actId="47"/>
+        <pc:sldMkLst>
+          <pc:docMk/>
+          <pc:sldMk cId="1599418885" sldId="309"/>
+        </pc:sldMkLst>
+      </pc:sldChg>
+      <pc:sldChg chg="modSp add del mod">
+        <pc:chgData name="Scruel Tao" userId="5ea5c98d59b44d4b" providerId="LiveId" clId="{88D73D01-CABB-4B2D-80EC-648726E3C219}" dt="2023-05-04T01:17:50.963" v="4307" actId="47"/>
+        <pc:sldMkLst>
+          <pc:docMk/>
+          <pc:sldMk cId="3161108256" sldId="310"/>
+        </pc:sldMkLst>
+        <pc:spChg chg="mod">
+          <ac:chgData name="Scruel Tao" userId="5ea5c98d59b44d4b" providerId="LiveId" clId="{88D73D01-CABB-4B2D-80EC-648726E3C219}" dt="2023-05-04T01:16:40.156" v="4305" actId="21"/>
+          <ac:spMkLst>
+            <pc:docMk/>
+            <pc:sldMk cId="3161108256" sldId="310"/>
+            <ac:spMk id="3" creationId="{AC7759D9-0BB4-08ED-8476-24F7D903D6DE}"/>
+          </ac:spMkLst>
+        </pc:spChg>
+      </pc:sldChg>
+      <pc:sldChg chg="add">
+        <pc:chgData name="Scruel Tao" userId="5ea5c98d59b44d4b" providerId="LiveId" clId="{88D73D01-CABB-4B2D-80EC-648726E3C219}" dt="2023-05-04T01:17:49.863" v="4306"/>
+        <pc:sldMkLst>
+          <pc:docMk/>
+          <pc:sldMk cId="1751938706" sldId="311"/>
+        </pc:sldMkLst>
+      </pc:sldChg>
+      <pc:sldChg chg="add del">
+        <pc:chgData name="Scruel Tao" userId="5ea5c98d59b44d4b" providerId="LiveId" clId="{88D73D01-CABB-4B2D-80EC-648726E3C219}" dt="2023-05-05T02:30:23.908" v="4418" actId="47"/>
+        <pc:sldMkLst>
+          <pc:docMk/>
+          <pc:sldMk cId="3161108256" sldId="363"/>
+        </pc:sldMkLst>
+      </pc:sldChg>
+      <pc:sldChg chg="add del">
+        <pc:chgData name="Scruel Tao" userId="5ea5c98d59b44d4b" providerId="LiveId" clId="{88D73D01-CABB-4B2D-80EC-648726E3C219}" dt="2023-05-04T18:24:01.597" v="4420" actId="47"/>
+        <pc:sldMkLst>
+          <pc:docMk/>
+          <pc:sldMk cId="2281300164" sldId="364"/>
+        </pc:sldMkLst>
+      </pc:sldChg>
+      <pc:sldChg chg="add modTransition">
+        <pc:chgData name="Scruel Tao" userId="5ea5c98d59b44d4b" providerId="LiveId" clId="{88D73D01-CABB-4B2D-80EC-648726E3C219}" dt="2023-05-05T14:59:33.343" v="4422"/>
+        <pc:sldMkLst>
+          <pc:docMk/>
+          <pc:sldMk cId="3625446739" sldId="366"/>
+        </pc:sldMkLst>
+      </pc:sldChg>
+      <pc:sldChg chg="modSp add del mod modAnim">
+        <pc:chgData name="Scruel Tao" userId="5ea5c98d59b44d4b" providerId="LiveId" clId="{88D73D01-CABB-4B2D-80EC-648726E3C219}" dt="2023-05-06T10:35:24.764" v="5602" actId="47"/>
+        <pc:sldMkLst>
+          <pc:docMk/>
+          <pc:sldMk cId="3721856918" sldId="367"/>
+        </pc:sldMkLst>
+        <pc:spChg chg="mod">
+          <ac:chgData name="Scruel Tao" userId="5ea5c98d59b44d4b" providerId="LiveId" clId="{88D73D01-CABB-4B2D-80EC-648726E3C219}" dt="2023-05-06T10:09:19.949" v="4581" actId="21"/>
+          <ac:spMkLst>
+            <pc:docMk/>
+            <pc:sldMk cId="3721856918" sldId="367"/>
+            <ac:spMk id="4" creationId="{85D6D174-6A04-9AED-7984-BD4330ED7E3A}"/>
+          </ac:spMkLst>
+        </pc:spChg>
+      </pc:sldChg>
+      <pc:sldChg chg="addSp delSp modSp add del mod delAnim modAnim modNotesTx">
+        <pc:chgData name="Scruel Tao" userId="5ea5c98d59b44d4b" providerId="LiveId" clId="{88D73D01-CABB-4B2D-80EC-648726E3C219}" dt="2023-05-06T10:35:18.897" v="5600" actId="47"/>
+        <pc:sldMkLst>
+          <pc:docMk/>
+          <pc:sldMk cId="627793953" sldId="368"/>
+        </pc:sldMkLst>
+        <pc:spChg chg="add mod">
+          <ac:chgData name="Scruel Tao" userId="5ea5c98d59b44d4b" providerId="LiveId" clId="{88D73D01-CABB-4B2D-80EC-648726E3C219}" dt="2023-05-06T10:13:03.982" v="4832" actId="6549"/>
+          <ac:spMkLst>
+            <pc:docMk/>
+            <pc:sldMk cId="627793953" sldId="368"/>
+            <ac:spMk id="3" creationId="{57367B0E-CD05-0F40-05C0-94309B557E74}"/>
+          </ac:spMkLst>
+        </pc:spChg>
+        <pc:spChg chg="mod">
+          <ac:chgData name="Scruel Tao" userId="5ea5c98d59b44d4b" providerId="LiveId" clId="{88D73D01-CABB-4B2D-80EC-648726E3C219}" dt="2023-05-06T10:12:50.017" v="4822" actId="403"/>
+          <ac:spMkLst>
+            <pc:docMk/>
+            <pc:sldMk cId="627793953" sldId="368"/>
+            <ac:spMk id="4" creationId="{85D6D174-6A04-9AED-7984-BD4330ED7E3A}"/>
+          </ac:spMkLst>
+        </pc:spChg>
+        <pc:spChg chg="del mod">
+          <ac:chgData name="Scruel Tao" userId="5ea5c98d59b44d4b" providerId="LiveId" clId="{88D73D01-CABB-4B2D-80EC-648726E3C219}" dt="2023-05-06T10:13:23.271" v="4837" actId="21"/>
+          <ac:spMkLst>
+            <pc:docMk/>
+            <pc:sldMk cId="627793953" sldId="368"/>
+            <ac:spMk id="5" creationId="{4B3FACC7-2E92-1DB1-1018-0263AD342247}"/>
+          </ac:spMkLst>
+        </pc:spChg>
+        <pc:spChg chg="add mod">
+          <ac:chgData name="Scruel Tao" userId="5ea5c98d59b44d4b" providerId="LiveId" clId="{88D73D01-CABB-4B2D-80EC-648726E3C219}" dt="2023-05-06T10:13:33.832" v="4850" actId="14100"/>
+          <ac:spMkLst>
+            <pc:docMk/>
+            <pc:sldMk cId="627793953" sldId="368"/>
+            <ac:spMk id="6" creationId="{3462DCDB-C482-BC4F-E1E5-E42E6CBCF835}"/>
+          </ac:spMkLst>
+        </pc:spChg>
+        <pc:spChg chg="del mod">
+          <ac:chgData name="Scruel Tao" userId="5ea5c98d59b44d4b" providerId="LiveId" clId="{88D73D01-CABB-4B2D-80EC-648726E3C219}" dt="2023-05-06T10:12:58.648" v="4823" actId="478"/>
+          <ac:spMkLst>
+            <pc:docMk/>
+            <pc:sldMk cId="627793953" sldId="368"/>
+            <ac:spMk id="7" creationId="{12C899D8-51C5-D9B7-A323-E6EFE4AB5C33}"/>
+          </ac:spMkLst>
+        </pc:spChg>
+      </pc:sldChg>
+      <pc:sldChg chg="delSp modSp add del mod addAnim delAnim modAnim">
+        <pc:chgData name="Scruel Tao" userId="5ea5c98d59b44d4b" providerId="LiveId" clId="{88D73D01-CABB-4B2D-80EC-648726E3C219}" dt="2023-05-06T10:35:15.387" v="5599" actId="47"/>
+        <pc:sldMkLst>
+          <pc:docMk/>
+          <pc:sldMk cId="3855342063" sldId="369"/>
+        </pc:sldMkLst>
+        <pc:spChg chg="mod">
+          <ac:chgData name="Scruel Tao" userId="5ea5c98d59b44d4b" providerId="LiveId" clId="{88D73D01-CABB-4B2D-80EC-648726E3C219}" dt="2023-05-06T10:18:58.231" v="5050" actId="21"/>
+          <ac:spMkLst>
+            <pc:docMk/>
+            <pc:sldMk cId="3855342063" sldId="369"/>
+            <ac:spMk id="4" creationId="{85D6D174-6A04-9AED-7984-BD4330ED7E3A}"/>
+          </ac:spMkLst>
+        </pc:spChg>
+        <pc:spChg chg="del">
+          <ac:chgData name="Scruel Tao" userId="5ea5c98d59b44d4b" providerId="LiveId" clId="{88D73D01-CABB-4B2D-80EC-648726E3C219}" dt="2023-05-06T10:19:04.081" v="5053" actId="478"/>
+          <ac:spMkLst>
+            <pc:docMk/>
+            <pc:sldMk cId="3855342063" sldId="369"/>
+            <ac:spMk id="5" creationId="{4B3FACC7-2E92-1DB1-1018-0263AD342247}"/>
+          </ac:spMkLst>
+        </pc:spChg>
+      </pc:sldChg>
+      <pc:sldChg chg="addSp delSp modSp add mod modTransition addAnim delAnim modAnim modNotesTx">
+        <pc:chgData name="Scruel Tao" userId="5ea5c98d59b44d4b" providerId="LiveId" clId="{88D73D01-CABB-4B2D-80EC-648726E3C219}" dt="2023-05-06T10:42:44.018" v="5743" actId="20577"/>
+        <pc:sldMkLst>
+          <pc:docMk/>
+          <pc:sldMk cId="4150484648" sldId="370"/>
+        </pc:sldMkLst>
+        <pc:spChg chg="add del mod">
+          <ac:chgData name="Scruel Tao" userId="5ea5c98d59b44d4b" providerId="LiveId" clId="{88D73D01-CABB-4B2D-80EC-648726E3C219}" dt="2023-05-06T10:21:27.068" v="5181" actId="21"/>
+          <ac:spMkLst>
+            <pc:docMk/>
+            <pc:sldMk cId="4150484648" sldId="370"/>
+            <ac:spMk id="3" creationId="{E936F911-9235-6C43-7507-2D38A70BA92D}"/>
+          </ac:spMkLst>
+        </pc:spChg>
+        <pc:spChg chg="mod">
+          <ac:chgData name="Scruel Tao" userId="5ea5c98d59b44d4b" providerId="LiveId" clId="{88D73D01-CABB-4B2D-80EC-648726E3C219}" dt="2023-05-06T10:25:06.042" v="5351"/>
+          <ac:spMkLst>
+            <pc:docMk/>
+            <pc:sldMk cId="4150484648" sldId="370"/>
+            <ac:spMk id="4" creationId="{85D6D174-6A04-9AED-7984-BD4330ED7E3A}"/>
+          </ac:spMkLst>
+        </pc:spChg>
+        <pc:spChg chg="del">
+          <ac:chgData name="Scruel Tao" userId="5ea5c98d59b44d4b" providerId="LiveId" clId="{88D73D01-CABB-4B2D-80EC-648726E3C219}" dt="2023-05-06T10:20:53.443" v="5177" actId="478"/>
+          <ac:spMkLst>
+            <pc:docMk/>
+            <pc:sldMk cId="4150484648" sldId="370"/>
+            <ac:spMk id="5" creationId="{4B3FACC7-2E92-1DB1-1018-0263AD342247}"/>
+          </ac:spMkLst>
+        </pc:spChg>
+        <pc:spChg chg="del mod">
+          <ac:chgData name="Scruel Tao" userId="5ea5c98d59b44d4b" providerId="LiveId" clId="{88D73D01-CABB-4B2D-80EC-648726E3C219}" dt="2023-05-06T10:30:56.492" v="5537" actId="21"/>
+          <ac:spMkLst>
+            <pc:docMk/>
+            <pc:sldMk cId="4150484648" sldId="370"/>
+            <ac:spMk id="7" creationId="{12C899D8-51C5-D9B7-A323-E6EFE4AB5C33}"/>
+          </ac:spMkLst>
+        </pc:spChg>
+        <pc:spChg chg="add mod">
+          <ac:chgData name="Scruel Tao" userId="5ea5c98d59b44d4b" providerId="LiveId" clId="{88D73D01-CABB-4B2D-80EC-648726E3C219}" dt="2023-05-06T10:31:03.175" v="5539" actId="1076"/>
+          <ac:spMkLst>
+            <pc:docMk/>
+            <pc:sldMk cId="4150484648" sldId="370"/>
+            <ac:spMk id="9" creationId="{670407E6-E283-A614-5A06-709337CEB40C}"/>
+          </ac:spMkLst>
+        </pc:spChg>
+        <pc:spChg chg="add del mod">
+          <ac:chgData name="Scruel Tao" userId="5ea5c98d59b44d4b" providerId="LiveId" clId="{88D73D01-CABB-4B2D-80EC-648726E3C219}" dt="2023-05-06T10:41:30.146" v="5728" actId="478"/>
+          <ac:spMkLst>
+            <pc:docMk/>
+            <pc:sldMk cId="4150484648" sldId="370"/>
+            <ac:spMk id="11" creationId="{B87EEE72-5E0E-7A6E-8F69-5EA5E24E559E}"/>
+          </ac:spMkLst>
+        </pc:spChg>
+        <pc:spChg chg="add del mod">
+          <ac:chgData name="Scruel Tao" userId="5ea5c98d59b44d4b" providerId="LiveId" clId="{88D73D01-CABB-4B2D-80EC-648726E3C219}" dt="2023-05-06T10:41:09.359" v="5722"/>
+          <ac:spMkLst>
+            <pc:docMk/>
+            <pc:sldMk cId="4150484648" sldId="370"/>
+            <ac:spMk id="12" creationId="{7306D7D8-1DD3-240F-E834-424432CB74D9}"/>
+          </ac:spMkLst>
+        </pc:spChg>
+        <pc:spChg chg="add mod">
+          <ac:chgData name="Scruel Tao" userId="5ea5c98d59b44d4b" providerId="LiveId" clId="{88D73D01-CABB-4B2D-80EC-648726E3C219}" dt="2023-05-06T10:42:44.018" v="5743" actId="20577"/>
+          <ac:spMkLst>
+            <pc:docMk/>
+            <pc:sldMk cId="4150484648" sldId="370"/>
+            <ac:spMk id="13" creationId="{79A8903A-1546-E48E-D310-9D962AFA78C2}"/>
+          </ac:spMkLst>
+        </pc:spChg>
+        <pc:cxnChg chg="add mod">
+          <ac:chgData name="Scruel Tao" userId="5ea5c98d59b44d4b" providerId="LiveId" clId="{88D73D01-CABB-4B2D-80EC-648726E3C219}" dt="2023-05-06T10:25:15.868" v="5357" actId="1037"/>
+          <ac:cxnSpMkLst>
+            <pc:docMk/>
+            <pc:sldMk cId="4150484648" sldId="370"/>
+            <ac:cxnSpMk id="8" creationId="{93293218-85A6-05CF-8833-ABF04B0CBBFB}"/>
+          </ac:cxnSpMkLst>
+        </pc:cxnChg>
+      </pc:sldChg>
+      <pc:sldChg chg="delSp add del mod delAnim">
+        <pc:chgData name="Scruel Tao" userId="5ea5c98d59b44d4b" providerId="LiveId" clId="{88D73D01-CABB-4B2D-80EC-648726E3C219}" dt="2023-05-06T10:23:15.533" v="5264" actId="47"/>
+        <pc:sldMkLst>
+          <pc:docMk/>
+          <pc:sldMk cId="706584052" sldId="371"/>
+        </pc:sldMkLst>
+        <pc:spChg chg="del">
+          <ac:chgData name="Scruel Tao" userId="5ea5c98d59b44d4b" providerId="LiveId" clId="{88D73D01-CABB-4B2D-80EC-648726E3C219}" dt="2023-05-06T10:22:54.183" v="5238" actId="21"/>
+          <ac:spMkLst>
+            <pc:docMk/>
+            <pc:sldMk cId="706584052" sldId="371"/>
+            <ac:spMk id="5" creationId="{4B3FACC7-2E92-1DB1-1018-0263AD342247}"/>
+          </ac:spMkLst>
+        </pc:spChg>
+      </pc:sldChg>
+      <pc:sldChg chg="addSp delSp modSp add mod modTransition delAnim modAnim modNotesTx">
+        <pc:chgData name="Scruel Tao" userId="5ea5c98d59b44d4b" providerId="LiveId" clId="{88D73D01-CABB-4B2D-80EC-648726E3C219}" dt="2023-05-06T10:42:47.170" v="5744"/>
+        <pc:sldMkLst>
+          <pc:docMk/>
+          <pc:sldMk cId="2142768243" sldId="372"/>
+        </pc:sldMkLst>
+        <pc:spChg chg="add del mod">
+          <ac:chgData name="Scruel Tao" userId="5ea5c98d59b44d4b" providerId="LiveId" clId="{88D73D01-CABB-4B2D-80EC-648726E3C219}" dt="2023-05-06T10:41:02.595" v="5718" actId="478"/>
+          <ac:spMkLst>
+            <pc:docMk/>
+            <pc:sldMk cId="2142768243" sldId="372"/>
+            <ac:spMk id="3" creationId="{FD31F5AC-F385-2BAA-4BA7-8E203840422C}"/>
+          </ac:spMkLst>
+        </pc:spChg>
+        <pc:spChg chg="mod">
+          <ac:chgData name="Scruel Tao" userId="5ea5c98d59b44d4b" providerId="LiveId" clId="{88D73D01-CABB-4B2D-80EC-648726E3C219}" dt="2023-05-06T10:34:14.890" v="5580" actId="21"/>
+          <ac:spMkLst>
+            <pc:docMk/>
+            <pc:sldMk cId="2142768243" sldId="372"/>
+            <ac:spMk id="4" creationId="{85D6D174-6A04-9AED-7984-BD4330ED7E3A}"/>
+          </ac:spMkLst>
+        </pc:spChg>
+        <pc:spChg chg="add mod">
+          <ac:chgData name="Scruel Tao" userId="5ea5c98d59b44d4b" providerId="LiveId" clId="{88D73D01-CABB-4B2D-80EC-648726E3C219}" dt="2023-05-06T10:34:26.145" v="5584"/>
+          <ac:spMkLst>
+            <pc:docMk/>
+            <pc:sldMk cId="2142768243" sldId="372"/>
+            <ac:spMk id="5" creationId="{CC25594C-2828-80C3-2CBF-1191B14988FC}"/>
+          </ac:spMkLst>
+        </pc:spChg>
+        <pc:spChg chg="add mod">
+          <ac:chgData name="Scruel Tao" userId="5ea5c98d59b44d4b" providerId="LiveId" clId="{88D73D01-CABB-4B2D-80EC-648726E3C219}" dt="2023-05-06T10:42:47.170" v="5744"/>
+          <ac:spMkLst>
+            <pc:docMk/>
+            <pc:sldMk cId="2142768243" sldId="372"/>
+            <ac:spMk id="6" creationId="{9A3FC26B-952B-0F6D-D7B2-4FF56D648E04}"/>
+          </ac:spMkLst>
+        </pc:spChg>
+        <pc:spChg chg="del mod">
+          <ac:chgData name="Scruel Tao" userId="5ea5c98d59b44d4b" providerId="LiveId" clId="{88D73D01-CABB-4B2D-80EC-648726E3C219}" dt="2023-05-06T10:34:20.986" v="5581" actId="478"/>
+          <ac:spMkLst>
+            <pc:docMk/>
+            <pc:sldMk cId="2142768243" sldId="372"/>
+            <ac:spMk id="7" creationId="{12C899D8-51C5-D9B7-A323-E6EFE4AB5C33}"/>
+          </ac:spMkLst>
+        </pc:spChg>
+        <pc:spChg chg="del mod">
+          <ac:chgData name="Scruel Tao" userId="5ea5c98d59b44d4b" providerId="LiveId" clId="{88D73D01-CABB-4B2D-80EC-648726E3C219}" dt="2023-05-06T10:34:23.611" v="5583" actId="478"/>
+          <ac:spMkLst>
+            <pc:docMk/>
+            <pc:sldMk cId="2142768243" sldId="372"/>
+            <ac:spMk id="9" creationId="{670407E6-E283-A614-5A06-709337CEB40C}"/>
+          </ac:spMkLst>
+        </pc:spChg>
+        <pc:cxnChg chg="del">
+          <ac:chgData name="Scruel Tao" userId="5ea5c98d59b44d4b" providerId="LiveId" clId="{88D73D01-CABB-4B2D-80EC-648726E3C219}" dt="2023-05-06T10:23:34.731" v="5268" actId="478"/>
+          <ac:cxnSpMkLst>
+            <pc:docMk/>
+            <pc:sldMk cId="2142768243" sldId="372"/>
+            <ac:cxnSpMk id="8" creationId="{93293218-85A6-05CF-8833-ABF04B0CBBFB}"/>
+          </ac:cxnSpMkLst>
+        </pc:cxnChg>
+      </pc:sldChg>
+      <pc:sldChg chg="modSp add del mod">
+        <pc:chgData name="Scruel Tao" userId="5ea5c98d59b44d4b" providerId="LiveId" clId="{88D73D01-CABB-4B2D-80EC-648726E3C219}" dt="2023-05-06T10:35:13.845" v="5598" actId="47"/>
+        <pc:sldMkLst>
+          <pc:docMk/>
+          <pc:sldMk cId="447287064" sldId="373"/>
+        </pc:sldMkLst>
+        <pc:spChg chg="mod">
+          <ac:chgData name="Scruel Tao" userId="5ea5c98d59b44d4b" providerId="LiveId" clId="{88D73D01-CABB-4B2D-80EC-648726E3C219}" dt="2023-05-06T10:29:42.859" v="5529" actId="115"/>
+          <ac:spMkLst>
+            <pc:docMk/>
+            <pc:sldMk cId="447287064" sldId="373"/>
+            <ac:spMk id="4" creationId="{85D6D174-6A04-9AED-7984-BD4330ED7E3A}"/>
+          </ac:spMkLst>
+        </pc:spChg>
+      </pc:sldChg>
+      <pc:sldChg chg="addSp delSp modSp add mod modTransition modAnim modNotesTx">
+        <pc:chgData name="Scruel Tao" userId="5ea5c98d59b44d4b" providerId="LiveId" clId="{88D73D01-CABB-4B2D-80EC-648726E3C219}" dt="2023-05-06T10:41:48.464" v="5737" actId="6549"/>
+        <pc:sldMkLst>
+          <pc:docMk/>
+          <pc:sldMk cId="402016715" sldId="374"/>
+        </pc:sldMkLst>
+        <pc:spChg chg="add mod">
+          <ac:chgData name="Scruel Tao" userId="5ea5c98d59b44d4b" providerId="LiveId" clId="{88D73D01-CABB-4B2D-80EC-648726E3C219}" dt="2023-05-06T10:41:48.464" v="5737" actId="6549"/>
+          <ac:spMkLst>
+            <pc:docMk/>
+            <pc:sldMk cId="402016715" sldId="374"/>
+            <ac:spMk id="3" creationId="{C8F3162A-29D7-8220-3A2D-398E1C5A7DF7}"/>
+          </ac:spMkLst>
+        </pc:spChg>
+        <pc:spChg chg="del mod">
+          <ac:chgData name="Scruel Tao" userId="5ea5c98d59b44d4b" providerId="LiveId" clId="{88D73D01-CABB-4B2D-80EC-648726E3C219}" dt="2023-05-06T10:41:44.930" v="5731" actId="478"/>
+          <ac:spMkLst>
+            <pc:docMk/>
+            <pc:sldMk cId="402016715" sldId="374"/>
+            <ac:spMk id="7" creationId="{12C899D8-51C5-D9B7-A323-E6EFE4AB5C33}"/>
+          </ac:spMkLst>
+        </pc:spChg>
+        <pc:spChg chg="mod">
+          <ac:chgData name="Scruel Tao" userId="5ea5c98d59b44d4b" providerId="LiveId" clId="{88D73D01-CABB-4B2D-80EC-648726E3C219}" dt="2023-05-06T10:35:11.110" v="5597" actId="20577"/>
+          <ac:spMkLst>
+            <pc:docMk/>
+            <pc:sldMk cId="402016715" sldId="374"/>
+            <ac:spMk id="9" creationId="{670407E6-E283-A614-5A06-709337CEB40C}"/>
+          </ac:spMkLst>
+        </pc:spChg>
+      </pc:sldChg>
+      <pc:sldChg chg="addSp delSp modSp add mod modTransition modAnim">
+        <pc:chgData name="Scruel Tao" userId="5ea5c98d59b44d4b" providerId="LiveId" clId="{88D73D01-CABB-4B2D-80EC-648726E3C219}" dt="2023-05-06T10:44:47.368" v="5768"/>
+        <pc:sldMkLst>
+          <pc:docMk/>
+          <pc:sldMk cId="310738446" sldId="375"/>
+        </pc:sldMkLst>
+        <pc:spChg chg="mod">
+          <ac:chgData name="Scruel Tao" userId="5ea5c98d59b44d4b" providerId="LiveId" clId="{88D73D01-CABB-4B2D-80EC-648726E3C219}" dt="2023-05-06T10:40:55.105" v="5715" actId="14100"/>
+          <ac:spMkLst>
+            <pc:docMk/>
+            <pc:sldMk cId="310738446" sldId="375"/>
+            <ac:spMk id="7" creationId="{12C899D8-51C5-D9B7-A323-E6EFE4AB5C33}"/>
+          </ac:spMkLst>
+        </pc:spChg>
+        <pc:spChg chg="add del">
+          <ac:chgData name="Scruel Tao" userId="5ea5c98d59b44d4b" providerId="LiveId" clId="{88D73D01-CABB-4B2D-80EC-648726E3C219}" dt="2023-05-06T10:40:11.969" v="5709" actId="21"/>
+          <ac:spMkLst>
+            <pc:docMk/>
+            <pc:sldMk cId="310738446" sldId="375"/>
+            <ac:spMk id="18" creationId="{247D4F7A-A804-99B7-82A4-C9014E0420EE}"/>
+          </ac:spMkLst>
+        </pc:spChg>
+        <pc:grpChg chg="mod">
+          <ac:chgData name="Scruel Tao" userId="5ea5c98d59b44d4b" providerId="LiveId" clId="{88D73D01-CABB-4B2D-80EC-648726E3C219}" dt="2023-05-06T10:39:29.772" v="5695"/>
+          <ac:grpSpMkLst>
+            <pc:docMk/>
+            <pc:sldMk cId="310738446" sldId="375"/>
+            <ac:grpSpMk id="6" creationId="{782C3D2F-FD4D-3241-0C44-6D789CA3934B}"/>
+          </ac:grpSpMkLst>
+        </pc:grpChg>
+        <pc:picChg chg="add del mod ord">
+          <ac:chgData name="Scruel Tao" userId="5ea5c98d59b44d4b" providerId="LiveId" clId="{88D73D01-CABB-4B2D-80EC-648726E3C219}" dt="2023-05-06T10:44:09.277" v="5756" actId="21"/>
+          <ac:picMkLst>
+            <pc:docMk/>
+            <pc:sldMk cId="310738446" sldId="375"/>
+            <ac:picMk id="23" creationId="{DDF9587D-56C2-6FE7-2054-D73E7DB6032A}"/>
+          </ac:picMkLst>
+        </pc:picChg>
+        <pc:picChg chg="add mod">
+          <ac:chgData name="Scruel Tao" userId="5ea5c98d59b44d4b" providerId="LiveId" clId="{88D73D01-CABB-4B2D-80EC-648726E3C219}" dt="2023-05-06T10:44:20.355" v="5761" actId="1076"/>
+          <ac:picMkLst>
+            <pc:docMk/>
+            <pc:sldMk cId="310738446" sldId="375"/>
+            <ac:picMk id="25" creationId="{36AC07E6-AD70-9939-1FDA-5CF3898743E2}"/>
+          </ac:picMkLst>
+        </pc:picChg>
+        <pc:inkChg chg="add del mod">
+          <ac:chgData name="Scruel Tao" userId="5ea5c98d59b44d4b" providerId="LiveId" clId="{88D73D01-CABB-4B2D-80EC-648726E3C219}" dt="2023-05-06T10:39:30.155" v="5696" actId="9405"/>
+          <ac:inkMkLst>
+            <pc:docMk/>
+            <pc:sldMk cId="310738446" sldId="375"/>
+            <ac:inkMk id="3" creationId="{6DACD5A1-E318-B225-B799-F98E81474480}"/>
+          </ac:inkMkLst>
+        </pc:inkChg>
+        <pc:inkChg chg="add del mod">
+          <ac:chgData name="Scruel Tao" userId="5ea5c98d59b44d4b" providerId="LiveId" clId="{88D73D01-CABB-4B2D-80EC-648726E3C219}" dt="2023-05-06T10:39:29.772" v="5695"/>
+          <ac:inkMkLst>
+            <pc:docMk/>
+            <pc:sldMk cId="310738446" sldId="375"/>
+            <ac:inkMk id="5" creationId="{802080B2-C423-6D80-F7A6-FC3C68DC1B3F}"/>
+          </ac:inkMkLst>
+        </pc:inkChg>
+        <pc:inkChg chg="add del">
+          <ac:chgData name="Scruel Tao" userId="5ea5c98d59b44d4b" providerId="LiveId" clId="{88D73D01-CABB-4B2D-80EC-648726E3C219}" dt="2023-05-06T10:39:29.506" v="5693" actId="9405"/>
+          <ac:inkMkLst>
+            <pc:docMk/>
+            <pc:sldMk cId="310738446" sldId="375"/>
+            <ac:inkMk id="8" creationId="{1B2359D7-1C2D-A835-92D9-EEF3E83D9B1A}"/>
+          </ac:inkMkLst>
+        </pc:inkChg>
+        <pc:inkChg chg="add del">
+          <ac:chgData name="Scruel Tao" userId="5ea5c98d59b44d4b" providerId="LiveId" clId="{88D73D01-CABB-4B2D-80EC-648726E3C219}" dt="2023-05-06T10:39:33.042" v="5698" actId="9405"/>
+          <ac:inkMkLst>
+            <pc:docMk/>
+            <pc:sldMk cId="310738446" sldId="375"/>
+            <ac:inkMk id="10" creationId="{4ED5453F-93C0-5CD6-C730-5F00D0F5F088}"/>
+          </ac:inkMkLst>
+        </pc:inkChg>
+        <pc:inkChg chg="add del">
+          <ac:chgData name="Scruel Tao" userId="5ea5c98d59b44d4b" providerId="LiveId" clId="{88D73D01-CABB-4B2D-80EC-648726E3C219}" dt="2023-05-06T10:39:35.127" v="5700" actId="9405"/>
+          <ac:inkMkLst>
+            <pc:docMk/>
+            <pc:sldMk cId="310738446" sldId="375"/>
+            <ac:inkMk id="11" creationId="{309F42E2-F1E4-CEE6-0BF4-9B44B7347A74}"/>
+          </ac:inkMkLst>
+        </pc:inkChg>
+        <pc:cxnChg chg="add del mod">
+          <ac:chgData name="Scruel Tao" userId="5ea5c98d59b44d4b" providerId="LiveId" clId="{88D73D01-CABB-4B2D-80EC-648726E3C219}" dt="2023-05-06T10:40:04.021" v="5707" actId="21"/>
+          <ac:cxnSpMkLst>
+            <pc:docMk/>
+            <pc:sldMk cId="310738446" sldId="375"/>
+            <ac:cxnSpMk id="13" creationId="{3C278CB8-80D2-2639-62A9-DCAE9D65BB41}"/>
+          </ac:cxnSpMkLst>
+        </pc:cxnChg>
+        <pc:cxnChg chg="add del mod">
+          <ac:chgData name="Scruel Tao" userId="5ea5c98d59b44d4b" providerId="LiveId" clId="{88D73D01-CABB-4B2D-80EC-648726E3C219}" dt="2023-05-06T10:40:32.984" v="5712" actId="21"/>
+          <ac:cxnSpMkLst>
+            <pc:docMk/>
+            <pc:sldMk cId="310738446" sldId="375"/>
+            <ac:cxnSpMk id="20" creationId="{4B4F8F12-4BA4-D64F-6F19-3DD9DC31BC1E}"/>
+          </ac:cxnSpMkLst>
+        </pc:cxnChg>
+      </pc:sldChg>
+      <pc:sldChg chg="addSp delSp modSp add mod modAnim">
+        <pc:chgData name="Scruel Tao" userId="5ea5c98d59b44d4b" providerId="LiveId" clId="{88D73D01-CABB-4B2D-80EC-648726E3C219}" dt="2023-05-27T04:04:09.324" v="6397" actId="14100"/>
+        <pc:sldMkLst>
+          <pc:docMk/>
+          <pc:sldMk cId="3746649369" sldId="376"/>
+        </pc:sldMkLst>
+        <pc:picChg chg="add mod">
+          <ac:chgData name="Scruel Tao" userId="5ea5c98d59b44d4b" providerId="LiveId" clId="{88D73D01-CABB-4B2D-80EC-648726E3C219}" dt="2023-05-06T21:06:00.456" v="5866" actId="1076"/>
+          <ac:picMkLst>
+            <pc:docMk/>
+            <pc:sldMk cId="3746649369" sldId="376"/>
+            <ac:picMk id="4" creationId="{5A7F3C1C-EABB-6A1D-6376-219F20919FD1}"/>
+          </ac:picMkLst>
+        </pc:picChg>
+        <pc:picChg chg="add mod">
+          <ac:chgData name="Scruel Tao" userId="5ea5c98d59b44d4b" providerId="LiveId" clId="{88D73D01-CABB-4B2D-80EC-648726E3C219}" dt="2023-05-06T21:06:15.888" v="5870" actId="1076"/>
+          <ac:picMkLst>
+            <pc:docMk/>
+            <pc:sldMk cId="3746649369" sldId="376"/>
+            <ac:picMk id="6" creationId="{FE11F4B8-47C5-7B0B-2025-2E17A84FB112}"/>
+          </ac:picMkLst>
+        </pc:picChg>
+        <pc:picChg chg="del mod">
+          <ac:chgData name="Scruel Tao" userId="5ea5c98d59b44d4b" providerId="LiveId" clId="{88D73D01-CABB-4B2D-80EC-648726E3C219}" dt="2023-05-06T21:06:32.821" v="5876" actId="21"/>
+          <ac:picMkLst>
+            <pc:docMk/>
+            <pc:sldMk cId="3746649369" sldId="376"/>
+            <ac:picMk id="8" creationId="{8AB5090F-5018-48C0-EBF4-ED6B0DBB8E37}"/>
+          </ac:picMkLst>
+        </pc:picChg>
+        <pc:picChg chg="add mod">
+          <ac:chgData name="Scruel Tao" userId="5ea5c98d59b44d4b" providerId="LiveId" clId="{88D73D01-CABB-4B2D-80EC-648726E3C219}" dt="2023-05-06T21:06:55.473" v="5881" actId="1076"/>
+          <ac:picMkLst>
+            <pc:docMk/>
+            <pc:sldMk cId="3746649369" sldId="376"/>
+            <ac:picMk id="9" creationId="{BE39C642-C3A1-39C6-F0AB-B9F93EFE74C9}"/>
+          </ac:picMkLst>
+        </pc:picChg>
+        <pc:picChg chg="add mod">
+          <ac:chgData name="Scruel Tao" userId="5ea5c98d59b44d4b" providerId="LiveId" clId="{88D73D01-CABB-4B2D-80EC-648726E3C219}" dt="2023-05-06T21:06:52.197" v="5880" actId="1076"/>
+          <ac:picMkLst>
+            <pc:docMk/>
+            <pc:sldMk cId="3746649369" sldId="376"/>
+            <ac:picMk id="11" creationId="{6FD886B8-BCE1-FF55-1AA9-77619778DBF2}"/>
+          </ac:picMkLst>
+        </pc:picChg>
+        <pc:picChg chg="add mod">
+          <ac:chgData name="Scruel Tao" userId="5ea5c98d59b44d4b" providerId="LiveId" clId="{88D73D01-CABB-4B2D-80EC-648726E3C219}" dt="2023-05-06T21:07:22.467" v="5887" actId="14100"/>
+          <ac:picMkLst>
+            <pc:docMk/>
+            <pc:sldMk cId="3746649369" sldId="376"/>
+            <ac:picMk id="13" creationId="{EAB1916E-F5E2-1FD6-6A9D-68BBE0EFF6F6}"/>
+          </ac:picMkLst>
+        </pc:picChg>
+        <pc:picChg chg="add mod">
+          <ac:chgData name="Scruel Tao" userId="5ea5c98d59b44d4b" providerId="LiveId" clId="{88D73D01-CABB-4B2D-80EC-648726E3C219}" dt="2023-05-27T04:04:09.324" v="6397" actId="14100"/>
+          <ac:picMkLst>
+            <pc:docMk/>
+            <pc:sldMk cId="3746649369" sldId="376"/>
+            <ac:picMk id="16" creationId="{FEA98888-774B-F489-56BF-D3B6D097529F}"/>
+          </ac:picMkLst>
+        </pc:picChg>
+        <pc:picChg chg="mod">
+          <ac:chgData name="Scruel Tao" userId="5ea5c98d59b44d4b" providerId="LiveId" clId="{88D73D01-CABB-4B2D-80EC-648726E3C219}" dt="2023-05-27T04:03:59.299" v="6396" actId="1036"/>
+          <ac:picMkLst>
+            <pc:docMk/>
+            <pc:sldMk cId="3746649369" sldId="376"/>
+            <ac:picMk id="17" creationId="{B4BA9574-9B96-B884-236F-FE5B9F192448}"/>
+          </ac:picMkLst>
+        </pc:picChg>
+        <pc:picChg chg="mod">
+          <ac:chgData name="Scruel Tao" userId="5ea5c98d59b44d4b" providerId="LiveId" clId="{88D73D01-CABB-4B2D-80EC-648726E3C219}" dt="2023-05-06T21:07:03.913" v="5883" actId="1076"/>
+          <ac:picMkLst>
+            <pc:docMk/>
+            <pc:sldMk cId="3746649369" sldId="376"/>
+            <ac:picMk id="18" creationId="{25B4A285-7F44-C972-3812-DD190DC73F65}"/>
+          </ac:picMkLst>
+        </pc:picChg>
+        <pc:picChg chg="mod">
+          <ac:chgData name="Scruel Tao" userId="5ea5c98d59b44d4b" providerId="LiveId" clId="{88D73D01-CABB-4B2D-80EC-648726E3C219}" dt="2023-05-06T21:08:03.397" v="5892" actId="1076"/>
+          <ac:picMkLst>
+            <pc:docMk/>
+            <pc:sldMk cId="3746649369" sldId="376"/>
+            <ac:picMk id="22" creationId="{3A55B12E-91EC-DC60-A02F-622D42775EFC}"/>
+          </ac:picMkLst>
+        </pc:picChg>
+      </pc:sldChg>
+      <pc:sldChg chg="addSp delSp modSp add mod ord modClrScheme delAnim chgLayout">
+        <pc:chgData name="Scruel Tao" userId="5ea5c98d59b44d4b" providerId="LiveId" clId="{88D73D01-CABB-4B2D-80EC-648726E3C219}" dt="2023-05-08T02:20:48.774" v="6375" actId="20577"/>
+        <pc:sldMkLst>
+          <pc:docMk/>
+          <pc:sldMk cId="428468609" sldId="377"/>
+        </pc:sldMkLst>
+        <pc:spChg chg="mod ord">
+          <ac:chgData name="Scruel Tao" userId="5ea5c98d59b44d4b" providerId="LiveId" clId="{88D73D01-CABB-4B2D-80EC-648726E3C219}" dt="2023-05-08T02:17:38.773" v="6158" actId="700"/>
+          <ac:spMkLst>
+            <pc:docMk/>
+            <pc:sldMk cId="428468609" sldId="377"/>
+            <ac:spMk id="2" creationId="{BAD162F0-2175-84E9-2387-55F669162449}"/>
+          </ac:spMkLst>
+        </pc:spChg>
+        <pc:spChg chg="add del mod">
+          <ac:chgData name="Scruel Tao" userId="5ea5c98d59b44d4b" providerId="LiveId" clId="{88D73D01-CABB-4B2D-80EC-648726E3C219}" dt="2023-05-08T02:03:20.489" v="6112" actId="478"/>
+          <ac:spMkLst>
+            <pc:docMk/>
+            <pc:sldMk cId="428468609" sldId="377"/>
+            <ac:spMk id="5" creationId="{9467C76F-0237-A438-9025-A0A72146F95A}"/>
+          </ac:spMkLst>
+        </pc:spChg>
+        <pc:spChg chg="add mod ord">
+          <ac:chgData name="Scruel Tao" userId="5ea5c98d59b44d4b" providerId="LiveId" clId="{88D73D01-CABB-4B2D-80EC-648726E3C219}" dt="2023-05-08T02:18:55.149" v="6190" actId="20577"/>
+          <ac:spMkLst>
+            <pc:docMk/>
+            <pc:sldMk cId="428468609" sldId="377"/>
+            <ac:spMk id="7" creationId="{0F4A2D72-7588-A1A6-108F-2A6CC629E742}"/>
+          </ac:spMkLst>
+        </pc:spChg>
+        <pc:spChg chg="add del mod ord">
+          <ac:chgData name="Scruel Tao" userId="5ea5c98d59b44d4b" providerId="LiveId" clId="{88D73D01-CABB-4B2D-80EC-648726E3C219}" dt="2023-05-08T01:28:25.045" v="5920" actId="478"/>
+          <ac:spMkLst>
+            <pc:docMk/>
+            <pc:sldMk cId="428468609" sldId="377"/>
+            <ac:spMk id="8" creationId="{05C56AB0-EBB5-2E6C-252A-B9976933144C}"/>
+          </ac:spMkLst>
+        </pc:spChg>
+        <pc:spChg chg="add del mod ord">
+          <ac:chgData name="Scruel Tao" userId="5ea5c98d59b44d4b" providerId="LiveId" clId="{88D73D01-CABB-4B2D-80EC-648726E3C219}" dt="2023-05-08T02:17:43.348" v="6160" actId="478"/>
+          <ac:spMkLst>
+            <pc:docMk/>
+            <pc:sldMk cId="428468609" sldId="377"/>
+            <ac:spMk id="10" creationId="{EA3D8956-9AF8-0A75-5A4F-14E71CAC4C46}"/>
+          </ac:spMkLst>
+        </pc:spChg>
+        <pc:spChg chg="del">
+          <ac:chgData name="Scruel Tao" userId="5ea5c98d59b44d4b" providerId="LiveId" clId="{88D73D01-CABB-4B2D-80EC-648726E3C219}" dt="2023-05-08T01:28:20.273" v="5919" actId="21"/>
+          <ac:spMkLst>
+            <pc:docMk/>
+            <pc:sldMk cId="428468609" sldId="377"/>
+            <ac:spMk id="14" creationId="{0E3316AF-03D2-E954-8D9C-19BFF8D01C35}"/>
+          </ac:spMkLst>
+        </pc:spChg>
+        <pc:spChg chg="add mod">
+          <ac:chgData name="Scruel Tao" userId="5ea5c98d59b44d4b" providerId="LiveId" clId="{88D73D01-CABB-4B2D-80EC-648726E3C219}" dt="2023-05-08T02:20:39.868" v="6371" actId="1076"/>
+          <ac:spMkLst>
+            <pc:docMk/>
+            <pc:sldMk cId="428468609" sldId="377"/>
+            <ac:spMk id="25" creationId="{45A748C2-C1A1-98B4-6E03-5644AB4B4ED6}"/>
+          </ac:spMkLst>
+        </pc:spChg>
+        <pc:spChg chg="add mod">
+          <ac:chgData name="Scruel Tao" userId="5ea5c98d59b44d4b" providerId="LiveId" clId="{88D73D01-CABB-4B2D-80EC-648726E3C219}" dt="2023-05-08T02:20:48.774" v="6375" actId="20577"/>
+          <ac:spMkLst>
+            <pc:docMk/>
+            <pc:sldMk cId="428468609" sldId="377"/>
+            <ac:spMk id="26" creationId="{08C7E4F3-FDC9-2B74-CD2B-0A5AFAD69403}"/>
+          </ac:spMkLst>
+        </pc:spChg>
+        <pc:picChg chg="del">
+          <ac:chgData name="Scruel Tao" userId="5ea5c98d59b44d4b" providerId="LiveId" clId="{88D73D01-CABB-4B2D-80EC-648726E3C219}" dt="2023-05-08T01:32:06.585" v="6105" actId="21"/>
+          <ac:picMkLst>
+            <pc:docMk/>
+            <pc:sldMk cId="428468609" sldId="377"/>
+            <ac:picMk id="4" creationId="{5A7F3C1C-EABB-6A1D-6376-219F20919FD1}"/>
+          </ac:picMkLst>
+        </pc:picChg>
+        <pc:picChg chg="del">
+          <ac:chgData name="Scruel Tao" userId="5ea5c98d59b44d4b" providerId="LiveId" clId="{88D73D01-CABB-4B2D-80EC-648726E3C219}" dt="2023-05-08T01:32:07.424" v="6106" actId="21"/>
+          <ac:picMkLst>
+            <pc:docMk/>
+            <pc:sldMk cId="428468609" sldId="377"/>
+            <ac:picMk id="6" creationId="{FE11F4B8-47C5-7B0B-2025-2E17A84FB112}"/>
+          </ac:picMkLst>
+        </pc:picChg>
+        <pc:picChg chg="del">
+          <ac:chgData name="Scruel Tao" userId="5ea5c98d59b44d4b" providerId="LiveId" clId="{88D73D01-CABB-4B2D-80EC-648726E3C219}" dt="2023-05-08T01:32:09.830" v="6107" actId="21"/>
+          <ac:picMkLst>
+            <pc:docMk/>
+            <pc:sldMk cId="428468609" sldId="377"/>
+            <ac:picMk id="9" creationId="{BE39C642-C3A1-39C6-F0AB-B9F93EFE74C9}"/>
+          </ac:picMkLst>
+        </pc:picChg>
+        <pc:picChg chg="del">
+          <ac:chgData name="Scruel Tao" userId="5ea5c98d59b44d4b" providerId="LiveId" clId="{88D73D01-CABB-4B2D-80EC-648726E3C219}" dt="2023-05-08T01:32:11.112" v="6108" actId="21"/>
+          <ac:picMkLst>
+            <pc:docMk/>
+            <pc:sldMk cId="428468609" sldId="377"/>
+            <ac:picMk id="11" creationId="{6FD886B8-BCE1-FF55-1AA9-77619778DBF2}"/>
+          </ac:picMkLst>
+        </pc:picChg>
+        <pc:picChg chg="del">
+          <ac:chgData name="Scruel Tao" userId="5ea5c98d59b44d4b" providerId="LiveId" clId="{88D73D01-CABB-4B2D-80EC-648726E3C219}" dt="2023-05-08T01:32:12.420" v="6109" actId="21"/>
+          <ac:picMkLst>
+            <pc:docMk/>
+            <pc:sldMk cId="428468609" sldId="377"/>
+            <ac:picMk id="13" creationId="{EAB1916E-F5E2-1FD6-6A9D-68BBE0EFF6F6}"/>
+          </ac:picMkLst>
+        </pc:picChg>
+        <pc:picChg chg="add mod">
+          <ac:chgData name="Scruel Tao" userId="5ea5c98d59b44d4b" providerId="LiveId" clId="{88D73D01-CABB-4B2D-80EC-648726E3C219}" dt="2023-05-08T02:18:33.304" v="6171" actId="1076"/>
+          <ac:picMkLst>
+            <pc:docMk/>
+            <pc:sldMk cId="428468609" sldId="377"/>
+            <ac:picMk id="15" creationId="{7AA90CC3-1958-AC98-D32C-0D5BE7918C66}"/>
+          </ac:picMkLst>
+        </pc:picChg>
+        <pc:picChg chg="del">
+          <ac:chgData name="Scruel Tao" userId="5ea5c98d59b44d4b" providerId="LiveId" clId="{88D73D01-CABB-4B2D-80EC-648726E3C219}" dt="2023-05-08T01:30:31.489" v="5970" actId="21"/>
+          <ac:picMkLst>
+            <pc:docMk/>
+            <pc:sldMk cId="428468609" sldId="377"/>
+            <ac:picMk id="16" creationId="{FEA98888-774B-F489-56BF-D3B6D097529F}"/>
+          </ac:picMkLst>
+        </pc:picChg>
+        <pc:picChg chg="del">
+          <ac:chgData name="Scruel Tao" userId="5ea5c98d59b44d4b" providerId="LiveId" clId="{88D73D01-CABB-4B2D-80EC-648726E3C219}" dt="2023-05-08T01:30:32.379" v="5971" actId="21"/>
+          <ac:picMkLst>
+            <pc:docMk/>
+            <pc:sldMk cId="428468609" sldId="377"/>
+            <ac:picMk id="17" creationId="{B4BA9574-9B96-B884-236F-FE5B9F192448}"/>
+          </ac:picMkLst>
+        </pc:picChg>
+        <pc:picChg chg="del">
+          <ac:chgData name="Scruel Tao" userId="5ea5c98d59b44d4b" providerId="LiveId" clId="{88D73D01-CABB-4B2D-80EC-648726E3C219}" dt="2023-05-08T01:32:05.715" v="6104" actId="21"/>
+          <ac:picMkLst>
+            <pc:docMk/>
+            <pc:sldMk cId="428468609" sldId="377"/>
+            <ac:picMk id="18" creationId="{25B4A285-7F44-C972-3812-DD190DC73F65}"/>
+          </ac:picMkLst>
+        </pc:picChg>
+        <pc:picChg chg="add del mod">
+          <ac:chgData name="Scruel Tao" userId="5ea5c98d59b44d4b" providerId="LiveId" clId="{88D73D01-CABB-4B2D-80EC-648726E3C219}" dt="2023-05-08T02:12:43.489" v="6120" actId="478"/>
+          <ac:picMkLst>
+            <pc:docMk/>
+            <pc:sldMk cId="428468609" sldId="377"/>
+            <ac:picMk id="20" creationId="{DC52D43B-1A7D-21A0-1FCC-DD1E34BB6B76}"/>
+          </ac:picMkLst>
+        </pc:picChg>
+        <pc:picChg chg="del">
+          <ac:chgData name="Scruel Tao" userId="5ea5c98d59b44d4b" providerId="LiveId" clId="{88D73D01-CABB-4B2D-80EC-648726E3C219}" dt="2023-05-08T01:32:04.209" v="6103" actId="21"/>
+          <ac:picMkLst>
+            <pc:docMk/>
+            <pc:sldMk cId="428468609" sldId="377"/>
+            <ac:picMk id="22" creationId="{3A55B12E-91EC-DC60-A02F-622D42775EFC}"/>
+          </ac:picMkLst>
+        </pc:picChg>
+        <pc:picChg chg="add mod">
+          <ac:chgData name="Scruel Tao" userId="5ea5c98d59b44d4b" providerId="LiveId" clId="{88D73D01-CABB-4B2D-80EC-648726E3C219}" dt="2023-05-08T02:18:34.712" v="6172" actId="1076"/>
+          <ac:picMkLst>
+            <pc:docMk/>
+            <pc:sldMk cId="428468609" sldId="377"/>
+            <ac:picMk id="23" creationId="{0F0819D7-61A5-E572-C58E-5AEAAC327E95}"/>
+          </ac:picMkLst>
+        </pc:picChg>
+      </pc:sldChg>
+      <pc:sldMasterChg chg="modTransition modSldLayout">
+        <pc:chgData name="Scruel Tao" userId="5ea5c98d59b44d4b" providerId="LiveId" clId="{88D73D01-CABB-4B2D-80EC-648726E3C219}" dt="2023-05-16T03:56:23.899" v="6377" actId="478"/>
+        <pc:sldMasterMkLst>
+          <pc:docMk/>
+          <pc:sldMasterMk cId="1766057859" sldId="2147483648"/>
+        </pc:sldMasterMkLst>
+        <pc:sldLayoutChg chg="modTransition">
+          <pc:chgData name="Scruel Tao" userId="5ea5c98d59b44d4b" providerId="LiveId" clId="{88D73D01-CABB-4B2D-80EC-648726E3C219}" dt="2023-05-05T14:59:33.343" v="4422"/>
+          <pc:sldLayoutMkLst>
+            <pc:docMk/>
+            <pc:sldMasterMk cId="1766057859" sldId="2147483648"/>
+            <pc:sldLayoutMk cId="2187492797" sldId="2147483649"/>
+          </pc:sldLayoutMkLst>
+        </pc:sldLayoutChg>
+        <pc:sldLayoutChg chg="addSp delSp modSp mod modTransition">
+          <pc:chgData name="Scruel Tao" userId="5ea5c98d59b44d4b" providerId="LiveId" clId="{88D73D01-CABB-4B2D-80EC-648726E3C219}" dt="2023-05-05T14:59:33.343" v="4422"/>
+          <pc:sldLayoutMkLst>
+            <pc:docMk/>
+            <pc:sldMasterMk cId="1766057859" sldId="2147483648"/>
+            <pc:sldLayoutMk cId="2116765151" sldId="2147483650"/>
+          </pc:sldLayoutMkLst>
+          <pc:spChg chg="del">
+            <ac:chgData name="Scruel Tao" userId="5ea5c98d59b44d4b" providerId="LiveId" clId="{88D73D01-CABB-4B2D-80EC-648726E3C219}" dt="2023-05-03T00:06:16.932" v="4047" actId="478"/>
+            <ac:spMkLst>
+              <pc:docMk/>
+              <pc:sldMasterMk cId="1766057859" sldId="2147483648"/>
+              <pc:sldLayoutMk cId="2116765151" sldId="2147483650"/>
+              <ac:spMk id="7" creationId="{CC508A81-C1C7-B1D4-63BC-4C397A9B30DA}"/>
+            </ac:spMkLst>
+          </pc:spChg>
+          <pc:spChg chg="add mod">
+            <ac:chgData name="Scruel Tao" userId="5ea5c98d59b44d4b" providerId="LiveId" clId="{88D73D01-CABB-4B2D-80EC-648726E3C219}" dt="2023-05-03T00:06:17.252" v="4048"/>
+            <ac:spMkLst>
+              <pc:docMk/>
+              <pc:sldMasterMk cId="1766057859" sldId="2147483648"/>
+              <pc:sldLayoutMk cId="2116765151" sldId="2147483650"/>
+              <ac:spMk id="8" creationId="{25973751-9434-2845-7261-188CF1A67B9E}"/>
+            </ac:spMkLst>
+          </pc:spChg>
+        </pc:sldLayoutChg>
+        <pc:sldLayoutChg chg="modTransition">
+          <pc:chgData name="Scruel Tao" userId="5ea5c98d59b44d4b" providerId="LiveId" clId="{88D73D01-CABB-4B2D-80EC-648726E3C219}" dt="2023-05-05T14:59:33.343" v="4422"/>
+          <pc:sldLayoutMkLst>
+            <pc:docMk/>
+            <pc:sldMasterMk cId="1766057859" sldId="2147483648"/>
+            <pc:sldLayoutMk cId="3876442843" sldId="2147483651"/>
+          </pc:sldLayoutMkLst>
+        </pc:sldLayoutChg>
+        <pc:sldLayoutChg chg="addSp delSp modSp mod modTransition">
+          <pc:chgData name="Scruel Tao" userId="5ea5c98d59b44d4b" providerId="LiveId" clId="{88D73D01-CABB-4B2D-80EC-648726E3C219}" dt="2023-05-05T14:59:33.343" v="4422"/>
+          <pc:sldLayoutMkLst>
+            <pc:docMk/>
+            <pc:sldMasterMk cId="1766057859" sldId="2147483648"/>
+            <pc:sldLayoutMk cId="2296489930" sldId="2147483652"/>
+          </pc:sldLayoutMkLst>
+          <pc:spChg chg="del">
+            <ac:chgData name="Scruel Tao" userId="5ea5c98d59b44d4b" providerId="LiveId" clId="{88D73D01-CABB-4B2D-80EC-648726E3C219}" dt="2023-05-03T00:06:50.161" v="4049" actId="478"/>
+            <ac:spMkLst>
+              <pc:docMk/>
+              <pc:sldMasterMk cId="1766057859" sldId="2147483648"/>
+              <pc:sldLayoutMk cId="2296489930" sldId="2147483652"/>
+              <ac:spMk id="8" creationId="{C5A5C420-1B53-618C-C968-A8FEF109459A}"/>
+            </ac:spMkLst>
+          </pc:spChg>
+          <pc:spChg chg="add mod">
+            <ac:chgData name="Scruel Tao" userId="5ea5c98d59b44d4b" providerId="LiveId" clId="{88D73D01-CABB-4B2D-80EC-648726E3C219}" dt="2023-05-03T00:06:50.458" v="4050"/>
+            <ac:spMkLst>
+              <pc:docMk/>
+              <pc:sldMasterMk cId="1766057859" sldId="2147483648"/>
+              <pc:sldLayoutMk cId="2296489930" sldId="2147483652"/>
+              <ac:spMk id="9" creationId="{15D63F93-5B88-76F9-2352-FF2AD405A610}"/>
+            </ac:spMkLst>
+          </pc:spChg>
+        </pc:sldLayoutChg>
+        <pc:sldLayoutChg chg="modTransition">
+          <pc:chgData name="Scruel Tao" userId="5ea5c98d59b44d4b" providerId="LiveId" clId="{88D73D01-CABB-4B2D-80EC-648726E3C219}" dt="2023-05-05T14:59:33.343" v="4422"/>
+          <pc:sldLayoutMkLst>
+            <pc:docMk/>
+            <pc:sldMasterMk cId="1766057859" sldId="2147483648"/>
+            <pc:sldLayoutMk cId="1903742116" sldId="2147483653"/>
+          </pc:sldLayoutMkLst>
+        </pc:sldLayoutChg>
+        <pc:sldLayoutChg chg="modTransition">
+          <pc:chgData name="Scruel Tao" userId="5ea5c98d59b44d4b" providerId="LiveId" clId="{88D73D01-CABB-4B2D-80EC-648726E3C219}" dt="2023-05-05T14:59:33.343" v="4422"/>
+          <pc:sldLayoutMkLst>
+            <pc:docMk/>
+            <pc:sldMasterMk cId="1766057859" sldId="2147483648"/>
+            <pc:sldLayoutMk cId="2266343131" sldId="2147483654"/>
+          </pc:sldLayoutMkLst>
+        </pc:sldLayoutChg>
+        <pc:sldLayoutChg chg="modTransition">
+          <pc:chgData name="Scruel Tao" userId="5ea5c98d59b44d4b" providerId="LiveId" clId="{88D73D01-CABB-4B2D-80EC-648726E3C219}" dt="2023-05-05T14:59:33.343" v="4422"/>
+          <pc:sldLayoutMkLst>
+            <pc:docMk/>
+            <pc:sldMasterMk cId="1766057859" sldId="2147483648"/>
+            <pc:sldLayoutMk cId="3125871839" sldId="2147483655"/>
+          </pc:sldLayoutMkLst>
+        </pc:sldLayoutChg>
+        <pc:sldLayoutChg chg="modTransition">
+          <pc:chgData name="Scruel Tao" userId="5ea5c98d59b44d4b" providerId="LiveId" clId="{88D73D01-CABB-4B2D-80EC-648726E3C219}" dt="2023-05-05T14:59:33.343" v="4422"/>
+          <pc:sldLayoutMkLst>
+            <pc:docMk/>
+            <pc:sldMasterMk cId="1766057859" sldId="2147483648"/>
+            <pc:sldLayoutMk cId="4269120921" sldId="2147483656"/>
+          </pc:sldLayoutMkLst>
+        </pc:sldLayoutChg>
+        <pc:sldLayoutChg chg="modTransition">
+          <pc:chgData name="Scruel Tao" userId="5ea5c98d59b44d4b" providerId="LiveId" clId="{88D73D01-CABB-4B2D-80EC-648726E3C219}" dt="2023-05-05T14:59:33.343" v="4422"/>
+          <pc:sldLayoutMkLst>
+            <pc:docMk/>
+            <pc:sldMasterMk cId="1766057859" sldId="2147483648"/>
+            <pc:sldLayoutMk cId="3839517779" sldId="2147483657"/>
+          </pc:sldLayoutMkLst>
+        </pc:sldLayoutChg>
+        <pc:sldLayoutChg chg="modTransition">
+          <pc:chgData name="Scruel Tao" userId="5ea5c98d59b44d4b" providerId="LiveId" clId="{88D73D01-CABB-4B2D-80EC-648726E3C219}" dt="2023-05-05T14:59:33.343" v="4422"/>
+          <pc:sldLayoutMkLst>
+            <pc:docMk/>
+            <pc:sldMasterMk cId="1766057859" sldId="2147483648"/>
+            <pc:sldLayoutMk cId="3533658407" sldId="2147483658"/>
+          </pc:sldLayoutMkLst>
+        </pc:sldLayoutChg>
+        <pc:sldLayoutChg chg="modTransition">
+          <pc:chgData name="Scruel Tao" userId="5ea5c98d59b44d4b" providerId="LiveId" clId="{88D73D01-CABB-4B2D-80EC-648726E3C219}" dt="2023-05-05T14:59:33.343" v="4422"/>
+          <pc:sldLayoutMkLst>
+            <pc:docMk/>
+            <pc:sldMasterMk cId="1766057859" sldId="2147483648"/>
+            <pc:sldLayoutMk cId="1976972956" sldId="2147483659"/>
+          </pc:sldLayoutMkLst>
+        </pc:sldLayoutChg>
+        <pc:sldLayoutChg chg="delSp modTransition">
+          <pc:chgData name="Scruel Tao" userId="5ea5c98d59b44d4b" providerId="LiveId" clId="{88D73D01-CABB-4B2D-80EC-648726E3C219}" dt="2023-05-16T03:56:23.899" v="6377" actId="478"/>
+          <pc:sldLayoutMkLst>
+            <pc:docMk/>
+            <pc:sldMasterMk cId="3116067069" sldId="2147483661"/>
+            <pc:sldLayoutMk cId="1337634028" sldId="2147483660"/>
+          </pc:sldLayoutMkLst>
+          <pc:spChg chg="del">
+            <ac:chgData name="Scruel Tao" userId="5ea5c98d59b44d4b" providerId="LiveId" clId="{88D73D01-CABB-4B2D-80EC-648726E3C219}" dt="2023-05-16T03:56:23.899" v="6377" actId="478"/>
+            <ac:spMkLst>
+              <pc:docMk/>
+              <pc:sldMasterMk cId="3116067069" sldId="2147483661"/>
+              <pc:sldLayoutMk cId="1337634028" sldId="2147483660"/>
+              <ac:spMk id="19472" creationId="{BD0BF484-93B1-9A87-952A-7D5E9B29C38D}"/>
+            </ac:spMkLst>
+          </pc:spChg>
         </pc:sldLayoutChg>
       </pc:sldMasterChg>
     </pc:docChg>
@@ -1442,2350 +3786,6 @@
     </pc:docChg>
   </pc:docChgLst>
   <pc:docChgLst>
-    <pc:chgData name="Scruel Tao" userId="5ea5c98d59b44d4b" providerId="LiveId" clId="{88D73D01-CABB-4B2D-80EC-648726E3C219}"/>
-    <pc:docChg chg="undo redo custSel addSld delSld modSld sldOrd modMainMaster">
-      <pc:chgData name="Scruel Tao" userId="5ea5c98d59b44d4b" providerId="LiveId" clId="{88D73D01-CABB-4B2D-80EC-648726E3C219}" dt="2023-06-02T13:43:51.723" v="6398" actId="20577"/>
-      <pc:docMkLst>
-        <pc:docMk/>
-      </pc:docMkLst>
-      <pc:sldChg chg="addSp delSp modSp add del mod modTransition">
-        <pc:chgData name="Scruel Tao" userId="5ea5c98d59b44d4b" providerId="LiveId" clId="{88D73D01-CABB-4B2D-80EC-648726E3C219}" dt="2023-05-05T14:59:33.343" v="4422"/>
-        <pc:sldMkLst>
-          <pc:docMk/>
-          <pc:sldMk cId="1112998187" sldId="257"/>
-        </pc:sldMkLst>
-        <pc:spChg chg="mod">
-          <ac:chgData name="Scruel Tao" userId="5ea5c98d59b44d4b" providerId="LiveId" clId="{88D73D01-CABB-4B2D-80EC-648726E3C219}" dt="2023-04-26T04:44:19.770" v="24" actId="20577"/>
-          <ac:spMkLst>
-            <pc:docMk/>
-            <pc:sldMk cId="1112998187" sldId="257"/>
-            <ac:spMk id="2" creationId="{1422DFF6-0952-1023-64E3-97184D36BE3F}"/>
-          </ac:spMkLst>
-        </pc:spChg>
-        <pc:spChg chg="mod">
-          <ac:chgData name="Scruel Tao" userId="5ea5c98d59b44d4b" providerId="LiveId" clId="{88D73D01-CABB-4B2D-80EC-648726E3C219}" dt="2023-04-26T04:45:06.262" v="47"/>
-          <ac:spMkLst>
-            <pc:docMk/>
-            <pc:sldMk cId="1112998187" sldId="257"/>
-            <ac:spMk id="3" creationId="{AC7759D9-0BB4-08ED-8476-24F7D903D6DE}"/>
-          </ac:spMkLst>
-        </pc:spChg>
-        <pc:spChg chg="add del mod">
-          <ac:chgData name="Scruel Tao" userId="5ea5c98d59b44d4b" providerId="LiveId" clId="{88D73D01-CABB-4B2D-80EC-648726E3C219}" dt="2023-04-26T10:57:28.701" v="2621" actId="478"/>
-          <ac:spMkLst>
-            <pc:docMk/>
-            <pc:sldMk cId="1112998187" sldId="257"/>
-            <ac:spMk id="4" creationId="{B1A8FEFE-AF03-7678-E583-B0C324FF7C5C}"/>
-          </ac:spMkLst>
-        </pc:spChg>
-      </pc:sldChg>
-      <pc:sldChg chg="del">
-        <pc:chgData name="Scruel Tao" userId="5ea5c98d59b44d4b" providerId="LiveId" clId="{88D73D01-CABB-4B2D-80EC-648726E3C219}" dt="2023-04-26T02:43:28.228" v="0" actId="47"/>
-        <pc:sldMkLst>
-          <pc:docMk/>
-          <pc:sldMk cId="1199684676" sldId="259"/>
-        </pc:sldMkLst>
-      </pc:sldChg>
-      <pc:sldChg chg="addSp delSp modSp mod modTransition modNotes">
-        <pc:chgData name="Scruel Tao" userId="5ea5c98d59b44d4b" providerId="LiveId" clId="{88D73D01-CABB-4B2D-80EC-648726E3C219}" dt="2023-06-02T13:43:51.723" v="6398" actId="20577"/>
-        <pc:sldMkLst>
-          <pc:docMk/>
-          <pc:sldMk cId="0" sldId="260"/>
-        </pc:sldMkLst>
-        <pc:spChg chg="del">
-          <ac:chgData name="Scruel Tao" userId="5ea5c98d59b44d4b" providerId="LiveId" clId="{88D73D01-CABB-4B2D-80EC-648726E3C219}" dt="2023-05-16T03:56:16.049" v="6376" actId="478"/>
-          <ac:spMkLst>
-            <pc:docMk/>
-            <pc:sldMk cId="0" sldId="260"/>
-            <ac:spMk id="2" creationId="{51B8E4C0-E15B-4BD0-7B5B-A44A3D5B0C34}"/>
-          </ac:spMkLst>
-        </pc:spChg>
-        <pc:spChg chg="del">
-          <ac:chgData name="Scruel Tao" userId="5ea5c98d59b44d4b" providerId="LiveId" clId="{88D73D01-CABB-4B2D-80EC-648726E3C219}" dt="2023-05-03T00:05:42.931" v="4045" actId="478"/>
-          <ac:spMkLst>
-            <pc:docMk/>
-            <pc:sldMk cId="0" sldId="260"/>
-            <ac:spMk id="3" creationId="{C8068F35-EF78-6218-F528-48E9ED924DF4}"/>
-          </ac:spMkLst>
-        </pc:spChg>
-        <pc:spChg chg="add del mod">
-          <ac:chgData name="Scruel Tao" userId="5ea5c98d59b44d4b" providerId="LiveId" clId="{88D73D01-CABB-4B2D-80EC-648726E3C219}" dt="2023-05-03T00:05:41.674" v="4044"/>
-          <ac:spMkLst>
-            <pc:docMk/>
-            <pc:sldMk cId="0" sldId="260"/>
-            <ac:spMk id="4" creationId="{836A5BEA-0B28-F483-0FC5-ECAA0890B72D}"/>
-          </ac:spMkLst>
-        </pc:spChg>
-        <pc:spChg chg="add mod">
-          <ac:chgData name="Scruel Tao" userId="5ea5c98d59b44d4b" providerId="LiveId" clId="{88D73D01-CABB-4B2D-80EC-648726E3C219}" dt="2023-05-03T00:05:43.302" v="4046"/>
-          <ac:spMkLst>
-            <pc:docMk/>
-            <pc:sldMk cId="0" sldId="260"/>
-            <ac:spMk id="5" creationId="{44939AF0-12AF-355A-65AB-49B915A3AE52}"/>
-          </ac:spMkLst>
-        </pc:spChg>
-        <pc:spChg chg="mod">
-          <ac:chgData name="Scruel Tao" userId="5ea5c98d59b44d4b" providerId="LiveId" clId="{88D73D01-CABB-4B2D-80EC-648726E3C219}" dt="2023-06-02T13:43:51.723" v="6398" actId="20577"/>
-          <ac:spMkLst>
-            <pc:docMk/>
-            <pc:sldMk cId="0" sldId="260"/>
-            <ac:spMk id="1227783" creationId="{F7B3941E-B689-22D6-F18C-358E4BAEDF5F}"/>
-          </ac:spMkLst>
-        </pc:spChg>
-      </pc:sldChg>
-      <pc:sldChg chg="del">
-        <pc:chgData name="Scruel Tao" userId="5ea5c98d59b44d4b" providerId="LiveId" clId="{88D73D01-CABB-4B2D-80EC-648726E3C219}" dt="2023-04-26T02:43:28.228" v="0" actId="47"/>
-        <pc:sldMkLst>
-          <pc:docMk/>
-          <pc:sldMk cId="1751565490" sldId="276"/>
-        </pc:sldMkLst>
-      </pc:sldChg>
-      <pc:sldChg chg="add del">
-        <pc:chgData name="Scruel Tao" userId="5ea5c98d59b44d4b" providerId="LiveId" clId="{88D73D01-CABB-4B2D-80EC-648726E3C219}" dt="2023-05-01T18:27:14.756" v="4038" actId="47"/>
-        <pc:sldMkLst>
-          <pc:docMk/>
-          <pc:sldMk cId="2706538019" sldId="277"/>
-        </pc:sldMkLst>
-      </pc:sldChg>
-      <pc:sldChg chg="modSp add del mod modAnim">
-        <pc:chgData name="Scruel Tao" userId="5ea5c98d59b44d4b" providerId="LiveId" clId="{88D73D01-CABB-4B2D-80EC-648726E3C219}" dt="2023-04-26T08:55:49.663" v="79" actId="47"/>
-        <pc:sldMkLst>
-          <pc:docMk/>
-          <pc:sldMk cId="3519437269" sldId="279"/>
-        </pc:sldMkLst>
-        <pc:spChg chg="mod">
-          <ac:chgData name="Scruel Tao" userId="5ea5c98d59b44d4b" providerId="LiveId" clId="{88D73D01-CABB-4B2D-80EC-648726E3C219}" dt="2023-04-26T04:44:30.725" v="31"/>
-          <ac:spMkLst>
-            <pc:docMk/>
-            <pc:sldMk cId="3519437269" sldId="279"/>
-            <ac:spMk id="2" creationId="{BAD162F0-2175-84E9-2387-55F669162449}"/>
-          </ac:spMkLst>
-        </pc:spChg>
-      </pc:sldChg>
-      <pc:sldChg chg="modSp add mod modTransition modAnim">
-        <pc:chgData name="Scruel Tao" userId="5ea5c98d59b44d4b" providerId="LiveId" clId="{88D73D01-CABB-4B2D-80EC-648726E3C219}" dt="2023-05-05T14:59:33.343" v="4422"/>
-        <pc:sldMkLst>
-          <pc:docMk/>
-          <pc:sldMk cId="3745708182" sldId="280"/>
-        </pc:sldMkLst>
-        <pc:spChg chg="mod">
-          <ac:chgData name="Scruel Tao" userId="5ea5c98d59b44d4b" providerId="LiveId" clId="{88D73D01-CABB-4B2D-80EC-648726E3C219}" dt="2023-05-04T10:03:57.350" v="4416" actId="20577"/>
-          <ac:spMkLst>
-            <pc:docMk/>
-            <pc:sldMk cId="3745708182" sldId="280"/>
-            <ac:spMk id="3" creationId="{9E0BA8B8-92DA-1AC9-79B9-A552D184BB54}"/>
-          </ac:spMkLst>
-        </pc:spChg>
-      </pc:sldChg>
-      <pc:sldChg chg="modSp add mod modTransition modAnim">
-        <pc:chgData name="Scruel Tao" userId="5ea5c98d59b44d4b" providerId="LiveId" clId="{88D73D01-CABB-4B2D-80EC-648726E3C219}" dt="2023-05-05T14:59:33.343" v="4422"/>
-        <pc:sldMkLst>
-          <pc:docMk/>
-          <pc:sldMk cId="364430658" sldId="282"/>
-        </pc:sldMkLst>
-        <pc:spChg chg="mod">
-          <ac:chgData name="Scruel Tao" userId="5ea5c98d59b44d4b" providerId="LiveId" clId="{88D73D01-CABB-4B2D-80EC-648726E3C219}" dt="2023-04-26T04:45:09.137" v="50"/>
-          <ac:spMkLst>
-            <pc:docMk/>
-            <pc:sldMk cId="364430658" sldId="282"/>
-            <ac:spMk id="2" creationId="{1CBF67D3-549D-0623-7687-618F66C7933B}"/>
-          </ac:spMkLst>
-        </pc:spChg>
-        <pc:spChg chg="mod">
-          <ac:chgData name="Scruel Tao" userId="5ea5c98d59b44d4b" providerId="LiveId" clId="{88D73D01-CABB-4B2D-80EC-648726E3C219}" dt="2023-05-01T16:07:27.756" v="4032" actId="5793"/>
-          <ac:spMkLst>
-            <pc:docMk/>
-            <pc:sldMk cId="364430658" sldId="282"/>
-            <ac:spMk id="5" creationId="{27E734E7-DC50-2043-E0F4-ADDF97100AAB}"/>
-          </ac:spMkLst>
-        </pc:spChg>
-      </pc:sldChg>
-      <pc:sldChg chg="addSp delSp modSp add mod modTransition modClrScheme delAnim modAnim chgLayout">
-        <pc:chgData name="Scruel Tao" userId="5ea5c98d59b44d4b" providerId="LiveId" clId="{88D73D01-CABB-4B2D-80EC-648726E3C219}" dt="2023-05-08T01:30:51.838" v="5977" actId="5793"/>
-        <pc:sldMkLst>
-          <pc:docMk/>
-          <pc:sldMk cId="3210565020" sldId="283"/>
-        </pc:sldMkLst>
-        <pc:spChg chg="mod ord">
-          <ac:chgData name="Scruel Tao" userId="5ea5c98d59b44d4b" providerId="LiveId" clId="{88D73D01-CABB-4B2D-80EC-648726E3C219}" dt="2023-04-26T08:58:46.693" v="302" actId="700"/>
-          <ac:spMkLst>
-            <pc:docMk/>
-            <pc:sldMk cId="3210565020" sldId="283"/>
-            <ac:spMk id="2" creationId="{BAD162F0-2175-84E9-2387-55F669162449}"/>
-          </ac:spMkLst>
-        </pc:spChg>
-        <pc:spChg chg="del mod ord">
-          <ac:chgData name="Scruel Tao" userId="5ea5c98d59b44d4b" providerId="LiveId" clId="{88D73D01-CABB-4B2D-80EC-648726E3C219}" dt="2023-04-26T08:58:46.693" v="302" actId="700"/>
-          <ac:spMkLst>
-            <pc:docMk/>
-            <pc:sldMk cId="3210565020" sldId="283"/>
-            <ac:spMk id="3" creationId="{0E2FC508-1AFD-A957-52F2-FA1DEF2A9D27}"/>
-          </ac:spMkLst>
-        </pc:spChg>
-        <pc:spChg chg="add mod ord">
-          <ac:chgData name="Scruel Tao" userId="5ea5c98d59b44d4b" providerId="LiveId" clId="{88D73D01-CABB-4B2D-80EC-648726E3C219}" dt="2023-05-08T01:30:51.838" v="5977" actId="5793"/>
-          <ac:spMkLst>
-            <pc:docMk/>
-            <pc:sldMk cId="3210565020" sldId="283"/>
-            <ac:spMk id="4" creationId="{85D6D174-6A04-9AED-7984-BD4330ED7E3A}"/>
-          </ac:spMkLst>
-        </pc:spChg>
-        <pc:spChg chg="del mod">
-          <ac:chgData name="Scruel Tao" userId="5ea5c98d59b44d4b" providerId="LiveId" clId="{88D73D01-CABB-4B2D-80EC-648726E3C219}" dt="2023-04-30T17:26:16.714" v="2804" actId="478"/>
-          <ac:spMkLst>
-            <pc:docMk/>
-            <pc:sldMk cId="3210565020" sldId="283"/>
-            <ac:spMk id="5" creationId="{B7A8CE03-6A77-60EC-056E-D7A0019640A3}"/>
-          </ac:spMkLst>
-        </pc:spChg>
-        <pc:spChg chg="del mod">
-          <ac:chgData name="Scruel Tao" userId="5ea5c98d59b44d4b" providerId="LiveId" clId="{88D73D01-CABB-4B2D-80EC-648726E3C219}" dt="2023-04-30T17:26:15.943" v="2803" actId="478"/>
-          <ac:spMkLst>
-            <pc:docMk/>
-            <pc:sldMk cId="3210565020" sldId="283"/>
-            <ac:spMk id="7" creationId="{12C899D8-51C5-D9B7-A323-E6EFE4AB5C33}"/>
-          </ac:spMkLst>
-        </pc:spChg>
-      </pc:sldChg>
-      <pc:sldChg chg="addSp delSp modSp add mod modTransition modClrScheme delAnim modAnim chgLayout modNotesTx">
-        <pc:chgData name="Scruel Tao" userId="5ea5c98d59b44d4b" providerId="LiveId" clId="{88D73D01-CABB-4B2D-80EC-648726E3C219}" dt="2023-05-05T15:52:30.247" v="4449"/>
-        <pc:sldMkLst>
-          <pc:docMk/>
-          <pc:sldMk cId="587836252" sldId="284"/>
-        </pc:sldMkLst>
-        <pc:spChg chg="mod ord">
-          <ac:chgData name="Scruel Tao" userId="5ea5c98d59b44d4b" providerId="LiveId" clId="{88D73D01-CABB-4B2D-80EC-648726E3C219}" dt="2023-05-01T13:35:29.457" v="3583"/>
-          <ac:spMkLst>
-            <pc:docMk/>
-            <pc:sldMk cId="587836252" sldId="284"/>
-            <ac:spMk id="2" creationId="{BAD162F0-2175-84E9-2387-55F669162449}"/>
-          </ac:spMkLst>
-        </pc:spChg>
-        <pc:spChg chg="del mod ord">
-          <ac:chgData name="Scruel Tao" userId="5ea5c98d59b44d4b" providerId="LiveId" clId="{88D73D01-CABB-4B2D-80EC-648726E3C219}" dt="2023-04-26T08:59:08.110" v="309" actId="700"/>
-          <ac:spMkLst>
-            <pc:docMk/>
-            <pc:sldMk cId="587836252" sldId="284"/>
-            <ac:spMk id="3" creationId="{0E2FC508-1AFD-A957-52F2-FA1DEF2A9D27}"/>
-          </ac:spMkLst>
-        </pc:spChg>
-        <pc:spChg chg="add mod ord">
-          <ac:chgData name="Scruel Tao" userId="5ea5c98d59b44d4b" providerId="LiveId" clId="{88D73D01-CABB-4B2D-80EC-648726E3C219}" dt="2023-05-01T13:35:10.735" v="3570" actId="21"/>
-          <ac:spMkLst>
-            <pc:docMk/>
-            <pc:sldMk cId="587836252" sldId="284"/>
-            <ac:spMk id="4" creationId="{01B48343-3D1C-FDA9-2DD5-C88222E962F2}"/>
-          </ac:spMkLst>
-        </pc:spChg>
-        <pc:spChg chg="mod">
-          <ac:chgData name="Scruel Tao" userId="5ea5c98d59b44d4b" providerId="LiveId" clId="{88D73D01-CABB-4B2D-80EC-648726E3C219}" dt="2023-05-01T13:36:47.015" v="3592" actId="1076"/>
-          <ac:spMkLst>
-            <pc:docMk/>
-            <pc:sldMk cId="587836252" sldId="284"/>
-            <ac:spMk id="5" creationId="{B7A8CE03-6A77-60EC-056E-D7A0019640A3}"/>
-          </ac:spMkLst>
-        </pc:spChg>
-        <pc:spChg chg="add del mod">
-          <ac:chgData name="Scruel Tao" userId="5ea5c98d59b44d4b" providerId="LiveId" clId="{88D73D01-CABB-4B2D-80EC-648726E3C219}" dt="2023-05-03T14:53:45.399" v="4127" actId="207"/>
-          <ac:spMkLst>
-            <pc:docMk/>
-            <pc:sldMk cId="587836252" sldId="284"/>
-            <ac:spMk id="7" creationId="{12C899D8-51C5-D9B7-A323-E6EFE4AB5C33}"/>
-          </ac:spMkLst>
-        </pc:spChg>
-        <pc:spChg chg="add del">
-          <ac:chgData name="Scruel Tao" userId="5ea5c98d59b44d4b" providerId="LiveId" clId="{88D73D01-CABB-4B2D-80EC-648726E3C219}" dt="2023-04-30T17:32:29.730" v="2880" actId="21"/>
-          <ac:spMkLst>
-            <pc:docMk/>
-            <pc:sldMk cId="587836252" sldId="284"/>
-            <ac:spMk id="9" creationId="{CEA4ADB6-F110-0C2A-2981-2983A6B642FF}"/>
-          </ac:spMkLst>
-        </pc:spChg>
-        <pc:spChg chg="add del">
-          <ac:chgData name="Scruel Tao" userId="5ea5c98d59b44d4b" providerId="LiveId" clId="{88D73D01-CABB-4B2D-80EC-648726E3C219}" dt="2023-04-30T17:32:39.928" v="2882" actId="21"/>
-          <ac:spMkLst>
-            <pc:docMk/>
-            <pc:sldMk cId="587836252" sldId="284"/>
-            <ac:spMk id="10" creationId="{3FC8D461-926B-6656-DCF4-4AE13D8DE588}"/>
-          </ac:spMkLst>
-        </pc:spChg>
-        <pc:spChg chg="add del mod">
-          <ac:chgData name="Scruel Tao" userId="5ea5c98d59b44d4b" providerId="LiveId" clId="{88D73D01-CABB-4B2D-80EC-648726E3C219}" dt="2023-04-30T17:32:52.412" v="2885" actId="21"/>
-          <ac:spMkLst>
-            <pc:docMk/>
-            <pc:sldMk cId="587836252" sldId="284"/>
-            <ac:spMk id="11" creationId="{98E4F262-E710-3617-DD49-27801B58C19E}"/>
-          </ac:spMkLst>
-        </pc:spChg>
-        <pc:spChg chg="add del mod">
-          <ac:chgData name="Scruel Tao" userId="5ea5c98d59b44d4b" providerId="LiveId" clId="{88D73D01-CABB-4B2D-80EC-648726E3C219}" dt="2023-04-30T17:35:45.694" v="2904" actId="21"/>
-          <ac:spMkLst>
-            <pc:docMk/>
-            <pc:sldMk cId="587836252" sldId="284"/>
-            <ac:spMk id="12" creationId="{069450B2-0ABB-BC6F-8094-6C23BE64DB69}"/>
-          </ac:spMkLst>
-        </pc:spChg>
-        <pc:spChg chg="add del mod">
-          <ac:chgData name="Scruel Tao" userId="5ea5c98d59b44d4b" providerId="LiveId" clId="{88D73D01-CABB-4B2D-80EC-648726E3C219}" dt="2023-04-30T17:35:03.098" v="2897" actId="21"/>
-          <ac:spMkLst>
-            <pc:docMk/>
-            <pc:sldMk cId="587836252" sldId="284"/>
-            <ac:spMk id="13" creationId="{FD59A6F6-582F-FA0B-4600-DB1F88A24D5E}"/>
-          </ac:spMkLst>
-        </pc:spChg>
-        <pc:cxnChg chg="add del mod">
-          <ac:chgData name="Scruel Tao" userId="5ea5c98d59b44d4b" providerId="LiveId" clId="{88D73D01-CABB-4B2D-80EC-648726E3C219}" dt="2023-04-30T17:32:02.262" v="2878" actId="21"/>
-          <ac:cxnSpMkLst>
-            <pc:docMk/>
-            <pc:sldMk cId="587836252" sldId="284"/>
-            <ac:cxnSpMk id="6" creationId="{5F4ED83B-299C-9A93-5774-4B9CD8EACF47}"/>
-          </ac:cxnSpMkLst>
-        </pc:cxnChg>
-        <pc:cxnChg chg="add del mod">
-          <ac:chgData name="Scruel Tao" userId="5ea5c98d59b44d4b" providerId="LiveId" clId="{88D73D01-CABB-4B2D-80EC-648726E3C219}" dt="2023-04-30T17:35:34.083" v="2902" actId="21"/>
-          <ac:cxnSpMkLst>
-            <pc:docMk/>
-            <pc:sldMk cId="587836252" sldId="284"/>
-            <ac:cxnSpMk id="15" creationId="{BC744BA8-C5D6-E1D2-2E10-3B10FD2910C8}"/>
-          </ac:cxnSpMkLst>
-        </pc:cxnChg>
-        <pc:cxnChg chg="add del mod">
-          <ac:chgData name="Scruel Tao" userId="5ea5c98d59b44d4b" providerId="LiveId" clId="{88D73D01-CABB-4B2D-80EC-648726E3C219}" dt="2023-04-30T17:35:35.788" v="2903" actId="21"/>
-          <ac:cxnSpMkLst>
-            <pc:docMk/>
-            <pc:sldMk cId="587836252" sldId="284"/>
-            <ac:cxnSpMk id="17" creationId="{8DA404D1-D015-9AEA-D85F-A63EA4FC580C}"/>
-          </ac:cxnSpMkLst>
-        </pc:cxnChg>
-      </pc:sldChg>
-      <pc:sldChg chg="addSp delSp modSp add del mod modClrScheme chgLayout">
-        <pc:chgData name="Scruel Tao" userId="5ea5c98d59b44d4b" providerId="LiveId" clId="{88D73D01-CABB-4B2D-80EC-648726E3C219}" dt="2023-04-26T09:46:22.271" v="2343" actId="47"/>
-        <pc:sldMkLst>
-          <pc:docMk/>
-          <pc:sldMk cId="1774767121" sldId="285"/>
-        </pc:sldMkLst>
-        <pc:spChg chg="mod ord">
-          <ac:chgData name="Scruel Tao" userId="5ea5c98d59b44d4b" providerId="LiveId" clId="{88D73D01-CABB-4B2D-80EC-648726E3C219}" dt="2023-04-26T09:44:52.526" v="2282"/>
-          <ac:spMkLst>
-            <pc:docMk/>
-            <pc:sldMk cId="1774767121" sldId="285"/>
-            <ac:spMk id="2" creationId="{BAD162F0-2175-84E9-2387-55F669162449}"/>
-          </ac:spMkLst>
-        </pc:spChg>
-        <pc:spChg chg="del mod ord">
-          <ac:chgData name="Scruel Tao" userId="5ea5c98d59b44d4b" providerId="LiveId" clId="{88D73D01-CABB-4B2D-80EC-648726E3C219}" dt="2023-04-26T08:59:08.110" v="309" actId="700"/>
-          <ac:spMkLst>
-            <pc:docMk/>
-            <pc:sldMk cId="1774767121" sldId="285"/>
-            <ac:spMk id="3" creationId="{0E2FC508-1AFD-A957-52F2-FA1DEF2A9D27}"/>
-          </ac:spMkLst>
-        </pc:spChg>
-        <pc:spChg chg="add mod ord">
-          <ac:chgData name="Scruel Tao" userId="5ea5c98d59b44d4b" providerId="LiveId" clId="{88D73D01-CABB-4B2D-80EC-648726E3C219}" dt="2023-04-26T08:59:08.110" v="309" actId="700"/>
-          <ac:spMkLst>
-            <pc:docMk/>
-            <pc:sldMk cId="1774767121" sldId="285"/>
-            <ac:spMk id="4" creationId="{A8729A87-597D-F8A5-FA4B-9A53ABB05769}"/>
-          </ac:spMkLst>
-        </pc:spChg>
-      </pc:sldChg>
-      <pc:sldChg chg="addSp delSp modSp add mod modTransition modAnim">
-        <pc:chgData name="Scruel Tao" userId="5ea5c98d59b44d4b" providerId="LiveId" clId="{88D73D01-CABB-4B2D-80EC-648726E3C219}" dt="2023-05-05T14:59:33.343" v="4422"/>
-        <pc:sldMkLst>
-          <pc:docMk/>
-          <pc:sldMk cId="3618025480" sldId="286"/>
-        </pc:sldMkLst>
-        <pc:spChg chg="mod">
-          <ac:chgData name="Scruel Tao" userId="5ea5c98d59b44d4b" providerId="LiveId" clId="{88D73D01-CABB-4B2D-80EC-648726E3C219}" dt="2023-04-26T08:55:46.727" v="78"/>
-          <ac:spMkLst>
-            <pc:docMk/>
-            <pc:sldMk cId="3618025480" sldId="286"/>
-            <ac:spMk id="2" creationId="{BAD162F0-2175-84E9-2387-55F669162449}"/>
-          </ac:spMkLst>
-        </pc:spChg>
-        <pc:spChg chg="mod">
-          <ac:chgData name="Scruel Tao" userId="5ea5c98d59b44d4b" providerId="LiveId" clId="{88D73D01-CABB-4B2D-80EC-648726E3C219}" dt="2023-05-01T09:23:05.787" v="3492" actId="20577"/>
-          <ac:spMkLst>
-            <pc:docMk/>
-            <pc:sldMk cId="3618025480" sldId="286"/>
-            <ac:spMk id="3" creationId="{0E2FC508-1AFD-A957-52F2-FA1DEF2A9D27}"/>
-          </ac:spMkLst>
-        </pc:spChg>
-        <pc:spChg chg="mod">
-          <ac:chgData name="Scruel Tao" userId="5ea5c98d59b44d4b" providerId="LiveId" clId="{88D73D01-CABB-4B2D-80EC-648726E3C219}" dt="2023-05-04T09:54:39.904" v="4310" actId="947"/>
-          <ac:spMkLst>
-            <pc:docMk/>
-            <pc:sldMk cId="3618025480" sldId="286"/>
-            <ac:spMk id="5" creationId="{B7A8CE03-6A77-60EC-056E-D7A0019640A3}"/>
-          </ac:spMkLst>
-        </pc:spChg>
-        <pc:spChg chg="add del mod">
-          <ac:chgData name="Scruel Tao" userId="5ea5c98d59b44d4b" providerId="LiveId" clId="{88D73D01-CABB-4B2D-80EC-648726E3C219}" dt="2023-04-30T16:34:31.753" v="2702" actId="21"/>
-          <ac:spMkLst>
-            <pc:docMk/>
-            <pc:sldMk cId="3618025480" sldId="286"/>
-            <ac:spMk id="6" creationId="{AEDF4E98-4C73-5D1D-E9CA-9CA75FC57374}"/>
-          </ac:spMkLst>
-        </pc:spChg>
-        <pc:spChg chg="mod">
-          <ac:chgData name="Scruel Tao" userId="5ea5c98d59b44d4b" providerId="LiveId" clId="{88D73D01-CABB-4B2D-80EC-648726E3C219}" dt="2023-04-30T16:34:37.382" v="2704" actId="1076"/>
-          <ac:spMkLst>
-            <pc:docMk/>
-            <pc:sldMk cId="3618025480" sldId="286"/>
-            <ac:spMk id="7" creationId="{12C899D8-51C5-D9B7-A323-E6EFE4AB5C33}"/>
-          </ac:spMkLst>
-        </pc:spChg>
-      </pc:sldChg>
-      <pc:sldChg chg="modSp add del mod">
-        <pc:chgData name="Scruel Tao" userId="5ea5c98d59b44d4b" providerId="LiveId" clId="{88D73D01-CABB-4B2D-80EC-648726E3C219}" dt="2023-04-26T09:07:11.328" v="701" actId="47"/>
-        <pc:sldMkLst>
-          <pc:docMk/>
-          <pc:sldMk cId="1430406189" sldId="287"/>
-        </pc:sldMkLst>
-        <pc:spChg chg="mod">
-          <ac:chgData name="Scruel Tao" userId="5ea5c98d59b44d4b" providerId="LiveId" clId="{88D73D01-CABB-4B2D-80EC-648726E3C219}" dt="2023-04-26T09:06:31.420" v="648" actId="20577"/>
-          <ac:spMkLst>
-            <pc:docMk/>
-            <pc:sldMk cId="1430406189" sldId="287"/>
-            <ac:spMk id="4" creationId="{85D6D174-6A04-9AED-7984-BD4330ED7E3A}"/>
-          </ac:spMkLst>
-        </pc:spChg>
-      </pc:sldChg>
-      <pc:sldChg chg="modSp add mod modTransition modAnim">
-        <pc:chgData name="Scruel Tao" userId="5ea5c98d59b44d4b" providerId="LiveId" clId="{88D73D01-CABB-4B2D-80EC-648726E3C219}" dt="2023-05-08T01:30:49.497" v="5976" actId="5793"/>
-        <pc:sldMkLst>
-          <pc:docMk/>
-          <pc:sldMk cId="2877461038" sldId="288"/>
-        </pc:sldMkLst>
-        <pc:spChg chg="mod">
-          <ac:chgData name="Scruel Tao" userId="5ea5c98d59b44d4b" providerId="LiveId" clId="{88D73D01-CABB-4B2D-80EC-648726E3C219}" dt="2023-04-26T09:10:33.967" v="824"/>
-          <ac:spMkLst>
-            <pc:docMk/>
-            <pc:sldMk cId="2877461038" sldId="288"/>
-            <ac:spMk id="2" creationId="{BAD162F0-2175-84E9-2387-55F669162449}"/>
-          </ac:spMkLst>
-        </pc:spChg>
-        <pc:spChg chg="mod">
-          <ac:chgData name="Scruel Tao" userId="5ea5c98d59b44d4b" providerId="LiveId" clId="{88D73D01-CABB-4B2D-80EC-648726E3C219}" dt="2023-05-08T01:30:49.497" v="5976" actId="5793"/>
-          <ac:spMkLst>
-            <pc:docMk/>
-            <pc:sldMk cId="2877461038" sldId="288"/>
-            <ac:spMk id="4" creationId="{85D6D174-6A04-9AED-7984-BD4330ED7E3A}"/>
-          </ac:spMkLst>
-        </pc:spChg>
-        <pc:spChg chg="mod">
-          <ac:chgData name="Scruel Tao" userId="5ea5c98d59b44d4b" providerId="LiveId" clId="{88D73D01-CABB-4B2D-80EC-648726E3C219}" dt="2023-04-29T18:19:58.150" v="2673" actId="14100"/>
-          <ac:spMkLst>
-            <pc:docMk/>
-            <pc:sldMk cId="2877461038" sldId="288"/>
-            <ac:spMk id="7" creationId="{12C899D8-51C5-D9B7-A323-E6EFE4AB5C33}"/>
-          </ac:spMkLst>
-        </pc:spChg>
-      </pc:sldChg>
-      <pc:sldChg chg="modSp add mod modTransition modAnim">
-        <pc:chgData name="Scruel Tao" userId="5ea5c98d59b44d4b" providerId="LiveId" clId="{88D73D01-CABB-4B2D-80EC-648726E3C219}" dt="2023-05-08T01:30:59.834" v="5981"/>
-        <pc:sldMkLst>
-          <pc:docMk/>
-          <pc:sldMk cId="348119642" sldId="289"/>
-        </pc:sldMkLst>
-        <pc:spChg chg="mod">
-          <ac:chgData name="Scruel Tao" userId="5ea5c98d59b44d4b" providerId="LiveId" clId="{88D73D01-CABB-4B2D-80EC-648726E3C219}" dt="2023-04-26T09:10:42.494" v="830"/>
-          <ac:spMkLst>
-            <pc:docMk/>
-            <pc:sldMk cId="348119642" sldId="289"/>
-            <ac:spMk id="2" creationId="{BAD162F0-2175-84E9-2387-55F669162449}"/>
-          </ac:spMkLst>
-        </pc:spChg>
-        <pc:spChg chg="mod">
-          <ac:chgData name="Scruel Tao" userId="5ea5c98d59b44d4b" providerId="LiveId" clId="{88D73D01-CABB-4B2D-80EC-648726E3C219}" dt="2023-05-08T01:30:59.834" v="5981"/>
-          <ac:spMkLst>
-            <pc:docMk/>
-            <pc:sldMk cId="348119642" sldId="289"/>
-            <ac:spMk id="4" creationId="{85D6D174-6A04-9AED-7984-BD4330ED7E3A}"/>
-          </ac:spMkLst>
-        </pc:spChg>
-        <pc:spChg chg="mod">
-          <ac:chgData name="Scruel Tao" userId="5ea5c98d59b44d4b" providerId="LiveId" clId="{88D73D01-CABB-4B2D-80EC-648726E3C219}" dt="2023-04-26T09:19:02.637" v="1129" actId="1076"/>
-          <ac:spMkLst>
-            <pc:docMk/>
-            <pc:sldMk cId="348119642" sldId="289"/>
-            <ac:spMk id="5" creationId="{B7A8CE03-6A77-60EC-056E-D7A0019640A3}"/>
-          </ac:spMkLst>
-        </pc:spChg>
-        <pc:spChg chg="mod">
-          <ac:chgData name="Scruel Tao" userId="5ea5c98d59b44d4b" providerId="LiveId" clId="{88D73D01-CABB-4B2D-80EC-648726E3C219}" dt="2023-04-29T18:20:36.028" v="2678" actId="14100"/>
-          <ac:spMkLst>
-            <pc:docMk/>
-            <pc:sldMk cId="348119642" sldId="289"/>
-            <ac:spMk id="7" creationId="{12C899D8-51C5-D9B7-A323-E6EFE4AB5C33}"/>
-          </ac:spMkLst>
-        </pc:spChg>
-      </pc:sldChg>
-      <pc:sldChg chg="addSp delSp modSp add mod modTransition delAnim modAnim">
-        <pc:chgData name="Scruel Tao" userId="5ea5c98d59b44d4b" providerId="LiveId" clId="{88D73D01-CABB-4B2D-80EC-648726E3C219}" dt="2023-05-08T01:31:03.910" v="5985"/>
-        <pc:sldMkLst>
-          <pc:docMk/>
-          <pc:sldMk cId="1685143547" sldId="290"/>
-        </pc:sldMkLst>
-        <pc:spChg chg="mod">
-          <ac:chgData name="Scruel Tao" userId="5ea5c98d59b44d4b" providerId="LiveId" clId="{88D73D01-CABB-4B2D-80EC-648726E3C219}" dt="2023-04-26T09:13:21.201" v="880"/>
-          <ac:spMkLst>
-            <pc:docMk/>
-            <pc:sldMk cId="1685143547" sldId="290"/>
-            <ac:spMk id="2" creationId="{BAD162F0-2175-84E9-2387-55F669162449}"/>
-          </ac:spMkLst>
-        </pc:spChg>
-        <pc:spChg chg="add mod">
-          <ac:chgData name="Scruel Tao" userId="5ea5c98d59b44d4b" providerId="LiveId" clId="{88D73D01-CABB-4B2D-80EC-648726E3C219}" dt="2023-04-29T18:20:24.280" v="2677"/>
-          <ac:spMkLst>
-            <pc:docMk/>
-            <pc:sldMk cId="1685143547" sldId="290"/>
-            <ac:spMk id="3" creationId="{A6880A42-6751-187F-0E58-18DA12F5EB9F}"/>
-          </ac:spMkLst>
-        </pc:spChg>
-        <pc:spChg chg="mod">
-          <ac:chgData name="Scruel Tao" userId="5ea5c98d59b44d4b" providerId="LiveId" clId="{88D73D01-CABB-4B2D-80EC-648726E3C219}" dt="2023-05-08T01:31:03.910" v="5985"/>
-          <ac:spMkLst>
-            <pc:docMk/>
-            <pc:sldMk cId="1685143547" sldId="290"/>
-            <ac:spMk id="4" creationId="{85D6D174-6A04-9AED-7984-BD4330ED7E3A}"/>
-          </ac:spMkLst>
-        </pc:spChg>
-        <pc:spChg chg="del mod">
-          <ac:chgData name="Scruel Tao" userId="5ea5c98d59b44d4b" providerId="LiveId" clId="{88D73D01-CABB-4B2D-80EC-648726E3C219}" dt="2023-04-29T18:20:20.273" v="2676" actId="21"/>
-          <ac:spMkLst>
-            <pc:docMk/>
-            <pc:sldMk cId="1685143547" sldId="290"/>
-            <ac:spMk id="5" creationId="{B7A8CE03-6A77-60EC-056E-D7A0019640A3}"/>
-          </ac:spMkLst>
-        </pc:spChg>
-        <pc:spChg chg="mod">
-          <ac:chgData name="Scruel Tao" userId="5ea5c98d59b44d4b" providerId="LiveId" clId="{88D73D01-CABB-4B2D-80EC-648726E3C219}" dt="2023-04-29T18:19:39.969" v="2670" actId="1076"/>
-          <ac:spMkLst>
-            <pc:docMk/>
-            <pc:sldMk cId="1685143547" sldId="290"/>
-            <ac:spMk id="7" creationId="{12C899D8-51C5-D9B7-A323-E6EFE4AB5C33}"/>
-          </ac:spMkLst>
-        </pc:spChg>
-      </pc:sldChg>
-      <pc:sldChg chg="modSp add mod modTransition modAnim">
-        <pc:chgData name="Scruel Tao" userId="5ea5c98d59b44d4b" providerId="LiveId" clId="{88D73D01-CABB-4B2D-80EC-648726E3C219}" dt="2023-05-08T01:31:08.632" v="5989"/>
-        <pc:sldMkLst>
-          <pc:docMk/>
-          <pc:sldMk cId="1485813308" sldId="291"/>
-        </pc:sldMkLst>
-        <pc:spChg chg="mod">
-          <ac:chgData name="Scruel Tao" userId="5ea5c98d59b44d4b" providerId="LiveId" clId="{88D73D01-CABB-4B2D-80EC-648726E3C219}" dt="2023-04-26T09:16:53.596" v="1071"/>
-          <ac:spMkLst>
-            <pc:docMk/>
-            <pc:sldMk cId="1485813308" sldId="291"/>
-            <ac:spMk id="2" creationId="{BAD162F0-2175-84E9-2387-55F669162449}"/>
-          </ac:spMkLst>
-        </pc:spChg>
-        <pc:spChg chg="mod">
-          <ac:chgData name="Scruel Tao" userId="5ea5c98d59b44d4b" providerId="LiveId" clId="{88D73D01-CABB-4B2D-80EC-648726E3C219}" dt="2023-05-08T01:31:08.632" v="5989"/>
-          <ac:spMkLst>
-            <pc:docMk/>
-            <pc:sldMk cId="1485813308" sldId="291"/>
-            <ac:spMk id="4" creationId="{85D6D174-6A04-9AED-7984-BD4330ED7E3A}"/>
-          </ac:spMkLst>
-        </pc:spChg>
-        <pc:spChg chg="mod">
-          <ac:chgData name="Scruel Tao" userId="5ea5c98d59b44d4b" providerId="LiveId" clId="{88D73D01-CABB-4B2D-80EC-648726E3C219}" dt="2023-04-26T09:16:40.908" v="1067" actId="1076"/>
-          <ac:spMkLst>
-            <pc:docMk/>
-            <pc:sldMk cId="1485813308" sldId="291"/>
-            <ac:spMk id="5" creationId="{B7A8CE03-6A77-60EC-056E-D7A0019640A3}"/>
-          </ac:spMkLst>
-        </pc:spChg>
-        <pc:spChg chg="mod">
-          <ac:chgData name="Scruel Tao" userId="5ea5c98d59b44d4b" providerId="LiveId" clId="{88D73D01-CABB-4B2D-80EC-648726E3C219}" dt="2023-04-29T18:11:18.357" v="2651" actId="113"/>
-          <ac:spMkLst>
-            <pc:docMk/>
-            <pc:sldMk cId="1485813308" sldId="291"/>
-            <ac:spMk id="7" creationId="{12C899D8-51C5-D9B7-A323-E6EFE4AB5C33}"/>
-          </ac:spMkLst>
-        </pc:spChg>
-      </pc:sldChg>
-      <pc:sldChg chg="modSp add mod modTransition modAnim modNotesTx">
-        <pc:chgData name="Scruel Tao" userId="5ea5c98d59b44d4b" providerId="LiveId" clId="{88D73D01-CABB-4B2D-80EC-648726E3C219}" dt="2023-05-08T01:31:13.544" v="5993"/>
-        <pc:sldMkLst>
-          <pc:docMk/>
-          <pc:sldMk cId="3821772885" sldId="292"/>
-        </pc:sldMkLst>
-        <pc:spChg chg="mod">
-          <ac:chgData name="Scruel Tao" userId="5ea5c98d59b44d4b" providerId="LiveId" clId="{88D73D01-CABB-4B2D-80EC-648726E3C219}" dt="2023-04-26T09:17:03.202" v="1077" actId="20577"/>
-          <ac:spMkLst>
-            <pc:docMk/>
-            <pc:sldMk cId="3821772885" sldId="292"/>
-            <ac:spMk id="2" creationId="{BAD162F0-2175-84E9-2387-55F669162449}"/>
-          </ac:spMkLst>
-        </pc:spChg>
-        <pc:spChg chg="mod">
-          <ac:chgData name="Scruel Tao" userId="5ea5c98d59b44d4b" providerId="LiveId" clId="{88D73D01-CABB-4B2D-80EC-648726E3C219}" dt="2023-05-08T01:31:13.544" v="5993"/>
-          <ac:spMkLst>
-            <pc:docMk/>
-            <pc:sldMk cId="3821772885" sldId="292"/>
-            <ac:spMk id="4" creationId="{85D6D174-6A04-9AED-7984-BD4330ED7E3A}"/>
-          </ac:spMkLst>
-        </pc:spChg>
-        <pc:spChg chg="mod">
-          <ac:chgData name="Scruel Tao" userId="5ea5c98d59b44d4b" providerId="LiveId" clId="{88D73D01-CABB-4B2D-80EC-648726E3C219}" dt="2023-05-06T10:06:51.336" v="4502" actId="1076"/>
-          <ac:spMkLst>
-            <pc:docMk/>
-            <pc:sldMk cId="3821772885" sldId="292"/>
-            <ac:spMk id="5" creationId="{B7A8CE03-6A77-60EC-056E-D7A0019640A3}"/>
-          </ac:spMkLst>
-        </pc:spChg>
-        <pc:spChg chg="mod">
-          <ac:chgData name="Scruel Tao" userId="5ea5c98d59b44d4b" providerId="LiveId" clId="{88D73D01-CABB-4B2D-80EC-648726E3C219}" dt="2023-05-06T10:06:38.573" v="4500" actId="20577"/>
-          <ac:spMkLst>
-            <pc:docMk/>
-            <pc:sldMk cId="3821772885" sldId="292"/>
-            <ac:spMk id="7" creationId="{12C899D8-51C5-D9B7-A323-E6EFE4AB5C33}"/>
-          </ac:spMkLst>
-        </pc:spChg>
-      </pc:sldChg>
-      <pc:sldChg chg="addSp delSp modSp add mod modTransition delAnim">
-        <pc:chgData name="Scruel Tao" userId="5ea5c98d59b44d4b" providerId="LiveId" clId="{88D73D01-CABB-4B2D-80EC-648726E3C219}" dt="2023-05-05T14:59:33.343" v="4422"/>
-        <pc:sldMkLst>
-          <pc:docMk/>
-          <pc:sldMk cId="2065461227" sldId="293"/>
-        </pc:sldMkLst>
-        <pc:spChg chg="mod">
-          <ac:chgData name="Scruel Tao" userId="5ea5c98d59b44d4b" providerId="LiveId" clId="{88D73D01-CABB-4B2D-80EC-648726E3C219}" dt="2023-04-26T09:21:02.860" v="1158"/>
-          <ac:spMkLst>
-            <pc:docMk/>
-            <pc:sldMk cId="2065461227" sldId="293"/>
-            <ac:spMk id="2" creationId="{BAD162F0-2175-84E9-2387-55F669162449}"/>
-          </ac:spMkLst>
-        </pc:spChg>
-        <pc:spChg chg="add mod">
-          <ac:chgData name="Scruel Tao" userId="5ea5c98d59b44d4b" providerId="LiveId" clId="{88D73D01-CABB-4B2D-80EC-648726E3C219}" dt="2023-04-29T18:11:07.779" v="2646" actId="113"/>
-          <ac:spMkLst>
-            <pc:docMk/>
-            <pc:sldMk cId="2065461227" sldId="293"/>
-            <ac:spMk id="3" creationId="{6161918E-4117-86BA-1348-EFDCE664B1EF}"/>
-          </ac:spMkLst>
-        </pc:spChg>
-        <pc:spChg chg="mod">
-          <ac:chgData name="Scruel Tao" userId="5ea5c98d59b44d4b" providerId="LiveId" clId="{88D73D01-CABB-4B2D-80EC-648726E3C219}" dt="2023-05-03T02:45:19.180" v="4057" actId="5793"/>
-          <ac:spMkLst>
-            <pc:docMk/>
-            <pc:sldMk cId="2065461227" sldId="293"/>
-            <ac:spMk id="4" creationId="{85D6D174-6A04-9AED-7984-BD4330ED7E3A}"/>
-          </ac:spMkLst>
-        </pc:spChg>
-        <pc:spChg chg="del">
-          <ac:chgData name="Scruel Tao" userId="5ea5c98d59b44d4b" providerId="LiveId" clId="{88D73D01-CABB-4B2D-80EC-648726E3C219}" dt="2023-04-26T09:24:34.514" v="1284" actId="478"/>
-          <ac:spMkLst>
-            <pc:docMk/>
-            <pc:sldMk cId="2065461227" sldId="293"/>
-            <ac:spMk id="5" creationId="{B7A8CE03-6A77-60EC-056E-D7A0019640A3}"/>
-          </ac:spMkLst>
-        </pc:spChg>
-        <pc:spChg chg="add del mod">
-          <ac:chgData name="Scruel Tao" userId="5ea5c98d59b44d4b" providerId="LiveId" clId="{88D73D01-CABB-4B2D-80EC-648726E3C219}" dt="2023-04-26T09:22:02.165" v="1164"/>
-          <ac:spMkLst>
-            <pc:docMk/>
-            <pc:sldMk cId="2065461227" sldId="293"/>
-            <ac:spMk id="6" creationId="{E44E8B36-6CC4-8694-3BD6-AA5FC778B064}"/>
-          </ac:spMkLst>
-        </pc:spChg>
-        <pc:spChg chg="mod">
-          <ac:chgData name="Scruel Tao" userId="5ea5c98d59b44d4b" providerId="LiveId" clId="{88D73D01-CABB-4B2D-80EC-648726E3C219}" dt="2023-04-29T18:11:11.543" v="2647"/>
-          <ac:spMkLst>
-            <pc:docMk/>
-            <pc:sldMk cId="2065461227" sldId="293"/>
-            <ac:spMk id="7" creationId="{12C899D8-51C5-D9B7-A323-E6EFE4AB5C33}"/>
-          </ac:spMkLst>
-        </pc:spChg>
-        <pc:spChg chg="add mod">
-          <ac:chgData name="Scruel Tao" userId="5ea5c98d59b44d4b" providerId="LiveId" clId="{88D73D01-CABB-4B2D-80EC-648726E3C219}" dt="2023-05-03T02:23:24.241" v="4055" actId="2711"/>
-          <ac:spMkLst>
-            <pc:docMk/>
-            <pc:sldMk cId="2065461227" sldId="293"/>
-            <ac:spMk id="9" creationId="{E08D2CD8-382B-DC0F-3A4E-1F4D30B0F2D1}"/>
-          </ac:spMkLst>
-        </pc:spChg>
-        <pc:spChg chg="add mod">
-          <ac:chgData name="Scruel Tao" userId="5ea5c98d59b44d4b" providerId="LiveId" clId="{88D73D01-CABB-4B2D-80EC-648726E3C219}" dt="2023-05-03T02:23:29.364" v="4056" actId="2711"/>
-          <ac:spMkLst>
-            <pc:docMk/>
-            <pc:sldMk cId="2065461227" sldId="293"/>
-            <ac:spMk id="11" creationId="{ACFAA2F2-2C12-2F3E-6F61-A2E4D3BBAF3C}"/>
-          </ac:spMkLst>
-        </pc:spChg>
-      </pc:sldChg>
-      <pc:sldChg chg="addSp delSp modSp add mod modTransition modAnim">
-        <pc:chgData name="Scruel Tao" userId="5ea5c98d59b44d4b" providerId="LiveId" clId="{88D73D01-CABB-4B2D-80EC-648726E3C219}" dt="2023-05-05T14:59:33.343" v="4422"/>
-        <pc:sldMkLst>
-          <pc:docMk/>
-          <pc:sldMk cId="1915997927" sldId="294"/>
-        </pc:sldMkLst>
-        <pc:spChg chg="mod">
-          <ac:chgData name="Scruel Tao" userId="5ea5c98d59b44d4b" providerId="LiveId" clId="{88D73D01-CABB-4B2D-80EC-648726E3C219}" dt="2023-04-26T09:26:35.093" v="1494" actId="20577"/>
-          <ac:spMkLst>
-            <pc:docMk/>
-            <pc:sldMk cId="1915997927" sldId="294"/>
-            <ac:spMk id="2" creationId="{BAD162F0-2175-84E9-2387-55F669162449}"/>
-          </ac:spMkLst>
-        </pc:spChg>
-        <pc:spChg chg="del">
-          <ac:chgData name="Scruel Tao" userId="5ea5c98d59b44d4b" providerId="LiveId" clId="{88D73D01-CABB-4B2D-80EC-648726E3C219}" dt="2023-04-26T09:37:02.376" v="1988" actId="478"/>
-          <ac:spMkLst>
-            <pc:docMk/>
-            <pc:sldMk cId="1915997927" sldId="294"/>
-            <ac:spMk id="3" creationId="{6161918E-4117-86BA-1348-EFDCE664B1EF}"/>
-          </ac:spMkLst>
-        </pc:spChg>
-        <pc:spChg chg="mod">
-          <ac:chgData name="Scruel Tao" userId="5ea5c98d59b44d4b" providerId="LiveId" clId="{88D73D01-CABB-4B2D-80EC-648726E3C219}" dt="2023-05-03T02:22:54.232" v="4052" actId="113"/>
-          <ac:spMkLst>
-            <pc:docMk/>
-            <pc:sldMk cId="1915997927" sldId="294"/>
-            <ac:spMk id="4" creationId="{85D6D174-6A04-9AED-7984-BD4330ED7E3A}"/>
-          </ac:spMkLst>
-        </pc:spChg>
-        <pc:spChg chg="add mod">
-          <ac:chgData name="Scruel Tao" userId="5ea5c98d59b44d4b" providerId="LiveId" clId="{88D73D01-CABB-4B2D-80EC-648726E3C219}" dt="2023-05-03T12:52:19.065" v="4125" actId="207"/>
-          <ac:spMkLst>
-            <pc:docMk/>
-            <pc:sldMk cId="1915997927" sldId="294"/>
-            <ac:spMk id="5" creationId="{4B3FACC7-2E92-1DB1-1018-0263AD342247}"/>
-          </ac:spMkLst>
-        </pc:spChg>
-        <pc:spChg chg="mod">
-          <ac:chgData name="Scruel Tao" userId="5ea5c98d59b44d4b" providerId="LiveId" clId="{88D73D01-CABB-4B2D-80EC-648726E3C219}" dt="2023-04-29T18:11:35.970" v="2654" actId="113"/>
-          <ac:spMkLst>
-            <pc:docMk/>
-            <pc:sldMk cId="1915997927" sldId="294"/>
-            <ac:spMk id="7" creationId="{12C899D8-51C5-D9B7-A323-E6EFE4AB5C33}"/>
-          </ac:spMkLst>
-        </pc:spChg>
-        <pc:spChg chg="del">
-          <ac:chgData name="Scruel Tao" userId="5ea5c98d59b44d4b" providerId="LiveId" clId="{88D73D01-CABB-4B2D-80EC-648726E3C219}" dt="2023-04-26T09:37:41.485" v="2000" actId="478"/>
-          <ac:spMkLst>
-            <pc:docMk/>
-            <pc:sldMk cId="1915997927" sldId="294"/>
-            <ac:spMk id="9" creationId="{E08D2CD8-382B-DC0F-3A4E-1F4D30B0F2D1}"/>
-          </ac:spMkLst>
-        </pc:spChg>
-        <pc:spChg chg="del">
-          <ac:chgData name="Scruel Tao" userId="5ea5c98d59b44d4b" providerId="LiveId" clId="{88D73D01-CABB-4B2D-80EC-648726E3C219}" dt="2023-04-26T09:37:42.788" v="2001" actId="478"/>
-          <ac:spMkLst>
-            <pc:docMk/>
-            <pc:sldMk cId="1915997927" sldId="294"/>
-            <ac:spMk id="11" creationId="{ACFAA2F2-2C12-2F3E-6F61-A2E4D3BBAF3C}"/>
-          </ac:spMkLst>
-        </pc:spChg>
-      </pc:sldChg>
-      <pc:sldChg chg="addSp delSp modSp add mod modTransition delAnim modAnim modNotesTx">
-        <pc:chgData name="Scruel Tao" userId="5ea5c98d59b44d4b" providerId="LiveId" clId="{88D73D01-CABB-4B2D-80EC-648726E3C219}" dt="2023-05-06T10:22:43.987" v="5236" actId="478"/>
-        <pc:sldMkLst>
-          <pc:docMk/>
-          <pc:sldMk cId="1937024701" sldId="295"/>
-        </pc:sldMkLst>
-        <pc:spChg chg="mod">
-          <ac:chgData name="Scruel Tao" userId="5ea5c98d59b44d4b" providerId="LiveId" clId="{88D73D01-CABB-4B2D-80EC-648726E3C219}" dt="2023-05-06T10:19:53.302" v="5073" actId="20577"/>
-          <ac:spMkLst>
-            <pc:docMk/>
-            <pc:sldMk cId="1937024701" sldId="295"/>
-            <ac:spMk id="4" creationId="{85D6D174-6A04-9AED-7984-BD4330ED7E3A}"/>
-          </ac:spMkLst>
-        </pc:spChg>
-        <pc:spChg chg="del mod">
-          <ac:chgData name="Scruel Tao" userId="5ea5c98d59b44d4b" providerId="LiveId" clId="{88D73D01-CABB-4B2D-80EC-648726E3C219}" dt="2023-05-06T10:20:59.567" v="5178" actId="21"/>
-          <ac:spMkLst>
-            <pc:docMk/>
-            <pc:sldMk cId="1937024701" sldId="295"/>
-            <ac:spMk id="5" creationId="{4B3FACC7-2E92-1DB1-1018-0263AD342247}"/>
-          </ac:spMkLst>
-        </pc:spChg>
-        <pc:spChg chg="del mod">
-          <ac:chgData name="Scruel Tao" userId="5ea5c98d59b44d4b" providerId="LiveId" clId="{88D73D01-CABB-4B2D-80EC-648726E3C219}" dt="2023-05-06T10:22:43.987" v="5236" actId="478"/>
-          <ac:spMkLst>
-            <pc:docMk/>
-            <pc:sldMk cId="1937024701" sldId="295"/>
-            <ac:spMk id="7" creationId="{12C899D8-51C5-D9B7-A323-E6EFE4AB5C33}"/>
-          </ac:spMkLst>
-        </pc:spChg>
-        <pc:cxnChg chg="add del mod">
-          <ac:chgData name="Scruel Tao" userId="5ea5c98d59b44d4b" providerId="LiveId" clId="{88D73D01-CABB-4B2D-80EC-648726E3C219}" dt="2023-05-06T10:15:22.925" v="4874" actId="21"/>
-          <ac:cxnSpMkLst>
-            <pc:docMk/>
-            <pc:sldMk cId="1937024701" sldId="295"/>
-            <ac:cxnSpMk id="6" creationId="{8DD8547B-651D-8B2E-1A48-B2E55E635FA7}"/>
-          </ac:cxnSpMkLst>
-        </pc:cxnChg>
-      </pc:sldChg>
-      <pc:sldChg chg="modSp add del mod">
-        <pc:chgData name="Scruel Tao" userId="5ea5c98d59b44d4b" providerId="LiveId" clId="{88D73D01-CABB-4B2D-80EC-648726E3C219}" dt="2023-04-26T09:47:57.021" v="2416" actId="2696"/>
-        <pc:sldMkLst>
-          <pc:docMk/>
-          <pc:sldMk cId="749947478" sldId="296"/>
-        </pc:sldMkLst>
-        <pc:spChg chg="mod">
-          <ac:chgData name="Scruel Tao" userId="5ea5c98d59b44d4b" providerId="LiveId" clId="{88D73D01-CABB-4B2D-80EC-648726E3C219}" dt="2023-04-26T09:45:04.423" v="2286"/>
-          <ac:spMkLst>
-            <pc:docMk/>
-            <pc:sldMk cId="749947478" sldId="296"/>
-            <ac:spMk id="2" creationId="{BAD162F0-2175-84E9-2387-55F669162449}"/>
-          </ac:spMkLst>
-        </pc:spChg>
-      </pc:sldChg>
-      <pc:sldChg chg="modSp add del mod">
-        <pc:chgData name="Scruel Tao" userId="5ea5c98d59b44d4b" providerId="LiveId" clId="{88D73D01-CABB-4B2D-80EC-648726E3C219}" dt="2023-04-26T09:48:15.363" v="2419" actId="2696"/>
-        <pc:sldMkLst>
-          <pc:docMk/>
-          <pc:sldMk cId="3393753264" sldId="297"/>
-        </pc:sldMkLst>
-        <pc:spChg chg="mod">
-          <ac:chgData name="Scruel Tao" userId="5ea5c98d59b44d4b" providerId="LiveId" clId="{88D73D01-CABB-4B2D-80EC-648726E3C219}" dt="2023-04-26T09:45:17.420" v="2290"/>
-          <ac:spMkLst>
-            <pc:docMk/>
-            <pc:sldMk cId="3393753264" sldId="297"/>
-            <ac:spMk id="2" creationId="{BAD162F0-2175-84E9-2387-55F669162449}"/>
-          </ac:spMkLst>
-        </pc:spChg>
-        <pc:spChg chg="mod">
-          <ac:chgData name="Scruel Tao" userId="5ea5c98d59b44d4b" providerId="LiveId" clId="{88D73D01-CABB-4B2D-80EC-648726E3C219}" dt="2023-04-26T09:46:14.704" v="2339" actId="20577"/>
-          <ac:spMkLst>
-            <pc:docMk/>
-            <pc:sldMk cId="3393753264" sldId="297"/>
-            <ac:spMk id="4" creationId="{A8729A87-597D-F8A5-FA4B-9A53ABB05769}"/>
-          </ac:spMkLst>
-        </pc:spChg>
-        <pc:spChg chg="mod">
-          <ac:chgData name="Scruel Tao" userId="5ea5c98d59b44d4b" providerId="LiveId" clId="{88D73D01-CABB-4B2D-80EC-648726E3C219}" dt="2023-04-26T09:45:53.859" v="2297" actId="1076"/>
-          <ac:spMkLst>
-            <pc:docMk/>
-            <pc:sldMk cId="3393753264" sldId="297"/>
-            <ac:spMk id="7" creationId="{12C899D8-51C5-D9B7-A323-E6EFE4AB5C33}"/>
-          </ac:spMkLst>
-        </pc:spChg>
-      </pc:sldChg>
-      <pc:sldChg chg="addSp modSp add mod ord modTransition modAnim modNotesTx">
-        <pc:chgData name="Scruel Tao" userId="5ea5c98d59b44d4b" providerId="LiveId" clId="{88D73D01-CABB-4B2D-80EC-648726E3C219}" dt="2023-05-06T03:52:09.847" v="4475"/>
-        <pc:sldMkLst>
-          <pc:docMk/>
-          <pc:sldMk cId="1877091463" sldId="298"/>
-        </pc:sldMkLst>
-        <pc:spChg chg="mod">
-          <ac:chgData name="Scruel Tao" userId="5ea5c98d59b44d4b" providerId="LiveId" clId="{88D73D01-CABB-4B2D-80EC-648726E3C219}" dt="2023-04-26T09:46:24.820" v="2344"/>
-          <ac:spMkLst>
-            <pc:docMk/>
-            <pc:sldMk cId="1877091463" sldId="298"/>
-            <ac:spMk id="2" creationId="{BAD162F0-2175-84E9-2387-55F669162449}"/>
-          </ac:spMkLst>
-        </pc:spChg>
-        <pc:spChg chg="add mod">
-          <ac:chgData name="Scruel Tao" userId="5ea5c98d59b44d4b" providerId="LiveId" clId="{88D73D01-CABB-4B2D-80EC-648726E3C219}" dt="2023-05-06T03:52:06.220" v="4473" actId="14100"/>
-          <ac:spMkLst>
-            <pc:docMk/>
-            <pc:sldMk cId="1877091463" sldId="298"/>
-            <ac:spMk id="3" creationId="{1226AE05-381E-07B9-F66E-CC6235D17313}"/>
-          </ac:spMkLst>
-        </pc:spChg>
-        <pc:spChg chg="mod">
-          <ac:chgData name="Scruel Tao" userId="5ea5c98d59b44d4b" providerId="LiveId" clId="{88D73D01-CABB-4B2D-80EC-648726E3C219}" dt="2023-05-03T02:45:25.928" v="4058" actId="5793"/>
-          <ac:spMkLst>
-            <pc:docMk/>
-            <pc:sldMk cId="1877091463" sldId="298"/>
-            <ac:spMk id="4" creationId="{A8729A87-597D-F8A5-FA4B-9A53ABB05769}"/>
-          </ac:spMkLst>
-        </pc:spChg>
-        <pc:spChg chg="mod">
-          <ac:chgData name="Scruel Tao" userId="5ea5c98d59b44d4b" providerId="LiveId" clId="{88D73D01-CABB-4B2D-80EC-648726E3C219}" dt="2023-04-26T09:47:17.949" v="2400" actId="14100"/>
-          <ac:spMkLst>
-            <pc:docMk/>
-            <pc:sldMk cId="1877091463" sldId="298"/>
-            <ac:spMk id="5" creationId="{B7A8CE03-6A77-60EC-056E-D7A0019640A3}"/>
-          </ac:spMkLst>
-        </pc:spChg>
-        <pc:spChg chg="mod">
-          <ac:chgData name="Scruel Tao" userId="5ea5c98d59b44d4b" providerId="LiveId" clId="{88D73D01-CABB-4B2D-80EC-648726E3C219}" dt="2023-04-29T18:12:05.924" v="2663" actId="113"/>
-          <ac:spMkLst>
-            <pc:docMk/>
-            <pc:sldMk cId="1877091463" sldId="298"/>
-            <ac:spMk id="7" creationId="{12C899D8-51C5-D9B7-A323-E6EFE4AB5C33}"/>
-          </ac:spMkLst>
-        </pc:spChg>
-      </pc:sldChg>
-      <pc:sldChg chg="addSp delSp modSp add mod modTransition delAnim modAnim modNotesTx">
-        <pc:chgData name="Scruel Tao" userId="5ea5c98d59b44d4b" providerId="LiveId" clId="{88D73D01-CABB-4B2D-80EC-648726E3C219}" dt="2023-05-05T16:31:55.622" v="4468" actId="20577"/>
-        <pc:sldMkLst>
-          <pc:docMk/>
-          <pc:sldMk cId="3690737645" sldId="299"/>
-        </pc:sldMkLst>
-        <pc:spChg chg="mod">
-          <ac:chgData name="Scruel Tao" userId="5ea5c98d59b44d4b" providerId="LiveId" clId="{88D73D01-CABB-4B2D-80EC-648726E3C219}" dt="2023-04-26T09:48:25.692" v="2420" actId="20577"/>
-          <ac:spMkLst>
-            <pc:docMk/>
-            <pc:sldMk cId="3690737645" sldId="299"/>
-            <ac:spMk id="2" creationId="{BAD162F0-2175-84E9-2387-55F669162449}"/>
-          </ac:spMkLst>
-        </pc:spChg>
-        <pc:spChg chg="add del mod">
-          <ac:chgData name="Scruel Tao" userId="5ea5c98d59b44d4b" providerId="LiveId" clId="{88D73D01-CABB-4B2D-80EC-648726E3C219}" dt="2023-05-01T13:46:12.614" v="3846" actId="478"/>
-          <ac:spMkLst>
-            <pc:docMk/>
-            <pc:sldMk cId="3690737645" sldId="299"/>
-            <ac:spMk id="3" creationId="{7E49B1C0-55DA-B300-490F-82C8CB51DD16}"/>
-          </ac:spMkLst>
-        </pc:spChg>
-        <pc:spChg chg="mod">
-          <ac:chgData name="Scruel Tao" userId="5ea5c98d59b44d4b" providerId="LiveId" clId="{88D73D01-CABB-4B2D-80EC-648726E3C219}" dt="2023-05-03T02:45:26.793" v="4059" actId="5793"/>
-          <ac:spMkLst>
-            <pc:docMk/>
-            <pc:sldMk cId="3690737645" sldId="299"/>
-            <ac:spMk id="4" creationId="{A8729A87-597D-F8A5-FA4B-9A53ABB05769}"/>
-          </ac:spMkLst>
-        </pc:spChg>
-        <pc:spChg chg="mod">
-          <ac:chgData name="Scruel Tao" userId="5ea5c98d59b44d4b" providerId="LiveId" clId="{88D73D01-CABB-4B2D-80EC-648726E3C219}" dt="2023-05-01T13:45:43.318" v="3841" actId="1076"/>
-          <ac:spMkLst>
-            <pc:docMk/>
-            <pc:sldMk cId="3690737645" sldId="299"/>
-            <ac:spMk id="5" creationId="{B7A8CE03-6A77-60EC-056E-D7A0019640A3}"/>
-          </ac:spMkLst>
-        </pc:spChg>
-        <pc:spChg chg="add mod">
-          <ac:chgData name="Scruel Tao" userId="5ea5c98d59b44d4b" providerId="LiveId" clId="{88D73D01-CABB-4B2D-80EC-648726E3C219}" dt="2023-05-01T13:46:17.494" v="3849" actId="1038"/>
-          <ac:spMkLst>
-            <pc:docMk/>
-            <pc:sldMk cId="3690737645" sldId="299"/>
-            <ac:spMk id="6" creationId="{9558DF9E-DBDC-9969-D142-F5FE785F300E}"/>
-          </ac:spMkLst>
-        </pc:spChg>
-        <pc:spChg chg="mod">
-          <ac:chgData name="Scruel Tao" userId="5ea5c98d59b44d4b" providerId="LiveId" clId="{88D73D01-CABB-4B2D-80EC-648726E3C219}" dt="2023-05-01T13:45:41.289" v="3840" actId="1076"/>
-          <ac:spMkLst>
-            <pc:docMk/>
-            <pc:sldMk cId="3690737645" sldId="299"/>
-            <ac:spMk id="7" creationId="{12C899D8-51C5-D9B7-A323-E6EFE4AB5C33}"/>
-          </ac:spMkLst>
-        </pc:spChg>
-        <pc:spChg chg="add mod">
-          <ac:chgData name="Scruel Tao" userId="5ea5c98d59b44d4b" providerId="LiveId" clId="{88D73D01-CABB-4B2D-80EC-648726E3C219}" dt="2023-05-01T13:46:21.375" v="3850" actId="1076"/>
-          <ac:spMkLst>
-            <pc:docMk/>
-            <pc:sldMk cId="3690737645" sldId="299"/>
-            <ac:spMk id="8" creationId="{80A85D88-CBBF-E591-A75C-E5C10B0DD5F1}"/>
-          </ac:spMkLst>
-        </pc:spChg>
-      </pc:sldChg>
-      <pc:sldChg chg="addSp delSp modSp add mod modTransition delAnim modAnim modNotesTx">
-        <pc:chgData name="Scruel Tao" userId="5ea5c98d59b44d4b" providerId="LiveId" clId="{88D73D01-CABB-4B2D-80EC-648726E3C219}" dt="2023-05-05T14:59:33.343" v="4422"/>
-        <pc:sldMkLst>
-          <pc:docMk/>
-          <pc:sldMk cId="3466020836" sldId="300"/>
-        </pc:sldMkLst>
-        <pc:spChg chg="mod">
-          <ac:chgData name="Scruel Tao" userId="5ea5c98d59b44d4b" providerId="LiveId" clId="{88D73D01-CABB-4B2D-80EC-648726E3C219}" dt="2023-04-26T09:48:32.508" v="2422"/>
-          <ac:spMkLst>
-            <pc:docMk/>
-            <pc:sldMk cId="3466020836" sldId="300"/>
-            <ac:spMk id="2" creationId="{BAD162F0-2175-84E9-2387-55F669162449}"/>
-          </ac:spMkLst>
-        </pc:spChg>
-        <pc:spChg chg="add del mod">
-          <ac:chgData name="Scruel Tao" userId="5ea5c98d59b44d4b" providerId="LiveId" clId="{88D73D01-CABB-4B2D-80EC-648726E3C219}" dt="2023-05-01T13:51:09.841" v="3947" actId="21"/>
-          <ac:spMkLst>
-            <pc:docMk/>
-            <pc:sldMk cId="3466020836" sldId="300"/>
-            <ac:spMk id="3" creationId="{3582DCCD-854D-FFAC-5FCD-D309DDC9FA2E}"/>
-          </ac:spMkLst>
-        </pc:spChg>
-        <pc:spChg chg="add del mod">
-          <ac:chgData name="Scruel Tao" userId="5ea5c98d59b44d4b" providerId="LiveId" clId="{88D73D01-CABB-4B2D-80EC-648726E3C219}" dt="2023-04-26T09:54:57.958" v="2599" actId="21"/>
-          <ac:spMkLst>
-            <pc:docMk/>
-            <pc:sldMk cId="3466020836" sldId="300"/>
-            <ac:spMk id="3" creationId="{6D534F35-9D9D-39E7-D401-825A0475250F}"/>
-          </ac:spMkLst>
-        </pc:spChg>
-        <pc:spChg chg="mod">
-          <ac:chgData name="Scruel Tao" userId="5ea5c98d59b44d4b" providerId="LiveId" clId="{88D73D01-CABB-4B2D-80EC-648726E3C219}" dt="2023-05-03T02:45:27.675" v="4060" actId="5793"/>
-          <ac:spMkLst>
-            <pc:docMk/>
-            <pc:sldMk cId="3466020836" sldId="300"/>
-            <ac:spMk id="4" creationId="{A8729A87-597D-F8A5-FA4B-9A53ABB05769}"/>
-          </ac:spMkLst>
-        </pc:spChg>
-        <pc:spChg chg="add del mod">
-          <ac:chgData name="Scruel Tao" userId="5ea5c98d59b44d4b" providerId="LiveId" clId="{88D73D01-CABB-4B2D-80EC-648726E3C219}" dt="2023-05-01T13:51:09.841" v="3947" actId="21"/>
-          <ac:spMkLst>
-            <pc:docMk/>
-            <pc:sldMk cId="3466020836" sldId="300"/>
-            <ac:spMk id="5" creationId="{A60E2775-3E9E-E228-883B-C145AE0AD99C}"/>
-          </ac:spMkLst>
-        </pc:spChg>
-        <pc:spChg chg="del">
-          <ac:chgData name="Scruel Tao" userId="5ea5c98d59b44d4b" providerId="LiveId" clId="{88D73D01-CABB-4B2D-80EC-648726E3C219}" dt="2023-04-26T09:54:22.405" v="2592" actId="478"/>
-          <ac:spMkLst>
-            <pc:docMk/>
-            <pc:sldMk cId="3466020836" sldId="300"/>
-            <ac:spMk id="5" creationId="{B7A8CE03-6A77-60EC-056E-D7A0019640A3}"/>
-          </ac:spMkLst>
-        </pc:spChg>
-        <pc:spChg chg="add del mod">
-          <ac:chgData name="Scruel Tao" userId="5ea5c98d59b44d4b" providerId="LiveId" clId="{88D73D01-CABB-4B2D-80EC-648726E3C219}" dt="2023-05-01T13:48:49.268" v="3891" actId="478"/>
-          <ac:spMkLst>
-            <pc:docMk/>
-            <pc:sldMk cId="3466020836" sldId="300"/>
-            <ac:spMk id="6" creationId="{5A0CF9C0-4BEE-6A42-A1A5-10454583A2EA}"/>
-          </ac:spMkLst>
-        </pc:spChg>
-        <pc:spChg chg="mod">
-          <ac:chgData name="Scruel Tao" userId="5ea5c98d59b44d4b" providerId="LiveId" clId="{88D73D01-CABB-4B2D-80EC-648726E3C219}" dt="2023-05-01T13:51:19.360" v="3948" actId="1076"/>
-          <ac:spMkLst>
-            <pc:docMk/>
-            <pc:sldMk cId="3466020836" sldId="300"/>
-            <ac:spMk id="7" creationId="{12C899D8-51C5-D9B7-A323-E6EFE4AB5C33}"/>
-          </ac:spMkLst>
-        </pc:spChg>
-      </pc:sldChg>
-      <pc:sldChg chg="add del">
-        <pc:chgData name="Scruel Tao" userId="5ea5c98d59b44d4b" providerId="LiveId" clId="{88D73D01-CABB-4B2D-80EC-648726E3C219}" dt="2023-04-26T09:48:34.256" v="2423" actId="47"/>
-        <pc:sldMkLst>
-          <pc:docMk/>
-          <pc:sldMk cId="609854546" sldId="301"/>
-        </pc:sldMkLst>
-      </pc:sldChg>
-      <pc:sldChg chg="addSp delSp modSp add del mod delAnim">
-        <pc:chgData name="Scruel Tao" userId="5ea5c98d59b44d4b" providerId="LiveId" clId="{88D73D01-CABB-4B2D-80EC-648726E3C219}" dt="2023-04-30T17:53:55.378" v="3358" actId="47"/>
-        <pc:sldMkLst>
-          <pc:docMk/>
-          <pc:sldMk cId="2686343367" sldId="301"/>
-        </pc:sldMkLst>
-        <pc:spChg chg="del">
-          <ac:chgData name="Scruel Tao" userId="5ea5c98d59b44d4b" providerId="LiveId" clId="{88D73D01-CABB-4B2D-80EC-648726E3C219}" dt="2023-04-26T09:53:32.524" v="2562" actId="21"/>
-          <ac:spMkLst>
-            <pc:docMk/>
-            <pc:sldMk cId="2686343367" sldId="301"/>
-            <ac:spMk id="3" creationId="{6D534F35-9D9D-39E7-D401-825A0475250F}"/>
-          </ac:spMkLst>
-        </pc:spChg>
-        <pc:spChg chg="mod">
-          <ac:chgData name="Scruel Tao" userId="5ea5c98d59b44d4b" providerId="LiveId" clId="{88D73D01-CABB-4B2D-80EC-648726E3C219}" dt="2023-04-26T09:55:27.370" v="2609"/>
-          <ac:spMkLst>
-            <pc:docMk/>
-            <pc:sldMk cId="2686343367" sldId="301"/>
-            <ac:spMk id="4" creationId="{A8729A87-597D-F8A5-FA4B-9A53ABB05769}"/>
-          </ac:spMkLst>
-        </pc:spChg>
-        <pc:spChg chg="del mod">
-          <ac:chgData name="Scruel Tao" userId="5ea5c98d59b44d4b" providerId="LiveId" clId="{88D73D01-CABB-4B2D-80EC-648726E3C219}" dt="2023-04-26T09:55:16.748" v="2606" actId="21"/>
-          <ac:spMkLst>
-            <pc:docMk/>
-            <pc:sldMk cId="2686343367" sldId="301"/>
-            <ac:spMk id="5" creationId="{B7A8CE03-6A77-60EC-056E-D7A0019640A3}"/>
-          </ac:spMkLst>
-        </pc:spChg>
-        <pc:spChg chg="add mod">
-          <ac:chgData name="Scruel Tao" userId="5ea5c98d59b44d4b" providerId="LiveId" clId="{88D73D01-CABB-4B2D-80EC-648726E3C219}" dt="2023-04-29T18:12:11.220" v="2666" actId="113"/>
-          <ac:spMkLst>
-            <pc:docMk/>
-            <pc:sldMk cId="2686343367" sldId="301"/>
-            <ac:spMk id="6" creationId="{96E40A6E-E2C7-A8E8-BC3B-0C034B391FDD}"/>
-          </ac:spMkLst>
-        </pc:spChg>
-        <pc:spChg chg="del">
-          <ac:chgData name="Scruel Tao" userId="5ea5c98d59b44d4b" providerId="LiveId" clId="{88D73D01-CABB-4B2D-80EC-648726E3C219}" dt="2023-04-26T09:53:31.626" v="2561" actId="21"/>
-          <ac:spMkLst>
-            <pc:docMk/>
-            <pc:sldMk cId="2686343367" sldId="301"/>
-            <ac:spMk id="7" creationId="{12C899D8-51C5-D9B7-A323-E6EFE4AB5C33}"/>
-          </ac:spMkLst>
-        </pc:spChg>
-      </pc:sldChg>
-      <pc:sldChg chg="delSp modSp add del mod">
-        <pc:chgData name="Scruel Tao" userId="5ea5c98d59b44d4b" providerId="LiveId" clId="{88D73D01-CABB-4B2D-80EC-648726E3C219}" dt="2023-04-30T17:55:19.916" v="3368" actId="47"/>
-        <pc:sldMkLst>
-          <pc:docMk/>
-          <pc:sldMk cId="1645371285" sldId="302"/>
-        </pc:sldMkLst>
-        <pc:spChg chg="mod">
-          <ac:chgData name="Scruel Tao" userId="5ea5c98d59b44d4b" providerId="LiveId" clId="{88D73D01-CABB-4B2D-80EC-648726E3C219}" dt="2023-04-26T09:55:29.640" v="2610"/>
-          <ac:spMkLst>
-            <pc:docMk/>
-            <pc:sldMk cId="1645371285" sldId="302"/>
-            <ac:spMk id="4" creationId="{A8729A87-597D-F8A5-FA4B-9A53ABB05769}"/>
-          </ac:spMkLst>
-        </pc:spChg>
-        <pc:spChg chg="mod">
-          <ac:chgData name="Scruel Tao" userId="5ea5c98d59b44d4b" providerId="LiveId" clId="{88D73D01-CABB-4B2D-80EC-648726E3C219}" dt="2023-04-26T09:55:22.535" v="2608" actId="1076"/>
-          <ac:spMkLst>
-            <pc:docMk/>
-            <pc:sldMk cId="1645371285" sldId="302"/>
-            <ac:spMk id="5" creationId="{B7A8CE03-6A77-60EC-056E-D7A0019640A3}"/>
-          </ac:spMkLst>
-        </pc:spChg>
-        <pc:spChg chg="del">
-          <ac:chgData name="Scruel Tao" userId="5ea5c98d59b44d4b" providerId="LiveId" clId="{88D73D01-CABB-4B2D-80EC-648726E3C219}" dt="2023-04-26T09:55:19.313" v="2607" actId="21"/>
-          <ac:spMkLst>
-            <pc:docMk/>
-            <pc:sldMk cId="1645371285" sldId="302"/>
-            <ac:spMk id="6" creationId="{96E40A6E-E2C7-A8E8-BC3B-0C034B391FDD}"/>
-          </ac:spMkLst>
-        </pc:spChg>
-      </pc:sldChg>
-      <pc:sldChg chg="addSp delSp modSp add mod modTransition delAnim">
-        <pc:chgData name="Scruel Tao" userId="5ea5c98d59b44d4b" providerId="LiveId" clId="{88D73D01-CABB-4B2D-80EC-648726E3C219}" dt="2023-05-05T14:59:33.343" v="4422"/>
-        <pc:sldMkLst>
-          <pc:docMk/>
-          <pc:sldMk cId="4005172658" sldId="303"/>
-        </pc:sldMkLst>
-        <pc:spChg chg="add del mod">
-          <ac:chgData name="Scruel Tao" userId="5ea5c98d59b44d4b" providerId="LiveId" clId="{88D73D01-CABB-4B2D-80EC-648726E3C219}" dt="2023-04-30T17:07:35.632" v="2726" actId="478"/>
-          <ac:spMkLst>
-            <pc:docMk/>
-            <pc:sldMk cId="4005172658" sldId="303"/>
-            <ac:spMk id="3" creationId="{0E2FC508-1AFD-A957-52F2-FA1DEF2A9D27}"/>
-          </ac:spMkLst>
-        </pc:spChg>
-        <pc:spChg chg="del">
-          <ac:chgData name="Scruel Tao" userId="5ea5c98d59b44d4b" providerId="LiveId" clId="{88D73D01-CABB-4B2D-80EC-648726E3C219}" dt="2023-04-30T17:06:55.678" v="2710" actId="478"/>
-          <ac:spMkLst>
-            <pc:docMk/>
-            <pc:sldMk cId="4005172658" sldId="303"/>
-            <ac:spMk id="5" creationId="{B7A8CE03-6A77-60EC-056E-D7A0019640A3}"/>
-          </ac:spMkLst>
-        </pc:spChg>
-        <pc:spChg chg="del mod">
-          <ac:chgData name="Scruel Tao" userId="5ea5c98d59b44d4b" providerId="LiveId" clId="{88D73D01-CABB-4B2D-80EC-648726E3C219}" dt="2023-04-30T17:06:54.841" v="2709" actId="478"/>
-          <ac:spMkLst>
-            <pc:docMk/>
-            <pc:sldMk cId="4005172658" sldId="303"/>
-            <ac:spMk id="7" creationId="{12C899D8-51C5-D9B7-A323-E6EFE4AB5C33}"/>
-          </ac:spMkLst>
-        </pc:spChg>
-        <pc:spChg chg="add mod">
-          <ac:chgData name="Scruel Tao" userId="5ea5c98d59b44d4b" providerId="LiveId" clId="{88D73D01-CABB-4B2D-80EC-648726E3C219}" dt="2023-04-30T17:25:20.630" v="2785" actId="21"/>
-          <ac:spMkLst>
-            <pc:docMk/>
-            <pc:sldMk cId="4005172658" sldId="303"/>
-            <ac:spMk id="14" creationId="{0E3316AF-03D2-E954-8D9C-19BFF8D01C35}"/>
-          </ac:spMkLst>
-        </pc:spChg>
-        <pc:spChg chg="add del mod">
-          <ac:chgData name="Scruel Tao" userId="5ea5c98d59b44d4b" providerId="LiveId" clId="{88D73D01-CABB-4B2D-80EC-648726E3C219}" dt="2023-04-30T17:17:43.400" v="2767" actId="21"/>
-          <ac:spMkLst>
-            <pc:docMk/>
-            <pc:sldMk cId="4005172658" sldId="303"/>
-            <ac:spMk id="15" creationId="{B86710B8-8E24-3096-1823-5BC0A6C16F23}"/>
-          </ac:spMkLst>
-        </pc:spChg>
-        <pc:picChg chg="add del mod">
-          <ac:chgData name="Scruel Tao" userId="5ea5c98d59b44d4b" providerId="LiveId" clId="{88D73D01-CABB-4B2D-80EC-648726E3C219}" dt="2023-04-30T17:07:10.637" v="2716" actId="21"/>
-          <ac:picMkLst>
-            <pc:docMk/>
-            <pc:sldMk cId="4005172658" sldId="303"/>
-            <ac:picMk id="6" creationId="{F565E68C-0CEE-A04A-671B-03DB47E0C6F5}"/>
-          </ac:picMkLst>
-        </pc:picChg>
-        <pc:picChg chg="add del mod ord">
-          <ac:chgData name="Scruel Tao" userId="5ea5c98d59b44d4b" providerId="LiveId" clId="{88D73D01-CABB-4B2D-80EC-648726E3C219}" dt="2023-04-30T17:07:32.222" v="2725" actId="22"/>
-          <ac:picMkLst>
-            <pc:docMk/>
-            <pc:sldMk cId="4005172658" sldId="303"/>
-            <ac:picMk id="9" creationId="{A615F8B8-143C-45E2-C75D-730EBD2E4B7C}"/>
-          </ac:picMkLst>
-        </pc:picChg>
-        <pc:picChg chg="add del mod">
-          <ac:chgData name="Scruel Tao" userId="5ea5c98d59b44d4b" providerId="LiveId" clId="{88D73D01-CABB-4B2D-80EC-648726E3C219}" dt="2023-04-30T17:14:16.240" v="2734" actId="21"/>
-          <ac:picMkLst>
-            <pc:docMk/>
-            <pc:sldMk cId="4005172658" sldId="303"/>
-            <ac:picMk id="11" creationId="{D3C63D22-ED70-BC91-005E-CFE848BA4AF5}"/>
-          </ac:picMkLst>
-        </pc:picChg>
-        <pc:picChg chg="add del mod">
-          <ac:chgData name="Scruel Tao" userId="5ea5c98d59b44d4b" providerId="LiveId" clId="{88D73D01-CABB-4B2D-80EC-648726E3C219}" dt="2023-04-30T17:25:22.374" v="2786" actId="478"/>
-          <ac:picMkLst>
-            <pc:docMk/>
-            <pc:sldMk cId="4005172658" sldId="303"/>
-            <ac:picMk id="13" creationId="{1FDF7BE3-899F-35AE-FB9D-5F8091A8E461}"/>
-          </ac:picMkLst>
-        </pc:picChg>
-        <pc:picChg chg="add mod">
-          <ac:chgData name="Scruel Tao" userId="5ea5c98d59b44d4b" providerId="LiveId" clId="{88D73D01-CABB-4B2D-80EC-648726E3C219}" dt="2023-04-30T17:25:49.168" v="2800" actId="1036"/>
-          <ac:picMkLst>
-            <pc:docMk/>
-            <pc:sldMk cId="4005172658" sldId="303"/>
-            <ac:picMk id="17" creationId="{B4BA9574-9B96-B884-236F-FE5B9F192448}"/>
-          </ac:picMkLst>
-        </pc:picChg>
-      </pc:sldChg>
-      <pc:sldChg chg="addSp delSp modSp add del mod modTransition">
-        <pc:chgData name="Scruel Tao" userId="5ea5c98d59b44d4b" providerId="LiveId" clId="{88D73D01-CABB-4B2D-80EC-648726E3C219}" dt="2023-05-06T21:07:39.913" v="5888" actId="47"/>
-        <pc:sldMkLst>
-          <pc:docMk/>
-          <pc:sldMk cId="2904614809" sldId="304"/>
-        </pc:sldMkLst>
-        <pc:spChg chg="add del">
-          <ac:chgData name="Scruel Tao" userId="5ea5c98d59b44d4b" providerId="LiveId" clId="{88D73D01-CABB-4B2D-80EC-648726E3C219}" dt="2023-05-06T20:59:14.766" v="5770" actId="22"/>
-          <ac:spMkLst>
-            <pc:docMk/>
-            <pc:sldMk cId="2904614809" sldId="304"/>
-            <ac:spMk id="4" creationId="{4BD13178-00F2-52DB-BDA7-D53E6A1DAA64}"/>
-          </ac:spMkLst>
-        </pc:spChg>
-        <pc:spChg chg="add del">
-          <ac:chgData name="Scruel Tao" userId="5ea5c98d59b44d4b" providerId="LiveId" clId="{88D73D01-CABB-4B2D-80EC-648726E3C219}" dt="2023-05-06T21:02:48.602" v="5799" actId="22"/>
-          <ac:spMkLst>
-            <pc:docMk/>
-            <pc:sldMk cId="2904614809" sldId="304"/>
-            <ac:spMk id="15" creationId="{A837DDAD-95CE-417C-0C9A-28A5813F9745}"/>
-          </ac:spMkLst>
-        </pc:spChg>
-        <pc:spChg chg="add del">
-          <ac:chgData name="Scruel Tao" userId="5ea5c98d59b44d4b" providerId="LiveId" clId="{88D73D01-CABB-4B2D-80EC-648726E3C219}" dt="2023-05-06T21:03:06.579" v="5804" actId="22"/>
-          <ac:spMkLst>
-            <pc:docMk/>
-            <pc:sldMk cId="2904614809" sldId="304"/>
-            <ac:spMk id="20" creationId="{C3B19355-9CDD-AB83-B52C-BDB364B40561}"/>
-          </ac:spMkLst>
-        </pc:spChg>
-        <pc:picChg chg="add del mod">
-          <ac:chgData name="Scruel Tao" userId="5ea5c98d59b44d4b" providerId="LiveId" clId="{88D73D01-CABB-4B2D-80EC-648726E3C219}" dt="2023-05-06T21:00:21.409" v="5784" actId="21"/>
-          <ac:picMkLst>
-            <pc:docMk/>
-            <pc:sldMk cId="2904614809" sldId="304"/>
-            <ac:picMk id="6" creationId="{5C4F9057-7536-57A2-F29B-861865706BFC}"/>
-          </ac:picMkLst>
-        </pc:picChg>
-        <pc:picChg chg="add mod">
-          <ac:chgData name="Scruel Tao" userId="5ea5c98d59b44d4b" providerId="LiveId" clId="{88D73D01-CABB-4B2D-80EC-648726E3C219}" dt="2023-05-06T21:04:57.208" v="5853" actId="1035"/>
-          <ac:picMkLst>
-            <pc:docMk/>
-            <pc:sldMk cId="2904614809" sldId="304"/>
-            <ac:picMk id="8" creationId="{8AB5090F-5018-48C0-EBF4-ED6B0DBB8E37}"/>
-          </ac:picMkLst>
-        </pc:picChg>
-        <pc:picChg chg="add del mod">
-          <ac:chgData name="Scruel Tao" userId="5ea5c98d59b44d4b" providerId="LiveId" clId="{88D73D01-CABB-4B2D-80EC-648726E3C219}" dt="2023-05-06T21:02:46.868" v="5797" actId="478"/>
-          <ac:picMkLst>
-            <pc:docMk/>
-            <pc:sldMk cId="2904614809" sldId="304"/>
-            <ac:picMk id="10" creationId="{4AEF12E1-0C3C-CCF5-4389-965AF8B4FE21}"/>
-          </ac:picMkLst>
-        </pc:picChg>
-        <pc:picChg chg="add del mod">
-          <ac:chgData name="Scruel Tao" userId="5ea5c98d59b44d4b" providerId="LiveId" clId="{88D73D01-CABB-4B2D-80EC-648726E3C219}" dt="2023-05-06T21:01:02.155" v="5794" actId="21"/>
-          <ac:picMkLst>
-            <pc:docMk/>
-            <pc:sldMk cId="2904614809" sldId="304"/>
-            <ac:picMk id="11" creationId="{93A7E669-6699-DCB8-A0BE-DFE699276A6C}"/>
-          </ac:picMkLst>
-        </pc:picChg>
-        <pc:picChg chg="del">
-          <ac:chgData name="Scruel Tao" userId="5ea5c98d59b44d4b" providerId="LiveId" clId="{88D73D01-CABB-4B2D-80EC-648726E3C219}" dt="2023-05-06T20:59:34.858" v="5776" actId="21"/>
-          <ac:picMkLst>
-            <pc:docMk/>
-            <pc:sldMk cId="2904614809" sldId="304"/>
-            <ac:picMk id="13" creationId="{1FDF7BE3-899F-35AE-FB9D-5F8091A8E461}"/>
-          </ac:picMkLst>
-        </pc:picChg>
-        <pc:picChg chg="mod">
-          <ac:chgData name="Scruel Tao" userId="5ea5c98d59b44d4b" providerId="LiveId" clId="{88D73D01-CABB-4B2D-80EC-648726E3C219}" dt="2023-04-30T17:25:37.227" v="2799" actId="1035"/>
-          <ac:picMkLst>
-            <pc:docMk/>
-            <pc:sldMk cId="2904614809" sldId="304"/>
-            <ac:picMk id="17" creationId="{B4BA9574-9B96-B884-236F-FE5B9F192448}"/>
-          </ac:picMkLst>
-        </pc:picChg>
-        <pc:picChg chg="add mod">
-          <ac:chgData name="Scruel Tao" userId="5ea5c98d59b44d4b" providerId="LiveId" clId="{88D73D01-CABB-4B2D-80EC-648726E3C219}" dt="2023-05-06T21:04:57.208" v="5853" actId="1035"/>
-          <ac:picMkLst>
-            <pc:docMk/>
-            <pc:sldMk cId="2904614809" sldId="304"/>
-            <ac:picMk id="18" creationId="{25B4A285-7F44-C972-3812-DD190DC73F65}"/>
-          </ac:picMkLst>
-        </pc:picChg>
-        <pc:picChg chg="add mod">
-          <ac:chgData name="Scruel Tao" userId="5ea5c98d59b44d4b" providerId="LiveId" clId="{88D73D01-CABB-4B2D-80EC-648726E3C219}" dt="2023-05-06T21:04:57.208" v="5853" actId="1035"/>
-          <ac:picMkLst>
-            <pc:docMk/>
-            <pc:sldMk cId="2904614809" sldId="304"/>
-            <ac:picMk id="22" creationId="{3A55B12E-91EC-DC60-A02F-622D42775EFC}"/>
-          </ac:picMkLst>
-        </pc:picChg>
-        <pc:picChg chg="add del mod">
-          <ac:chgData name="Scruel Tao" userId="5ea5c98d59b44d4b" providerId="LiveId" clId="{88D73D01-CABB-4B2D-80EC-648726E3C219}" dt="2023-05-06T21:05:06.961" v="5862" actId="21"/>
-          <ac:picMkLst>
-            <pc:docMk/>
-            <pc:sldMk cId="2904614809" sldId="304"/>
-            <ac:picMk id="24" creationId="{B299B1EC-1ACF-C4FC-CE97-D8A4F4C2ADE6}"/>
-          </ac:picMkLst>
-        </pc:picChg>
-      </pc:sldChg>
-      <pc:sldChg chg="modSp add mod ord modTransition">
-        <pc:chgData name="Scruel Tao" userId="5ea5c98d59b44d4b" providerId="LiveId" clId="{88D73D01-CABB-4B2D-80EC-648726E3C219}" dt="2023-05-05T14:59:33.343" v="4422"/>
-        <pc:sldMkLst>
-          <pc:docMk/>
-          <pc:sldMk cId="126184490" sldId="305"/>
-        </pc:sldMkLst>
-        <pc:spChg chg="mod">
-          <ac:chgData name="Scruel Tao" userId="5ea5c98d59b44d4b" providerId="LiveId" clId="{88D73D01-CABB-4B2D-80EC-648726E3C219}" dt="2023-05-01T13:34:40.825" v="3560" actId="20577"/>
-          <ac:spMkLst>
-            <pc:docMk/>
-            <pc:sldMk cId="126184490" sldId="305"/>
-            <ac:spMk id="2" creationId="{BAD162F0-2175-84E9-2387-55F669162449}"/>
-          </ac:spMkLst>
-        </pc:spChg>
-        <pc:spChg chg="mod">
-          <ac:chgData name="Scruel Tao" userId="5ea5c98d59b44d4b" providerId="LiveId" clId="{88D73D01-CABB-4B2D-80EC-648726E3C219}" dt="2023-05-01T13:34:23.020" v="3554" actId="21"/>
-          <ac:spMkLst>
-            <pc:docMk/>
-            <pc:sldMk cId="126184490" sldId="305"/>
-            <ac:spMk id="4" creationId="{01B48343-3D1C-FDA9-2DD5-C88222E962F2}"/>
-          </ac:spMkLst>
-        </pc:spChg>
-        <pc:spChg chg="mod">
-          <ac:chgData name="Scruel Tao" userId="5ea5c98d59b44d4b" providerId="LiveId" clId="{88D73D01-CABB-4B2D-80EC-648726E3C219}" dt="2023-05-01T13:35:01.954" v="3568" actId="21"/>
-          <ac:spMkLst>
-            <pc:docMk/>
-            <pc:sldMk cId="126184490" sldId="305"/>
-            <ac:spMk id="5" creationId="{B7A8CE03-6A77-60EC-056E-D7A0019640A3}"/>
-          </ac:spMkLst>
-        </pc:spChg>
-        <pc:spChg chg="mod">
-          <ac:chgData name="Scruel Tao" userId="5ea5c98d59b44d4b" providerId="LiveId" clId="{88D73D01-CABB-4B2D-80EC-648726E3C219}" dt="2023-05-01T13:34:58.738" v="3566" actId="21"/>
-          <ac:spMkLst>
-            <pc:docMk/>
-            <pc:sldMk cId="126184490" sldId="305"/>
-            <ac:spMk id="7" creationId="{12C899D8-51C5-D9B7-A323-E6EFE4AB5C33}"/>
-          </ac:spMkLst>
-        </pc:spChg>
-      </pc:sldChg>
-      <pc:sldChg chg="modSp add del mod modAnim">
-        <pc:chgData name="Scruel Tao" userId="5ea5c98d59b44d4b" providerId="LiveId" clId="{88D73D01-CABB-4B2D-80EC-648726E3C219}" dt="2023-04-30T17:27:14.869" v="2812" actId="47"/>
-        <pc:sldMkLst>
-          <pc:docMk/>
-          <pc:sldMk cId="3117374983" sldId="305"/>
-        </pc:sldMkLst>
-        <pc:spChg chg="mod">
-          <ac:chgData name="Scruel Tao" userId="5ea5c98d59b44d4b" providerId="LiveId" clId="{88D73D01-CABB-4B2D-80EC-648726E3C219}" dt="2023-04-30T17:26:28.979" v="2805" actId="113"/>
-          <ac:spMkLst>
-            <pc:docMk/>
-            <pc:sldMk cId="3117374983" sldId="305"/>
-            <ac:spMk id="4" creationId="{85D6D174-6A04-9AED-7984-BD4330ED7E3A}"/>
-          </ac:spMkLst>
-        </pc:spChg>
-      </pc:sldChg>
-      <pc:sldChg chg="modSp add mod modTransition modAnim">
-        <pc:chgData name="Scruel Tao" userId="5ea5c98d59b44d4b" providerId="LiveId" clId="{88D73D01-CABB-4B2D-80EC-648726E3C219}" dt="2023-05-05T14:59:33.343" v="4422"/>
-        <pc:sldMkLst>
-          <pc:docMk/>
-          <pc:sldMk cId="2742842729" sldId="306"/>
-        </pc:sldMkLst>
-        <pc:spChg chg="mod">
-          <ac:chgData name="Scruel Tao" userId="5ea5c98d59b44d4b" providerId="LiveId" clId="{88D73D01-CABB-4B2D-80EC-648726E3C219}" dt="2023-05-01T13:39:51.539" v="3751"/>
-          <ac:spMkLst>
-            <pc:docMk/>
-            <pc:sldMk cId="2742842729" sldId="306"/>
-            <ac:spMk id="2" creationId="{BAD162F0-2175-84E9-2387-55F669162449}"/>
-          </ac:spMkLst>
-        </pc:spChg>
-        <pc:spChg chg="mod">
-          <ac:chgData name="Scruel Tao" userId="5ea5c98d59b44d4b" providerId="LiveId" clId="{88D73D01-CABB-4B2D-80EC-648726E3C219}" dt="2023-05-01T13:41:00.638" v="3798" actId="20577"/>
-          <ac:spMkLst>
-            <pc:docMk/>
-            <pc:sldMk cId="2742842729" sldId="306"/>
-            <ac:spMk id="5" creationId="{B7A8CE03-6A77-60EC-056E-D7A0019640A3}"/>
-          </ac:spMkLst>
-        </pc:spChg>
-        <pc:spChg chg="mod">
-          <ac:chgData name="Scruel Tao" userId="5ea5c98d59b44d4b" providerId="LiveId" clId="{88D73D01-CABB-4B2D-80EC-648726E3C219}" dt="2023-05-03T14:54:28.453" v="4130" actId="207"/>
-          <ac:spMkLst>
-            <pc:docMk/>
-            <pc:sldMk cId="2742842729" sldId="306"/>
-            <ac:spMk id="7" creationId="{12C899D8-51C5-D9B7-A323-E6EFE4AB5C33}"/>
-          </ac:spMkLst>
-        </pc:spChg>
-      </pc:sldChg>
-      <pc:sldChg chg="addSp delSp modSp add mod modTransition modAnim">
-        <pc:chgData name="Scruel Tao" userId="5ea5c98d59b44d4b" providerId="LiveId" clId="{88D73D01-CABB-4B2D-80EC-648726E3C219}" dt="2023-05-06T03:52:01.685" v="4472"/>
-        <pc:sldMkLst>
-          <pc:docMk/>
-          <pc:sldMk cId="1966825670" sldId="307"/>
-        </pc:sldMkLst>
-        <pc:spChg chg="mod">
-          <ac:chgData name="Scruel Tao" userId="5ea5c98d59b44d4b" providerId="LiveId" clId="{88D73D01-CABB-4B2D-80EC-648726E3C219}" dt="2023-05-01T13:37:46.747" v="3697" actId="20577"/>
-          <ac:spMkLst>
-            <pc:docMk/>
-            <pc:sldMk cId="1966825670" sldId="307"/>
-            <ac:spMk id="2" creationId="{BAD162F0-2175-84E9-2387-55F669162449}"/>
-          </ac:spMkLst>
-        </pc:spChg>
-        <pc:spChg chg="add del mod">
-          <ac:chgData name="Scruel Tao" userId="5ea5c98d59b44d4b" providerId="LiveId" clId="{88D73D01-CABB-4B2D-80EC-648726E3C219}" dt="2023-05-01T13:39:32.162" v="3746" actId="21"/>
-          <ac:spMkLst>
-            <pc:docMk/>
-            <pc:sldMk cId="1966825670" sldId="307"/>
-            <ac:spMk id="3" creationId="{F2477069-A667-C3D0-B7FD-F2E8D83C6D3A}"/>
-          </ac:spMkLst>
-        </pc:spChg>
-        <pc:spChg chg="mod">
-          <ac:chgData name="Scruel Tao" userId="5ea5c98d59b44d4b" providerId="LiveId" clId="{88D73D01-CABB-4B2D-80EC-648726E3C219}" dt="2023-05-03T16:45:53.982" v="4302" actId="115"/>
-          <ac:spMkLst>
-            <pc:docMk/>
-            <pc:sldMk cId="1966825670" sldId="307"/>
-            <ac:spMk id="4" creationId="{01B48343-3D1C-FDA9-2DD5-C88222E962F2}"/>
-          </ac:spMkLst>
-        </pc:spChg>
-        <pc:spChg chg="mod">
-          <ac:chgData name="Scruel Tao" userId="5ea5c98d59b44d4b" providerId="LiveId" clId="{88D73D01-CABB-4B2D-80EC-648726E3C219}" dt="2023-05-01T13:41:45" v="3799" actId="20577"/>
-          <ac:spMkLst>
-            <pc:docMk/>
-            <pc:sldMk cId="1966825670" sldId="307"/>
-            <ac:spMk id="5" creationId="{B7A8CE03-6A77-60EC-056E-D7A0019640A3}"/>
-          </ac:spMkLst>
-        </pc:spChg>
-        <pc:spChg chg="add">
-          <ac:chgData name="Scruel Tao" userId="5ea5c98d59b44d4b" providerId="LiveId" clId="{88D73D01-CABB-4B2D-80EC-648726E3C219}" dt="2023-05-01T13:39:39.118" v="3747" actId="11529"/>
-          <ac:spMkLst>
-            <pc:docMk/>
-            <pc:sldMk cId="1966825670" sldId="307"/>
-            <ac:spMk id="6" creationId="{095BDCDC-C8E9-12DF-C5CE-151016E4FC92}"/>
-          </ac:spMkLst>
-        </pc:spChg>
-        <pc:spChg chg="mod">
-          <ac:chgData name="Scruel Tao" userId="5ea5c98d59b44d4b" providerId="LiveId" clId="{88D73D01-CABB-4B2D-80EC-648726E3C219}" dt="2023-05-03T14:54:02.061" v="4129" actId="207"/>
-          <ac:spMkLst>
-            <pc:docMk/>
-            <pc:sldMk cId="1966825670" sldId="307"/>
-            <ac:spMk id="7" creationId="{12C899D8-51C5-D9B7-A323-E6EFE4AB5C33}"/>
-          </ac:spMkLst>
-        </pc:spChg>
-      </pc:sldChg>
-      <pc:sldChg chg="addSp delSp modSp add mod modTransition delAnim modAnim modNotesTx">
-        <pc:chgData name="Scruel Tao" userId="5ea5c98d59b44d4b" providerId="LiveId" clId="{88D73D01-CABB-4B2D-80EC-648726E3C219}" dt="2023-05-05T14:59:33.343" v="4422"/>
-        <pc:sldMkLst>
-          <pc:docMk/>
-          <pc:sldMk cId="696613599" sldId="308"/>
-        </pc:sldMkLst>
-        <pc:spChg chg="del">
-          <ac:chgData name="Scruel Tao" userId="5ea5c98d59b44d4b" providerId="LiveId" clId="{88D73D01-CABB-4B2D-80EC-648726E3C219}" dt="2023-05-01T13:48:00.710" v="3879" actId="21"/>
-          <ac:spMkLst>
-            <pc:docMk/>
-            <pc:sldMk cId="696613599" sldId="308"/>
-            <ac:spMk id="3" creationId="{3582DCCD-854D-FFAC-5FCD-D309DDC9FA2E}"/>
-          </ac:spMkLst>
-        </pc:spChg>
-        <pc:spChg chg="mod">
-          <ac:chgData name="Scruel Tao" userId="5ea5c98d59b44d4b" providerId="LiveId" clId="{88D73D01-CABB-4B2D-80EC-648726E3C219}" dt="2023-05-03T02:45:28.695" v="4061" actId="5793"/>
-          <ac:spMkLst>
-            <pc:docMk/>
-            <pc:sldMk cId="696613599" sldId="308"/>
-            <ac:spMk id="4" creationId="{A8729A87-597D-F8A5-FA4B-9A53ABB05769}"/>
-          </ac:spMkLst>
-        </pc:spChg>
-        <pc:spChg chg="del">
-          <ac:chgData name="Scruel Tao" userId="5ea5c98d59b44d4b" providerId="LiveId" clId="{88D73D01-CABB-4B2D-80EC-648726E3C219}" dt="2023-05-01T13:48:01.523" v="3880" actId="21"/>
-          <ac:spMkLst>
-            <pc:docMk/>
-            <pc:sldMk cId="696613599" sldId="308"/>
-            <ac:spMk id="5" creationId="{A60E2775-3E9E-E228-883B-C145AE0AD99C}"/>
-          </ac:spMkLst>
-        </pc:spChg>
-        <pc:spChg chg="mod">
-          <ac:chgData name="Scruel Tao" userId="5ea5c98d59b44d4b" providerId="LiveId" clId="{88D73D01-CABB-4B2D-80EC-648726E3C219}" dt="2023-05-01T13:50:36.496" v="3937" actId="1038"/>
-          <ac:spMkLst>
-            <pc:docMk/>
-            <pc:sldMk cId="696613599" sldId="308"/>
-            <ac:spMk id="6" creationId="{5A0CF9C0-4BEE-6A42-A1A5-10454583A2EA}"/>
-          </ac:spMkLst>
-        </pc:spChg>
-        <pc:spChg chg="mod">
-          <ac:chgData name="Scruel Tao" userId="5ea5c98d59b44d4b" providerId="LiveId" clId="{88D73D01-CABB-4B2D-80EC-648726E3C219}" dt="2023-05-01T13:51:35.769" v="3950" actId="113"/>
-          <ac:spMkLst>
-            <pc:docMk/>
-            <pc:sldMk cId="696613599" sldId="308"/>
-            <ac:spMk id="7" creationId="{12C899D8-51C5-D9B7-A323-E6EFE4AB5C33}"/>
-          </ac:spMkLst>
-        </pc:spChg>
-        <pc:spChg chg="add mod">
-          <ac:chgData name="Scruel Tao" userId="5ea5c98d59b44d4b" providerId="LiveId" clId="{88D73D01-CABB-4B2D-80EC-648726E3C219}" dt="2023-05-01T13:52:28.183" v="3963" actId="1035"/>
-          <ac:spMkLst>
-            <pc:docMk/>
-            <pc:sldMk cId="696613599" sldId="308"/>
-            <ac:spMk id="8" creationId="{DAECFDA2-5344-F9B0-D4E5-659DEBAF6419}"/>
-          </ac:spMkLst>
-        </pc:spChg>
-        <pc:spChg chg="add mod">
-          <ac:chgData name="Scruel Tao" userId="5ea5c98d59b44d4b" providerId="LiveId" clId="{88D73D01-CABB-4B2D-80EC-648726E3C219}" dt="2023-05-01T13:52:32.847" v="3967" actId="1035"/>
-          <ac:spMkLst>
-            <pc:docMk/>
-            <pc:sldMk cId="696613599" sldId="308"/>
-            <ac:spMk id="9" creationId="{D0CAF910-89F4-141E-452C-CA0BB90553E5}"/>
-          </ac:spMkLst>
-        </pc:spChg>
-        <pc:spChg chg="add mod">
-          <ac:chgData name="Scruel Tao" userId="5ea5c98d59b44d4b" providerId="LiveId" clId="{88D73D01-CABB-4B2D-80EC-648726E3C219}" dt="2023-05-01T13:52:38.332" v="3984" actId="1036"/>
-          <ac:spMkLst>
-            <pc:docMk/>
-            <pc:sldMk cId="696613599" sldId="308"/>
-            <ac:spMk id="10" creationId="{5F665F6B-1FC1-77ED-2300-1816626FA5B2}"/>
-          </ac:spMkLst>
-        </pc:spChg>
-        <pc:spChg chg="add mod">
-          <ac:chgData name="Scruel Tao" userId="5ea5c98d59b44d4b" providerId="LiveId" clId="{88D73D01-CABB-4B2D-80EC-648726E3C219}" dt="2023-05-01T13:52:30.793" v="3966" actId="1035"/>
-          <ac:spMkLst>
-            <pc:docMk/>
-            <pc:sldMk cId="696613599" sldId="308"/>
-            <ac:spMk id="11" creationId="{D93C928E-F40A-A5A3-55E3-CFF6BDBD5DC0}"/>
-          </ac:spMkLst>
-        </pc:spChg>
-      </pc:sldChg>
-      <pc:sldChg chg="add del">
-        <pc:chgData name="Scruel Tao" userId="5ea5c98d59b44d4b" providerId="LiveId" clId="{88D73D01-CABB-4B2D-80EC-648726E3C219}" dt="2023-05-02T23:03:13.213" v="4040" actId="47"/>
-        <pc:sldMkLst>
-          <pc:docMk/>
-          <pc:sldMk cId="1599418885" sldId="309"/>
-        </pc:sldMkLst>
-      </pc:sldChg>
-      <pc:sldChg chg="modSp add del mod">
-        <pc:chgData name="Scruel Tao" userId="5ea5c98d59b44d4b" providerId="LiveId" clId="{88D73D01-CABB-4B2D-80EC-648726E3C219}" dt="2023-05-04T01:17:50.963" v="4307" actId="47"/>
-        <pc:sldMkLst>
-          <pc:docMk/>
-          <pc:sldMk cId="3161108256" sldId="310"/>
-        </pc:sldMkLst>
-        <pc:spChg chg="mod">
-          <ac:chgData name="Scruel Tao" userId="5ea5c98d59b44d4b" providerId="LiveId" clId="{88D73D01-CABB-4B2D-80EC-648726E3C219}" dt="2023-05-04T01:16:40.156" v="4305" actId="21"/>
-          <ac:spMkLst>
-            <pc:docMk/>
-            <pc:sldMk cId="3161108256" sldId="310"/>
-            <ac:spMk id="3" creationId="{AC7759D9-0BB4-08ED-8476-24F7D903D6DE}"/>
-          </ac:spMkLst>
-        </pc:spChg>
-      </pc:sldChg>
-      <pc:sldChg chg="add">
-        <pc:chgData name="Scruel Tao" userId="5ea5c98d59b44d4b" providerId="LiveId" clId="{88D73D01-CABB-4B2D-80EC-648726E3C219}" dt="2023-05-04T01:17:49.863" v="4306"/>
-        <pc:sldMkLst>
-          <pc:docMk/>
-          <pc:sldMk cId="1751938706" sldId="311"/>
-        </pc:sldMkLst>
-      </pc:sldChg>
-      <pc:sldChg chg="add del">
-        <pc:chgData name="Scruel Tao" userId="5ea5c98d59b44d4b" providerId="LiveId" clId="{88D73D01-CABB-4B2D-80EC-648726E3C219}" dt="2023-05-05T02:30:23.908" v="4418" actId="47"/>
-        <pc:sldMkLst>
-          <pc:docMk/>
-          <pc:sldMk cId="3161108256" sldId="363"/>
-        </pc:sldMkLst>
-      </pc:sldChg>
-      <pc:sldChg chg="add del">
-        <pc:chgData name="Scruel Tao" userId="5ea5c98d59b44d4b" providerId="LiveId" clId="{88D73D01-CABB-4B2D-80EC-648726E3C219}" dt="2023-05-04T18:24:01.597" v="4420" actId="47"/>
-        <pc:sldMkLst>
-          <pc:docMk/>
-          <pc:sldMk cId="2281300164" sldId="364"/>
-        </pc:sldMkLst>
-      </pc:sldChg>
-      <pc:sldChg chg="add modTransition">
-        <pc:chgData name="Scruel Tao" userId="5ea5c98d59b44d4b" providerId="LiveId" clId="{88D73D01-CABB-4B2D-80EC-648726E3C219}" dt="2023-05-05T14:59:33.343" v="4422"/>
-        <pc:sldMkLst>
-          <pc:docMk/>
-          <pc:sldMk cId="3625446739" sldId="366"/>
-        </pc:sldMkLst>
-      </pc:sldChg>
-      <pc:sldChg chg="modSp add del mod modAnim">
-        <pc:chgData name="Scruel Tao" userId="5ea5c98d59b44d4b" providerId="LiveId" clId="{88D73D01-CABB-4B2D-80EC-648726E3C219}" dt="2023-05-06T10:35:24.764" v="5602" actId="47"/>
-        <pc:sldMkLst>
-          <pc:docMk/>
-          <pc:sldMk cId="3721856918" sldId="367"/>
-        </pc:sldMkLst>
-        <pc:spChg chg="mod">
-          <ac:chgData name="Scruel Tao" userId="5ea5c98d59b44d4b" providerId="LiveId" clId="{88D73D01-CABB-4B2D-80EC-648726E3C219}" dt="2023-05-06T10:09:19.949" v="4581" actId="21"/>
-          <ac:spMkLst>
-            <pc:docMk/>
-            <pc:sldMk cId="3721856918" sldId="367"/>
-            <ac:spMk id="4" creationId="{85D6D174-6A04-9AED-7984-BD4330ED7E3A}"/>
-          </ac:spMkLst>
-        </pc:spChg>
-      </pc:sldChg>
-      <pc:sldChg chg="addSp delSp modSp add del mod delAnim modAnim modNotesTx">
-        <pc:chgData name="Scruel Tao" userId="5ea5c98d59b44d4b" providerId="LiveId" clId="{88D73D01-CABB-4B2D-80EC-648726E3C219}" dt="2023-05-06T10:35:18.897" v="5600" actId="47"/>
-        <pc:sldMkLst>
-          <pc:docMk/>
-          <pc:sldMk cId="627793953" sldId="368"/>
-        </pc:sldMkLst>
-        <pc:spChg chg="add mod">
-          <ac:chgData name="Scruel Tao" userId="5ea5c98d59b44d4b" providerId="LiveId" clId="{88D73D01-CABB-4B2D-80EC-648726E3C219}" dt="2023-05-06T10:13:03.982" v="4832" actId="6549"/>
-          <ac:spMkLst>
-            <pc:docMk/>
-            <pc:sldMk cId="627793953" sldId="368"/>
-            <ac:spMk id="3" creationId="{57367B0E-CD05-0F40-05C0-94309B557E74}"/>
-          </ac:spMkLst>
-        </pc:spChg>
-        <pc:spChg chg="mod">
-          <ac:chgData name="Scruel Tao" userId="5ea5c98d59b44d4b" providerId="LiveId" clId="{88D73D01-CABB-4B2D-80EC-648726E3C219}" dt="2023-05-06T10:12:50.017" v="4822" actId="403"/>
-          <ac:spMkLst>
-            <pc:docMk/>
-            <pc:sldMk cId="627793953" sldId="368"/>
-            <ac:spMk id="4" creationId="{85D6D174-6A04-9AED-7984-BD4330ED7E3A}"/>
-          </ac:spMkLst>
-        </pc:spChg>
-        <pc:spChg chg="del mod">
-          <ac:chgData name="Scruel Tao" userId="5ea5c98d59b44d4b" providerId="LiveId" clId="{88D73D01-CABB-4B2D-80EC-648726E3C219}" dt="2023-05-06T10:13:23.271" v="4837" actId="21"/>
-          <ac:spMkLst>
-            <pc:docMk/>
-            <pc:sldMk cId="627793953" sldId="368"/>
-            <ac:spMk id="5" creationId="{4B3FACC7-2E92-1DB1-1018-0263AD342247}"/>
-          </ac:spMkLst>
-        </pc:spChg>
-        <pc:spChg chg="add mod">
-          <ac:chgData name="Scruel Tao" userId="5ea5c98d59b44d4b" providerId="LiveId" clId="{88D73D01-CABB-4B2D-80EC-648726E3C219}" dt="2023-05-06T10:13:33.832" v="4850" actId="14100"/>
-          <ac:spMkLst>
-            <pc:docMk/>
-            <pc:sldMk cId="627793953" sldId="368"/>
-            <ac:spMk id="6" creationId="{3462DCDB-C482-BC4F-E1E5-E42E6CBCF835}"/>
-          </ac:spMkLst>
-        </pc:spChg>
-        <pc:spChg chg="del mod">
-          <ac:chgData name="Scruel Tao" userId="5ea5c98d59b44d4b" providerId="LiveId" clId="{88D73D01-CABB-4B2D-80EC-648726E3C219}" dt="2023-05-06T10:12:58.648" v="4823" actId="478"/>
-          <ac:spMkLst>
-            <pc:docMk/>
-            <pc:sldMk cId="627793953" sldId="368"/>
-            <ac:spMk id="7" creationId="{12C899D8-51C5-D9B7-A323-E6EFE4AB5C33}"/>
-          </ac:spMkLst>
-        </pc:spChg>
-      </pc:sldChg>
-      <pc:sldChg chg="delSp modSp add del mod addAnim delAnim modAnim">
-        <pc:chgData name="Scruel Tao" userId="5ea5c98d59b44d4b" providerId="LiveId" clId="{88D73D01-CABB-4B2D-80EC-648726E3C219}" dt="2023-05-06T10:35:15.387" v="5599" actId="47"/>
-        <pc:sldMkLst>
-          <pc:docMk/>
-          <pc:sldMk cId="3855342063" sldId="369"/>
-        </pc:sldMkLst>
-        <pc:spChg chg="mod">
-          <ac:chgData name="Scruel Tao" userId="5ea5c98d59b44d4b" providerId="LiveId" clId="{88D73D01-CABB-4B2D-80EC-648726E3C219}" dt="2023-05-06T10:18:58.231" v="5050" actId="21"/>
-          <ac:spMkLst>
-            <pc:docMk/>
-            <pc:sldMk cId="3855342063" sldId="369"/>
-            <ac:spMk id="4" creationId="{85D6D174-6A04-9AED-7984-BD4330ED7E3A}"/>
-          </ac:spMkLst>
-        </pc:spChg>
-        <pc:spChg chg="del">
-          <ac:chgData name="Scruel Tao" userId="5ea5c98d59b44d4b" providerId="LiveId" clId="{88D73D01-CABB-4B2D-80EC-648726E3C219}" dt="2023-05-06T10:19:04.081" v="5053" actId="478"/>
-          <ac:spMkLst>
-            <pc:docMk/>
-            <pc:sldMk cId="3855342063" sldId="369"/>
-            <ac:spMk id="5" creationId="{4B3FACC7-2E92-1DB1-1018-0263AD342247}"/>
-          </ac:spMkLst>
-        </pc:spChg>
-      </pc:sldChg>
-      <pc:sldChg chg="addSp delSp modSp add mod modTransition addAnim delAnim modAnim modNotesTx">
-        <pc:chgData name="Scruel Tao" userId="5ea5c98d59b44d4b" providerId="LiveId" clId="{88D73D01-CABB-4B2D-80EC-648726E3C219}" dt="2023-05-06T10:42:44.018" v="5743" actId="20577"/>
-        <pc:sldMkLst>
-          <pc:docMk/>
-          <pc:sldMk cId="4150484648" sldId="370"/>
-        </pc:sldMkLst>
-        <pc:spChg chg="add del mod">
-          <ac:chgData name="Scruel Tao" userId="5ea5c98d59b44d4b" providerId="LiveId" clId="{88D73D01-CABB-4B2D-80EC-648726E3C219}" dt="2023-05-06T10:21:27.068" v="5181" actId="21"/>
-          <ac:spMkLst>
-            <pc:docMk/>
-            <pc:sldMk cId="4150484648" sldId="370"/>
-            <ac:spMk id="3" creationId="{E936F911-9235-6C43-7507-2D38A70BA92D}"/>
-          </ac:spMkLst>
-        </pc:spChg>
-        <pc:spChg chg="mod">
-          <ac:chgData name="Scruel Tao" userId="5ea5c98d59b44d4b" providerId="LiveId" clId="{88D73D01-CABB-4B2D-80EC-648726E3C219}" dt="2023-05-06T10:25:06.042" v="5351"/>
-          <ac:spMkLst>
-            <pc:docMk/>
-            <pc:sldMk cId="4150484648" sldId="370"/>
-            <ac:spMk id="4" creationId="{85D6D174-6A04-9AED-7984-BD4330ED7E3A}"/>
-          </ac:spMkLst>
-        </pc:spChg>
-        <pc:spChg chg="del">
-          <ac:chgData name="Scruel Tao" userId="5ea5c98d59b44d4b" providerId="LiveId" clId="{88D73D01-CABB-4B2D-80EC-648726E3C219}" dt="2023-05-06T10:20:53.443" v="5177" actId="478"/>
-          <ac:spMkLst>
-            <pc:docMk/>
-            <pc:sldMk cId="4150484648" sldId="370"/>
-            <ac:spMk id="5" creationId="{4B3FACC7-2E92-1DB1-1018-0263AD342247}"/>
-          </ac:spMkLst>
-        </pc:spChg>
-        <pc:spChg chg="del mod">
-          <ac:chgData name="Scruel Tao" userId="5ea5c98d59b44d4b" providerId="LiveId" clId="{88D73D01-CABB-4B2D-80EC-648726E3C219}" dt="2023-05-06T10:30:56.492" v="5537" actId="21"/>
-          <ac:spMkLst>
-            <pc:docMk/>
-            <pc:sldMk cId="4150484648" sldId="370"/>
-            <ac:spMk id="7" creationId="{12C899D8-51C5-D9B7-A323-E6EFE4AB5C33}"/>
-          </ac:spMkLst>
-        </pc:spChg>
-        <pc:spChg chg="add mod">
-          <ac:chgData name="Scruel Tao" userId="5ea5c98d59b44d4b" providerId="LiveId" clId="{88D73D01-CABB-4B2D-80EC-648726E3C219}" dt="2023-05-06T10:31:03.175" v="5539" actId="1076"/>
-          <ac:spMkLst>
-            <pc:docMk/>
-            <pc:sldMk cId="4150484648" sldId="370"/>
-            <ac:spMk id="9" creationId="{670407E6-E283-A614-5A06-709337CEB40C}"/>
-          </ac:spMkLst>
-        </pc:spChg>
-        <pc:spChg chg="add del mod">
-          <ac:chgData name="Scruel Tao" userId="5ea5c98d59b44d4b" providerId="LiveId" clId="{88D73D01-CABB-4B2D-80EC-648726E3C219}" dt="2023-05-06T10:41:30.146" v="5728" actId="478"/>
-          <ac:spMkLst>
-            <pc:docMk/>
-            <pc:sldMk cId="4150484648" sldId="370"/>
-            <ac:spMk id="11" creationId="{B87EEE72-5E0E-7A6E-8F69-5EA5E24E559E}"/>
-          </ac:spMkLst>
-        </pc:spChg>
-        <pc:spChg chg="add del mod">
-          <ac:chgData name="Scruel Tao" userId="5ea5c98d59b44d4b" providerId="LiveId" clId="{88D73D01-CABB-4B2D-80EC-648726E3C219}" dt="2023-05-06T10:41:09.359" v="5722"/>
-          <ac:spMkLst>
-            <pc:docMk/>
-            <pc:sldMk cId="4150484648" sldId="370"/>
-            <ac:spMk id="12" creationId="{7306D7D8-1DD3-240F-E834-424432CB74D9}"/>
-          </ac:spMkLst>
-        </pc:spChg>
-        <pc:spChg chg="add mod">
-          <ac:chgData name="Scruel Tao" userId="5ea5c98d59b44d4b" providerId="LiveId" clId="{88D73D01-CABB-4B2D-80EC-648726E3C219}" dt="2023-05-06T10:42:44.018" v="5743" actId="20577"/>
-          <ac:spMkLst>
-            <pc:docMk/>
-            <pc:sldMk cId="4150484648" sldId="370"/>
-            <ac:spMk id="13" creationId="{79A8903A-1546-E48E-D310-9D962AFA78C2}"/>
-          </ac:spMkLst>
-        </pc:spChg>
-        <pc:cxnChg chg="add mod">
-          <ac:chgData name="Scruel Tao" userId="5ea5c98d59b44d4b" providerId="LiveId" clId="{88D73D01-CABB-4B2D-80EC-648726E3C219}" dt="2023-05-06T10:25:15.868" v="5357" actId="1037"/>
-          <ac:cxnSpMkLst>
-            <pc:docMk/>
-            <pc:sldMk cId="4150484648" sldId="370"/>
-            <ac:cxnSpMk id="8" creationId="{93293218-85A6-05CF-8833-ABF04B0CBBFB}"/>
-          </ac:cxnSpMkLst>
-        </pc:cxnChg>
-      </pc:sldChg>
-      <pc:sldChg chg="delSp add del mod delAnim">
-        <pc:chgData name="Scruel Tao" userId="5ea5c98d59b44d4b" providerId="LiveId" clId="{88D73D01-CABB-4B2D-80EC-648726E3C219}" dt="2023-05-06T10:23:15.533" v="5264" actId="47"/>
-        <pc:sldMkLst>
-          <pc:docMk/>
-          <pc:sldMk cId="706584052" sldId="371"/>
-        </pc:sldMkLst>
-        <pc:spChg chg="del">
-          <ac:chgData name="Scruel Tao" userId="5ea5c98d59b44d4b" providerId="LiveId" clId="{88D73D01-CABB-4B2D-80EC-648726E3C219}" dt="2023-05-06T10:22:54.183" v="5238" actId="21"/>
-          <ac:spMkLst>
-            <pc:docMk/>
-            <pc:sldMk cId="706584052" sldId="371"/>
-            <ac:spMk id="5" creationId="{4B3FACC7-2E92-1DB1-1018-0263AD342247}"/>
-          </ac:spMkLst>
-        </pc:spChg>
-      </pc:sldChg>
-      <pc:sldChg chg="addSp delSp modSp add mod modTransition delAnim modAnim modNotesTx">
-        <pc:chgData name="Scruel Tao" userId="5ea5c98d59b44d4b" providerId="LiveId" clId="{88D73D01-CABB-4B2D-80EC-648726E3C219}" dt="2023-05-06T10:42:47.170" v="5744"/>
-        <pc:sldMkLst>
-          <pc:docMk/>
-          <pc:sldMk cId="2142768243" sldId="372"/>
-        </pc:sldMkLst>
-        <pc:spChg chg="add del mod">
-          <ac:chgData name="Scruel Tao" userId="5ea5c98d59b44d4b" providerId="LiveId" clId="{88D73D01-CABB-4B2D-80EC-648726E3C219}" dt="2023-05-06T10:41:02.595" v="5718" actId="478"/>
-          <ac:spMkLst>
-            <pc:docMk/>
-            <pc:sldMk cId="2142768243" sldId="372"/>
-            <ac:spMk id="3" creationId="{FD31F5AC-F385-2BAA-4BA7-8E203840422C}"/>
-          </ac:spMkLst>
-        </pc:spChg>
-        <pc:spChg chg="mod">
-          <ac:chgData name="Scruel Tao" userId="5ea5c98d59b44d4b" providerId="LiveId" clId="{88D73D01-CABB-4B2D-80EC-648726E3C219}" dt="2023-05-06T10:34:14.890" v="5580" actId="21"/>
-          <ac:spMkLst>
-            <pc:docMk/>
-            <pc:sldMk cId="2142768243" sldId="372"/>
-            <ac:spMk id="4" creationId="{85D6D174-6A04-9AED-7984-BD4330ED7E3A}"/>
-          </ac:spMkLst>
-        </pc:spChg>
-        <pc:spChg chg="add mod">
-          <ac:chgData name="Scruel Tao" userId="5ea5c98d59b44d4b" providerId="LiveId" clId="{88D73D01-CABB-4B2D-80EC-648726E3C219}" dt="2023-05-06T10:34:26.145" v="5584"/>
-          <ac:spMkLst>
-            <pc:docMk/>
-            <pc:sldMk cId="2142768243" sldId="372"/>
-            <ac:spMk id="5" creationId="{CC25594C-2828-80C3-2CBF-1191B14988FC}"/>
-          </ac:spMkLst>
-        </pc:spChg>
-        <pc:spChg chg="add mod">
-          <ac:chgData name="Scruel Tao" userId="5ea5c98d59b44d4b" providerId="LiveId" clId="{88D73D01-CABB-4B2D-80EC-648726E3C219}" dt="2023-05-06T10:42:47.170" v="5744"/>
-          <ac:spMkLst>
-            <pc:docMk/>
-            <pc:sldMk cId="2142768243" sldId="372"/>
-            <ac:spMk id="6" creationId="{9A3FC26B-952B-0F6D-D7B2-4FF56D648E04}"/>
-          </ac:spMkLst>
-        </pc:spChg>
-        <pc:spChg chg="del mod">
-          <ac:chgData name="Scruel Tao" userId="5ea5c98d59b44d4b" providerId="LiveId" clId="{88D73D01-CABB-4B2D-80EC-648726E3C219}" dt="2023-05-06T10:34:20.986" v="5581" actId="478"/>
-          <ac:spMkLst>
-            <pc:docMk/>
-            <pc:sldMk cId="2142768243" sldId="372"/>
-            <ac:spMk id="7" creationId="{12C899D8-51C5-D9B7-A323-E6EFE4AB5C33}"/>
-          </ac:spMkLst>
-        </pc:spChg>
-        <pc:spChg chg="del mod">
-          <ac:chgData name="Scruel Tao" userId="5ea5c98d59b44d4b" providerId="LiveId" clId="{88D73D01-CABB-4B2D-80EC-648726E3C219}" dt="2023-05-06T10:34:23.611" v="5583" actId="478"/>
-          <ac:spMkLst>
-            <pc:docMk/>
-            <pc:sldMk cId="2142768243" sldId="372"/>
-            <ac:spMk id="9" creationId="{670407E6-E283-A614-5A06-709337CEB40C}"/>
-          </ac:spMkLst>
-        </pc:spChg>
-        <pc:cxnChg chg="del">
-          <ac:chgData name="Scruel Tao" userId="5ea5c98d59b44d4b" providerId="LiveId" clId="{88D73D01-CABB-4B2D-80EC-648726E3C219}" dt="2023-05-06T10:23:34.731" v="5268" actId="478"/>
-          <ac:cxnSpMkLst>
-            <pc:docMk/>
-            <pc:sldMk cId="2142768243" sldId="372"/>
-            <ac:cxnSpMk id="8" creationId="{93293218-85A6-05CF-8833-ABF04B0CBBFB}"/>
-          </ac:cxnSpMkLst>
-        </pc:cxnChg>
-      </pc:sldChg>
-      <pc:sldChg chg="modSp add del mod">
-        <pc:chgData name="Scruel Tao" userId="5ea5c98d59b44d4b" providerId="LiveId" clId="{88D73D01-CABB-4B2D-80EC-648726E3C219}" dt="2023-05-06T10:35:13.845" v="5598" actId="47"/>
-        <pc:sldMkLst>
-          <pc:docMk/>
-          <pc:sldMk cId="447287064" sldId="373"/>
-        </pc:sldMkLst>
-        <pc:spChg chg="mod">
-          <ac:chgData name="Scruel Tao" userId="5ea5c98d59b44d4b" providerId="LiveId" clId="{88D73D01-CABB-4B2D-80EC-648726E3C219}" dt="2023-05-06T10:29:42.859" v="5529" actId="115"/>
-          <ac:spMkLst>
-            <pc:docMk/>
-            <pc:sldMk cId="447287064" sldId="373"/>
-            <ac:spMk id="4" creationId="{85D6D174-6A04-9AED-7984-BD4330ED7E3A}"/>
-          </ac:spMkLst>
-        </pc:spChg>
-      </pc:sldChg>
-      <pc:sldChg chg="addSp delSp modSp add mod modTransition modAnim modNotesTx">
-        <pc:chgData name="Scruel Tao" userId="5ea5c98d59b44d4b" providerId="LiveId" clId="{88D73D01-CABB-4B2D-80EC-648726E3C219}" dt="2023-05-06T10:41:48.464" v="5737" actId="6549"/>
-        <pc:sldMkLst>
-          <pc:docMk/>
-          <pc:sldMk cId="402016715" sldId="374"/>
-        </pc:sldMkLst>
-        <pc:spChg chg="add mod">
-          <ac:chgData name="Scruel Tao" userId="5ea5c98d59b44d4b" providerId="LiveId" clId="{88D73D01-CABB-4B2D-80EC-648726E3C219}" dt="2023-05-06T10:41:48.464" v="5737" actId="6549"/>
-          <ac:spMkLst>
-            <pc:docMk/>
-            <pc:sldMk cId="402016715" sldId="374"/>
-            <ac:spMk id="3" creationId="{C8F3162A-29D7-8220-3A2D-398E1C5A7DF7}"/>
-          </ac:spMkLst>
-        </pc:spChg>
-        <pc:spChg chg="del mod">
-          <ac:chgData name="Scruel Tao" userId="5ea5c98d59b44d4b" providerId="LiveId" clId="{88D73D01-CABB-4B2D-80EC-648726E3C219}" dt="2023-05-06T10:41:44.930" v="5731" actId="478"/>
-          <ac:spMkLst>
-            <pc:docMk/>
-            <pc:sldMk cId="402016715" sldId="374"/>
-            <ac:spMk id="7" creationId="{12C899D8-51C5-D9B7-A323-E6EFE4AB5C33}"/>
-          </ac:spMkLst>
-        </pc:spChg>
-        <pc:spChg chg="mod">
-          <ac:chgData name="Scruel Tao" userId="5ea5c98d59b44d4b" providerId="LiveId" clId="{88D73D01-CABB-4B2D-80EC-648726E3C219}" dt="2023-05-06T10:35:11.110" v="5597" actId="20577"/>
-          <ac:spMkLst>
-            <pc:docMk/>
-            <pc:sldMk cId="402016715" sldId="374"/>
-            <ac:spMk id="9" creationId="{670407E6-E283-A614-5A06-709337CEB40C}"/>
-          </ac:spMkLst>
-        </pc:spChg>
-      </pc:sldChg>
-      <pc:sldChg chg="addSp delSp modSp add mod modTransition modAnim">
-        <pc:chgData name="Scruel Tao" userId="5ea5c98d59b44d4b" providerId="LiveId" clId="{88D73D01-CABB-4B2D-80EC-648726E3C219}" dt="2023-05-06T10:44:47.368" v="5768"/>
-        <pc:sldMkLst>
-          <pc:docMk/>
-          <pc:sldMk cId="310738446" sldId="375"/>
-        </pc:sldMkLst>
-        <pc:spChg chg="mod">
-          <ac:chgData name="Scruel Tao" userId="5ea5c98d59b44d4b" providerId="LiveId" clId="{88D73D01-CABB-4B2D-80EC-648726E3C219}" dt="2023-05-06T10:40:55.105" v="5715" actId="14100"/>
-          <ac:spMkLst>
-            <pc:docMk/>
-            <pc:sldMk cId="310738446" sldId="375"/>
-            <ac:spMk id="7" creationId="{12C899D8-51C5-D9B7-A323-E6EFE4AB5C33}"/>
-          </ac:spMkLst>
-        </pc:spChg>
-        <pc:spChg chg="add del">
-          <ac:chgData name="Scruel Tao" userId="5ea5c98d59b44d4b" providerId="LiveId" clId="{88D73D01-CABB-4B2D-80EC-648726E3C219}" dt="2023-05-06T10:40:11.969" v="5709" actId="21"/>
-          <ac:spMkLst>
-            <pc:docMk/>
-            <pc:sldMk cId="310738446" sldId="375"/>
-            <ac:spMk id="18" creationId="{247D4F7A-A804-99B7-82A4-C9014E0420EE}"/>
-          </ac:spMkLst>
-        </pc:spChg>
-        <pc:grpChg chg="mod">
-          <ac:chgData name="Scruel Tao" userId="5ea5c98d59b44d4b" providerId="LiveId" clId="{88D73D01-CABB-4B2D-80EC-648726E3C219}" dt="2023-05-06T10:39:29.772" v="5695"/>
-          <ac:grpSpMkLst>
-            <pc:docMk/>
-            <pc:sldMk cId="310738446" sldId="375"/>
-            <ac:grpSpMk id="6" creationId="{782C3D2F-FD4D-3241-0C44-6D789CA3934B}"/>
-          </ac:grpSpMkLst>
-        </pc:grpChg>
-        <pc:picChg chg="add del mod ord">
-          <ac:chgData name="Scruel Tao" userId="5ea5c98d59b44d4b" providerId="LiveId" clId="{88D73D01-CABB-4B2D-80EC-648726E3C219}" dt="2023-05-06T10:44:09.277" v="5756" actId="21"/>
-          <ac:picMkLst>
-            <pc:docMk/>
-            <pc:sldMk cId="310738446" sldId="375"/>
-            <ac:picMk id="23" creationId="{DDF9587D-56C2-6FE7-2054-D73E7DB6032A}"/>
-          </ac:picMkLst>
-        </pc:picChg>
-        <pc:picChg chg="add mod">
-          <ac:chgData name="Scruel Tao" userId="5ea5c98d59b44d4b" providerId="LiveId" clId="{88D73D01-CABB-4B2D-80EC-648726E3C219}" dt="2023-05-06T10:44:20.355" v="5761" actId="1076"/>
-          <ac:picMkLst>
-            <pc:docMk/>
-            <pc:sldMk cId="310738446" sldId="375"/>
-            <ac:picMk id="25" creationId="{36AC07E6-AD70-9939-1FDA-5CF3898743E2}"/>
-          </ac:picMkLst>
-        </pc:picChg>
-        <pc:inkChg chg="add del mod">
-          <ac:chgData name="Scruel Tao" userId="5ea5c98d59b44d4b" providerId="LiveId" clId="{88D73D01-CABB-4B2D-80EC-648726E3C219}" dt="2023-05-06T10:39:30.155" v="5696" actId="9405"/>
-          <ac:inkMkLst>
-            <pc:docMk/>
-            <pc:sldMk cId="310738446" sldId="375"/>
-            <ac:inkMk id="3" creationId="{6DACD5A1-E318-B225-B799-F98E81474480}"/>
-          </ac:inkMkLst>
-        </pc:inkChg>
-        <pc:inkChg chg="add del mod">
-          <ac:chgData name="Scruel Tao" userId="5ea5c98d59b44d4b" providerId="LiveId" clId="{88D73D01-CABB-4B2D-80EC-648726E3C219}" dt="2023-05-06T10:39:29.772" v="5695"/>
-          <ac:inkMkLst>
-            <pc:docMk/>
-            <pc:sldMk cId="310738446" sldId="375"/>
-            <ac:inkMk id="5" creationId="{802080B2-C423-6D80-F7A6-FC3C68DC1B3F}"/>
-          </ac:inkMkLst>
-        </pc:inkChg>
-        <pc:inkChg chg="add del">
-          <ac:chgData name="Scruel Tao" userId="5ea5c98d59b44d4b" providerId="LiveId" clId="{88D73D01-CABB-4B2D-80EC-648726E3C219}" dt="2023-05-06T10:39:29.506" v="5693" actId="9405"/>
-          <ac:inkMkLst>
-            <pc:docMk/>
-            <pc:sldMk cId="310738446" sldId="375"/>
-            <ac:inkMk id="8" creationId="{1B2359D7-1C2D-A835-92D9-EEF3E83D9B1A}"/>
-          </ac:inkMkLst>
-        </pc:inkChg>
-        <pc:inkChg chg="add del">
-          <ac:chgData name="Scruel Tao" userId="5ea5c98d59b44d4b" providerId="LiveId" clId="{88D73D01-CABB-4B2D-80EC-648726E3C219}" dt="2023-05-06T10:39:33.042" v="5698" actId="9405"/>
-          <ac:inkMkLst>
-            <pc:docMk/>
-            <pc:sldMk cId="310738446" sldId="375"/>
-            <ac:inkMk id="10" creationId="{4ED5453F-93C0-5CD6-C730-5F00D0F5F088}"/>
-          </ac:inkMkLst>
-        </pc:inkChg>
-        <pc:inkChg chg="add del">
-          <ac:chgData name="Scruel Tao" userId="5ea5c98d59b44d4b" providerId="LiveId" clId="{88D73D01-CABB-4B2D-80EC-648726E3C219}" dt="2023-05-06T10:39:35.127" v="5700" actId="9405"/>
-          <ac:inkMkLst>
-            <pc:docMk/>
-            <pc:sldMk cId="310738446" sldId="375"/>
-            <ac:inkMk id="11" creationId="{309F42E2-F1E4-CEE6-0BF4-9B44B7347A74}"/>
-          </ac:inkMkLst>
-        </pc:inkChg>
-        <pc:cxnChg chg="add del mod">
-          <ac:chgData name="Scruel Tao" userId="5ea5c98d59b44d4b" providerId="LiveId" clId="{88D73D01-CABB-4B2D-80EC-648726E3C219}" dt="2023-05-06T10:40:04.021" v="5707" actId="21"/>
-          <ac:cxnSpMkLst>
-            <pc:docMk/>
-            <pc:sldMk cId="310738446" sldId="375"/>
-            <ac:cxnSpMk id="13" creationId="{3C278CB8-80D2-2639-62A9-DCAE9D65BB41}"/>
-          </ac:cxnSpMkLst>
-        </pc:cxnChg>
-        <pc:cxnChg chg="add del mod">
-          <ac:chgData name="Scruel Tao" userId="5ea5c98d59b44d4b" providerId="LiveId" clId="{88D73D01-CABB-4B2D-80EC-648726E3C219}" dt="2023-05-06T10:40:32.984" v="5712" actId="21"/>
-          <ac:cxnSpMkLst>
-            <pc:docMk/>
-            <pc:sldMk cId="310738446" sldId="375"/>
-            <ac:cxnSpMk id="20" creationId="{4B4F8F12-4BA4-D64F-6F19-3DD9DC31BC1E}"/>
-          </ac:cxnSpMkLst>
-        </pc:cxnChg>
-      </pc:sldChg>
-      <pc:sldChg chg="addSp delSp modSp add mod modAnim">
-        <pc:chgData name="Scruel Tao" userId="5ea5c98d59b44d4b" providerId="LiveId" clId="{88D73D01-CABB-4B2D-80EC-648726E3C219}" dt="2023-05-27T04:04:09.324" v="6397" actId="14100"/>
-        <pc:sldMkLst>
-          <pc:docMk/>
-          <pc:sldMk cId="3746649369" sldId="376"/>
-        </pc:sldMkLst>
-        <pc:picChg chg="add mod">
-          <ac:chgData name="Scruel Tao" userId="5ea5c98d59b44d4b" providerId="LiveId" clId="{88D73D01-CABB-4B2D-80EC-648726E3C219}" dt="2023-05-06T21:06:00.456" v="5866" actId="1076"/>
-          <ac:picMkLst>
-            <pc:docMk/>
-            <pc:sldMk cId="3746649369" sldId="376"/>
-            <ac:picMk id="4" creationId="{5A7F3C1C-EABB-6A1D-6376-219F20919FD1}"/>
-          </ac:picMkLst>
-        </pc:picChg>
-        <pc:picChg chg="add mod">
-          <ac:chgData name="Scruel Tao" userId="5ea5c98d59b44d4b" providerId="LiveId" clId="{88D73D01-CABB-4B2D-80EC-648726E3C219}" dt="2023-05-06T21:06:15.888" v="5870" actId="1076"/>
-          <ac:picMkLst>
-            <pc:docMk/>
-            <pc:sldMk cId="3746649369" sldId="376"/>
-            <ac:picMk id="6" creationId="{FE11F4B8-47C5-7B0B-2025-2E17A84FB112}"/>
-          </ac:picMkLst>
-        </pc:picChg>
-        <pc:picChg chg="del mod">
-          <ac:chgData name="Scruel Tao" userId="5ea5c98d59b44d4b" providerId="LiveId" clId="{88D73D01-CABB-4B2D-80EC-648726E3C219}" dt="2023-05-06T21:06:32.821" v="5876" actId="21"/>
-          <ac:picMkLst>
-            <pc:docMk/>
-            <pc:sldMk cId="3746649369" sldId="376"/>
-            <ac:picMk id="8" creationId="{8AB5090F-5018-48C0-EBF4-ED6B0DBB8E37}"/>
-          </ac:picMkLst>
-        </pc:picChg>
-        <pc:picChg chg="add mod">
-          <ac:chgData name="Scruel Tao" userId="5ea5c98d59b44d4b" providerId="LiveId" clId="{88D73D01-CABB-4B2D-80EC-648726E3C219}" dt="2023-05-06T21:06:55.473" v="5881" actId="1076"/>
-          <ac:picMkLst>
-            <pc:docMk/>
-            <pc:sldMk cId="3746649369" sldId="376"/>
-            <ac:picMk id="9" creationId="{BE39C642-C3A1-39C6-F0AB-B9F93EFE74C9}"/>
-          </ac:picMkLst>
-        </pc:picChg>
-        <pc:picChg chg="add mod">
-          <ac:chgData name="Scruel Tao" userId="5ea5c98d59b44d4b" providerId="LiveId" clId="{88D73D01-CABB-4B2D-80EC-648726E3C219}" dt="2023-05-06T21:06:52.197" v="5880" actId="1076"/>
-          <ac:picMkLst>
-            <pc:docMk/>
-            <pc:sldMk cId="3746649369" sldId="376"/>
-            <ac:picMk id="11" creationId="{6FD886B8-BCE1-FF55-1AA9-77619778DBF2}"/>
-          </ac:picMkLst>
-        </pc:picChg>
-        <pc:picChg chg="add mod">
-          <ac:chgData name="Scruel Tao" userId="5ea5c98d59b44d4b" providerId="LiveId" clId="{88D73D01-CABB-4B2D-80EC-648726E3C219}" dt="2023-05-06T21:07:22.467" v="5887" actId="14100"/>
-          <ac:picMkLst>
-            <pc:docMk/>
-            <pc:sldMk cId="3746649369" sldId="376"/>
-            <ac:picMk id="13" creationId="{EAB1916E-F5E2-1FD6-6A9D-68BBE0EFF6F6}"/>
-          </ac:picMkLst>
-        </pc:picChg>
-        <pc:picChg chg="add mod">
-          <ac:chgData name="Scruel Tao" userId="5ea5c98d59b44d4b" providerId="LiveId" clId="{88D73D01-CABB-4B2D-80EC-648726E3C219}" dt="2023-05-27T04:04:09.324" v="6397" actId="14100"/>
-          <ac:picMkLst>
-            <pc:docMk/>
-            <pc:sldMk cId="3746649369" sldId="376"/>
-            <ac:picMk id="16" creationId="{FEA98888-774B-F489-56BF-D3B6D097529F}"/>
-          </ac:picMkLst>
-        </pc:picChg>
-        <pc:picChg chg="mod">
-          <ac:chgData name="Scruel Tao" userId="5ea5c98d59b44d4b" providerId="LiveId" clId="{88D73D01-CABB-4B2D-80EC-648726E3C219}" dt="2023-05-27T04:03:59.299" v="6396" actId="1036"/>
-          <ac:picMkLst>
-            <pc:docMk/>
-            <pc:sldMk cId="3746649369" sldId="376"/>
-            <ac:picMk id="17" creationId="{B4BA9574-9B96-B884-236F-FE5B9F192448}"/>
-          </ac:picMkLst>
-        </pc:picChg>
-        <pc:picChg chg="mod">
-          <ac:chgData name="Scruel Tao" userId="5ea5c98d59b44d4b" providerId="LiveId" clId="{88D73D01-CABB-4B2D-80EC-648726E3C219}" dt="2023-05-06T21:07:03.913" v="5883" actId="1076"/>
-          <ac:picMkLst>
-            <pc:docMk/>
-            <pc:sldMk cId="3746649369" sldId="376"/>
-            <ac:picMk id="18" creationId="{25B4A285-7F44-C972-3812-DD190DC73F65}"/>
-          </ac:picMkLst>
-        </pc:picChg>
-        <pc:picChg chg="mod">
-          <ac:chgData name="Scruel Tao" userId="5ea5c98d59b44d4b" providerId="LiveId" clId="{88D73D01-CABB-4B2D-80EC-648726E3C219}" dt="2023-05-06T21:08:03.397" v="5892" actId="1076"/>
-          <ac:picMkLst>
-            <pc:docMk/>
-            <pc:sldMk cId="3746649369" sldId="376"/>
-            <ac:picMk id="22" creationId="{3A55B12E-91EC-DC60-A02F-622D42775EFC}"/>
-          </ac:picMkLst>
-        </pc:picChg>
-      </pc:sldChg>
-      <pc:sldChg chg="addSp delSp modSp add mod ord modClrScheme delAnim chgLayout">
-        <pc:chgData name="Scruel Tao" userId="5ea5c98d59b44d4b" providerId="LiveId" clId="{88D73D01-CABB-4B2D-80EC-648726E3C219}" dt="2023-05-08T02:20:48.774" v="6375" actId="20577"/>
-        <pc:sldMkLst>
-          <pc:docMk/>
-          <pc:sldMk cId="428468609" sldId="377"/>
-        </pc:sldMkLst>
-        <pc:spChg chg="mod ord">
-          <ac:chgData name="Scruel Tao" userId="5ea5c98d59b44d4b" providerId="LiveId" clId="{88D73D01-CABB-4B2D-80EC-648726E3C219}" dt="2023-05-08T02:17:38.773" v="6158" actId="700"/>
-          <ac:spMkLst>
-            <pc:docMk/>
-            <pc:sldMk cId="428468609" sldId="377"/>
-            <ac:spMk id="2" creationId="{BAD162F0-2175-84E9-2387-55F669162449}"/>
-          </ac:spMkLst>
-        </pc:spChg>
-        <pc:spChg chg="add del mod">
-          <ac:chgData name="Scruel Tao" userId="5ea5c98d59b44d4b" providerId="LiveId" clId="{88D73D01-CABB-4B2D-80EC-648726E3C219}" dt="2023-05-08T02:03:20.489" v="6112" actId="478"/>
-          <ac:spMkLst>
-            <pc:docMk/>
-            <pc:sldMk cId="428468609" sldId="377"/>
-            <ac:spMk id="5" creationId="{9467C76F-0237-A438-9025-A0A72146F95A}"/>
-          </ac:spMkLst>
-        </pc:spChg>
-        <pc:spChg chg="add mod ord">
-          <ac:chgData name="Scruel Tao" userId="5ea5c98d59b44d4b" providerId="LiveId" clId="{88D73D01-CABB-4B2D-80EC-648726E3C219}" dt="2023-05-08T02:18:55.149" v="6190" actId="20577"/>
-          <ac:spMkLst>
-            <pc:docMk/>
-            <pc:sldMk cId="428468609" sldId="377"/>
-            <ac:spMk id="7" creationId="{0F4A2D72-7588-A1A6-108F-2A6CC629E742}"/>
-          </ac:spMkLst>
-        </pc:spChg>
-        <pc:spChg chg="add del mod ord">
-          <ac:chgData name="Scruel Tao" userId="5ea5c98d59b44d4b" providerId="LiveId" clId="{88D73D01-CABB-4B2D-80EC-648726E3C219}" dt="2023-05-08T01:28:25.045" v="5920" actId="478"/>
-          <ac:spMkLst>
-            <pc:docMk/>
-            <pc:sldMk cId="428468609" sldId="377"/>
-            <ac:spMk id="8" creationId="{05C56AB0-EBB5-2E6C-252A-B9976933144C}"/>
-          </ac:spMkLst>
-        </pc:spChg>
-        <pc:spChg chg="add del mod ord">
-          <ac:chgData name="Scruel Tao" userId="5ea5c98d59b44d4b" providerId="LiveId" clId="{88D73D01-CABB-4B2D-80EC-648726E3C219}" dt="2023-05-08T02:17:43.348" v="6160" actId="478"/>
-          <ac:spMkLst>
-            <pc:docMk/>
-            <pc:sldMk cId="428468609" sldId="377"/>
-            <ac:spMk id="10" creationId="{EA3D8956-9AF8-0A75-5A4F-14E71CAC4C46}"/>
-          </ac:spMkLst>
-        </pc:spChg>
-        <pc:spChg chg="del">
-          <ac:chgData name="Scruel Tao" userId="5ea5c98d59b44d4b" providerId="LiveId" clId="{88D73D01-CABB-4B2D-80EC-648726E3C219}" dt="2023-05-08T01:28:20.273" v="5919" actId="21"/>
-          <ac:spMkLst>
-            <pc:docMk/>
-            <pc:sldMk cId="428468609" sldId="377"/>
-            <ac:spMk id="14" creationId="{0E3316AF-03D2-E954-8D9C-19BFF8D01C35}"/>
-          </ac:spMkLst>
-        </pc:spChg>
-        <pc:spChg chg="add mod">
-          <ac:chgData name="Scruel Tao" userId="5ea5c98d59b44d4b" providerId="LiveId" clId="{88D73D01-CABB-4B2D-80EC-648726E3C219}" dt="2023-05-08T02:20:39.868" v="6371" actId="1076"/>
-          <ac:spMkLst>
-            <pc:docMk/>
-            <pc:sldMk cId="428468609" sldId="377"/>
-            <ac:spMk id="25" creationId="{45A748C2-C1A1-98B4-6E03-5644AB4B4ED6}"/>
-          </ac:spMkLst>
-        </pc:spChg>
-        <pc:spChg chg="add mod">
-          <ac:chgData name="Scruel Tao" userId="5ea5c98d59b44d4b" providerId="LiveId" clId="{88D73D01-CABB-4B2D-80EC-648726E3C219}" dt="2023-05-08T02:20:48.774" v="6375" actId="20577"/>
-          <ac:spMkLst>
-            <pc:docMk/>
-            <pc:sldMk cId="428468609" sldId="377"/>
-            <ac:spMk id="26" creationId="{08C7E4F3-FDC9-2B74-CD2B-0A5AFAD69403}"/>
-          </ac:spMkLst>
-        </pc:spChg>
-        <pc:picChg chg="del">
-          <ac:chgData name="Scruel Tao" userId="5ea5c98d59b44d4b" providerId="LiveId" clId="{88D73D01-CABB-4B2D-80EC-648726E3C219}" dt="2023-05-08T01:32:06.585" v="6105" actId="21"/>
-          <ac:picMkLst>
-            <pc:docMk/>
-            <pc:sldMk cId="428468609" sldId="377"/>
-            <ac:picMk id="4" creationId="{5A7F3C1C-EABB-6A1D-6376-219F20919FD1}"/>
-          </ac:picMkLst>
-        </pc:picChg>
-        <pc:picChg chg="del">
-          <ac:chgData name="Scruel Tao" userId="5ea5c98d59b44d4b" providerId="LiveId" clId="{88D73D01-CABB-4B2D-80EC-648726E3C219}" dt="2023-05-08T01:32:07.424" v="6106" actId="21"/>
-          <ac:picMkLst>
-            <pc:docMk/>
-            <pc:sldMk cId="428468609" sldId="377"/>
-            <ac:picMk id="6" creationId="{FE11F4B8-47C5-7B0B-2025-2E17A84FB112}"/>
-          </ac:picMkLst>
-        </pc:picChg>
-        <pc:picChg chg="del">
-          <ac:chgData name="Scruel Tao" userId="5ea5c98d59b44d4b" providerId="LiveId" clId="{88D73D01-CABB-4B2D-80EC-648726E3C219}" dt="2023-05-08T01:32:09.830" v="6107" actId="21"/>
-          <ac:picMkLst>
-            <pc:docMk/>
-            <pc:sldMk cId="428468609" sldId="377"/>
-            <ac:picMk id="9" creationId="{BE39C642-C3A1-39C6-F0AB-B9F93EFE74C9}"/>
-          </ac:picMkLst>
-        </pc:picChg>
-        <pc:picChg chg="del">
-          <ac:chgData name="Scruel Tao" userId="5ea5c98d59b44d4b" providerId="LiveId" clId="{88D73D01-CABB-4B2D-80EC-648726E3C219}" dt="2023-05-08T01:32:11.112" v="6108" actId="21"/>
-          <ac:picMkLst>
-            <pc:docMk/>
-            <pc:sldMk cId="428468609" sldId="377"/>
-            <ac:picMk id="11" creationId="{6FD886B8-BCE1-FF55-1AA9-77619778DBF2}"/>
-          </ac:picMkLst>
-        </pc:picChg>
-        <pc:picChg chg="del">
-          <ac:chgData name="Scruel Tao" userId="5ea5c98d59b44d4b" providerId="LiveId" clId="{88D73D01-CABB-4B2D-80EC-648726E3C219}" dt="2023-05-08T01:32:12.420" v="6109" actId="21"/>
-          <ac:picMkLst>
-            <pc:docMk/>
-            <pc:sldMk cId="428468609" sldId="377"/>
-            <ac:picMk id="13" creationId="{EAB1916E-F5E2-1FD6-6A9D-68BBE0EFF6F6}"/>
-          </ac:picMkLst>
-        </pc:picChg>
-        <pc:picChg chg="add mod">
-          <ac:chgData name="Scruel Tao" userId="5ea5c98d59b44d4b" providerId="LiveId" clId="{88D73D01-CABB-4B2D-80EC-648726E3C219}" dt="2023-05-08T02:18:33.304" v="6171" actId="1076"/>
-          <ac:picMkLst>
-            <pc:docMk/>
-            <pc:sldMk cId="428468609" sldId="377"/>
-            <ac:picMk id="15" creationId="{7AA90CC3-1958-AC98-D32C-0D5BE7918C66}"/>
-          </ac:picMkLst>
-        </pc:picChg>
-        <pc:picChg chg="del">
-          <ac:chgData name="Scruel Tao" userId="5ea5c98d59b44d4b" providerId="LiveId" clId="{88D73D01-CABB-4B2D-80EC-648726E3C219}" dt="2023-05-08T01:30:31.489" v="5970" actId="21"/>
-          <ac:picMkLst>
-            <pc:docMk/>
-            <pc:sldMk cId="428468609" sldId="377"/>
-            <ac:picMk id="16" creationId="{FEA98888-774B-F489-56BF-D3B6D097529F}"/>
-          </ac:picMkLst>
-        </pc:picChg>
-        <pc:picChg chg="del">
-          <ac:chgData name="Scruel Tao" userId="5ea5c98d59b44d4b" providerId="LiveId" clId="{88D73D01-CABB-4B2D-80EC-648726E3C219}" dt="2023-05-08T01:30:32.379" v="5971" actId="21"/>
-          <ac:picMkLst>
-            <pc:docMk/>
-            <pc:sldMk cId="428468609" sldId="377"/>
-            <ac:picMk id="17" creationId="{B4BA9574-9B96-B884-236F-FE5B9F192448}"/>
-          </ac:picMkLst>
-        </pc:picChg>
-        <pc:picChg chg="del">
-          <ac:chgData name="Scruel Tao" userId="5ea5c98d59b44d4b" providerId="LiveId" clId="{88D73D01-CABB-4B2D-80EC-648726E3C219}" dt="2023-05-08T01:32:05.715" v="6104" actId="21"/>
-          <ac:picMkLst>
-            <pc:docMk/>
-            <pc:sldMk cId="428468609" sldId="377"/>
-            <ac:picMk id="18" creationId="{25B4A285-7F44-C972-3812-DD190DC73F65}"/>
-          </ac:picMkLst>
-        </pc:picChg>
-        <pc:picChg chg="add del mod">
-          <ac:chgData name="Scruel Tao" userId="5ea5c98d59b44d4b" providerId="LiveId" clId="{88D73D01-CABB-4B2D-80EC-648726E3C219}" dt="2023-05-08T02:12:43.489" v="6120" actId="478"/>
-          <ac:picMkLst>
-            <pc:docMk/>
-            <pc:sldMk cId="428468609" sldId="377"/>
-            <ac:picMk id="20" creationId="{DC52D43B-1A7D-21A0-1FCC-DD1E34BB6B76}"/>
-          </ac:picMkLst>
-        </pc:picChg>
-        <pc:picChg chg="del">
-          <ac:chgData name="Scruel Tao" userId="5ea5c98d59b44d4b" providerId="LiveId" clId="{88D73D01-CABB-4B2D-80EC-648726E3C219}" dt="2023-05-08T01:32:04.209" v="6103" actId="21"/>
-          <ac:picMkLst>
-            <pc:docMk/>
-            <pc:sldMk cId="428468609" sldId="377"/>
-            <ac:picMk id="22" creationId="{3A55B12E-91EC-DC60-A02F-622D42775EFC}"/>
-          </ac:picMkLst>
-        </pc:picChg>
-        <pc:picChg chg="add mod">
-          <ac:chgData name="Scruel Tao" userId="5ea5c98d59b44d4b" providerId="LiveId" clId="{88D73D01-CABB-4B2D-80EC-648726E3C219}" dt="2023-05-08T02:18:34.712" v="6172" actId="1076"/>
-          <ac:picMkLst>
-            <pc:docMk/>
-            <pc:sldMk cId="428468609" sldId="377"/>
-            <ac:picMk id="23" creationId="{0F0819D7-61A5-E572-C58E-5AEAAC327E95}"/>
-          </ac:picMkLst>
-        </pc:picChg>
-      </pc:sldChg>
-      <pc:sldMasterChg chg="modTransition modSldLayout">
-        <pc:chgData name="Scruel Tao" userId="5ea5c98d59b44d4b" providerId="LiveId" clId="{88D73D01-CABB-4B2D-80EC-648726E3C219}" dt="2023-05-16T03:56:23.899" v="6377" actId="478"/>
-        <pc:sldMasterMkLst>
-          <pc:docMk/>
-          <pc:sldMasterMk cId="1766057859" sldId="2147483648"/>
-        </pc:sldMasterMkLst>
-        <pc:sldLayoutChg chg="modTransition">
-          <pc:chgData name="Scruel Tao" userId="5ea5c98d59b44d4b" providerId="LiveId" clId="{88D73D01-CABB-4B2D-80EC-648726E3C219}" dt="2023-05-05T14:59:33.343" v="4422"/>
-          <pc:sldLayoutMkLst>
-            <pc:docMk/>
-            <pc:sldMasterMk cId="1766057859" sldId="2147483648"/>
-            <pc:sldLayoutMk cId="2187492797" sldId="2147483649"/>
-          </pc:sldLayoutMkLst>
-        </pc:sldLayoutChg>
-        <pc:sldLayoutChg chg="addSp delSp modSp mod modTransition">
-          <pc:chgData name="Scruel Tao" userId="5ea5c98d59b44d4b" providerId="LiveId" clId="{88D73D01-CABB-4B2D-80EC-648726E3C219}" dt="2023-05-05T14:59:33.343" v="4422"/>
-          <pc:sldLayoutMkLst>
-            <pc:docMk/>
-            <pc:sldMasterMk cId="1766057859" sldId="2147483648"/>
-            <pc:sldLayoutMk cId="2116765151" sldId="2147483650"/>
-          </pc:sldLayoutMkLst>
-          <pc:spChg chg="del">
-            <ac:chgData name="Scruel Tao" userId="5ea5c98d59b44d4b" providerId="LiveId" clId="{88D73D01-CABB-4B2D-80EC-648726E3C219}" dt="2023-05-03T00:06:16.932" v="4047" actId="478"/>
-            <ac:spMkLst>
-              <pc:docMk/>
-              <pc:sldMasterMk cId="1766057859" sldId="2147483648"/>
-              <pc:sldLayoutMk cId="2116765151" sldId="2147483650"/>
-              <ac:spMk id="7" creationId="{CC508A81-C1C7-B1D4-63BC-4C397A9B30DA}"/>
-            </ac:spMkLst>
-          </pc:spChg>
-          <pc:spChg chg="add mod">
-            <ac:chgData name="Scruel Tao" userId="5ea5c98d59b44d4b" providerId="LiveId" clId="{88D73D01-CABB-4B2D-80EC-648726E3C219}" dt="2023-05-03T00:06:17.252" v="4048"/>
-            <ac:spMkLst>
-              <pc:docMk/>
-              <pc:sldMasterMk cId="1766057859" sldId="2147483648"/>
-              <pc:sldLayoutMk cId="2116765151" sldId="2147483650"/>
-              <ac:spMk id="8" creationId="{25973751-9434-2845-7261-188CF1A67B9E}"/>
-            </ac:spMkLst>
-          </pc:spChg>
-        </pc:sldLayoutChg>
-        <pc:sldLayoutChg chg="modTransition">
-          <pc:chgData name="Scruel Tao" userId="5ea5c98d59b44d4b" providerId="LiveId" clId="{88D73D01-CABB-4B2D-80EC-648726E3C219}" dt="2023-05-05T14:59:33.343" v="4422"/>
-          <pc:sldLayoutMkLst>
-            <pc:docMk/>
-            <pc:sldMasterMk cId="1766057859" sldId="2147483648"/>
-            <pc:sldLayoutMk cId="3876442843" sldId="2147483651"/>
-          </pc:sldLayoutMkLst>
-        </pc:sldLayoutChg>
-        <pc:sldLayoutChg chg="addSp delSp modSp mod modTransition">
-          <pc:chgData name="Scruel Tao" userId="5ea5c98d59b44d4b" providerId="LiveId" clId="{88D73D01-CABB-4B2D-80EC-648726E3C219}" dt="2023-05-05T14:59:33.343" v="4422"/>
-          <pc:sldLayoutMkLst>
-            <pc:docMk/>
-            <pc:sldMasterMk cId="1766057859" sldId="2147483648"/>
-            <pc:sldLayoutMk cId="2296489930" sldId="2147483652"/>
-          </pc:sldLayoutMkLst>
-          <pc:spChg chg="del">
-            <ac:chgData name="Scruel Tao" userId="5ea5c98d59b44d4b" providerId="LiveId" clId="{88D73D01-CABB-4B2D-80EC-648726E3C219}" dt="2023-05-03T00:06:50.161" v="4049" actId="478"/>
-            <ac:spMkLst>
-              <pc:docMk/>
-              <pc:sldMasterMk cId="1766057859" sldId="2147483648"/>
-              <pc:sldLayoutMk cId="2296489930" sldId="2147483652"/>
-              <ac:spMk id="8" creationId="{C5A5C420-1B53-618C-C968-A8FEF109459A}"/>
-            </ac:spMkLst>
-          </pc:spChg>
-          <pc:spChg chg="add mod">
-            <ac:chgData name="Scruel Tao" userId="5ea5c98d59b44d4b" providerId="LiveId" clId="{88D73D01-CABB-4B2D-80EC-648726E3C219}" dt="2023-05-03T00:06:50.458" v="4050"/>
-            <ac:spMkLst>
-              <pc:docMk/>
-              <pc:sldMasterMk cId="1766057859" sldId="2147483648"/>
-              <pc:sldLayoutMk cId="2296489930" sldId="2147483652"/>
-              <ac:spMk id="9" creationId="{15D63F93-5B88-76F9-2352-FF2AD405A610}"/>
-            </ac:spMkLst>
-          </pc:spChg>
-        </pc:sldLayoutChg>
-        <pc:sldLayoutChg chg="modTransition">
-          <pc:chgData name="Scruel Tao" userId="5ea5c98d59b44d4b" providerId="LiveId" clId="{88D73D01-CABB-4B2D-80EC-648726E3C219}" dt="2023-05-05T14:59:33.343" v="4422"/>
-          <pc:sldLayoutMkLst>
-            <pc:docMk/>
-            <pc:sldMasterMk cId="1766057859" sldId="2147483648"/>
-            <pc:sldLayoutMk cId="1903742116" sldId="2147483653"/>
-          </pc:sldLayoutMkLst>
-        </pc:sldLayoutChg>
-        <pc:sldLayoutChg chg="modTransition">
-          <pc:chgData name="Scruel Tao" userId="5ea5c98d59b44d4b" providerId="LiveId" clId="{88D73D01-CABB-4B2D-80EC-648726E3C219}" dt="2023-05-05T14:59:33.343" v="4422"/>
-          <pc:sldLayoutMkLst>
-            <pc:docMk/>
-            <pc:sldMasterMk cId="1766057859" sldId="2147483648"/>
-            <pc:sldLayoutMk cId="2266343131" sldId="2147483654"/>
-          </pc:sldLayoutMkLst>
-        </pc:sldLayoutChg>
-        <pc:sldLayoutChg chg="modTransition">
-          <pc:chgData name="Scruel Tao" userId="5ea5c98d59b44d4b" providerId="LiveId" clId="{88D73D01-CABB-4B2D-80EC-648726E3C219}" dt="2023-05-05T14:59:33.343" v="4422"/>
-          <pc:sldLayoutMkLst>
-            <pc:docMk/>
-            <pc:sldMasterMk cId="1766057859" sldId="2147483648"/>
-            <pc:sldLayoutMk cId="3125871839" sldId="2147483655"/>
-          </pc:sldLayoutMkLst>
-        </pc:sldLayoutChg>
-        <pc:sldLayoutChg chg="modTransition">
-          <pc:chgData name="Scruel Tao" userId="5ea5c98d59b44d4b" providerId="LiveId" clId="{88D73D01-CABB-4B2D-80EC-648726E3C219}" dt="2023-05-05T14:59:33.343" v="4422"/>
-          <pc:sldLayoutMkLst>
-            <pc:docMk/>
-            <pc:sldMasterMk cId="1766057859" sldId="2147483648"/>
-            <pc:sldLayoutMk cId="4269120921" sldId="2147483656"/>
-          </pc:sldLayoutMkLst>
-        </pc:sldLayoutChg>
-        <pc:sldLayoutChg chg="modTransition">
-          <pc:chgData name="Scruel Tao" userId="5ea5c98d59b44d4b" providerId="LiveId" clId="{88D73D01-CABB-4B2D-80EC-648726E3C219}" dt="2023-05-05T14:59:33.343" v="4422"/>
-          <pc:sldLayoutMkLst>
-            <pc:docMk/>
-            <pc:sldMasterMk cId="1766057859" sldId="2147483648"/>
-            <pc:sldLayoutMk cId="3839517779" sldId="2147483657"/>
-          </pc:sldLayoutMkLst>
-        </pc:sldLayoutChg>
-        <pc:sldLayoutChg chg="modTransition">
-          <pc:chgData name="Scruel Tao" userId="5ea5c98d59b44d4b" providerId="LiveId" clId="{88D73D01-CABB-4B2D-80EC-648726E3C219}" dt="2023-05-05T14:59:33.343" v="4422"/>
-          <pc:sldLayoutMkLst>
-            <pc:docMk/>
-            <pc:sldMasterMk cId="1766057859" sldId="2147483648"/>
-            <pc:sldLayoutMk cId="3533658407" sldId="2147483658"/>
-          </pc:sldLayoutMkLst>
-        </pc:sldLayoutChg>
-        <pc:sldLayoutChg chg="modTransition">
-          <pc:chgData name="Scruel Tao" userId="5ea5c98d59b44d4b" providerId="LiveId" clId="{88D73D01-CABB-4B2D-80EC-648726E3C219}" dt="2023-05-05T14:59:33.343" v="4422"/>
-          <pc:sldLayoutMkLst>
-            <pc:docMk/>
-            <pc:sldMasterMk cId="1766057859" sldId="2147483648"/>
-            <pc:sldLayoutMk cId="1976972956" sldId="2147483659"/>
-          </pc:sldLayoutMkLst>
-        </pc:sldLayoutChg>
-        <pc:sldLayoutChg chg="delSp modTransition">
-          <pc:chgData name="Scruel Tao" userId="5ea5c98d59b44d4b" providerId="LiveId" clId="{88D73D01-CABB-4B2D-80EC-648726E3C219}" dt="2023-05-16T03:56:23.899" v="6377" actId="478"/>
-          <pc:sldLayoutMkLst>
-            <pc:docMk/>
-            <pc:sldMasterMk cId="1766057859" sldId="2147483648"/>
-            <pc:sldLayoutMk cId="1337634028" sldId="2147483660"/>
-          </pc:sldLayoutMkLst>
-          <pc:spChg chg="del">
-            <ac:chgData name="Scruel Tao" userId="5ea5c98d59b44d4b" providerId="LiveId" clId="{88D73D01-CABB-4B2D-80EC-648726E3C219}" dt="2023-05-16T03:56:23.899" v="6377" actId="478"/>
-            <ac:spMkLst>
-              <pc:docMk/>
-              <pc:sldMasterMk cId="1766057859" sldId="2147483648"/>
-              <pc:sldLayoutMk cId="1337634028" sldId="2147483660"/>
-              <ac:spMk id="19472" creationId="{BD0BF484-93B1-9A87-952A-7D5E9B29C38D}"/>
-            </ac:spMkLst>
-          </pc:spChg>
-        </pc:sldLayoutChg>
-      </pc:sldMasterChg>
-    </pc:docChg>
-  </pc:docChgLst>
-  <pc:docChgLst>
     <pc:chgData name="Scruel Tao" userId="5ea5c98d59b44d4b" providerId="LiveId" clId="{90F6E66C-EDE2-4E69-89C8-78233A222532}"/>
     <pc:docChg chg="undo redo custSel modSld">
       <pc:chgData name="Scruel Tao" userId="5ea5c98d59b44d4b" providerId="LiveId" clId="{90F6E66C-EDE2-4E69-89C8-78233A222532}" dt="2024-01-02T08:35:55.132" v="344" actId="20577"/>
@@ -5112,14 +5112,14 @@
           <pc:chgData name="Scruel Tao" userId="5ea5c98d59b44d4b" providerId="LiveId" clId="{42F73B06-DA81-4C67-8473-07E158E9C79B}" dt="2023-04-25T02:47:33.665" v="42" actId="21"/>
           <pc:sldLayoutMkLst>
             <pc:docMk/>
-            <pc:sldMasterMk cId="1766057859" sldId="2147483648"/>
+            <pc:sldMasterMk cId="3116067069" sldId="2147483661"/>
             <pc:sldLayoutMk cId="1337634028" sldId="2147483660"/>
           </pc:sldLayoutMkLst>
           <pc:picChg chg="del">
             <ac:chgData name="Scruel Tao" userId="5ea5c98d59b44d4b" providerId="LiveId" clId="{42F73B06-DA81-4C67-8473-07E158E9C79B}" dt="2023-04-25T02:47:33.665" v="42" actId="21"/>
             <ac:picMkLst>
               <pc:docMk/>
-              <pc:sldMasterMk cId="1766057859" sldId="2147483648"/>
+              <pc:sldMasterMk cId="3116067069" sldId="2147483661"/>
               <pc:sldLayoutMk cId="1337634028" sldId="2147483660"/>
               <ac:picMk id="19482" creationId="{8F2B9C9A-7CA4-5723-784E-DBADCF09186B}"/>
             </ac:picMkLst>
@@ -5225,7 +5225,7 @@
           <a:p>
             <a:fld id="{AC7E1972-C479-4420-A687-8FB83BA90DEB}" type="datetimeFigureOut">
               <a:rPr lang="zh-CN" altLang="en-US" smtClean="0"/>
-              <a:t>2024/7/19 Fri</a:t>
+              <a:t>2025/6/6 Fri</a:t>
             </a:fld>
             <a:endParaRPr lang="zh-CN" altLang="en-US"/>
           </a:p>
@@ -5402,7 +5402,7 @@
           <a:p>
             <a:fld id="{89B7AB8D-BCC0-43C6-B24C-055A25DB558F}" type="datetimeFigureOut">
               <a:rPr lang="zh-CN" altLang="en-US" smtClean="0"/>
-              <a:t>2024/7/19 Fri</a:t>
+              <a:t>2025/6/6 Fri</a:t>
             </a:fld>
             <a:endParaRPr lang="zh-CN" altLang="en-US"/>
           </a:p>
@@ -5726,31 +5726,6 @@
           </a:p>
         </p:txBody>
       </p:sp>
-      <p:sp>
-        <p:nvSpPr>
-          <p:cNvPr id="3" name="备注占位符 2">
-            <a:extLst>
-              <a:ext uri="{FF2B5EF4-FFF2-40B4-BE49-F238E27FC236}">
-                <a16:creationId xmlns:a16="http://schemas.microsoft.com/office/drawing/2014/main" id="{42BCD64E-FC60-DEBE-3AE7-264A3177FB3B}"/>
-              </a:ext>
-            </a:extLst>
-          </p:cNvPr>
-          <p:cNvSpPr>
-            <a:spLocks noGrp="1"/>
-          </p:cNvSpPr>
-          <p:nvPr>
-            <p:ph type="body" idx="1"/>
-          </p:nvPr>
-        </p:nvSpPr>
-        <p:spPr/>
-        <p:txBody>
-          <a:bodyPr/>
-          <a:lstStyle/>
-          <a:p>
-            <a:endParaRPr lang="zh-CN" altLang="en-US" dirty="0"/>
-          </a:p>
-        </p:txBody>
-      </p:sp>
     </p:spTree>
   </p:cSld>
   <p:clrMapOvr>
@@ -8637,7 +8612,7 @@
           <a:p>
             <a:fld id="{F721228B-0167-4061-A906-8575043315EE}" type="datetimeFigureOut">
               <a:rPr lang="zh-CN" altLang="en-US" smtClean="0"/>
-              <a:t>2024/7/19 Fri</a:t>
+              <a:t>2025/6/6 Fri</a:t>
             </a:fld>
             <a:endParaRPr lang="zh-CN" altLang="en-US"/>
           </a:p>
@@ -8700,7 +8675,7 @@
     </p:spTree>
     <p:extLst>
       <p:ext uri="{BB962C8B-B14F-4D97-AF65-F5344CB8AC3E}">
-        <p14:creationId xmlns:p14="http://schemas.microsoft.com/office/powerpoint/2010/main" val="2187492797"/>
+        <p14:creationId xmlns:p14="http://schemas.microsoft.com/office/powerpoint/2010/main" val="4121097486"/>
       </p:ext>
     </p:extLst>
   </p:cSld>
@@ -8847,7 +8822,7 @@
           <a:p>
             <a:fld id="{F721228B-0167-4061-A906-8575043315EE}" type="datetimeFigureOut">
               <a:rPr lang="zh-CN" altLang="en-US" smtClean="0"/>
-              <a:t>2024/7/19 Fri</a:t>
+              <a:t>2025/6/6 Fri</a:t>
             </a:fld>
             <a:endParaRPr lang="zh-CN" altLang="en-US"/>
           </a:p>
@@ -8910,7 +8885,7 @@
     </p:spTree>
     <p:extLst>
       <p:ext uri="{BB962C8B-B14F-4D97-AF65-F5344CB8AC3E}">
-        <p14:creationId xmlns:p14="http://schemas.microsoft.com/office/powerpoint/2010/main" val="3533658407"/>
+        <p14:creationId xmlns:p14="http://schemas.microsoft.com/office/powerpoint/2010/main" val="3692118368"/>
       </p:ext>
     </p:extLst>
   </p:cSld>
@@ -9067,7 +9042,7 @@
           <a:p>
             <a:fld id="{F721228B-0167-4061-A906-8575043315EE}" type="datetimeFigureOut">
               <a:rPr lang="zh-CN" altLang="en-US" smtClean="0"/>
-              <a:t>2024/7/19 Fri</a:t>
+              <a:t>2025/6/6 Fri</a:t>
             </a:fld>
             <a:endParaRPr lang="zh-CN" altLang="en-US"/>
           </a:p>
@@ -9130,7 +9105,7 @@
     </p:spTree>
     <p:extLst>
       <p:ext uri="{BB962C8B-B14F-4D97-AF65-F5344CB8AC3E}">
-        <p14:creationId xmlns:p14="http://schemas.microsoft.com/office/powerpoint/2010/main" val="1976972956"/>
+        <p14:creationId xmlns:p14="http://schemas.microsoft.com/office/powerpoint/2010/main" val="1334871140"/>
       </p:ext>
     </p:extLst>
   </p:cSld>
@@ -9153,8 +9128,472 @@
 </file>
 
 <file path=ppt/slideLayouts/slideLayout12.xml><?xml version="1.0" encoding="utf-8"?>
+<p:sldLayout xmlns:a="http://schemas.openxmlformats.org/drawingml/2006/main" xmlns:r="http://schemas.openxmlformats.org/officeDocument/2006/relationships" xmlns:p="http://schemas.openxmlformats.org/presentationml/2006/main" preserve="1" userDrawn="1">
+  <p:cSld name="1_标题幻灯片">
+    <p:spTree>
+      <p:nvGrpSpPr>
+        <p:cNvPr id="1" name=""/>
+        <p:cNvGrpSpPr/>
+        <p:nvPr/>
+      </p:nvGrpSpPr>
+      <p:grpSpPr>
+        <a:xfrm>
+          <a:off x="0" y="0"/>
+          <a:ext cx="0" cy="0"/>
+          <a:chOff x="0" y="0"/>
+          <a:chExt cx="0" cy="0"/>
+        </a:xfrm>
+      </p:grpSpPr>
+      <p:sp>
+        <p:nvSpPr>
+          <p:cNvPr id="19483" name="Rectangle 27">
+            <a:extLst>
+              <a:ext uri="{FF2B5EF4-FFF2-40B4-BE49-F238E27FC236}">
+                <a16:creationId xmlns:a16="http://schemas.microsoft.com/office/drawing/2014/main" id="{FFE563FA-4880-391C-43FD-EF34392B9FBB}"/>
+              </a:ext>
+            </a:extLst>
+          </p:cNvPr>
+          <p:cNvSpPr>
+            <a:spLocks noChangeArrowheads="1"/>
+          </p:cNvSpPr>
+          <p:nvPr userDrawn="1"/>
+        </p:nvSpPr>
+        <p:spPr bwMode="auto">
+          <a:xfrm>
+            <a:off x="2641600" y="4191000"/>
+            <a:ext cx="7416800" cy="2209800"/>
+          </a:xfrm>
+          <a:prstGeom prst="rect">
+            <a:avLst/>
+          </a:prstGeom>
+          <a:noFill/>
+          <a:ln>
+            <a:noFill/>
+          </a:ln>
+          <a:effectLst/>
+          <a:extLst>
+            <a:ext uri="{909E8E84-426E-40DD-AFC4-6F175D3DCCD1}">
+              <a14:hiddenFill xmlns:a14="http://schemas.microsoft.com/office/drawing/2010/main">
+                <a:solidFill>
+                  <a:schemeClr val="accent1"/>
+                </a:solidFill>
+              </a14:hiddenFill>
+            </a:ext>
+            <a:ext uri="{91240B29-F687-4F45-9708-019B960494DF}">
+              <a14:hiddenLine xmlns:a14="http://schemas.microsoft.com/office/drawing/2010/main" w="9525">
+                <a:solidFill>
+                  <a:schemeClr val="tx1"/>
+                </a:solidFill>
+                <a:miter lim="800000"/>
+                <a:headEnd/>
+                <a:tailEnd/>
+              </a14:hiddenLine>
+            </a:ext>
+            <a:ext uri="{AF507438-7753-43E0-B8FC-AC1667EBCBE1}">
+              <a14:hiddenEffects xmlns:a14="http://schemas.microsoft.com/office/drawing/2010/main">
+                <a:effectLst>
+                  <a:outerShdw dist="35921" dir="2700000" algn="ctr" rotWithShape="0">
+                    <a:schemeClr val="bg2"/>
+                  </a:outerShdw>
+                </a:effectLst>
+              </a14:hiddenEffects>
+            </a:ext>
+          </a:extLst>
+        </p:spPr>
+        <p:txBody>
+          <a:bodyPr/>
+          <a:lstStyle>
+            <a:lvl1pPr marL="287338" indent="-287338" eaLnBrk="0" hangingPunct="0">
+              <a:spcBef>
+                <a:spcPct val="0"/>
+              </a:spcBef>
+              <a:defRPr kumimoji="1" sz="2400">
+                <a:solidFill>
+                  <a:schemeClr val="tx1"/>
+                </a:solidFill>
+                <a:latin typeface="Times New Roman" panose="02020603050405020304" pitchFamily="18" charset="0"/>
+              </a:defRPr>
+            </a:lvl1pPr>
+            <a:lvl2pPr marL="744538" indent="-287338" eaLnBrk="0" hangingPunct="0">
+              <a:spcBef>
+                <a:spcPct val="0"/>
+              </a:spcBef>
+              <a:defRPr kumimoji="1" sz="2400">
+                <a:solidFill>
+                  <a:schemeClr val="tx1"/>
+                </a:solidFill>
+                <a:latin typeface="Times New Roman" panose="02020603050405020304" pitchFamily="18" charset="0"/>
+              </a:defRPr>
+            </a:lvl2pPr>
+            <a:lvl3pPr eaLnBrk="0" hangingPunct="0">
+              <a:spcBef>
+                <a:spcPct val="0"/>
+              </a:spcBef>
+              <a:defRPr kumimoji="1" sz="2400">
+                <a:solidFill>
+                  <a:schemeClr val="tx1"/>
+                </a:solidFill>
+                <a:latin typeface="Times New Roman" panose="02020603050405020304" pitchFamily="18" charset="0"/>
+              </a:defRPr>
+            </a:lvl3pPr>
+            <a:lvl4pPr eaLnBrk="0" hangingPunct="0">
+              <a:spcBef>
+                <a:spcPct val="0"/>
+              </a:spcBef>
+              <a:defRPr kumimoji="1" sz="2400">
+                <a:solidFill>
+                  <a:schemeClr val="tx1"/>
+                </a:solidFill>
+                <a:latin typeface="Times New Roman" panose="02020603050405020304" pitchFamily="18" charset="0"/>
+              </a:defRPr>
+            </a:lvl4pPr>
+            <a:lvl5pPr eaLnBrk="0" hangingPunct="0">
+              <a:spcBef>
+                <a:spcPct val="0"/>
+              </a:spcBef>
+              <a:defRPr kumimoji="1" sz="2400">
+                <a:solidFill>
+                  <a:schemeClr val="tx1"/>
+                </a:solidFill>
+                <a:latin typeface="Times New Roman" panose="02020603050405020304" pitchFamily="18" charset="0"/>
+              </a:defRPr>
+            </a:lvl5pPr>
+            <a:lvl6pPr eaLnBrk="0" fontAlgn="base" hangingPunct="0">
+              <a:spcBef>
+                <a:spcPct val="0"/>
+              </a:spcBef>
+              <a:spcAft>
+                <a:spcPct val="0"/>
+              </a:spcAft>
+              <a:defRPr kumimoji="1" sz="2400">
+                <a:solidFill>
+                  <a:schemeClr val="tx1"/>
+                </a:solidFill>
+                <a:latin typeface="Times New Roman" panose="02020603050405020304" pitchFamily="18" charset="0"/>
+              </a:defRPr>
+            </a:lvl6pPr>
+            <a:lvl7pPr eaLnBrk="0" fontAlgn="base" hangingPunct="0">
+              <a:spcBef>
+                <a:spcPct val="0"/>
+              </a:spcBef>
+              <a:spcAft>
+                <a:spcPct val="0"/>
+              </a:spcAft>
+              <a:defRPr kumimoji="1" sz="2400">
+                <a:solidFill>
+                  <a:schemeClr val="tx1"/>
+                </a:solidFill>
+                <a:latin typeface="Times New Roman" panose="02020603050405020304" pitchFamily="18" charset="0"/>
+              </a:defRPr>
+            </a:lvl7pPr>
+            <a:lvl8pPr eaLnBrk="0" fontAlgn="base" hangingPunct="0">
+              <a:spcBef>
+                <a:spcPct val="0"/>
+              </a:spcBef>
+              <a:spcAft>
+                <a:spcPct val="0"/>
+              </a:spcAft>
+              <a:defRPr kumimoji="1" sz="2400">
+                <a:solidFill>
+                  <a:schemeClr val="tx1"/>
+                </a:solidFill>
+                <a:latin typeface="Times New Roman" panose="02020603050405020304" pitchFamily="18" charset="0"/>
+              </a:defRPr>
+            </a:lvl8pPr>
+            <a:lvl9pPr eaLnBrk="0" fontAlgn="base" hangingPunct="0">
+              <a:spcBef>
+                <a:spcPct val="0"/>
+              </a:spcBef>
+              <a:spcAft>
+                <a:spcPct val="0"/>
+              </a:spcAft>
+              <a:defRPr kumimoji="1" sz="2400">
+                <a:solidFill>
+                  <a:schemeClr val="tx1"/>
+                </a:solidFill>
+                <a:latin typeface="Times New Roman" panose="02020603050405020304" pitchFamily="18" charset="0"/>
+              </a:defRPr>
+            </a:lvl9pPr>
+          </a:lstStyle>
+          <a:p>
+            <a:pPr eaLnBrk="1" hangingPunct="1">
+              <a:lnSpc>
+                <a:spcPct val="102000"/>
+              </a:lnSpc>
+              <a:spcBef>
+                <a:spcPct val="20000"/>
+              </a:spcBef>
+              <a:buClr>
+                <a:srgbClr val="808080"/>
+              </a:buClr>
+              <a:buSzPct val="60000"/>
+            </a:pPr>
+            <a:endParaRPr kumimoji="0" lang="en-GB" altLang="zh-CN" sz="1600">
+              <a:latin typeface="Verdana" panose="020B0604030504040204" pitchFamily="34" charset="0"/>
+            </a:endParaRPr>
+          </a:p>
+        </p:txBody>
+      </p:sp>
+    </p:spTree>
+    <p:extLst>
+      <p:ext uri="{BB962C8B-B14F-4D97-AF65-F5344CB8AC3E}">
+        <p14:creationId xmlns:p14="http://schemas.microsoft.com/office/powerpoint/2010/main" val="2829604413"/>
+      </p:ext>
+    </p:extLst>
+  </p:cSld>
+  <p:clrMapOvr>
+    <a:masterClrMapping/>
+  </p:clrMapOvr>
+  <mc:AlternateContent xmlns:mc="http://schemas.openxmlformats.org/markup-compatibility/2006" xmlns:p14="http://schemas.microsoft.com/office/powerpoint/2010/main">
+    <mc:Choice Requires="p14">
+      <p:transition spd="med" p14:dur="700">
+        <p:fade/>
+      </p:transition>
+    </mc:Choice>
+    <mc:Fallback xmlns="">
+      <p:transition spd="med">
+        <p:fade/>
+      </p:transition>
+    </mc:Fallback>
+  </mc:AlternateContent>
+</p:sldLayout>
+</file>
+
+<file path=ppt/slideLayouts/slideLayout13.xml><?xml version="1.0" encoding="utf-8"?>
+<p:sldLayout xmlns:a="http://schemas.openxmlformats.org/drawingml/2006/main" xmlns:r="http://schemas.openxmlformats.org/officeDocument/2006/relationships" xmlns:p="http://schemas.openxmlformats.org/presentationml/2006/main" preserve="1" userDrawn="1">
+  <p:cSld name="2_标题幻灯片">
+    <p:spTree>
+      <p:nvGrpSpPr>
+        <p:cNvPr id="1" name=""/>
+        <p:cNvGrpSpPr/>
+        <p:nvPr/>
+      </p:nvGrpSpPr>
+      <p:grpSpPr>
+        <a:xfrm>
+          <a:off x="0" y="0"/>
+          <a:ext cx="0" cy="0"/>
+          <a:chOff x="0" y="0"/>
+          <a:chExt cx="0" cy="0"/>
+        </a:xfrm>
+      </p:grpSpPr>
+      <p:sp>
+        <p:nvSpPr>
+          <p:cNvPr id="19483" name="Rectangle 27">
+            <a:extLst>
+              <a:ext uri="{FF2B5EF4-FFF2-40B4-BE49-F238E27FC236}">
+                <a16:creationId xmlns:a16="http://schemas.microsoft.com/office/drawing/2014/main" id="{FFE563FA-4880-391C-43FD-EF34392B9FBB}"/>
+              </a:ext>
+            </a:extLst>
+          </p:cNvPr>
+          <p:cNvSpPr>
+            <a:spLocks noChangeArrowheads="1"/>
+          </p:cNvSpPr>
+          <p:nvPr userDrawn="1"/>
+        </p:nvSpPr>
+        <p:spPr bwMode="auto">
+          <a:xfrm>
+            <a:off x="2641600" y="4191000"/>
+            <a:ext cx="7416800" cy="2209800"/>
+          </a:xfrm>
+          <a:prstGeom prst="rect">
+            <a:avLst/>
+          </a:prstGeom>
+          <a:noFill/>
+          <a:ln>
+            <a:noFill/>
+          </a:ln>
+          <a:effectLst/>
+          <a:extLst>
+            <a:ext uri="{909E8E84-426E-40DD-AFC4-6F175D3DCCD1}">
+              <a14:hiddenFill xmlns:a14="http://schemas.microsoft.com/office/drawing/2010/main">
+                <a:solidFill>
+                  <a:schemeClr val="accent1"/>
+                </a:solidFill>
+              </a14:hiddenFill>
+            </a:ext>
+            <a:ext uri="{91240B29-F687-4F45-9708-019B960494DF}">
+              <a14:hiddenLine xmlns:a14="http://schemas.microsoft.com/office/drawing/2010/main" w="9525">
+                <a:solidFill>
+                  <a:schemeClr val="tx1"/>
+                </a:solidFill>
+                <a:miter lim="800000"/>
+                <a:headEnd/>
+                <a:tailEnd/>
+              </a14:hiddenLine>
+            </a:ext>
+            <a:ext uri="{AF507438-7753-43E0-B8FC-AC1667EBCBE1}">
+              <a14:hiddenEffects xmlns:a14="http://schemas.microsoft.com/office/drawing/2010/main">
+                <a:effectLst>
+                  <a:outerShdw dist="35921" dir="2700000" algn="ctr" rotWithShape="0">
+                    <a:schemeClr val="bg2"/>
+                  </a:outerShdw>
+                </a:effectLst>
+              </a14:hiddenEffects>
+            </a:ext>
+          </a:extLst>
+        </p:spPr>
+        <p:txBody>
+          <a:bodyPr/>
+          <a:lstStyle>
+            <a:lvl1pPr marL="287338" indent="-287338" eaLnBrk="0" hangingPunct="0">
+              <a:spcBef>
+                <a:spcPct val="0"/>
+              </a:spcBef>
+              <a:defRPr kumimoji="1" sz="2400">
+                <a:solidFill>
+                  <a:schemeClr val="tx1"/>
+                </a:solidFill>
+                <a:latin typeface="Times New Roman" panose="02020603050405020304" pitchFamily="18" charset="0"/>
+              </a:defRPr>
+            </a:lvl1pPr>
+            <a:lvl2pPr marL="744538" indent="-287338" eaLnBrk="0" hangingPunct="0">
+              <a:spcBef>
+                <a:spcPct val="0"/>
+              </a:spcBef>
+              <a:defRPr kumimoji="1" sz="2400">
+                <a:solidFill>
+                  <a:schemeClr val="tx1"/>
+                </a:solidFill>
+                <a:latin typeface="Times New Roman" panose="02020603050405020304" pitchFamily="18" charset="0"/>
+              </a:defRPr>
+            </a:lvl2pPr>
+            <a:lvl3pPr eaLnBrk="0" hangingPunct="0">
+              <a:spcBef>
+                <a:spcPct val="0"/>
+              </a:spcBef>
+              <a:defRPr kumimoji="1" sz="2400">
+                <a:solidFill>
+                  <a:schemeClr val="tx1"/>
+                </a:solidFill>
+                <a:latin typeface="Times New Roman" panose="02020603050405020304" pitchFamily="18" charset="0"/>
+              </a:defRPr>
+            </a:lvl3pPr>
+            <a:lvl4pPr eaLnBrk="0" hangingPunct="0">
+              <a:spcBef>
+                <a:spcPct val="0"/>
+              </a:spcBef>
+              <a:defRPr kumimoji="1" sz="2400">
+                <a:solidFill>
+                  <a:schemeClr val="tx1"/>
+                </a:solidFill>
+                <a:latin typeface="Times New Roman" panose="02020603050405020304" pitchFamily="18" charset="0"/>
+              </a:defRPr>
+            </a:lvl4pPr>
+            <a:lvl5pPr eaLnBrk="0" hangingPunct="0">
+              <a:spcBef>
+                <a:spcPct val="0"/>
+              </a:spcBef>
+              <a:defRPr kumimoji="1" sz="2400">
+                <a:solidFill>
+                  <a:schemeClr val="tx1"/>
+                </a:solidFill>
+                <a:latin typeface="Times New Roman" panose="02020603050405020304" pitchFamily="18" charset="0"/>
+              </a:defRPr>
+            </a:lvl5pPr>
+            <a:lvl6pPr eaLnBrk="0" fontAlgn="base" hangingPunct="0">
+              <a:spcBef>
+                <a:spcPct val="0"/>
+              </a:spcBef>
+              <a:spcAft>
+                <a:spcPct val="0"/>
+              </a:spcAft>
+              <a:defRPr kumimoji="1" sz="2400">
+                <a:solidFill>
+                  <a:schemeClr val="tx1"/>
+                </a:solidFill>
+                <a:latin typeface="Times New Roman" panose="02020603050405020304" pitchFamily="18" charset="0"/>
+              </a:defRPr>
+            </a:lvl6pPr>
+            <a:lvl7pPr eaLnBrk="0" fontAlgn="base" hangingPunct="0">
+              <a:spcBef>
+                <a:spcPct val="0"/>
+              </a:spcBef>
+              <a:spcAft>
+                <a:spcPct val="0"/>
+              </a:spcAft>
+              <a:defRPr kumimoji="1" sz="2400">
+                <a:solidFill>
+                  <a:schemeClr val="tx1"/>
+                </a:solidFill>
+                <a:latin typeface="Times New Roman" panose="02020603050405020304" pitchFamily="18" charset="0"/>
+              </a:defRPr>
+            </a:lvl7pPr>
+            <a:lvl8pPr eaLnBrk="0" fontAlgn="base" hangingPunct="0">
+              <a:spcBef>
+                <a:spcPct val="0"/>
+              </a:spcBef>
+              <a:spcAft>
+                <a:spcPct val="0"/>
+              </a:spcAft>
+              <a:defRPr kumimoji="1" sz="2400">
+                <a:solidFill>
+                  <a:schemeClr val="tx1"/>
+                </a:solidFill>
+                <a:latin typeface="Times New Roman" panose="02020603050405020304" pitchFamily="18" charset="0"/>
+              </a:defRPr>
+            </a:lvl8pPr>
+            <a:lvl9pPr eaLnBrk="0" fontAlgn="base" hangingPunct="0">
+              <a:spcBef>
+                <a:spcPct val="0"/>
+              </a:spcBef>
+              <a:spcAft>
+                <a:spcPct val="0"/>
+              </a:spcAft>
+              <a:defRPr kumimoji="1" sz="2400">
+                <a:solidFill>
+                  <a:schemeClr val="tx1"/>
+                </a:solidFill>
+                <a:latin typeface="Times New Roman" panose="02020603050405020304" pitchFamily="18" charset="0"/>
+              </a:defRPr>
+            </a:lvl9pPr>
+          </a:lstStyle>
+          <a:p>
+            <a:pPr eaLnBrk="1" hangingPunct="1">
+              <a:lnSpc>
+                <a:spcPct val="102000"/>
+              </a:lnSpc>
+              <a:spcBef>
+                <a:spcPct val="20000"/>
+              </a:spcBef>
+              <a:buClr>
+                <a:srgbClr val="808080"/>
+              </a:buClr>
+              <a:buSzPct val="60000"/>
+            </a:pPr>
+            <a:endParaRPr kumimoji="0" lang="en-GB" altLang="zh-CN" sz="1600">
+              <a:latin typeface="Verdana" panose="020B0604030504040204" pitchFamily="34" charset="0"/>
+            </a:endParaRPr>
+          </a:p>
+        </p:txBody>
+      </p:sp>
+    </p:spTree>
+    <p:extLst>
+      <p:ext uri="{BB962C8B-B14F-4D97-AF65-F5344CB8AC3E}">
+        <p14:creationId xmlns:p14="http://schemas.microsoft.com/office/powerpoint/2010/main" val="1518373576"/>
+      </p:ext>
+    </p:extLst>
+  </p:cSld>
+  <p:clrMapOvr>
+    <a:masterClrMapping/>
+  </p:clrMapOvr>
+  <mc:AlternateContent xmlns:mc="http://schemas.openxmlformats.org/markup-compatibility/2006" xmlns:p14="http://schemas.microsoft.com/office/powerpoint/2010/main">
+    <mc:Choice Requires="p14">
+      <p:transition spd="med" p14:dur="700">
+        <p:fade/>
+      </p:transition>
+    </mc:Choice>
+    <mc:Fallback xmlns="">
+      <p:transition spd="med">
+        <p:fade/>
+      </p:transition>
+    </mc:Fallback>
+  </mc:AlternateContent>
+</p:sldLayout>
+</file>
+
+<file path=ppt/slideLayouts/slideLayout14.xml><?xml version="1.0" encoding="utf-8"?>
 <p:sldLayout xmlns:a="http://schemas.openxmlformats.org/drawingml/2006/main" xmlns:r="http://schemas.openxmlformats.org/officeDocument/2006/relationships" xmlns:p="http://schemas.openxmlformats.org/presentationml/2006/main" showMasterSp="0" userDrawn="1">
-  <p:cSld name="1_标题幻灯片">
+  <p:cSld name="3_标题幻灯片">
     <p:spTree>
       <p:nvGrpSpPr>
         <p:cNvPr id="1" name=""/>
@@ -9564,7 +10003,7 @@
           <a:p>
             <a:fld id="{F721228B-0167-4061-A906-8575043315EE}" type="datetimeFigureOut">
               <a:rPr lang="zh-CN" altLang="en-US" smtClean="0"/>
-              <a:t>2024/7/19 Fri</a:t>
+              <a:t>2025/6/6 Fri</a:t>
             </a:fld>
             <a:endParaRPr lang="zh-CN" altLang="en-US"/>
           </a:p>
@@ -9629,7 +10068,7 @@
           <p:cNvPr id="8" name="矩形 7">
             <a:extLst>
               <a:ext uri="{FF2B5EF4-FFF2-40B4-BE49-F238E27FC236}">
-                <a16:creationId xmlns:a16="http://schemas.microsoft.com/office/drawing/2014/main" id="{25973751-9434-2845-7261-188CF1A67B9E}"/>
+                <a16:creationId xmlns:a16="http://schemas.microsoft.com/office/drawing/2014/main" id="{F52872EC-81BB-5622-062D-1B604B1CF283}"/>
               </a:ext>
             </a:extLst>
           </p:cNvPr>
@@ -9676,7 +10115,7 @@
     </p:spTree>
     <p:extLst>
       <p:ext uri="{BB962C8B-B14F-4D97-AF65-F5344CB8AC3E}">
-        <p14:creationId xmlns:p14="http://schemas.microsoft.com/office/powerpoint/2010/main" val="2116765151"/>
+        <p14:creationId xmlns:p14="http://schemas.microsoft.com/office/powerpoint/2010/main" val="629301356"/>
       </p:ext>
     </p:extLst>
   </p:cSld>
@@ -9900,7 +10339,7 @@
           <a:p>
             <a:fld id="{F721228B-0167-4061-A906-8575043315EE}" type="datetimeFigureOut">
               <a:rPr lang="zh-CN" altLang="en-US" smtClean="0"/>
-              <a:t>2024/7/19 Fri</a:t>
+              <a:t>2025/6/6 Fri</a:t>
             </a:fld>
             <a:endParaRPr lang="zh-CN" altLang="en-US"/>
           </a:p>
@@ -9963,7 +10402,7 @@
     </p:spTree>
     <p:extLst>
       <p:ext uri="{BB962C8B-B14F-4D97-AF65-F5344CB8AC3E}">
-        <p14:creationId xmlns:p14="http://schemas.microsoft.com/office/powerpoint/2010/main" val="3876442843"/>
+        <p14:creationId xmlns:p14="http://schemas.microsoft.com/office/powerpoint/2010/main" val="1890305873"/>
       </p:ext>
     </p:extLst>
   </p:cSld>
@@ -10258,7 +10697,7 @@
           <a:p>
             <a:fld id="{F721228B-0167-4061-A906-8575043315EE}" type="datetimeFigureOut">
               <a:rPr lang="zh-CN" altLang="en-US" smtClean="0"/>
-              <a:t>2024/7/19 Fri</a:t>
+              <a:t>2025/6/6 Fri</a:t>
             </a:fld>
             <a:endParaRPr lang="zh-CN" altLang="en-US"/>
           </a:p>
@@ -10323,7 +10762,7 @@
           <p:cNvPr id="9" name="矩形 8">
             <a:extLst>
               <a:ext uri="{FF2B5EF4-FFF2-40B4-BE49-F238E27FC236}">
-                <a16:creationId xmlns:a16="http://schemas.microsoft.com/office/drawing/2014/main" id="{15D63F93-5B88-76F9-2352-FF2AD405A610}"/>
+                <a16:creationId xmlns:a16="http://schemas.microsoft.com/office/drawing/2014/main" id="{82EB41EB-0D08-7526-0E4D-92DD20C296DF}"/>
               </a:ext>
             </a:extLst>
           </p:cNvPr>
@@ -10370,7 +10809,7 @@
     </p:spTree>
     <p:extLst>
       <p:ext uri="{BB962C8B-B14F-4D97-AF65-F5344CB8AC3E}">
-        <p14:creationId xmlns:p14="http://schemas.microsoft.com/office/powerpoint/2010/main" val="2296489930"/>
+        <p14:creationId xmlns:p14="http://schemas.microsoft.com/office/powerpoint/2010/main" val="2050045814"/>
       </p:ext>
     </p:extLst>
   </p:cSld>
@@ -10731,7 +11170,7 @@
           <a:p>
             <a:fld id="{F721228B-0167-4061-A906-8575043315EE}" type="datetimeFigureOut">
               <a:rPr lang="zh-CN" altLang="en-US" smtClean="0"/>
-              <a:t>2024/7/19 Fri</a:t>
+              <a:t>2025/6/6 Fri</a:t>
             </a:fld>
             <a:endParaRPr lang="zh-CN" altLang="en-US"/>
           </a:p>
@@ -10794,7 +11233,7 @@
     </p:spTree>
     <p:extLst>
       <p:ext uri="{BB962C8B-B14F-4D97-AF65-F5344CB8AC3E}">
-        <p14:creationId xmlns:p14="http://schemas.microsoft.com/office/powerpoint/2010/main" val="1903742116"/>
+        <p14:creationId xmlns:p14="http://schemas.microsoft.com/office/powerpoint/2010/main" val="1861002997"/>
       </p:ext>
     </p:extLst>
   </p:cSld>
@@ -10884,7 +11323,7 @@
           <a:p>
             <a:fld id="{F721228B-0167-4061-A906-8575043315EE}" type="datetimeFigureOut">
               <a:rPr lang="zh-CN" altLang="en-US" smtClean="0"/>
-              <a:t>2024/7/19 Fri</a:t>
+              <a:t>2025/6/6 Fri</a:t>
             </a:fld>
             <a:endParaRPr lang="zh-CN" altLang="en-US"/>
           </a:p>
@@ -10947,7 +11386,7 @@
     </p:spTree>
     <p:extLst>
       <p:ext uri="{BB962C8B-B14F-4D97-AF65-F5344CB8AC3E}">
-        <p14:creationId xmlns:p14="http://schemas.microsoft.com/office/powerpoint/2010/main" val="2266343131"/>
+        <p14:creationId xmlns:p14="http://schemas.microsoft.com/office/powerpoint/2010/main" val="957037984"/>
       </p:ext>
     </p:extLst>
   </p:cSld>
@@ -11009,7 +11448,7 @@
           <a:p>
             <a:fld id="{F721228B-0167-4061-A906-8575043315EE}" type="datetimeFigureOut">
               <a:rPr lang="zh-CN" altLang="en-US" smtClean="0"/>
-              <a:t>2024/7/19 Fri</a:t>
+              <a:t>2025/6/6 Fri</a:t>
             </a:fld>
             <a:endParaRPr lang="zh-CN" altLang="en-US"/>
           </a:p>
@@ -11072,7 +11511,7 @@
     </p:spTree>
     <p:extLst>
       <p:ext uri="{BB962C8B-B14F-4D97-AF65-F5344CB8AC3E}">
-        <p14:creationId xmlns:p14="http://schemas.microsoft.com/office/powerpoint/2010/main" val="3125871839"/>
+        <p14:creationId xmlns:p14="http://schemas.microsoft.com/office/powerpoint/2010/main" val="918559114"/>
       </p:ext>
     </p:extLst>
   </p:cSld>
@@ -11332,7 +11771,7 @@
           <a:p>
             <a:fld id="{F721228B-0167-4061-A906-8575043315EE}" type="datetimeFigureOut">
               <a:rPr lang="zh-CN" altLang="en-US" smtClean="0"/>
-              <a:t>2024/7/19 Fri</a:t>
+              <a:t>2025/6/6 Fri</a:t>
             </a:fld>
             <a:endParaRPr lang="zh-CN" altLang="en-US"/>
           </a:p>
@@ -11395,7 +11834,7 @@
     </p:spTree>
     <p:extLst>
       <p:ext uri="{BB962C8B-B14F-4D97-AF65-F5344CB8AC3E}">
-        <p14:creationId xmlns:p14="http://schemas.microsoft.com/office/powerpoint/2010/main" val="4269120921"/>
+        <p14:creationId xmlns:p14="http://schemas.microsoft.com/office/powerpoint/2010/main" val="464334452"/>
       </p:ext>
     </p:extLst>
   </p:cSld>
@@ -11632,7 +12071,7 @@
           <a:p>
             <a:fld id="{F721228B-0167-4061-A906-8575043315EE}" type="datetimeFigureOut">
               <a:rPr lang="zh-CN" altLang="en-US" smtClean="0"/>
-              <a:t>2024/7/19 Fri</a:t>
+              <a:t>2025/6/6 Fri</a:t>
             </a:fld>
             <a:endParaRPr lang="zh-CN" altLang="en-US"/>
           </a:p>
@@ -11695,7 +12134,7 @@
     </p:spTree>
     <p:extLst>
       <p:ext uri="{BB962C8B-B14F-4D97-AF65-F5344CB8AC3E}">
-        <p14:creationId xmlns:p14="http://schemas.microsoft.com/office/powerpoint/2010/main" val="3839517779"/>
+        <p14:creationId xmlns:p14="http://schemas.microsoft.com/office/powerpoint/2010/main" val="1645570117"/>
       </p:ext>
     </p:extLst>
   </p:cSld>
@@ -11718,12 +12157,23 @@
 </file>
 
 <file path=ppt/slideMasters/slideMaster1.xml><?xml version="1.0" encoding="utf-8"?>
-<p:sldMaster xmlns:a="http://schemas.openxmlformats.org/drawingml/2006/main" xmlns:r="http://schemas.openxmlformats.org/officeDocument/2006/relationships" xmlns:p="http://schemas.openxmlformats.org/presentationml/2006/main">
+<p:sldMaster xmlns:a="http://schemas.openxmlformats.org/drawingml/2006/main" xmlns:r="http://schemas.openxmlformats.org/officeDocument/2006/relationships" xmlns:p="http://schemas.openxmlformats.org/presentationml/2006/main" preserve="1">
   <p:cSld>
     <p:bg>
-      <p:bgRef idx="1001">
-        <a:schemeClr val="bg1"/>
-      </p:bgRef>
+      <p:bgPr>
+        <a:gradFill>
+          <a:gsLst>
+            <a:gs pos="0">
+              <a:schemeClr val="bg1"/>
+            </a:gs>
+            <a:gs pos="100000">
+              <a:srgbClr val="F0F8FF"/>
+            </a:gs>
+          </a:gsLst>
+          <a:lin ang="5400000" scaled="1"/>
+        </a:gradFill>
+        <a:effectLst/>
+      </p:bgPr>
     </p:bg>
     <p:spTree>
       <p:nvGrpSpPr>
@@ -11885,7 +12335,7 @@
           <a:p>
             <a:fld id="{F721228B-0167-4061-A906-8575043315EE}" type="datetimeFigureOut">
               <a:rPr lang="zh-CN" altLang="en-US" smtClean="0"/>
-              <a:t>2024/7/19 Fri</a:t>
+              <a:t>2025/6/6 Fri</a:t>
             </a:fld>
             <a:endParaRPr lang="zh-CN" altLang="en-US"/>
           </a:p>
@@ -11981,27 +12431,59 @@
           </a:p>
         </p:txBody>
       </p:sp>
+      <p:pic>
+        <p:nvPicPr>
+          <p:cNvPr id="7" name="图片 6">
+            <a:extLst>
+              <a:ext uri="{FF2B5EF4-FFF2-40B4-BE49-F238E27FC236}">
+                <a16:creationId xmlns:a16="http://schemas.microsoft.com/office/drawing/2014/main" id="{68A54585-7C5F-477D-7B3E-CE77E2F12069}"/>
+              </a:ext>
+            </a:extLst>
+          </p:cNvPr>
+          <p:cNvPicPr/>
+          <p:nvPr userDrawn="1"/>
+        </p:nvPicPr>
+        <p:blipFill>
+          <a:blip r:embed="rId16"/>
+          <a:stretch/>
+        </p:blipFill>
+        <p:spPr>
+          <a:xfrm>
+            <a:off x="11234160" y="5770605"/>
+            <a:ext cx="699060" cy="815726"/>
+          </a:xfrm>
+          <a:prstGeom prst="rect">
+            <a:avLst/>
+          </a:prstGeom>
+          <a:noFill/>
+          <a:ln w="0">
+            <a:noFill/>
+          </a:ln>
+        </p:spPr>
+      </p:pic>
     </p:spTree>
     <p:extLst>
       <p:ext uri="{BB962C8B-B14F-4D97-AF65-F5344CB8AC3E}">
-        <p14:creationId xmlns:p14="http://schemas.microsoft.com/office/powerpoint/2010/main" val="1766057859"/>
+        <p14:creationId xmlns:p14="http://schemas.microsoft.com/office/powerpoint/2010/main" val="3116067069"/>
       </p:ext>
     </p:extLst>
   </p:cSld>
   <p:clrMap bg1="lt1" tx1="dk1" bg2="lt2" tx2="dk2" accent1="accent1" accent2="accent2" accent3="accent3" accent4="accent4" accent5="accent5" accent6="accent6" hlink="hlink" folHlink="folHlink"/>
   <p:sldLayoutIdLst>
-    <p:sldLayoutId id="2147483649" r:id="rId1"/>
-    <p:sldLayoutId id="2147483650" r:id="rId2"/>
-    <p:sldLayoutId id="2147483651" r:id="rId3"/>
-    <p:sldLayoutId id="2147483652" r:id="rId4"/>
-    <p:sldLayoutId id="2147483653" r:id="rId5"/>
-    <p:sldLayoutId id="2147483654" r:id="rId6"/>
-    <p:sldLayoutId id="2147483655" r:id="rId7"/>
-    <p:sldLayoutId id="2147483656" r:id="rId8"/>
-    <p:sldLayoutId id="2147483657" r:id="rId9"/>
-    <p:sldLayoutId id="2147483658" r:id="rId10"/>
-    <p:sldLayoutId id="2147483659" r:id="rId11"/>
-    <p:sldLayoutId id="2147483660" r:id="rId12"/>
+    <p:sldLayoutId id="2147483662" r:id="rId1"/>
+    <p:sldLayoutId id="2147483663" r:id="rId2"/>
+    <p:sldLayoutId id="2147483664" r:id="rId3"/>
+    <p:sldLayoutId id="2147483665" r:id="rId4"/>
+    <p:sldLayoutId id="2147483666" r:id="rId5"/>
+    <p:sldLayoutId id="2147483667" r:id="rId6"/>
+    <p:sldLayoutId id="2147483668" r:id="rId7"/>
+    <p:sldLayoutId id="2147483669" r:id="rId8"/>
+    <p:sldLayoutId id="2147483670" r:id="rId9"/>
+    <p:sldLayoutId id="2147483671" r:id="rId10"/>
+    <p:sldLayoutId id="2147483672" r:id="rId11"/>
+    <p:sldLayoutId id="2147483673" r:id="rId12"/>
+    <p:sldLayoutId id="2147483674" r:id="rId13"/>
+    <p:sldLayoutId id="2147483660" r:id="rId14"/>
   </p:sldLayoutIdLst>
   <mc:AlternateContent xmlns:mc="http://schemas.openxmlformats.org/markup-compatibility/2006" xmlns:p14="http://schemas.microsoft.com/office/powerpoint/2010/main">
     <mc:Choice Requires="p14">
@@ -12301,14 +12783,6 @@
 <file path=ppt/slides/slide1.xml><?xml version="1.0" encoding="utf-8"?>
 <p:sld xmlns:a="http://schemas.openxmlformats.org/drawingml/2006/main" xmlns:r="http://schemas.openxmlformats.org/officeDocument/2006/relationships" xmlns:p="http://schemas.openxmlformats.org/presentationml/2006/main">
   <p:cSld>
-    <p:bg>
-      <p:bgPr>
-        <a:solidFill>
-          <a:srgbClr val="FFFAD4"/>
-        </a:solidFill>
-        <a:effectLst/>
-      </p:bgPr>
-    </p:bg>
     <p:spTree>
       <p:nvGrpSpPr>
         <p:cNvPr id="1" name=""/>
@@ -12341,20 +12815,20 @@
         </p:nvSpPr>
         <p:spPr>
           <a:xfrm>
-            <a:off x="-16934" y="3201698"/>
-            <a:ext cx="12208933" cy="1600200"/>
+            <a:off x="-17463" y="3644900"/>
+            <a:ext cx="12209463" cy="1600200"/>
           </a:xfrm>
-          <a:solidFill>
-            <a:srgbClr val="F6E979"/>
-          </a:solidFill>
+          <a:noFill/>
         </p:spPr>
         <p:txBody>
-          <a:bodyPr/>
+          <a:bodyPr>
+            <a:normAutofit/>
+          </a:bodyPr>
           <a:lstStyle/>
           <a:p>
             <a:pPr algn="ctr"/>
             <a:r>
-              <a:rPr lang="en-US" altLang="zh-CN">
+              <a:rPr lang="en-US" altLang="zh-CN" sz="4800" dirty="0">
                 <a:solidFill>
                   <a:schemeClr val="tx1">
                     <a:lumMod val="95000"/>
@@ -12374,7 +12848,7 @@
               <a:t>Python </a:t>
             </a:r>
             <a:r>
-              <a:rPr lang="zh-CN" altLang="en-US">
+              <a:rPr lang="zh-CN" altLang="en-US" sz="4800" dirty="0">
                 <a:solidFill>
                   <a:schemeClr val="tx1">
                     <a:lumMod val="95000"/>
@@ -12391,10 +12865,10 @@
                 <a:latin typeface="华文琥珀" panose="02010800040101010101" pitchFamily="2" charset="-122"/>
                 <a:ea typeface="华文琥珀" panose="02010800040101010101" pitchFamily="2" charset="-122"/>
               </a:rPr>
-              <a:t>编程</a:t>
-            </a:r>
-            <a:r>
-              <a:rPr lang="zh-CN" altLang="en-US" dirty="0">
+              <a:t>编程：从入门到实践</a:t>
+            </a:r>
+            <a:br>
+              <a:rPr lang="en-US" altLang="zh-CN" sz="4800" dirty="0">
                 <a:solidFill>
                   <a:schemeClr val="tx1">
                     <a:lumMod val="95000"/>
@@ -12411,10 +12885,9 @@
                 <a:latin typeface="华文琥珀" panose="02010800040101010101" pitchFamily="2" charset="-122"/>
                 <a:ea typeface="华文琥珀" panose="02010800040101010101" pitchFamily="2" charset="-122"/>
               </a:rPr>
-              <a:t>：从入门到实践</a:t>
-            </a:r>
-            <a:br>
-              <a:rPr lang="en-US" altLang="zh-CN" dirty="0">
+            </a:br>
+            <a:r>
+              <a:rPr lang="zh-CN" altLang="en-US" sz="4800" dirty="0">
                 <a:solidFill>
                   <a:schemeClr val="tx1">
                     <a:lumMod val="95000"/>
@@ -12431,28 +12904,9 @@
                 <a:latin typeface="华文琥珀" panose="02010800040101010101" pitchFamily="2" charset="-122"/>
                 <a:ea typeface="华文琥珀" panose="02010800040101010101" pitchFamily="2" charset="-122"/>
               </a:rPr>
-            </a:br>
-            <a:r>
-              <a:rPr lang="zh-CN" altLang="en-US" dirty="0">
-                <a:solidFill>
-                  <a:schemeClr val="tx1">
-                    <a:lumMod val="95000"/>
-                    <a:lumOff val="5000"/>
-                  </a:schemeClr>
-                </a:solidFill>
-                <a:effectLst>
-                  <a:outerShdw blurRad="38100" dist="38100" dir="2700000" algn="tl">
-                    <a:srgbClr val="000000">
-                      <a:alpha val="43137"/>
-                    </a:srgbClr>
-                  </a:outerShdw>
-                </a:effectLst>
-                <a:latin typeface="华文琥珀" panose="02010800040101010101" pitchFamily="2" charset="-122"/>
-                <a:ea typeface="华文琥珀" panose="02010800040101010101" pitchFamily="2" charset="-122"/>
-              </a:rPr>
               <a:t>（第三版）</a:t>
             </a:r>
-            <a:endParaRPr lang="en-US" altLang="zh-CN" dirty="0">
+            <a:endParaRPr lang="en-US" altLang="zh-CN" sz="4800" dirty="0">
               <a:solidFill>
                 <a:schemeClr val="tx1">
                   <a:lumMod val="95000"/>
@@ -12488,8 +12942,8 @@
         </p:nvSpPr>
         <p:spPr bwMode="auto">
           <a:xfrm>
-            <a:off x="4559361" y="5491971"/>
-            <a:ext cx="3073277" cy="369332"/>
+            <a:off x="4304483" y="5491971"/>
+            <a:ext cx="3583033" cy="461665"/>
           </a:xfrm>
           <a:prstGeom prst="rect">
             <a:avLst/>
@@ -12539,8 +12993,8 @@
               <a:buNone/>
             </a:pPr>
             <a:r>
-              <a:rPr lang="en-US" altLang="zh-CN" b="1" dirty="0">
-                <a:latin typeface="Verdana" panose="020B0604030504040204" pitchFamily="34" charset="0"/>
+              <a:rPr lang="en-US" altLang="zh-CN" sz="2400" b="1" dirty="0">
+                <a:latin typeface="Consolas" panose="020B0609020204030204" pitchFamily="49" charset="0"/>
                 <a:ea typeface="Verdana" panose="020B0604030504040204" pitchFamily="34" charset="0"/>
               </a:rPr>
               <a:t>Teacher Name / Email</a:t>
@@ -12576,7 +13030,7 @@
         </p:blipFill>
         <p:spPr>
           <a:xfrm>
-            <a:off x="4488200" y="581078"/>
+            <a:off x="4495458" y="804806"/>
             <a:ext cx="3186567" cy="2591873"/>
           </a:xfrm>
           <a:prstGeom prst="rect">
@@ -12586,10 +13040,10 @@
       </p:pic>
       <p:sp>
         <p:nvSpPr>
-          <p:cNvPr id="5" name="矩形 4">
+          <p:cNvPr id="4" name="矩形 3">
             <a:extLst>
               <a:ext uri="{FF2B5EF4-FFF2-40B4-BE49-F238E27FC236}">
-                <a16:creationId xmlns:a16="http://schemas.microsoft.com/office/drawing/2014/main" id="{44939AF0-12AF-355A-65AB-49B915A3AE52}"/>
+                <a16:creationId xmlns:a16="http://schemas.microsoft.com/office/drawing/2014/main" id="{75A0379E-3606-9AF4-7B2C-57E5B4C73ED1}"/>
               </a:ext>
             </a:extLst>
           </p:cNvPr>
@@ -20425,6 +20879,34 @@
       </p:grpSpPr>
       <p:sp>
         <p:nvSpPr>
+          <p:cNvPr id="5" name="标题 4">
+            <a:extLst>
+              <a:ext uri="{FF2B5EF4-FFF2-40B4-BE49-F238E27FC236}">
+                <a16:creationId xmlns:a16="http://schemas.microsoft.com/office/drawing/2014/main" id="{14B5F31E-85DD-B8D9-9ED7-E32A03C57260}"/>
+              </a:ext>
+            </a:extLst>
+          </p:cNvPr>
+          <p:cNvSpPr>
+            <a:spLocks noGrp="1"/>
+          </p:cNvSpPr>
+          <p:nvPr>
+            <p:ph type="title"/>
+          </p:nvPr>
+        </p:nvSpPr>
+        <p:spPr/>
+        <p:txBody>
+          <a:bodyPr/>
+          <a:lstStyle/>
+          <a:p>
+            <a:r>
+              <a:rPr lang="zh-CN" altLang="en-US" dirty="0"/>
+              <a:t>关于本讲义</a:t>
+            </a:r>
+          </a:p>
+        </p:txBody>
+      </p:sp>
+      <p:sp>
+        <p:nvSpPr>
           <p:cNvPr id="3" name="内容占位符 2">
             <a:extLst>
               <a:ext uri="{FF2B5EF4-FFF2-40B4-BE49-F238E27FC236}">
@@ -20564,34 +21046,6 @@
             <a:r>
               <a:rPr lang="en-US" altLang="zh-CN" dirty="0"/>
               <a:t>@Scruel Tao</a:t>
-            </a:r>
-          </a:p>
-        </p:txBody>
-      </p:sp>
-      <p:sp>
-        <p:nvSpPr>
-          <p:cNvPr id="5" name="标题 4">
-            <a:extLst>
-              <a:ext uri="{FF2B5EF4-FFF2-40B4-BE49-F238E27FC236}">
-                <a16:creationId xmlns:a16="http://schemas.microsoft.com/office/drawing/2014/main" id="{14B5F31E-85DD-B8D9-9ED7-E32A03C57260}"/>
-              </a:ext>
-            </a:extLst>
-          </p:cNvPr>
-          <p:cNvSpPr>
-            <a:spLocks noGrp="1"/>
-          </p:cNvSpPr>
-          <p:nvPr>
-            <p:ph type="title"/>
-          </p:nvPr>
-        </p:nvSpPr>
-        <p:spPr/>
-        <p:txBody>
-          <a:bodyPr/>
-          <a:lstStyle/>
-          <a:p>
-            <a:r>
-              <a:rPr lang="zh-CN" altLang="en-US" dirty="0"/>
-              <a:t>关于本讲义</a:t>
             </a:r>
           </a:p>
         </p:txBody>
@@ -33104,7 +33558,7 @@
 </file>
 
 <file path=ppt/theme/theme1.xml><?xml version="1.0" encoding="utf-8"?>
-<a:theme xmlns:a="http://schemas.openxmlformats.org/drawingml/2006/main" name="Office 主题​​">
+<a:theme xmlns:a="http://schemas.openxmlformats.org/drawingml/2006/main" name="2_Office 主题​​">
   <a:themeElements>
     <a:clrScheme name="Office">
       <a:dk1>
